--- a/tagless-final-autotest-19Feb19.pptx
+++ b/tagless-final-autotest-19Feb19.pptx
@@ -5,18 +5,30 @@
     <p:sldMasterId id="2147484011" r:id="rId1"/>
   </p:sldMasterIdLst>
   <p:notesMasterIdLst>
-    <p:notesMasterId r:id="rId11"/>
+    <p:notesMasterId r:id="rId23"/>
   </p:notesMasterIdLst>
   <p:sldIdLst>
     <p:sldId id="256" r:id="rId2"/>
     <p:sldId id="262" r:id="rId3"/>
     <p:sldId id="269" r:id="rId4"/>
-    <p:sldId id="278" r:id="rId5"/>
-    <p:sldId id="265" r:id="rId6"/>
-    <p:sldId id="257" r:id="rId7"/>
-    <p:sldId id="280" r:id="rId8"/>
-    <p:sldId id="285" r:id="rId9"/>
-    <p:sldId id="268" r:id="rId10"/>
+    <p:sldId id="265" r:id="rId5"/>
+    <p:sldId id="257" r:id="rId6"/>
+    <p:sldId id="286" r:id="rId7"/>
+    <p:sldId id="290" r:id="rId8"/>
+    <p:sldId id="287" r:id="rId9"/>
+    <p:sldId id="288" r:id="rId10"/>
+    <p:sldId id="291" r:id="rId11"/>
+    <p:sldId id="292" r:id="rId12"/>
+    <p:sldId id="293" r:id="rId13"/>
+    <p:sldId id="294" r:id="rId14"/>
+    <p:sldId id="298" r:id="rId15"/>
+    <p:sldId id="295" r:id="rId16"/>
+    <p:sldId id="297" r:id="rId17"/>
+    <p:sldId id="296" r:id="rId18"/>
+    <p:sldId id="299" r:id="rId19"/>
+    <p:sldId id="280" r:id="rId20"/>
+    <p:sldId id="285" r:id="rId21"/>
+    <p:sldId id="268" r:id="rId22"/>
   </p:sldIdLst>
   <p:sldSz cx="12192000" cy="6858000"/>
   <p:notesSz cx="6858000" cy="9144000"/>
@@ -205,7 +217,7 @@
           <a:p>
             <a:fld id="{67F3742F-C26F-F540-8C80-F78EAF3DC266}" type="datetimeFigureOut">
               <a:rPr lang="en-US" smtClean="0"/>
-              <a:t>2/16/19</a:t>
+              <a:t>2/19/19</a:t>
             </a:fld>
             <a:endParaRPr lang="en-US"/>
           </a:p>
@@ -556,6 +568,594 @@
 </p:notes>
 </file>
 
+<file path=ppt/notesSlides/notesSlide10.xml><?xml version="1.0" encoding="utf-8"?>
+<p:notes xmlns:a="http://schemas.openxmlformats.org/drawingml/2006/main" xmlns:r="http://schemas.openxmlformats.org/officeDocument/2006/relationships" xmlns:p="http://schemas.openxmlformats.org/presentationml/2006/main">
+  <p:cSld>
+    <p:spTree>
+      <p:nvGrpSpPr>
+        <p:cNvPr id="1" name=""/>
+        <p:cNvGrpSpPr/>
+        <p:nvPr/>
+      </p:nvGrpSpPr>
+      <p:grpSpPr>
+        <a:xfrm>
+          <a:off x="0" y="0"/>
+          <a:ext cx="0" cy="0"/>
+          <a:chOff x="0" y="0"/>
+          <a:chExt cx="0" cy="0"/>
+        </a:xfrm>
+      </p:grpSpPr>
+      <p:sp>
+        <p:nvSpPr>
+          <p:cNvPr id="2" name="Slide Image Placeholder 1"/>
+          <p:cNvSpPr>
+            <a:spLocks noGrp="1" noRot="1" noChangeAspect="1"/>
+          </p:cNvSpPr>
+          <p:nvPr>
+            <p:ph type="sldImg"/>
+          </p:nvPr>
+        </p:nvSpPr>
+        <p:spPr/>
+      </p:sp>
+      <p:sp>
+        <p:nvSpPr>
+          <p:cNvPr id="3" name="Notes Placeholder 2"/>
+          <p:cNvSpPr>
+            <a:spLocks noGrp="1"/>
+          </p:cNvSpPr>
+          <p:nvPr>
+            <p:ph type="body" idx="1"/>
+          </p:nvPr>
+        </p:nvSpPr>
+        <p:spPr/>
+        <p:txBody>
+          <a:bodyPr/>
+          <a:lstStyle/>
+          <a:p>
+            <a:endParaRPr lang="en-US" dirty="0"/>
+          </a:p>
+        </p:txBody>
+      </p:sp>
+      <p:sp>
+        <p:nvSpPr>
+          <p:cNvPr id="4" name="Slide Number Placeholder 3"/>
+          <p:cNvSpPr>
+            <a:spLocks noGrp="1"/>
+          </p:cNvSpPr>
+          <p:nvPr>
+            <p:ph type="sldNum" sz="quarter" idx="5"/>
+          </p:nvPr>
+        </p:nvSpPr>
+        <p:spPr/>
+        <p:txBody>
+          <a:bodyPr/>
+          <a:lstStyle/>
+          <a:p>
+            <a:fld id="{10CC99A0-165F-2541-A214-2656D2760992}" type="slidenum">
+              <a:rPr lang="en-US" smtClean="0"/>
+              <a:t>13</a:t>
+            </a:fld>
+            <a:endParaRPr lang="en-US"/>
+          </a:p>
+        </p:txBody>
+      </p:sp>
+    </p:spTree>
+    <p:extLst>
+      <p:ext uri="{BB962C8B-B14F-4D97-AF65-F5344CB8AC3E}">
+        <p14:creationId xmlns:p14="http://schemas.microsoft.com/office/powerpoint/2010/main" val="3544382071"/>
+      </p:ext>
+    </p:extLst>
+  </p:cSld>
+  <p:clrMapOvr>
+    <a:masterClrMapping/>
+  </p:clrMapOvr>
+</p:notes>
+</file>
+
+<file path=ppt/notesSlides/notesSlide11.xml><?xml version="1.0" encoding="utf-8"?>
+<p:notes xmlns:a="http://schemas.openxmlformats.org/drawingml/2006/main" xmlns:r="http://schemas.openxmlformats.org/officeDocument/2006/relationships" xmlns:p="http://schemas.openxmlformats.org/presentationml/2006/main">
+  <p:cSld>
+    <p:spTree>
+      <p:nvGrpSpPr>
+        <p:cNvPr id="1" name=""/>
+        <p:cNvGrpSpPr/>
+        <p:nvPr/>
+      </p:nvGrpSpPr>
+      <p:grpSpPr>
+        <a:xfrm>
+          <a:off x="0" y="0"/>
+          <a:ext cx="0" cy="0"/>
+          <a:chOff x="0" y="0"/>
+          <a:chExt cx="0" cy="0"/>
+        </a:xfrm>
+      </p:grpSpPr>
+      <p:sp>
+        <p:nvSpPr>
+          <p:cNvPr id="2" name="Slide Image Placeholder 1"/>
+          <p:cNvSpPr>
+            <a:spLocks noGrp="1" noRot="1" noChangeAspect="1"/>
+          </p:cNvSpPr>
+          <p:nvPr>
+            <p:ph type="sldImg"/>
+          </p:nvPr>
+        </p:nvSpPr>
+        <p:spPr/>
+      </p:sp>
+      <p:sp>
+        <p:nvSpPr>
+          <p:cNvPr id="3" name="Notes Placeholder 2"/>
+          <p:cNvSpPr>
+            <a:spLocks noGrp="1"/>
+          </p:cNvSpPr>
+          <p:nvPr>
+            <p:ph type="body" idx="1"/>
+          </p:nvPr>
+        </p:nvSpPr>
+        <p:spPr/>
+        <p:txBody>
+          <a:bodyPr/>
+          <a:lstStyle/>
+          <a:p>
+            <a:endParaRPr lang="en-US" dirty="0"/>
+          </a:p>
+        </p:txBody>
+      </p:sp>
+      <p:sp>
+        <p:nvSpPr>
+          <p:cNvPr id="4" name="Slide Number Placeholder 3"/>
+          <p:cNvSpPr>
+            <a:spLocks noGrp="1"/>
+          </p:cNvSpPr>
+          <p:nvPr>
+            <p:ph type="sldNum" sz="quarter" idx="5"/>
+          </p:nvPr>
+        </p:nvSpPr>
+        <p:spPr/>
+        <p:txBody>
+          <a:bodyPr/>
+          <a:lstStyle/>
+          <a:p>
+            <a:fld id="{10CC99A0-165F-2541-A214-2656D2760992}" type="slidenum">
+              <a:rPr lang="en-US" smtClean="0"/>
+              <a:t>14</a:t>
+            </a:fld>
+            <a:endParaRPr lang="en-US"/>
+          </a:p>
+        </p:txBody>
+      </p:sp>
+    </p:spTree>
+    <p:extLst>
+      <p:ext uri="{BB962C8B-B14F-4D97-AF65-F5344CB8AC3E}">
+        <p14:creationId xmlns:p14="http://schemas.microsoft.com/office/powerpoint/2010/main" val="3320463025"/>
+      </p:ext>
+    </p:extLst>
+  </p:cSld>
+  <p:clrMapOvr>
+    <a:masterClrMapping/>
+  </p:clrMapOvr>
+</p:notes>
+</file>
+
+<file path=ppt/notesSlides/notesSlide12.xml><?xml version="1.0" encoding="utf-8"?>
+<p:notes xmlns:a="http://schemas.openxmlformats.org/drawingml/2006/main" xmlns:r="http://schemas.openxmlformats.org/officeDocument/2006/relationships" xmlns:p="http://schemas.openxmlformats.org/presentationml/2006/main">
+  <p:cSld>
+    <p:spTree>
+      <p:nvGrpSpPr>
+        <p:cNvPr id="1" name=""/>
+        <p:cNvGrpSpPr/>
+        <p:nvPr/>
+      </p:nvGrpSpPr>
+      <p:grpSpPr>
+        <a:xfrm>
+          <a:off x="0" y="0"/>
+          <a:ext cx="0" cy="0"/>
+          <a:chOff x="0" y="0"/>
+          <a:chExt cx="0" cy="0"/>
+        </a:xfrm>
+      </p:grpSpPr>
+      <p:sp>
+        <p:nvSpPr>
+          <p:cNvPr id="2" name="Slide Image Placeholder 1"/>
+          <p:cNvSpPr>
+            <a:spLocks noGrp="1" noRot="1" noChangeAspect="1"/>
+          </p:cNvSpPr>
+          <p:nvPr>
+            <p:ph type="sldImg"/>
+          </p:nvPr>
+        </p:nvSpPr>
+        <p:spPr/>
+      </p:sp>
+      <p:sp>
+        <p:nvSpPr>
+          <p:cNvPr id="3" name="Notes Placeholder 2"/>
+          <p:cNvSpPr>
+            <a:spLocks noGrp="1"/>
+          </p:cNvSpPr>
+          <p:nvPr>
+            <p:ph type="body" idx="1"/>
+          </p:nvPr>
+        </p:nvSpPr>
+        <p:spPr/>
+        <p:txBody>
+          <a:bodyPr/>
+          <a:lstStyle/>
+          <a:p>
+            <a:endParaRPr lang="en-US" dirty="0"/>
+          </a:p>
+        </p:txBody>
+      </p:sp>
+      <p:sp>
+        <p:nvSpPr>
+          <p:cNvPr id="4" name="Slide Number Placeholder 3"/>
+          <p:cNvSpPr>
+            <a:spLocks noGrp="1"/>
+          </p:cNvSpPr>
+          <p:nvPr>
+            <p:ph type="sldNum" sz="quarter" idx="5"/>
+          </p:nvPr>
+        </p:nvSpPr>
+        <p:spPr/>
+        <p:txBody>
+          <a:bodyPr/>
+          <a:lstStyle/>
+          <a:p>
+            <a:fld id="{10CC99A0-165F-2541-A214-2656D2760992}" type="slidenum">
+              <a:rPr lang="en-US" smtClean="0"/>
+              <a:t>15</a:t>
+            </a:fld>
+            <a:endParaRPr lang="en-US"/>
+          </a:p>
+        </p:txBody>
+      </p:sp>
+    </p:spTree>
+    <p:extLst>
+      <p:ext uri="{BB962C8B-B14F-4D97-AF65-F5344CB8AC3E}">
+        <p14:creationId xmlns:p14="http://schemas.microsoft.com/office/powerpoint/2010/main" val="3348486065"/>
+      </p:ext>
+    </p:extLst>
+  </p:cSld>
+  <p:clrMapOvr>
+    <a:masterClrMapping/>
+  </p:clrMapOvr>
+</p:notes>
+</file>
+
+<file path=ppt/notesSlides/notesSlide13.xml><?xml version="1.0" encoding="utf-8"?>
+<p:notes xmlns:a="http://schemas.openxmlformats.org/drawingml/2006/main" xmlns:r="http://schemas.openxmlformats.org/officeDocument/2006/relationships" xmlns:p="http://schemas.openxmlformats.org/presentationml/2006/main">
+  <p:cSld>
+    <p:spTree>
+      <p:nvGrpSpPr>
+        <p:cNvPr id="1" name=""/>
+        <p:cNvGrpSpPr/>
+        <p:nvPr/>
+      </p:nvGrpSpPr>
+      <p:grpSpPr>
+        <a:xfrm>
+          <a:off x="0" y="0"/>
+          <a:ext cx="0" cy="0"/>
+          <a:chOff x="0" y="0"/>
+          <a:chExt cx="0" cy="0"/>
+        </a:xfrm>
+      </p:grpSpPr>
+      <p:sp>
+        <p:nvSpPr>
+          <p:cNvPr id="2" name="Slide Image Placeholder 1"/>
+          <p:cNvSpPr>
+            <a:spLocks noGrp="1" noRot="1" noChangeAspect="1"/>
+          </p:cNvSpPr>
+          <p:nvPr>
+            <p:ph type="sldImg"/>
+          </p:nvPr>
+        </p:nvSpPr>
+        <p:spPr/>
+      </p:sp>
+      <p:sp>
+        <p:nvSpPr>
+          <p:cNvPr id="3" name="Notes Placeholder 2"/>
+          <p:cNvSpPr>
+            <a:spLocks noGrp="1"/>
+          </p:cNvSpPr>
+          <p:nvPr>
+            <p:ph type="body" idx="1"/>
+          </p:nvPr>
+        </p:nvSpPr>
+        <p:spPr/>
+        <p:txBody>
+          <a:bodyPr/>
+          <a:lstStyle/>
+          <a:p>
+            <a:endParaRPr lang="en-US" dirty="0"/>
+          </a:p>
+        </p:txBody>
+      </p:sp>
+      <p:sp>
+        <p:nvSpPr>
+          <p:cNvPr id="4" name="Slide Number Placeholder 3"/>
+          <p:cNvSpPr>
+            <a:spLocks noGrp="1"/>
+          </p:cNvSpPr>
+          <p:nvPr>
+            <p:ph type="sldNum" sz="quarter" idx="5"/>
+          </p:nvPr>
+        </p:nvSpPr>
+        <p:spPr/>
+        <p:txBody>
+          <a:bodyPr/>
+          <a:lstStyle/>
+          <a:p>
+            <a:fld id="{10CC99A0-165F-2541-A214-2656D2760992}" type="slidenum">
+              <a:rPr lang="en-US" smtClean="0"/>
+              <a:t>16</a:t>
+            </a:fld>
+            <a:endParaRPr lang="en-US"/>
+          </a:p>
+        </p:txBody>
+      </p:sp>
+    </p:spTree>
+    <p:extLst>
+      <p:ext uri="{BB962C8B-B14F-4D97-AF65-F5344CB8AC3E}">
+        <p14:creationId xmlns:p14="http://schemas.microsoft.com/office/powerpoint/2010/main" val="2500110212"/>
+      </p:ext>
+    </p:extLst>
+  </p:cSld>
+  <p:clrMapOvr>
+    <a:masterClrMapping/>
+  </p:clrMapOvr>
+</p:notes>
+</file>
+
+<file path=ppt/notesSlides/notesSlide14.xml><?xml version="1.0" encoding="utf-8"?>
+<p:notes xmlns:a="http://schemas.openxmlformats.org/drawingml/2006/main" xmlns:r="http://schemas.openxmlformats.org/officeDocument/2006/relationships" xmlns:p="http://schemas.openxmlformats.org/presentationml/2006/main">
+  <p:cSld>
+    <p:spTree>
+      <p:nvGrpSpPr>
+        <p:cNvPr id="1" name=""/>
+        <p:cNvGrpSpPr/>
+        <p:nvPr/>
+      </p:nvGrpSpPr>
+      <p:grpSpPr>
+        <a:xfrm>
+          <a:off x="0" y="0"/>
+          <a:ext cx="0" cy="0"/>
+          <a:chOff x="0" y="0"/>
+          <a:chExt cx="0" cy="0"/>
+        </a:xfrm>
+      </p:grpSpPr>
+      <p:sp>
+        <p:nvSpPr>
+          <p:cNvPr id="2" name="Slide Image Placeholder 1"/>
+          <p:cNvSpPr>
+            <a:spLocks noGrp="1" noRot="1" noChangeAspect="1"/>
+          </p:cNvSpPr>
+          <p:nvPr>
+            <p:ph type="sldImg"/>
+          </p:nvPr>
+        </p:nvSpPr>
+        <p:spPr/>
+      </p:sp>
+      <p:sp>
+        <p:nvSpPr>
+          <p:cNvPr id="3" name="Notes Placeholder 2"/>
+          <p:cNvSpPr>
+            <a:spLocks noGrp="1"/>
+          </p:cNvSpPr>
+          <p:nvPr>
+            <p:ph type="body" idx="1"/>
+          </p:nvPr>
+        </p:nvSpPr>
+        <p:spPr/>
+        <p:txBody>
+          <a:bodyPr/>
+          <a:lstStyle/>
+          <a:p>
+            <a:endParaRPr lang="en-US" dirty="0"/>
+          </a:p>
+        </p:txBody>
+      </p:sp>
+      <p:sp>
+        <p:nvSpPr>
+          <p:cNvPr id="4" name="Slide Number Placeholder 3"/>
+          <p:cNvSpPr>
+            <a:spLocks noGrp="1"/>
+          </p:cNvSpPr>
+          <p:nvPr>
+            <p:ph type="sldNum" sz="quarter" idx="5"/>
+          </p:nvPr>
+        </p:nvSpPr>
+        <p:spPr/>
+        <p:txBody>
+          <a:bodyPr/>
+          <a:lstStyle/>
+          <a:p>
+            <a:fld id="{10CC99A0-165F-2541-A214-2656D2760992}" type="slidenum">
+              <a:rPr lang="en-US" smtClean="0"/>
+              <a:t>17</a:t>
+            </a:fld>
+            <a:endParaRPr lang="en-US"/>
+          </a:p>
+        </p:txBody>
+      </p:sp>
+    </p:spTree>
+    <p:extLst>
+      <p:ext uri="{BB962C8B-B14F-4D97-AF65-F5344CB8AC3E}">
+        <p14:creationId xmlns:p14="http://schemas.microsoft.com/office/powerpoint/2010/main" val="1510809278"/>
+      </p:ext>
+    </p:extLst>
+  </p:cSld>
+  <p:clrMapOvr>
+    <a:masterClrMapping/>
+  </p:clrMapOvr>
+</p:notes>
+</file>
+
+<file path=ppt/notesSlides/notesSlide15.xml><?xml version="1.0" encoding="utf-8"?>
+<p:notes xmlns:a="http://schemas.openxmlformats.org/drawingml/2006/main" xmlns:r="http://schemas.openxmlformats.org/officeDocument/2006/relationships" xmlns:p="http://schemas.openxmlformats.org/presentationml/2006/main">
+  <p:cSld>
+    <p:spTree>
+      <p:nvGrpSpPr>
+        <p:cNvPr id="1" name=""/>
+        <p:cNvGrpSpPr/>
+        <p:nvPr/>
+      </p:nvGrpSpPr>
+      <p:grpSpPr>
+        <a:xfrm>
+          <a:off x="0" y="0"/>
+          <a:ext cx="0" cy="0"/>
+          <a:chOff x="0" y="0"/>
+          <a:chExt cx="0" cy="0"/>
+        </a:xfrm>
+      </p:grpSpPr>
+      <p:sp>
+        <p:nvSpPr>
+          <p:cNvPr id="2" name="Slide Image Placeholder 1"/>
+          <p:cNvSpPr>
+            <a:spLocks noGrp="1" noRot="1" noChangeAspect="1"/>
+          </p:cNvSpPr>
+          <p:nvPr>
+            <p:ph type="sldImg"/>
+          </p:nvPr>
+        </p:nvSpPr>
+        <p:spPr/>
+      </p:sp>
+      <p:sp>
+        <p:nvSpPr>
+          <p:cNvPr id="3" name="Notes Placeholder 2"/>
+          <p:cNvSpPr>
+            <a:spLocks noGrp="1"/>
+          </p:cNvSpPr>
+          <p:nvPr>
+            <p:ph type="body" idx="1"/>
+          </p:nvPr>
+        </p:nvSpPr>
+        <p:spPr/>
+        <p:txBody>
+          <a:bodyPr/>
+          <a:lstStyle/>
+          <a:p>
+            <a:endParaRPr lang="en-US" dirty="0"/>
+          </a:p>
+        </p:txBody>
+      </p:sp>
+      <p:sp>
+        <p:nvSpPr>
+          <p:cNvPr id="4" name="Slide Number Placeholder 3"/>
+          <p:cNvSpPr>
+            <a:spLocks noGrp="1"/>
+          </p:cNvSpPr>
+          <p:nvPr>
+            <p:ph type="sldNum" sz="quarter" idx="5"/>
+          </p:nvPr>
+        </p:nvSpPr>
+        <p:spPr/>
+        <p:txBody>
+          <a:bodyPr/>
+          <a:lstStyle/>
+          <a:p>
+            <a:fld id="{10CC99A0-165F-2541-A214-2656D2760992}" type="slidenum">
+              <a:rPr lang="en-US" smtClean="0"/>
+              <a:t>18</a:t>
+            </a:fld>
+            <a:endParaRPr lang="en-US"/>
+          </a:p>
+        </p:txBody>
+      </p:sp>
+    </p:spTree>
+    <p:extLst>
+      <p:ext uri="{BB962C8B-B14F-4D97-AF65-F5344CB8AC3E}">
+        <p14:creationId xmlns:p14="http://schemas.microsoft.com/office/powerpoint/2010/main" val="1941131736"/>
+      </p:ext>
+    </p:extLst>
+  </p:cSld>
+  <p:clrMapOvr>
+    <a:masterClrMapping/>
+  </p:clrMapOvr>
+</p:notes>
+</file>
+
+<file path=ppt/notesSlides/notesSlide16.xml><?xml version="1.0" encoding="utf-8"?>
+<p:notes xmlns:a="http://schemas.openxmlformats.org/drawingml/2006/main" xmlns:r="http://schemas.openxmlformats.org/officeDocument/2006/relationships" xmlns:p="http://schemas.openxmlformats.org/presentationml/2006/main">
+  <p:cSld>
+    <p:spTree>
+      <p:nvGrpSpPr>
+        <p:cNvPr id="1" name=""/>
+        <p:cNvGrpSpPr/>
+        <p:nvPr/>
+      </p:nvGrpSpPr>
+      <p:grpSpPr>
+        <a:xfrm>
+          <a:off x="0" y="0"/>
+          <a:ext cx="0" cy="0"/>
+          <a:chOff x="0" y="0"/>
+          <a:chExt cx="0" cy="0"/>
+        </a:xfrm>
+      </p:grpSpPr>
+      <p:sp>
+        <p:nvSpPr>
+          <p:cNvPr id="2" name="Slide Image Placeholder 1"/>
+          <p:cNvSpPr>
+            <a:spLocks noGrp="1" noRot="1" noChangeAspect="1"/>
+          </p:cNvSpPr>
+          <p:nvPr>
+            <p:ph type="sldImg"/>
+          </p:nvPr>
+        </p:nvSpPr>
+        <p:spPr/>
+      </p:sp>
+      <p:sp>
+        <p:nvSpPr>
+          <p:cNvPr id="3" name="Notes Placeholder 2"/>
+          <p:cNvSpPr>
+            <a:spLocks noGrp="1"/>
+          </p:cNvSpPr>
+          <p:nvPr>
+            <p:ph type="body" idx="1"/>
+          </p:nvPr>
+        </p:nvSpPr>
+        <p:spPr/>
+        <p:txBody>
+          <a:bodyPr/>
+          <a:lstStyle/>
+          <a:p>
+            <a:endParaRPr lang="en-US" dirty="0"/>
+          </a:p>
+        </p:txBody>
+      </p:sp>
+      <p:sp>
+        <p:nvSpPr>
+          <p:cNvPr id="4" name="Slide Number Placeholder 3"/>
+          <p:cNvSpPr>
+            <a:spLocks noGrp="1"/>
+          </p:cNvSpPr>
+          <p:nvPr>
+            <p:ph type="sldNum" sz="quarter" idx="5"/>
+          </p:nvPr>
+        </p:nvSpPr>
+        <p:spPr/>
+        <p:txBody>
+          <a:bodyPr/>
+          <a:lstStyle/>
+          <a:p>
+            <a:fld id="{10CC99A0-165F-2541-A214-2656D2760992}" type="slidenum">
+              <a:rPr lang="en-US" smtClean="0"/>
+              <a:t>19</a:t>
+            </a:fld>
+            <a:endParaRPr lang="en-US"/>
+          </a:p>
+        </p:txBody>
+      </p:sp>
+    </p:spTree>
+    <p:extLst>
+      <p:ext uri="{BB962C8B-B14F-4D97-AF65-F5344CB8AC3E}">
+        <p14:creationId xmlns:p14="http://schemas.microsoft.com/office/powerpoint/2010/main" val="1564009265"/>
+      </p:ext>
+    </p:extLst>
+  </p:cSld>
+  <p:clrMapOvr>
+    <a:masterClrMapping/>
+  </p:clrMapOvr>
+</p:notes>
+</file>
+
 <file path=ppt/notesSlides/notesSlide2.xml><?xml version="1.0" encoding="utf-8"?>
 <p:notes xmlns:a="http://schemas.openxmlformats.org/drawingml/2006/main" xmlns:r="http://schemas.openxmlformats.org/officeDocument/2006/relationships" xmlns:p="http://schemas.openxmlformats.org/presentationml/2006/main">
   <p:cSld>
@@ -630,7 +1230,7 @@
     </p:spTree>
     <p:extLst>
       <p:ext uri="{BB962C8B-B14F-4D97-AF65-F5344CB8AC3E}">
-        <p14:creationId xmlns:p14="http://schemas.microsoft.com/office/powerpoint/2010/main" val="795429052"/>
+        <p14:creationId xmlns:p14="http://schemas.microsoft.com/office/powerpoint/2010/main" val="2777890614"/>
       </p:ext>
     </p:extLst>
   </p:cSld>
@@ -705,7 +1305,7 @@
           <a:p>
             <a:fld id="{10CC99A0-165F-2541-A214-2656D2760992}" type="slidenum">
               <a:rPr lang="en-US" smtClean="0"/>
-              <a:t>5</a:t>
+              <a:t>6</a:t>
             </a:fld>
             <a:endParaRPr lang="en-US"/>
           </a:p>
@@ -714,7 +1314,7 @@
     </p:spTree>
     <p:extLst>
       <p:ext uri="{BB962C8B-B14F-4D97-AF65-F5344CB8AC3E}">
-        <p14:creationId xmlns:p14="http://schemas.microsoft.com/office/powerpoint/2010/main" val="2777890614"/>
+        <p14:creationId xmlns:p14="http://schemas.microsoft.com/office/powerpoint/2010/main" val="2719242456"/>
       </p:ext>
     </p:extLst>
   </p:cSld>
@@ -798,7 +1398,427 @@
     </p:spTree>
     <p:extLst>
       <p:ext uri="{BB962C8B-B14F-4D97-AF65-F5344CB8AC3E}">
-        <p14:creationId xmlns:p14="http://schemas.microsoft.com/office/powerpoint/2010/main" val="1564009265"/>
+        <p14:creationId xmlns:p14="http://schemas.microsoft.com/office/powerpoint/2010/main" val="2213774621"/>
+      </p:ext>
+    </p:extLst>
+  </p:cSld>
+  <p:clrMapOvr>
+    <a:masterClrMapping/>
+  </p:clrMapOvr>
+</p:notes>
+</file>
+
+<file path=ppt/notesSlides/notesSlide5.xml><?xml version="1.0" encoding="utf-8"?>
+<p:notes xmlns:a="http://schemas.openxmlformats.org/drawingml/2006/main" xmlns:r="http://schemas.openxmlformats.org/officeDocument/2006/relationships" xmlns:p="http://schemas.openxmlformats.org/presentationml/2006/main">
+  <p:cSld>
+    <p:spTree>
+      <p:nvGrpSpPr>
+        <p:cNvPr id="1" name=""/>
+        <p:cNvGrpSpPr/>
+        <p:nvPr/>
+      </p:nvGrpSpPr>
+      <p:grpSpPr>
+        <a:xfrm>
+          <a:off x="0" y="0"/>
+          <a:ext cx="0" cy="0"/>
+          <a:chOff x="0" y="0"/>
+          <a:chExt cx="0" cy="0"/>
+        </a:xfrm>
+      </p:grpSpPr>
+      <p:sp>
+        <p:nvSpPr>
+          <p:cNvPr id="2" name="Slide Image Placeholder 1"/>
+          <p:cNvSpPr>
+            <a:spLocks noGrp="1" noRot="1" noChangeAspect="1"/>
+          </p:cNvSpPr>
+          <p:nvPr>
+            <p:ph type="sldImg"/>
+          </p:nvPr>
+        </p:nvSpPr>
+        <p:spPr/>
+      </p:sp>
+      <p:sp>
+        <p:nvSpPr>
+          <p:cNvPr id="3" name="Notes Placeholder 2"/>
+          <p:cNvSpPr>
+            <a:spLocks noGrp="1"/>
+          </p:cNvSpPr>
+          <p:nvPr>
+            <p:ph type="body" idx="1"/>
+          </p:nvPr>
+        </p:nvSpPr>
+        <p:spPr/>
+        <p:txBody>
+          <a:bodyPr/>
+          <a:lstStyle/>
+          <a:p>
+            <a:endParaRPr lang="en-US" dirty="0"/>
+          </a:p>
+        </p:txBody>
+      </p:sp>
+      <p:sp>
+        <p:nvSpPr>
+          <p:cNvPr id="4" name="Slide Number Placeholder 3"/>
+          <p:cNvSpPr>
+            <a:spLocks noGrp="1"/>
+          </p:cNvSpPr>
+          <p:nvPr>
+            <p:ph type="sldNum" sz="quarter" idx="5"/>
+          </p:nvPr>
+        </p:nvSpPr>
+        <p:spPr/>
+        <p:txBody>
+          <a:bodyPr/>
+          <a:lstStyle/>
+          <a:p>
+            <a:fld id="{10CC99A0-165F-2541-A214-2656D2760992}" type="slidenum">
+              <a:rPr lang="en-US" smtClean="0"/>
+              <a:t>8</a:t>
+            </a:fld>
+            <a:endParaRPr lang="en-US"/>
+          </a:p>
+        </p:txBody>
+      </p:sp>
+    </p:spTree>
+    <p:extLst>
+      <p:ext uri="{BB962C8B-B14F-4D97-AF65-F5344CB8AC3E}">
+        <p14:creationId xmlns:p14="http://schemas.microsoft.com/office/powerpoint/2010/main" val="3123776737"/>
+      </p:ext>
+    </p:extLst>
+  </p:cSld>
+  <p:clrMapOvr>
+    <a:masterClrMapping/>
+  </p:clrMapOvr>
+</p:notes>
+</file>
+
+<file path=ppt/notesSlides/notesSlide6.xml><?xml version="1.0" encoding="utf-8"?>
+<p:notes xmlns:a="http://schemas.openxmlformats.org/drawingml/2006/main" xmlns:r="http://schemas.openxmlformats.org/officeDocument/2006/relationships" xmlns:p="http://schemas.openxmlformats.org/presentationml/2006/main">
+  <p:cSld>
+    <p:spTree>
+      <p:nvGrpSpPr>
+        <p:cNvPr id="1" name=""/>
+        <p:cNvGrpSpPr/>
+        <p:nvPr/>
+      </p:nvGrpSpPr>
+      <p:grpSpPr>
+        <a:xfrm>
+          <a:off x="0" y="0"/>
+          <a:ext cx="0" cy="0"/>
+          <a:chOff x="0" y="0"/>
+          <a:chExt cx="0" cy="0"/>
+        </a:xfrm>
+      </p:grpSpPr>
+      <p:sp>
+        <p:nvSpPr>
+          <p:cNvPr id="2" name="Slide Image Placeholder 1"/>
+          <p:cNvSpPr>
+            <a:spLocks noGrp="1" noRot="1" noChangeAspect="1"/>
+          </p:cNvSpPr>
+          <p:nvPr>
+            <p:ph type="sldImg"/>
+          </p:nvPr>
+        </p:nvSpPr>
+        <p:spPr/>
+      </p:sp>
+      <p:sp>
+        <p:nvSpPr>
+          <p:cNvPr id="3" name="Notes Placeholder 2"/>
+          <p:cNvSpPr>
+            <a:spLocks noGrp="1"/>
+          </p:cNvSpPr>
+          <p:nvPr>
+            <p:ph type="body" idx="1"/>
+          </p:nvPr>
+        </p:nvSpPr>
+        <p:spPr/>
+        <p:txBody>
+          <a:bodyPr/>
+          <a:lstStyle/>
+          <a:p>
+            <a:endParaRPr lang="en-US" dirty="0"/>
+          </a:p>
+        </p:txBody>
+      </p:sp>
+      <p:sp>
+        <p:nvSpPr>
+          <p:cNvPr id="4" name="Slide Number Placeholder 3"/>
+          <p:cNvSpPr>
+            <a:spLocks noGrp="1"/>
+          </p:cNvSpPr>
+          <p:nvPr>
+            <p:ph type="sldNum" sz="quarter" idx="5"/>
+          </p:nvPr>
+        </p:nvSpPr>
+        <p:spPr/>
+        <p:txBody>
+          <a:bodyPr/>
+          <a:lstStyle/>
+          <a:p>
+            <a:fld id="{10CC99A0-165F-2541-A214-2656D2760992}" type="slidenum">
+              <a:rPr lang="en-US" smtClean="0"/>
+              <a:t>9</a:t>
+            </a:fld>
+            <a:endParaRPr lang="en-US"/>
+          </a:p>
+        </p:txBody>
+      </p:sp>
+    </p:spTree>
+    <p:extLst>
+      <p:ext uri="{BB962C8B-B14F-4D97-AF65-F5344CB8AC3E}">
+        <p14:creationId xmlns:p14="http://schemas.microsoft.com/office/powerpoint/2010/main" val="3807943889"/>
+      </p:ext>
+    </p:extLst>
+  </p:cSld>
+  <p:clrMapOvr>
+    <a:masterClrMapping/>
+  </p:clrMapOvr>
+</p:notes>
+</file>
+
+<file path=ppt/notesSlides/notesSlide7.xml><?xml version="1.0" encoding="utf-8"?>
+<p:notes xmlns:a="http://schemas.openxmlformats.org/drawingml/2006/main" xmlns:r="http://schemas.openxmlformats.org/officeDocument/2006/relationships" xmlns:p="http://schemas.openxmlformats.org/presentationml/2006/main">
+  <p:cSld>
+    <p:spTree>
+      <p:nvGrpSpPr>
+        <p:cNvPr id="1" name=""/>
+        <p:cNvGrpSpPr/>
+        <p:nvPr/>
+      </p:nvGrpSpPr>
+      <p:grpSpPr>
+        <a:xfrm>
+          <a:off x="0" y="0"/>
+          <a:ext cx="0" cy="0"/>
+          <a:chOff x="0" y="0"/>
+          <a:chExt cx="0" cy="0"/>
+        </a:xfrm>
+      </p:grpSpPr>
+      <p:sp>
+        <p:nvSpPr>
+          <p:cNvPr id="2" name="Slide Image Placeholder 1"/>
+          <p:cNvSpPr>
+            <a:spLocks noGrp="1" noRot="1" noChangeAspect="1"/>
+          </p:cNvSpPr>
+          <p:nvPr>
+            <p:ph type="sldImg"/>
+          </p:nvPr>
+        </p:nvSpPr>
+        <p:spPr/>
+      </p:sp>
+      <p:sp>
+        <p:nvSpPr>
+          <p:cNvPr id="3" name="Notes Placeholder 2"/>
+          <p:cNvSpPr>
+            <a:spLocks noGrp="1"/>
+          </p:cNvSpPr>
+          <p:nvPr>
+            <p:ph type="body" idx="1"/>
+          </p:nvPr>
+        </p:nvSpPr>
+        <p:spPr/>
+        <p:txBody>
+          <a:bodyPr/>
+          <a:lstStyle/>
+          <a:p>
+            <a:endParaRPr lang="en-US" dirty="0"/>
+          </a:p>
+        </p:txBody>
+      </p:sp>
+      <p:sp>
+        <p:nvSpPr>
+          <p:cNvPr id="4" name="Slide Number Placeholder 3"/>
+          <p:cNvSpPr>
+            <a:spLocks noGrp="1"/>
+          </p:cNvSpPr>
+          <p:nvPr>
+            <p:ph type="sldNum" sz="quarter" idx="5"/>
+          </p:nvPr>
+        </p:nvSpPr>
+        <p:spPr/>
+        <p:txBody>
+          <a:bodyPr/>
+          <a:lstStyle/>
+          <a:p>
+            <a:fld id="{10CC99A0-165F-2541-A214-2656D2760992}" type="slidenum">
+              <a:rPr lang="en-US" smtClean="0"/>
+              <a:t>10</a:t>
+            </a:fld>
+            <a:endParaRPr lang="en-US"/>
+          </a:p>
+        </p:txBody>
+      </p:sp>
+    </p:spTree>
+    <p:extLst>
+      <p:ext uri="{BB962C8B-B14F-4D97-AF65-F5344CB8AC3E}">
+        <p14:creationId xmlns:p14="http://schemas.microsoft.com/office/powerpoint/2010/main" val="3493832210"/>
+      </p:ext>
+    </p:extLst>
+  </p:cSld>
+  <p:clrMapOvr>
+    <a:masterClrMapping/>
+  </p:clrMapOvr>
+</p:notes>
+</file>
+
+<file path=ppt/notesSlides/notesSlide8.xml><?xml version="1.0" encoding="utf-8"?>
+<p:notes xmlns:a="http://schemas.openxmlformats.org/drawingml/2006/main" xmlns:r="http://schemas.openxmlformats.org/officeDocument/2006/relationships" xmlns:p="http://schemas.openxmlformats.org/presentationml/2006/main">
+  <p:cSld>
+    <p:spTree>
+      <p:nvGrpSpPr>
+        <p:cNvPr id="1" name=""/>
+        <p:cNvGrpSpPr/>
+        <p:nvPr/>
+      </p:nvGrpSpPr>
+      <p:grpSpPr>
+        <a:xfrm>
+          <a:off x="0" y="0"/>
+          <a:ext cx="0" cy="0"/>
+          <a:chOff x="0" y="0"/>
+          <a:chExt cx="0" cy="0"/>
+        </a:xfrm>
+      </p:grpSpPr>
+      <p:sp>
+        <p:nvSpPr>
+          <p:cNvPr id="2" name="Slide Image Placeholder 1"/>
+          <p:cNvSpPr>
+            <a:spLocks noGrp="1" noRot="1" noChangeAspect="1"/>
+          </p:cNvSpPr>
+          <p:nvPr>
+            <p:ph type="sldImg"/>
+          </p:nvPr>
+        </p:nvSpPr>
+        <p:spPr/>
+      </p:sp>
+      <p:sp>
+        <p:nvSpPr>
+          <p:cNvPr id="3" name="Notes Placeholder 2"/>
+          <p:cNvSpPr>
+            <a:spLocks noGrp="1"/>
+          </p:cNvSpPr>
+          <p:nvPr>
+            <p:ph type="body" idx="1"/>
+          </p:nvPr>
+        </p:nvSpPr>
+        <p:spPr/>
+        <p:txBody>
+          <a:bodyPr/>
+          <a:lstStyle/>
+          <a:p>
+            <a:endParaRPr lang="en-US" dirty="0"/>
+          </a:p>
+        </p:txBody>
+      </p:sp>
+      <p:sp>
+        <p:nvSpPr>
+          <p:cNvPr id="4" name="Slide Number Placeholder 3"/>
+          <p:cNvSpPr>
+            <a:spLocks noGrp="1"/>
+          </p:cNvSpPr>
+          <p:nvPr>
+            <p:ph type="sldNum" sz="quarter" idx="5"/>
+          </p:nvPr>
+        </p:nvSpPr>
+        <p:spPr/>
+        <p:txBody>
+          <a:bodyPr/>
+          <a:lstStyle/>
+          <a:p>
+            <a:fld id="{10CC99A0-165F-2541-A214-2656D2760992}" type="slidenum">
+              <a:rPr lang="en-US" smtClean="0"/>
+              <a:t>11</a:t>
+            </a:fld>
+            <a:endParaRPr lang="en-US"/>
+          </a:p>
+        </p:txBody>
+      </p:sp>
+    </p:spTree>
+    <p:extLst>
+      <p:ext uri="{BB962C8B-B14F-4D97-AF65-F5344CB8AC3E}">
+        <p14:creationId xmlns:p14="http://schemas.microsoft.com/office/powerpoint/2010/main" val="750206707"/>
+      </p:ext>
+    </p:extLst>
+  </p:cSld>
+  <p:clrMapOvr>
+    <a:masterClrMapping/>
+  </p:clrMapOvr>
+</p:notes>
+</file>
+
+<file path=ppt/notesSlides/notesSlide9.xml><?xml version="1.0" encoding="utf-8"?>
+<p:notes xmlns:a="http://schemas.openxmlformats.org/drawingml/2006/main" xmlns:r="http://schemas.openxmlformats.org/officeDocument/2006/relationships" xmlns:p="http://schemas.openxmlformats.org/presentationml/2006/main">
+  <p:cSld>
+    <p:spTree>
+      <p:nvGrpSpPr>
+        <p:cNvPr id="1" name=""/>
+        <p:cNvGrpSpPr/>
+        <p:nvPr/>
+      </p:nvGrpSpPr>
+      <p:grpSpPr>
+        <a:xfrm>
+          <a:off x="0" y="0"/>
+          <a:ext cx="0" cy="0"/>
+          <a:chOff x="0" y="0"/>
+          <a:chExt cx="0" cy="0"/>
+        </a:xfrm>
+      </p:grpSpPr>
+      <p:sp>
+        <p:nvSpPr>
+          <p:cNvPr id="2" name="Slide Image Placeholder 1"/>
+          <p:cNvSpPr>
+            <a:spLocks noGrp="1" noRot="1" noChangeAspect="1"/>
+          </p:cNvSpPr>
+          <p:nvPr>
+            <p:ph type="sldImg"/>
+          </p:nvPr>
+        </p:nvSpPr>
+        <p:spPr/>
+      </p:sp>
+      <p:sp>
+        <p:nvSpPr>
+          <p:cNvPr id="3" name="Notes Placeholder 2"/>
+          <p:cNvSpPr>
+            <a:spLocks noGrp="1"/>
+          </p:cNvSpPr>
+          <p:nvPr>
+            <p:ph type="body" idx="1"/>
+          </p:nvPr>
+        </p:nvSpPr>
+        <p:spPr/>
+        <p:txBody>
+          <a:bodyPr/>
+          <a:lstStyle/>
+          <a:p>
+            <a:endParaRPr lang="en-US" dirty="0"/>
+          </a:p>
+        </p:txBody>
+      </p:sp>
+      <p:sp>
+        <p:nvSpPr>
+          <p:cNvPr id="4" name="Slide Number Placeholder 3"/>
+          <p:cNvSpPr>
+            <a:spLocks noGrp="1"/>
+          </p:cNvSpPr>
+          <p:nvPr>
+            <p:ph type="sldNum" sz="quarter" idx="5"/>
+          </p:nvPr>
+        </p:nvSpPr>
+        <p:spPr/>
+        <p:txBody>
+          <a:bodyPr/>
+          <a:lstStyle/>
+          <a:p>
+            <a:fld id="{10CC99A0-165F-2541-A214-2656D2760992}" type="slidenum">
+              <a:rPr lang="en-US" smtClean="0"/>
+              <a:t>12</a:t>
+            </a:fld>
+            <a:endParaRPr lang="en-US"/>
+          </a:p>
+        </p:txBody>
+      </p:sp>
+    </p:spTree>
+    <p:extLst>
+      <p:ext uri="{BB962C8B-B14F-4D97-AF65-F5344CB8AC3E}">
+        <p14:creationId xmlns:p14="http://schemas.microsoft.com/office/powerpoint/2010/main" val="302934764"/>
       </p:ext>
     </p:extLst>
   </p:cSld>
@@ -1530,7 +2550,7 @@
           <a:p>
             <a:fld id="{E9D6F15F-4B06-D94A-A1EF-65B245F180D3}" type="datetimeFigureOut">
               <a:rPr lang="en-US" smtClean="0"/>
-              <a:t>2/16/19</a:t>
+              <a:t>2/19/19</a:t>
             </a:fld>
             <a:endParaRPr lang="en-US"/>
           </a:p>
@@ -1781,7 +2801,7 @@
           <a:p>
             <a:fld id="{E9D6F15F-4B06-D94A-A1EF-65B245F180D3}" type="datetimeFigureOut">
               <a:rPr lang="en-US" smtClean="0"/>
-              <a:t>2/16/19</a:t>
+              <a:t>2/19/19</a:t>
             </a:fld>
             <a:endParaRPr lang="en-US"/>
           </a:p>
@@ -2095,7 +3115,7 @@
           <a:p>
             <a:fld id="{E9D6F15F-4B06-D94A-A1EF-65B245F180D3}" type="datetimeFigureOut">
               <a:rPr lang="en-US" smtClean="0"/>
-              <a:t>2/16/19</a:t>
+              <a:t>2/19/19</a:t>
             </a:fld>
             <a:endParaRPr lang="en-US"/>
           </a:p>
@@ -2436,7 +3456,7 @@
           <a:p>
             <a:fld id="{E9D6F15F-4B06-D94A-A1EF-65B245F180D3}" type="datetimeFigureOut">
               <a:rPr lang="en-US" smtClean="0"/>
-              <a:t>2/16/19</a:t>
+              <a:t>2/19/19</a:t>
             </a:fld>
             <a:endParaRPr lang="en-US"/>
           </a:p>
@@ -2750,7 +3770,7 @@
           <a:p>
             <a:fld id="{E9D6F15F-4B06-D94A-A1EF-65B245F180D3}" type="datetimeFigureOut">
               <a:rPr lang="en-US" smtClean="0"/>
-              <a:t>2/16/19</a:t>
+              <a:t>2/19/19</a:t>
             </a:fld>
             <a:endParaRPr lang="en-US"/>
           </a:p>
@@ -3143,7 +4163,7 @@
           <a:p>
             <a:fld id="{E9D6F15F-4B06-D94A-A1EF-65B245F180D3}" type="datetimeFigureOut">
               <a:rPr lang="en-US" smtClean="0"/>
-              <a:t>2/16/19</a:t>
+              <a:t>2/19/19</a:t>
             </a:fld>
             <a:endParaRPr lang="en-US"/>
           </a:p>
@@ -3313,7 +4333,7 @@
           <a:p>
             <a:fld id="{E9D6F15F-4B06-D94A-A1EF-65B245F180D3}" type="datetimeFigureOut">
               <a:rPr lang="en-US" smtClean="0"/>
-              <a:t>2/16/19</a:t>
+              <a:t>2/19/19</a:t>
             </a:fld>
             <a:endParaRPr lang="en-US"/>
           </a:p>
@@ -3493,7 +4513,7 @@
           <a:p>
             <a:fld id="{E9D6F15F-4B06-D94A-A1EF-65B245F180D3}" type="datetimeFigureOut">
               <a:rPr lang="en-US" smtClean="0"/>
-              <a:t>2/16/19</a:t>
+              <a:t>2/19/19</a:t>
             </a:fld>
             <a:endParaRPr lang="en-US"/>
           </a:p>
@@ -3669,7 +4689,7 @@
           <a:p>
             <a:fld id="{E9D6F15F-4B06-D94A-A1EF-65B245F180D3}" type="datetimeFigureOut">
               <a:rPr lang="en-US" smtClean="0"/>
-              <a:t>2/16/19</a:t>
+              <a:t>2/19/19</a:t>
             </a:fld>
             <a:endParaRPr lang="en-US"/>
           </a:p>
@@ -3916,7 +4936,7 @@
           <a:p>
             <a:fld id="{E9D6F15F-4B06-D94A-A1EF-65B245F180D3}" type="datetimeFigureOut">
               <a:rPr lang="en-US" smtClean="0"/>
-              <a:t>2/16/19</a:t>
+              <a:t>2/19/19</a:t>
             </a:fld>
             <a:endParaRPr lang="en-US"/>
           </a:p>
@@ -4148,7 +5168,7 @@
           <a:p>
             <a:fld id="{E9D6F15F-4B06-D94A-A1EF-65B245F180D3}" type="datetimeFigureOut">
               <a:rPr lang="en-US" smtClean="0"/>
-              <a:t>2/16/19</a:t>
+              <a:t>2/19/19</a:t>
             </a:fld>
             <a:endParaRPr lang="en-US"/>
           </a:p>
@@ -4522,7 +5542,7 @@
           <a:p>
             <a:fld id="{E9D6F15F-4B06-D94A-A1EF-65B245F180D3}" type="datetimeFigureOut">
               <a:rPr lang="en-US" smtClean="0"/>
-              <a:t>2/16/19</a:t>
+              <a:t>2/19/19</a:t>
             </a:fld>
             <a:endParaRPr lang="en-US"/>
           </a:p>
@@ -4645,7 +5665,7 @@
           <a:p>
             <a:fld id="{E9D6F15F-4B06-D94A-A1EF-65B245F180D3}" type="datetimeFigureOut">
               <a:rPr lang="en-US" smtClean="0"/>
-              <a:t>2/16/19</a:t>
+              <a:t>2/19/19</a:t>
             </a:fld>
             <a:endParaRPr lang="en-US"/>
           </a:p>
@@ -4740,7 +5760,7 @@
           <a:p>
             <a:fld id="{E9D6F15F-4B06-D94A-A1EF-65B245F180D3}" type="datetimeFigureOut">
               <a:rPr lang="en-US" smtClean="0"/>
-              <a:t>2/16/19</a:t>
+              <a:t>2/19/19</a:t>
             </a:fld>
             <a:endParaRPr lang="en-US"/>
           </a:p>
@@ -4995,7 +6015,7 @@
           <a:p>
             <a:fld id="{E9D6F15F-4B06-D94A-A1EF-65B245F180D3}" type="datetimeFigureOut">
               <a:rPr lang="en-US" smtClean="0"/>
-              <a:t>2/16/19</a:t>
+              <a:t>2/19/19</a:t>
             </a:fld>
             <a:endParaRPr lang="en-US"/>
           </a:p>
@@ -5258,7 +6278,7 @@
           <a:p>
             <a:fld id="{E9D6F15F-4B06-D94A-A1EF-65B245F180D3}" type="datetimeFigureOut">
               <a:rPr lang="en-US" smtClean="0"/>
-              <a:t>2/16/19</a:t>
+              <a:t>2/19/19</a:t>
             </a:fld>
             <a:endParaRPr lang="en-US"/>
           </a:p>
@@ -6001,7 +7021,7 @@
           <a:p>
             <a:fld id="{E9D6F15F-4B06-D94A-A1EF-65B245F180D3}" type="datetimeFigureOut">
               <a:rPr lang="en-US" smtClean="0"/>
-              <a:t>2/16/19</a:t>
+              <a:t>2/19/19</a:t>
             </a:fld>
             <a:endParaRPr lang="en-US"/>
           </a:p>
@@ -6554,12 +7574,20 @@
           <a:lstStyle/>
           <a:p>
             <a:r>
+              <a:rPr lang="en-US" sz="4000" dirty="0">
+                <a:solidFill>
+                  <a:schemeClr val="accent5"/>
+                </a:solidFill>
+              </a:rPr>
+              <a:t>Auto-test </a:t>
+            </a:r>
+            <a:r>
               <a:rPr lang="en-US" sz="4000" dirty="0" err="1">
                 <a:solidFill>
                   <a:schemeClr val="accent5"/>
                 </a:solidFill>
               </a:rPr>
-              <a:t>Autotesting</a:t>
+              <a:t>Tagless</a:t>
             </a:r>
             <a:r>
               <a:rPr lang="en-US" sz="4000" dirty="0">
@@ -6569,21 +7597,20 @@
               </a:rPr>
               <a:t> </a:t>
             </a:r>
-            <a:r>
-              <a:rPr lang="en-US" sz="4000" dirty="0" err="1">
-                <a:solidFill>
-                  <a:schemeClr val="accent5"/>
-                </a:solidFill>
-              </a:rPr>
-              <a:t>Tagless</a:t>
-            </a:r>
-            <a:r>
+            <a:br>
               <a:rPr lang="en-US" sz="4000" dirty="0">
                 <a:solidFill>
                   <a:schemeClr val="accent5"/>
                 </a:solidFill>
               </a:rPr>
-              <a:t> with Discipline &amp; </a:t>
+            </a:br>
+            <a:r>
+              <a:rPr lang="en-US" sz="4000" dirty="0">
+                <a:solidFill>
+                  <a:schemeClr val="accent5"/>
+                </a:solidFill>
+              </a:rPr>
+              <a:t>with Discipline &amp; </a:t>
             </a:r>
             <a:r>
               <a:rPr lang="en-US" sz="4000" dirty="0" err="1">
@@ -6648,6 +7675,4451 @@
     <p:extLst>
       <p:ext uri="{BB962C8B-B14F-4D97-AF65-F5344CB8AC3E}">
         <p14:creationId xmlns:p14="http://schemas.microsoft.com/office/powerpoint/2010/main" val="3320897548"/>
+      </p:ext>
+    </p:extLst>
+  </p:cSld>
+  <p:clrMapOvr>
+    <a:masterClrMapping/>
+  </p:clrMapOvr>
+</p:sld>
+</file>
+
+<file path=ppt/slides/slide10.xml><?xml version="1.0" encoding="utf-8"?>
+<p:sld xmlns:a="http://schemas.openxmlformats.org/drawingml/2006/main" xmlns:r="http://schemas.openxmlformats.org/officeDocument/2006/relationships" xmlns:p="http://schemas.openxmlformats.org/presentationml/2006/main">
+  <p:cSld>
+    <p:spTree>
+      <p:nvGrpSpPr>
+        <p:cNvPr id="1" name=""/>
+        <p:cNvGrpSpPr/>
+        <p:nvPr/>
+      </p:nvGrpSpPr>
+      <p:grpSpPr>
+        <a:xfrm>
+          <a:off x="0" y="0"/>
+          <a:ext cx="0" cy="0"/>
+          <a:chOff x="0" y="0"/>
+          <a:chExt cx="0" cy="0"/>
+        </a:xfrm>
+      </p:grpSpPr>
+      <p:sp>
+        <p:nvSpPr>
+          <p:cNvPr id="2" name="Title 1">
+            <a:extLst>
+              <a:ext uri="{FF2B5EF4-FFF2-40B4-BE49-F238E27FC236}">
+                <a16:creationId xmlns:a16="http://schemas.microsoft.com/office/drawing/2014/main" id="{249BB390-5AC9-C143-AB84-CAE4A51FD5E5}"/>
+              </a:ext>
+            </a:extLst>
+          </p:cNvPr>
+          <p:cNvSpPr>
+            <a:spLocks noGrp="1"/>
+          </p:cNvSpPr>
+          <p:nvPr>
+            <p:ph type="title"/>
+          </p:nvPr>
+        </p:nvSpPr>
+        <p:spPr/>
+        <p:txBody>
+          <a:bodyPr/>
+          <a:lstStyle/>
+          <a:p>
+            <a:r>
+              <a:rPr lang="en-US" dirty="0"/>
+              <a:t>Discipline</a:t>
+            </a:r>
+          </a:p>
+        </p:txBody>
+      </p:sp>
+      <p:sp>
+        <p:nvSpPr>
+          <p:cNvPr id="7" name="TextBox 6">
+            <a:extLst>
+              <a:ext uri="{FF2B5EF4-FFF2-40B4-BE49-F238E27FC236}">
+                <a16:creationId xmlns:a16="http://schemas.microsoft.com/office/drawing/2014/main" id="{DC7EEDE6-9EFE-8D44-85F7-46619BF7B609}"/>
+              </a:ext>
+            </a:extLst>
+          </p:cNvPr>
+          <p:cNvSpPr txBox="1"/>
+          <p:nvPr/>
+        </p:nvSpPr>
+        <p:spPr>
+          <a:xfrm>
+            <a:off x="1879288" y="1782923"/>
+            <a:ext cx="6927119" cy="3170099"/>
+          </a:xfrm>
+          <a:prstGeom prst="rect">
+            <a:avLst/>
+          </a:prstGeom>
+          <a:solidFill>
+            <a:schemeClr val="bg1"/>
+          </a:solidFill>
+          <a:ln w="25400">
+            <a:solidFill>
+              <a:schemeClr val="tx1"/>
+            </a:solidFill>
+          </a:ln>
+          <a:effectLst>
+            <a:softEdge rad="31750"/>
+          </a:effectLst>
+        </p:spPr>
+        <p:txBody>
+          <a:bodyPr wrap="square" rtlCol="0">
+            <a:spAutoFit/>
+          </a:bodyPr>
+          <a:lstStyle/>
+          <a:p>
+            <a:r>
+              <a:rPr lang="en-US" sz="2000" dirty="0">
+                <a:latin typeface="Helvetica" pitchFamily="2" charset="0"/>
+                <a:ea typeface="Gungsuh" panose="02030600000101010101" pitchFamily="18" charset="-127"/>
+              </a:rPr>
+              <a:t>trait Laws {</a:t>
+            </a:r>
+          </a:p>
+          <a:p>
+            <a:r>
+              <a:rPr lang="en-US" sz="2000" dirty="0">
+                <a:latin typeface="Helvetica" pitchFamily="2" charset="0"/>
+                <a:ea typeface="Gungsuh" panose="02030600000101010101" pitchFamily="18" charset="-127"/>
+              </a:rPr>
+              <a:t>  trait </a:t>
+            </a:r>
+            <a:r>
+              <a:rPr lang="en-US" sz="2000" dirty="0" err="1">
+                <a:latin typeface="Helvetica" pitchFamily="2" charset="0"/>
+                <a:ea typeface="Gungsuh" panose="02030600000101010101" pitchFamily="18" charset="-127"/>
+              </a:rPr>
+              <a:t>RuleSet</a:t>
+            </a:r>
+            <a:r>
+              <a:rPr lang="en-US" sz="2000" dirty="0">
+                <a:latin typeface="Helvetica" pitchFamily="2" charset="0"/>
+                <a:ea typeface="Gungsuh" panose="02030600000101010101" pitchFamily="18" charset="-127"/>
+              </a:rPr>
+              <a:t> {</a:t>
+            </a:r>
+          </a:p>
+          <a:p>
+            <a:r>
+              <a:rPr lang="en-US" sz="2000" dirty="0">
+                <a:latin typeface="Helvetica" pitchFamily="2" charset="0"/>
+                <a:ea typeface="Gungsuh" panose="02030600000101010101" pitchFamily="18" charset="-127"/>
+              </a:rPr>
+              <a:t>    def name: String</a:t>
+            </a:r>
+          </a:p>
+          <a:p>
+            <a:r>
+              <a:rPr lang="en-US" sz="2000" dirty="0">
+                <a:latin typeface="Helvetica" pitchFamily="2" charset="0"/>
+                <a:ea typeface="Gungsuh" panose="02030600000101010101" pitchFamily="18" charset="-127"/>
+              </a:rPr>
+              <a:t>    def bases: </a:t>
+            </a:r>
+            <a:r>
+              <a:rPr lang="en-US" sz="2000" dirty="0" err="1">
+                <a:latin typeface="Helvetica" pitchFamily="2" charset="0"/>
+                <a:ea typeface="Gungsuh" panose="02030600000101010101" pitchFamily="18" charset="-127"/>
+              </a:rPr>
+              <a:t>Seq</a:t>
+            </a:r>
+            <a:r>
+              <a:rPr lang="en-US" sz="2000" dirty="0">
+                <a:latin typeface="Helvetica" pitchFamily="2" charset="0"/>
+                <a:ea typeface="Gungsuh" panose="02030600000101010101" pitchFamily="18" charset="-127"/>
+              </a:rPr>
+              <a:t>[(String, </a:t>
+            </a:r>
+            <a:r>
+              <a:rPr lang="en-US" sz="2000" dirty="0" err="1">
+                <a:latin typeface="Helvetica" pitchFamily="2" charset="0"/>
+                <a:ea typeface="Gungsuh" panose="02030600000101010101" pitchFamily="18" charset="-127"/>
+              </a:rPr>
+              <a:t>Laws#RuleSet</a:t>
+            </a:r>
+            <a:r>
+              <a:rPr lang="en-US" sz="2000" dirty="0">
+                <a:latin typeface="Helvetica" pitchFamily="2" charset="0"/>
+                <a:ea typeface="Gungsuh" panose="02030600000101010101" pitchFamily="18" charset="-127"/>
+              </a:rPr>
+              <a:t>)] = </a:t>
+            </a:r>
+            <a:r>
+              <a:rPr lang="en-US" sz="2000" dirty="0" err="1">
+                <a:latin typeface="Helvetica" pitchFamily="2" charset="0"/>
+                <a:ea typeface="Gungsuh" panose="02030600000101010101" pitchFamily="18" charset="-127"/>
+              </a:rPr>
+              <a:t>Seq</a:t>
+            </a:r>
+            <a:r>
+              <a:rPr lang="en-US" sz="2000" dirty="0">
+                <a:latin typeface="Helvetica" pitchFamily="2" charset="0"/>
+                <a:ea typeface="Gungsuh" panose="02030600000101010101" pitchFamily="18" charset="-127"/>
+              </a:rPr>
+              <a:t>()</a:t>
+            </a:r>
+          </a:p>
+          <a:p>
+            <a:r>
+              <a:rPr lang="en-US" sz="2000" dirty="0">
+                <a:latin typeface="Helvetica" pitchFamily="2" charset="0"/>
+                <a:ea typeface="Gungsuh" panose="02030600000101010101" pitchFamily="18" charset="-127"/>
+              </a:rPr>
+              <a:t>    def parents: </a:t>
+            </a:r>
+            <a:r>
+              <a:rPr lang="en-US" sz="2000" dirty="0" err="1">
+                <a:latin typeface="Helvetica" pitchFamily="2" charset="0"/>
+                <a:ea typeface="Gungsuh" panose="02030600000101010101" pitchFamily="18" charset="-127"/>
+              </a:rPr>
+              <a:t>Seq</a:t>
+            </a:r>
+            <a:r>
+              <a:rPr lang="en-US" sz="2000" dirty="0">
+                <a:latin typeface="Helvetica" pitchFamily="2" charset="0"/>
+                <a:ea typeface="Gungsuh" panose="02030600000101010101" pitchFamily="18" charset="-127"/>
+              </a:rPr>
+              <a:t>[</a:t>
+            </a:r>
+            <a:r>
+              <a:rPr lang="en-US" sz="2000" dirty="0" err="1">
+                <a:latin typeface="Helvetica" pitchFamily="2" charset="0"/>
+                <a:ea typeface="Gungsuh" panose="02030600000101010101" pitchFamily="18" charset="-127"/>
+              </a:rPr>
+              <a:t>RuleSet</a:t>
+            </a:r>
+            <a:r>
+              <a:rPr lang="en-US" sz="2000" dirty="0">
+                <a:latin typeface="Helvetica" pitchFamily="2" charset="0"/>
+                <a:ea typeface="Gungsuh" panose="02030600000101010101" pitchFamily="18" charset="-127"/>
+              </a:rPr>
+              <a:t>] = </a:t>
+            </a:r>
+            <a:r>
+              <a:rPr lang="en-US" sz="2000" dirty="0" err="1">
+                <a:latin typeface="Helvetica" pitchFamily="2" charset="0"/>
+                <a:ea typeface="Gungsuh" panose="02030600000101010101" pitchFamily="18" charset="-127"/>
+              </a:rPr>
+              <a:t>Seq</a:t>
+            </a:r>
+            <a:r>
+              <a:rPr lang="en-US" sz="2000" dirty="0">
+                <a:latin typeface="Helvetica" pitchFamily="2" charset="0"/>
+                <a:ea typeface="Gungsuh" panose="02030600000101010101" pitchFamily="18" charset="-127"/>
+              </a:rPr>
+              <a:t>()</a:t>
+            </a:r>
+          </a:p>
+          <a:p>
+            <a:r>
+              <a:rPr lang="en-US" sz="2000" dirty="0">
+                <a:latin typeface="Helvetica" pitchFamily="2" charset="0"/>
+                <a:ea typeface="Gungsuh" panose="02030600000101010101" pitchFamily="18" charset="-127"/>
+              </a:rPr>
+              <a:t>    def props: </a:t>
+            </a:r>
+            <a:r>
+              <a:rPr lang="en-US" sz="2000" dirty="0" err="1">
+                <a:latin typeface="Helvetica" pitchFamily="2" charset="0"/>
+                <a:ea typeface="Gungsuh" panose="02030600000101010101" pitchFamily="18" charset="-127"/>
+              </a:rPr>
+              <a:t>Seq</a:t>
+            </a:r>
+            <a:r>
+              <a:rPr lang="en-US" sz="2000" dirty="0">
+                <a:latin typeface="Helvetica" pitchFamily="2" charset="0"/>
+                <a:ea typeface="Gungsuh" panose="02030600000101010101" pitchFamily="18" charset="-127"/>
+              </a:rPr>
+              <a:t>[(String, Prop)] = </a:t>
+            </a:r>
+            <a:r>
+              <a:rPr lang="en-US" sz="2000" dirty="0" err="1">
+                <a:latin typeface="Helvetica" pitchFamily="2" charset="0"/>
+                <a:ea typeface="Gungsuh" panose="02030600000101010101" pitchFamily="18" charset="-127"/>
+              </a:rPr>
+              <a:t>Seq</a:t>
+            </a:r>
+            <a:r>
+              <a:rPr lang="en-US" sz="2000" dirty="0">
+                <a:latin typeface="Helvetica" pitchFamily="2" charset="0"/>
+                <a:ea typeface="Gungsuh" panose="02030600000101010101" pitchFamily="18" charset="-127"/>
+              </a:rPr>
+              <a:t>()</a:t>
+            </a:r>
+          </a:p>
+          <a:p>
+            <a:r>
+              <a:rPr lang="en-US" sz="2000" dirty="0">
+                <a:latin typeface="Helvetica" pitchFamily="2" charset="0"/>
+                <a:ea typeface="Gungsuh" panose="02030600000101010101" pitchFamily="18" charset="-127"/>
+              </a:rPr>
+              <a:t>    // ...</a:t>
+            </a:r>
+          </a:p>
+          <a:p>
+            <a:r>
+              <a:rPr lang="en-US" sz="2000" dirty="0">
+                <a:latin typeface="Helvetica" pitchFamily="2" charset="0"/>
+                <a:ea typeface="Gungsuh" panose="02030600000101010101" pitchFamily="18" charset="-127"/>
+              </a:rPr>
+              <a:t>  }</a:t>
+            </a:r>
+          </a:p>
+          <a:p>
+            <a:r>
+              <a:rPr lang="en-US" sz="2000" dirty="0">
+                <a:latin typeface="Helvetica" pitchFamily="2" charset="0"/>
+                <a:ea typeface="Gungsuh" panose="02030600000101010101" pitchFamily="18" charset="-127"/>
+              </a:rPr>
+              <a:t>}</a:t>
+            </a:r>
+          </a:p>
+          <a:p>
+            <a:r>
+              <a:rPr lang="en-US" dirty="0" err="1"/>
+              <a:t>checkAll</a:t>
+            </a:r>
+            <a:r>
+              <a:rPr lang="en-US" dirty="0"/>
+              <a:t>("</a:t>
+            </a:r>
+            <a:r>
+              <a:rPr lang="en-US" dirty="0" err="1"/>
+              <a:t>Int</a:t>
+            </a:r>
+            <a:r>
+              <a:rPr lang="en-US" dirty="0"/>
+              <a:t>",</a:t>
+            </a:r>
+            <a:r>
+              <a:rPr lang="en-US" sz="2000" dirty="0"/>
+              <a:t> </a:t>
+            </a:r>
+            <a:r>
+              <a:rPr lang="en-US" dirty="0" err="1"/>
+              <a:t>TypeClass</a:t>
+            </a:r>
+            <a:r>
+              <a:rPr lang="en-US" dirty="0"/>
+              <a:t>[</a:t>
+            </a:r>
+            <a:r>
+              <a:rPr lang="en-US" dirty="0" err="1"/>
+              <a:t>Int</a:t>
+            </a:r>
+            <a:r>
+              <a:rPr lang="en-US" dirty="0"/>
+              <a:t>] with </a:t>
+            </a:r>
+            <a:r>
+              <a:rPr lang="en-US" dirty="0" err="1"/>
+              <a:t>Laws.laws</a:t>
+            </a:r>
+            <a:r>
+              <a:rPr lang="en-US" dirty="0"/>
+              <a:t>)</a:t>
+            </a:r>
+            <a:endParaRPr lang="en-US" sz="2000" dirty="0">
+              <a:latin typeface="Helvetica" pitchFamily="2" charset="0"/>
+              <a:ea typeface="Gungsuh" panose="02030600000101010101" pitchFamily="18" charset="-127"/>
+              <a:cs typeface="Consolas" panose="020B0609020204030204" pitchFamily="49" charset="0"/>
+            </a:endParaRPr>
+          </a:p>
+        </p:txBody>
+      </p:sp>
+      <p:sp>
+        <p:nvSpPr>
+          <p:cNvPr id="8" name="TextBox 7">
+            <a:extLst>
+              <a:ext uri="{FF2B5EF4-FFF2-40B4-BE49-F238E27FC236}">
+                <a16:creationId xmlns:a16="http://schemas.microsoft.com/office/drawing/2014/main" id="{F184318E-BCBC-D245-B43A-6FAE727A2F90}"/>
+              </a:ext>
+            </a:extLst>
+          </p:cNvPr>
+          <p:cNvSpPr txBox="1"/>
+          <p:nvPr/>
+        </p:nvSpPr>
+        <p:spPr>
+          <a:xfrm>
+            <a:off x="1418957" y="1782923"/>
+            <a:ext cx="467595" cy="3170099"/>
+          </a:xfrm>
+          <a:prstGeom prst="rect">
+            <a:avLst/>
+          </a:prstGeom>
+          <a:solidFill>
+            <a:schemeClr val="bg1"/>
+          </a:solidFill>
+          <a:ln w="25400">
+            <a:solidFill>
+              <a:schemeClr val="tx1"/>
+            </a:solidFill>
+          </a:ln>
+          <a:effectLst>
+            <a:softEdge rad="31750"/>
+          </a:effectLst>
+        </p:spPr>
+        <p:txBody>
+          <a:bodyPr wrap="square" rtlCol="0">
+            <a:spAutoFit/>
+          </a:bodyPr>
+          <a:lstStyle/>
+          <a:p>
+            <a:r>
+              <a:rPr lang="en-US" sz="2000" dirty="0">
+                <a:latin typeface="Helvetica" pitchFamily="2" charset="0"/>
+                <a:cs typeface="Consolas" panose="020B0609020204030204" pitchFamily="49" charset="0"/>
+              </a:rPr>
+              <a:t>01</a:t>
+            </a:r>
+          </a:p>
+          <a:p>
+            <a:r>
+              <a:rPr lang="en-US" sz="2000" dirty="0">
+                <a:latin typeface="Helvetica" pitchFamily="2" charset="0"/>
+                <a:cs typeface="Consolas" panose="020B0609020204030204" pitchFamily="49" charset="0"/>
+              </a:rPr>
+              <a:t>02</a:t>
+            </a:r>
+          </a:p>
+          <a:p>
+            <a:r>
+              <a:rPr lang="en-US" sz="2000" dirty="0">
+                <a:latin typeface="Helvetica" pitchFamily="2" charset="0"/>
+                <a:cs typeface="Consolas" panose="020B0609020204030204" pitchFamily="49" charset="0"/>
+              </a:rPr>
+              <a:t>03</a:t>
+            </a:r>
+          </a:p>
+          <a:p>
+            <a:r>
+              <a:rPr lang="en-US" sz="2000" dirty="0">
+                <a:latin typeface="Helvetica" pitchFamily="2" charset="0"/>
+                <a:cs typeface="Consolas" panose="020B0609020204030204" pitchFamily="49" charset="0"/>
+              </a:rPr>
+              <a:t>04</a:t>
+            </a:r>
+          </a:p>
+          <a:p>
+            <a:r>
+              <a:rPr lang="en-US" sz="2000" dirty="0">
+                <a:latin typeface="Helvetica" pitchFamily="2" charset="0"/>
+                <a:cs typeface="Consolas" panose="020B0609020204030204" pitchFamily="49" charset="0"/>
+              </a:rPr>
+              <a:t>05</a:t>
+            </a:r>
+          </a:p>
+          <a:p>
+            <a:r>
+              <a:rPr lang="en-US" sz="2000" dirty="0">
+                <a:latin typeface="Helvetica" pitchFamily="2" charset="0"/>
+                <a:cs typeface="Consolas" panose="020B0609020204030204" pitchFamily="49" charset="0"/>
+              </a:rPr>
+              <a:t>06</a:t>
+            </a:r>
+          </a:p>
+          <a:p>
+            <a:r>
+              <a:rPr lang="en-US" sz="2000" dirty="0">
+                <a:latin typeface="Helvetica" pitchFamily="2" charset="0"/>
+                <a:cs typeface="Consolas" panose="020B0609020204030204" pitchFamily="49" charset="0"/>
+              </a:rPr>
+              <a:t>07</a:t>
+            </a:r>
+          </a:p>
+          <a:p>
+            <a:r>
+              <a:rPr lang="en-US" sz="2000" dirty="0">
+                <a:latin typeface="Helvetica" pitchFamily="2" charset="0"/>
+                <a:cs typeface="Consolas" panose="020B0609020204030204" pitchFamily="49" charset="0"/>
+              </a:rPr>
+              <a:t>08</a:t>
+            </a:r>
+          </a:p>
+          <a:p>
+            <a:r>
+              <a:rPr lang="en-US" sz="2000" dirty="0">
+                <a:latin typeface="Helvetica" pitchFamily="2" charset="0"/>
+                <a:cs typeface="Consolas" panose="020B0609020204030204" pitchFamily="49" charset="0"/>
+              </a:rPr>
+              <a:t>09</a:t>
+            </a:r>
+          </a:p>
+          <a:p>
+            <a:r>
+              <a:rPr lang="en-US" sz="2000" dirty="0">
+                <a:latin typeface="Helvetica" pitchFamily="2" charset="0"/>
+                <a:cs typeface="Consolas" panose="020B0609020204030204" pitchFamily="49" charset="0"/>
+              </a:rPr>
+              <a:t>10</a:t>
+            </a:r>
+          </a:p>
+        </p:txBody>
+      </p:sp>
+      <p:sp>
+        <p:nvSpPr>
+          <p:cNvPr id="10" name="Rectangle 9">
+            <a:extLst>
+              <a:ext uri="{FF2B5EF4-FFF2-40B4-BE49-F238E27FC236}">
+                <a16:creationId xmlns:a16="http://schemas.microsoft.com/office/drawing/2014/main" id="{2B44C2EB-8E1D-9041-8385-5CD6CD3E0AEC}"/>
+              </a:ext>
+            </a:extLst>
+          </p:cNvPr>
+          <p:cNvSpPr/>
+          <p:nvPr/>
+        </p:nvSpPr>
+        <p:spPr>
+          <a:xfrm>
+            <a:off x="114875" y="6384141"/>
+            <a:ext cx="4682692" cy="307777"/>
+          </a:xfrm>
+          <a:prstGeom prst="rect">
+            <a:avLst/>
+          </a:prstGeom>
+        </p:spPr>
+        <p:txBody>
+          <a:bodyPr wrap="none">
+            <a:spAutoFit/>
+          </a:bodyPr>
+          <a:lstStyle/>
+          <a:p>
+            <a:r>
+              <a:rPr lang="en-US" sz="1400" dirty="0"/>
+              <a:t>https://</a:t>
+            </a:r>
+            <a:r>
+              <a:rPr lang="en-US" sz="1400" dirty="0" err="1"/>
+              <a:t>typelevel.org</a:t>
+            </a:r>
+            <a:r>
+              <a:rPr lang="en-US" sz="1400" dirty="0"/>
+              <a:t>/blog/2013/11/17/</a:t>
+            </a:r>
+            <a:r>
+              <a:rPr lang="en-US" sz="1400" dirty="0" err="1"/>
+              <a:t>discipline.html</a:t>
+            </a:r>
+            <a:endParaRPr lang="en-US" sz="1400" dirty="0"/>
+          </a:p>
+        </p:txBody>
+      </p:sp>
+    </p:spTree>
+    <p:extLst>
+      <p:ext uri="{BB962C8B-B14F-4D97-AF65-F5344CB8AC3E}">
+        <p14:creationId xmlns:p14="http://schemas.microsoft.com/office/powerpoint/2010/main" val="1302149225"/>
+      </p:ext>
+    </p:extLst>
+  </p:cSld>
+  <p:clrMapOvr>
+    <a:masterClrMapping/>
+  </p:clrMapOvr>
+</p:sld>
+</file>
+
+<file path=ppt/slides/slide11.xml><?xml version="1.0" encoding="utf-8"?>
+<p:sld xmlns:a="http://schemas.openxmlformats.org/drawingml/2006/main" xmlns:r="http://schemas.openxmlformats.org/officeDocument/2006/relationships" xmlns:p="http://schemas.openxmlformats.org/presentationml/2006/main">
+  <p:cSld>
+    <p:spTree>
+      <p:nvGrpSpPr>
+        <p:cNvPr id="1" name=""/>
+        <p:cNvGrpSpPr/>
+        <p:nvPr/>
+      </p:nvGrpSpPr>
+      <p:grpSpPr>
+        <a:xfrm>
+          <a:off x="0" y="0"/>
+          <a:ext cx="0" cy="0"/>
+          <a:chOff x="0" y="0"/>
+          <a:chExt cx="0" cy="0"/>
+        </a:xfrm>
+      </p:grpSpPr>
+      <p:sp>
+        <p:nvSpPr>
+          <p:cNvPr id="2" name="Title 1">
+            <a:extLst>
+              <a:ext uri="{FF2B5EF4-FFF2-40B4-BE49-F238E27FC236}">
+                <a16:creationId xmlns:a16="http://schemas.microsoft.com/office/drawing/2014/main" id="{249BB390-5AC9-C143-AB84-CAE4A51FD5E5}"/>
+              </a:ext>
+            </a:extLst>
+          </p:cNvPr>
+          <p:cNvSpPr>
+            <a:spLocks noGrp="1"/>
+          </p:cNvSpPr>
+          <p:nvPr>
+            <p:ph type="title"/>
+          </p:nvPr>
+        </p:nvSpPr>
+        <p:spPr/>
+        <p:txBody>
+          <a:bodyPr/>
+          <a:lstStyle/>
+          <a:p>
+            <a:r>
+              <a:rPr lang="en-US" dirty="0"/>
+              <a:t>Users algebra/API</a:t>
+            </a:r>
+          </a:p>
+        </p:txBody>
+      </p:sp>
+      <p:sp>
+        <p:nvSpPr>
+          <p:cNvPr id="7" name="TextBox 6">
+            <a:extLst>
+              <a:ext uri="{FF2B5EF4-FFF2-40B4-BE49-F238E27FC236}">
+                <a16:creationId xmlns:a16="http://schemas.microsoft.com/office/drawing/2014/main" id="{DC7EEDE6-9EFE-8D44-85F7-46619BF7B609}"/>
+              </a:ext>
+            </a:extLst>
+          </p:cNvPr>
+          <p:cNvSpPr txBox="1"/>
+          <p:nvPr/>
+        </p:nvSpPr>
+        <p:spPr>
+          <a:xfrm>
+            <a:off x="1047182" y="1316081"/>
+            <a:ext cx="9167783" cy="1938992"/>
+          </a:xfrm>
+          <a:prstGeom prst="rect">
+            <a:avLst/>
+          </a:prstGeom>
+          <a:solidFill>
+            <a:schemeClr val="bg1"/>
+          </a:solidFill>
+          <a:ln w="25400">
+            <a:solidFill>
+              <a:schemeClr val="tx1"/>
+            </a:solidFill>
+          </a:ln>
+          <a:effectLst>
+            <a:softEdge rad="31750"/>
+          </a:effectLst>
+        </p:spPr>
+        <p:txBody>
+          <a:bodyPr wrap="square" rtlCol="0">
+            <a:spAutoFit/>
+          </a:bodyPr>
+          <a:lstStyle/>
+          <a:p>
+            <a:r>
+              <a:rPr lang="en-US" sz="2000" dirty="0">
+                <a:latin typeface="Helvetica" pitchFamily="2" charset="0"/>
+                <a:ea typeface="Gungsuh" panose="02030600000101010101" pitchFamily="18" charset="-127"/>
+              </a:rPr>
+              <a:t>trait Users[E[_]] {</a:t>
+            </a:r>
+          </a:p>
+          <a:p>
+            <a:r>
+              <a:rPr lang="en-US" sz="2000" dirty="0">
+                <a:latin typeface="Helvetica" pitchFamily="2" charset="0"/>
+                <a:ea typeface="Gungsuh" panose="02030600000101010101" pitchFamily="18" charset="-127"/>
+              </a:rPr>
+              <a:t>  def </a:t>
+            </a:r>
+            <a:r>
+              <a:rPr lang="en-US" sz="2000" dirty="0" err="1">
+                <a:latin typeface="Helvetica" pitchFamily="2" charset="0"/>
+                <a:ea typeface="Gungsuh" panose="02030600000101010101" pitchFamily="18" charset="-127"/>
+              </a:rPr>
+              <a:t>findById</a:t>
+            </a:r>
+            <a:r>
+              <a:rPr lang="en-US" sz="2000" dirty="0">
+                <a:latin typeface="Helvetica" pitchFamily="2" charset="0"/>
+                <a:ea typeface="Gungsuh" panose="02030600000101010101" pitchFamily="18" charset="-127"/>
+              </a:rPr>
+              <a:t>(id: UUID) : E[Option[User]]</a:t>
+            </a:r>
+          </a:p>
+          <a:p>
+            <a:r>
+              <a:rPr lang="en-US" sz="2000" dirty="0">
+                <a:latin typeface="Helvetica" pitchFamily="2" charset="0"/>
+                <a:ea typeface="Gungsuh" panose="02030600000101010101" pitchFamily="18" charset="-127"/>
+              </a:rPr>
+              <a:t>  def create(id: UUID, username: String, </a:t>
+            </a:r>
+            <a:r>
+              <a:rPr lang="en-US" sz="2000" dirty="0" err="1">
+                <a:latin typeface="Helvetica" pitchFamily="2" charset="0"/>
+                <a:ea typeface="Gungsuh" panose="02030600000101010101" pitchFamily="18" charset="-127"/>
+              </a:rPr>
+              <a:t>plainTextPassword</a:t>
+            </a:r>
+            <a:r>
+              <a:rPr lang="en-US" sz="2000" dirty="0">
+                <a:latin typeface="Helvetica" pitchFamily="2" charset="0"/>
+                <a:ea typeface="Gungsuh" panose="02030600000101010101" pitchFamily="18" charset="-127"/>
+              </a:rPr>
+              <a:t>: String) : E[Boolean]</a:t>
+            </a:r>
+          </a:p>
+          <a:p>
+            <a:r>
+              <a:rPr lang="en-US" sz="2000" dirty="0">
+                <a:latin typeface="Helvetica" pitchFamily="2" charset="0"/>
+                <a:ea typeface="Gungsuh" panose="02030600000101010101" pitchFamily="18" charset="-127"/>
+              </a:rPr>
+              <a:t>  def remove(</a:t>
+            </a:r>
+            <a:r>
+              <a:rPr lang="en-US" sz="2000" dirty="0" err="1">
+                <a:latin typeface="Helvetica" pitchFamily="2" charset="0"/>
+                <a:ea typeface="Gungsuh" panose="02030600000101010101" pitchFamily="18" charset="-127"/>
+              </a:rPr>
+              <a:t>userId</a:t>
+            </a:r>
+            <a:r>
+              <a:rPr lang="en-US" sz="2000" dirty="0">
+                <a:latin typeface="Helvetica" pitchFamily="2" charset="0"/>
+                <a:ea typeface="Gungsuh" panose="02030600000101010101" pitchFamily="18" charset="-127"/>
+              </a:rPr>
+              <a:t>: UUID) : E[Boolean]</a:t>
+            </a:r>
+          </a:p>
+          <a:p>
+            <a:r>
+              <a:rPr lang="en-US" sz="2000" dirty="0">
+                <a:latin typeface="Helvetica" pitchFamily="2" charset="0"/>
+                <a:ea typeface="Gungsuh" panose="02030600000101010101" pitchFamily="18" charset="-127"/>
+              </a:rPr>
+              <a:t>  …</a:t>
+            </a:r>
+          </a:p>
+          <a:p>
+            <a:r>
+              <a:rPr lang="en-US" sz="2000" dirty="0">
+                <a:latin typeface="Helvetica" pitchFamily="2" charset="0"/>
+                <a:ea typeface="Gungsuh" panose="02030600000101010101" pitchFamily="18" charset="-127"/>
+              </a:rPr>
+              <a:t>}</a:t>
+            </a:r>
+            <a:endParaRPr lang="en-US" sz="2000" dirty="0">
+              <a:latin typeface="Helvetica" pitchFamily="2" charset="0"/>
+              <a:ea typeface="Gungsuh" panose="02030600000101010101" pitchFamily="18" charset="-127"/>
+              <a:cs typeface="Consolas" panose="020B0609020204030204" pitchFamily="49" charset="0"/>
+            </a:endParaRPr>
+          </a:p>
+        </p:txBody>
+      </p:sp>
+      <p:sp>
+        <p:nvSpPr>
+          <p:cNvPr id="8" name="TextBox 7">
+            <a:extLst>
+              <a:ext uri="{FF2B5EF4-FFF2-40B4-BE49-F238E27FC236}">
+                <a16:creationId xmlns:a16="http://schemas.microsoft.com/office/drawing/2014/main" id="{F184318E-BCBC-D245-B43A-6FAE727A2F90}"/>
+              </a:ext>
+            </a:extLst>
+          </p:cNvPr>
+          <p:cNvSpPr txBox="1"/>
+          <p:nvPr/>
+        </p:nvSpPr>
+        <p:spPr>
+          <a:xfrm>
+            <a:off x="612928" y="1316081"/>
+            <a:ext cx="467595" cy="1938992"/>
+          </a:xfrm>
+          <a:prstGeom prst="rect">
+            <a:avLst/>
+          </a:prstGeom>
+          <a:solidFill>
+            <a:schemeClr val="bg1"/>
+          </a:solidFill>
+          <a:ln w="25400">
+            <a:solidFill>
+              <a:schemeClr val="tx1"/>
+            </a:solidFill>
+          </a:ln>
+          <a:effectLst>
+            <a:softEdge rad="31750"/>
+          </a:effectLst>
+        </p:spPr>
+        <p:txBody>
+          <a:bodyPr wrap="square" rtlCol="0">
+            <a:spAutoFit/>
+          </a:bodyPr>
+          <a:lstStyle/>
+          <a:p>
+            <a:r>
+              <a:rPr lang="en-US" sz="2000" dirty="0">
+                <a:latin typeface="Helvetica" pitchFamily="2" charset="0"/>
+                <a:cs typeface="Consolas" panose="020B0609020204030204" pitchFamily="49" charset="0"/>
+              </a:rPr>
+              <a:t>01</a:t>
+            </a:r>
+          </a:p>
+          <a:p>
+            <a:r>
+              <a:rPr lang="en-US" sz="2000" dirty="0">
+                <a:latin typeface="Helvetica" pitchFamily="2" charset="0"/>
+                <a:cs typeface="Consolas" panose="020B0609020204030204" pitchFamily="49" charset="0"/>
+              </a:rPr>
+              <a:t>02</a:t>
+            </a:r>
+          </a:p>
+          <a:p>
+            <a:r>
+              <a:rPr lang="en-US" sz="2000" dirty="0">
+                <a:latin typeface="Helvetica" pitchFamily="2" charset="0"/>
+                <a:cs typeface="Consolas" panose="020B0609020204030204" pitchFamily="49" charset="0"/>
+              </a:rPr>
+              <a:t>03</a:t>
+            </a:r>
+          </a:p>
+          <a:p>
+            <a:r>
+              <a:rPr lang="en-US" sz="2000" dirty="0">
+                <a:latin typeface="Helvetica" pitchFamily="2" charset="0"/>
+                <a:cs typeface="Consolas" panose="020B0609020204030204" pitchFamily="49" charset="0"/>
+              </a:rPr>
+              <a:t>04</a:t>
+            </a:r>
+          </a:p>
+          <a:p>
+            <a:r>
+              <a:rPr lang="en-US" sz="2000" dirty="0">
+                <a:latin typeface="Helvetica" pitchFamily="2" charset="0"/>
+                <a:cs typeface="Consolas" panose="020B0609020204030204" pitchFamily="49" charset="0"/>
+              </a:rPr>
+              <a:t>05</a:t>
+            </a:r>
+          </a:p>
+          <a:p>
+            <a:r>
+              <a:rPr lang="en-US" sz="2000" dirty="0">
+                <a:latin typeface="Helvetica" pitchFamily="2" charset="0"/>
+                <a:cs typeface="Consolas" panose="020B0609020204030204" pitchFamily="49" charset="0"/>
+              </a:rPr>
+              <a:t>06</a:t>
+            </a:r>
+          </a:p>
+        </p:txBody>
+      </p:sp>
+      <p:sp>
+        <p:nvSpPr>
+          <p:cNvPr id="10" name="TextBox 9">
+            <a:extLst>
+              <a:ext uri="{FF2B5EF4-FFF2-40B4-BE49-F238E27FC236}">
+                <a16:creationId xmlns:a16="http://schemas.microsoft.com/office/drawing/2014/main" id="{876C562A-99E6-D046-8C39-8F91EC3C1192}"/>
+              </a:ext>
+            </a:extLst>
+          </p:cNvPr>
+          <p:cNvSpPr txBox="1"/>
+          <p:nvPr/>
+        </p:nvSpPr>
+        <p:spPr>
+          <a:xfrm>
+            <a:off x="1047182" y="3429000"/>
+            <a:ext cx="9167783" cy="2862322"/>
+          </a:xfrm>
+          <a:prstGeom prst="rect">
+            <a:avLst/>
+          </a:prstGeom>
+          <a:solidFill>
+            <a:schemeClr val="bg1"/>
+          </a:solidFill>
+          <a:ln w="25400">
+            <a:solidFill>
+              <a:schemeClr val="tx1"/>
+            </a:solidFill>
+          </a:ln>
+          <a:effectLst>
+            <a:softEdge rad="31750"/>
+          </a:effectLst>
+        </p:spPr>
+        <p:txBody>
+          <a:bodyPr wrap="square" rtlCol="0">
+            <a:spAutoFit/>
+          </a:bodyPr>
+          <a:lstStyle/>
+          <a:p>
+            <a:r>
+              <a:rPr lang="en-US" sz="2000" dirty="0">
+                <a:latin typeface="Helvetica" pitchFamily="2" charset="0"/>
+                <a:ea typeface="Gungsuh" panose="02030600000101010101" pitchFamily="18" charset="-127"/>
+              </a:rPr>
+              <a:t>object Users {</a:t>
+            </a:r>
+          </a:p>
+          <a:p>
+            <a:r>
+              <a:rPr lang="en-US" sz="2000" dirty="0">
+                <a:latin typeface="Helvetica" pitchFamily="2" charset="0"/>
+                <a:ea typeface="Gungsuh" panose="02030600000101010101" pitchFamily="18" charset="-127"/>
+              </a:rPr>
+              <a:t>  case class User(</a:t>
+            </a:r>
+          </a:p>
+          <a:p>
+            <a:r>
+              <a:rPr lang="en-US" sz="2000" dirty="0">
+                <a:latin typeface="Helvetica" pitchFamily="2" charset="0"/>
+                <a:ea typeface="Gungsuh" panose="02030600000101010101" pitchFamily="18" charset="-127"/>
+              </a:rPr>
+              <a:t>    id: UUID,</a:t>
+            </a:r>
+          </a:p>
+          <a:p>
+            <a:r>
+              <a:rPr lang="en-US" sz="2000" dirty="0">
+                <a:latin typeface="Helvetica" pitchFamily="2" charset="0"/>
+                <a:ea typeface="Gungsuh" panose="02030600000101010101" pitchFamily="18" charset="-127"/>
+              </a:rPr>
+              <a:t>    username: String,</a:t>
+            </a:r>
+          </a:p>
+          <a:p>
+            <a:r>
+              <a:rPr lang="en-US" sz="2000" dirty="0">
+                <a:latin typeface="Helvetica" pitchFamily="2" charset="0"/>
+                <a:ea typeface="Gungsuh" panose="02030600000101010101" pitchFamily="18" charset="-127"/>
+              </a:rPr>
+              <a:t>    </a:t>
+            </a:r>
+            <a:r>
+              <a:rPr lang="en-US" sz="2000" dirty="0" err="1">
+                <a:latin typeface="Helvetica" pitchFamily="2" charset="0"/>
+                <a:ea typeface="Gungsuh" panose="02030600000101010101" pitchFamily="18" charset="-127"/>
+              </a:rPr>
+              <a:t>passwordDigest</a:t>
+            </a:r>
+            <a:r>
+              <a:rPr lang="en-US" sz="2000" dirty="0">
+                <a:latin typeface="Helvetica" pitchFamily="2" charset="0"/>
+                <a:ea typeface="Gungsuh" panose="02030600000101010101" pitchFamily="18" charset="-127"/>
+              </a:rPr>
+              <a:t>: String,</a:t>
+            </a:r>
+          </a:p>
+          <a:p>
+            <a:r>
+              <a:rPr lang="en-US" sz="2000" dirty="0">
+                <a:latin typeface="Helvetica" pitchFamily="2" charset="0"/>
+                <a:ea typeface="Gungsuh" panose="02030600000101010101" pitchFamily="18" charset="-127"/>
+              </a:rPr>
+              <a:t>    created: Instant,</a:t>
+            </a:r>
+          </a:p>
+          <a:p>
+            <a:r>
+              <a:rPr lang="en-US" sz="2000" dirty="0">
+                <a:latin typeface="Helvetica" pitchFamily="2" charset="0"/>
+                <a:ea typeface="Gungsuh" panose="02030600000101010101" pitchFamily="18" charset="-127"/>
+              </a:rPr>
+              <a:t>    removed: Option[Instant]</a:t>
+            </a:r>
+          </a:p>
+          <a:p>
+            <a:r>
+              <a:rPr lang="en-US" sz="2000" dirty="0">
+                <a:latin typeface="Helvetica" pitchFamily="2" charset="0"/>
+                <a:ea typeface="Gungsuh" panose="02030600000101010101" pitchFamily="18" charset="-127"/>
+              </a:rPr>
+              <a:t>  )</a:t>
+            </a:r>
+          </a:p>
+          <a:p>
+            <a:r>
+              <a:rPr lang="en-US" sz="2000" dirty="0">
+                <a:latin typeface="Helvetica" pitchFamily="2" charset="0"/>
+                <a:ea typeface="Gungsuh" panose="02030600000101010101" pitchFamily="18" charset="-127"/>
+              </a:rPr>
+              <a:t>}</a:t>
+            </a:r>
+            <a:endParaRPr lang="en-US" sz="2000" dirty="0">
+              <a:latin typeface="Helvetica" pitchFamily="2" charset="0"/>
+              <a:ea typeface="Gungsuh" panose="02030600000101010101" pitchFamily="18" charset="-127"/>
+              <a:cs typeface="Consolas" panose="020B0609020204030204" pitchFamily="49" charset="0"/>
+            </a:endParaRPr>
+          </a:p>
+        </p:txBody>
+      </p:sp>
+      <p:sp>
+        <p:nvSpPr>
+          <p:cNvPr id="11" name="TextBox 10">
+            <a:extLst>
+              <a:ext uri="{FF2B5EF4-FFF2-40B4-BE49-F238E27FC236}">
+                <a16:creationId xmlns:a16="http://schemas.microsoft.com/office/drawing/2014/main" id="{5A32EB12-CFD8-B24C-84FD-47DD6A287E26}"/>
+              </a:ext>
+            </a:extLst>
+          </p:cNvPr>
+          <p:cNvSpPr txBox="1"/>
+          <p:nvPr/>
+        </p:nvSpPr>
+        <p:spPr>
+          <a:xfrm>
+            <a:off x="612928" y="3429000"/>
+            <a:ext cx="467595" cy="2862322"/>
+          </a:xfrm>
+          <a:prstGeom prst="rect">
+            <a:avLst/>
+          </a:prstGeom>
+          <a:solidFill>
+            <a:schemeClr val="bg1"/>
+          </a:solidFill>
+          <a:ln w="25400">
+            <a:solidFill>
+              <a:schemeClr val="tx1"/>
+            </a:solidFill>
+          </a:ln>
+          <a:effectLst>
+            <a:softEdge rad="31750"/>
+          </a:effectLst>
+        </p:spPr>
+        <p:txBody>
+          <a:bodyPr wrap="square" rtlCol="0">
+            <a:spAutoFit/>
+          </a:bodyPr>
+          <a:lstStyle/>
+          <a:p>
+            <a:r>
+              <a:rPr lang="en-US" sz="2000" dirty="0">
+                <a:latin typeface="Helvetica" pitchFamily="2" charset="0"/>
+                <a:cs typeface="Consolas" panose="020B0609020204030204" pitchFamily="49" charset="0"/>
+              </a:rPr>
+              <a:t>01</a:t>
+            </a:r>
+          </a:p>
+          <a:p>
+            <a:r>
+              <a:rPr lang="en-US" sz="2000" dirty="0">
+                <a:latin typeface="Helvetica" pitchFamily="2" charset="0"/>
+                <a:cs typeface="Consolas" panose="020B0609020204030204" pitchFamily="49" charset="0"/>
+              </a:rPr>
+              <a:t>02</a:t>
+            </a:r>
+          </a:p>
+          <a:p>
+            <a:r>
+              <a:rPr lang="en-US" sz="2000" dirty="0">
+                <a:latin typeface="Helvetica" pitchFamily="2" charset="0"/>
+                <a:cs typeface="Consolas" panose="020B0609020204030204" pitchFamily="49" charset="0"/>
+              </a:rPr>
+              <a:t>03</a:t>
+            </a:r>
+          </a:p>
+          <a:p>
+            <a:r>
+              <a:rPr lang="en-US" sz="2000" dirty="0">
+                <a:latin typeface="Helvetica" pitchFamily="2" charset="0"/>
+                <a:cs typeface="Consolas" panose="020B0609020204030204" pitchFamily="49" charset="0"/>
+              </a:rPr>
+              <a:t>04</a:t>
+            </a:r>
+          </a:p>
+          <a:p>
+            <a:r>
+              <a:rPr lang="en-US" sz="2000" dirty="0">
+                <a:latin typeface="Helvetica" pitchFamily="2" charset="0"/>
+                <a:cs typeface="Consolas" panose="020B0609020204030204" pitchFamily="49" charset="0"/>
+              </a:rPr>
+              <a:t>05</a:t>
+            </a:r>
+          </a:p>
+          <a:p>
+            <a:r>
+              <a:rPr lang="en-US" sz="2000" dirty="0">
+                <a:latin typeface="Helvetica" pitchFamily="2" charset="0"/>
+                <a:cs typeface="Consolas" panose="020B0609020204030204" pitchFamily="49" charset="0"/>
+              </a:rPr>
+              <a:t>06</a:t>
+            </a:r>
+          </a:p>
+          <a:p>
+            <a:r>
+              <a:rPr lang="en-US" sz="2000" dirty="0">
+                <a:latin typeface="Helvetica" pitchFamily="2" charset="0"/>
+                <a:cs typeface="Consolas" panose="020B0609020204030204" pitchFamily="49" charset="0"/>
+              </a:rPr>
+              <a:t>07</a:t>
+            </a:r>
+          </a:p>
+          <a:p>
+            <a:r>
+              <a:rPr lang="en-US" sz="2000" dirty="0">
+                <a:latin typeface="Helvetica" pitchFamily="2" charset="0"/>
+                <a:cs typeface="Consolas" panose="020B0609020204030204" pitchFamily="49" charset="0"/>
+              </a:rPr>
+              <a:t>08</a:t>
+            </a:r>
+          </a:p>
+          <a:p>
+            <a:r>
+              <a:rPr lang="en-US" sz="2000" dirty="0">
+                <a:latin typeface="Helvetica" pitchFamily="2" charset="0"/>
+                <a:cs typeface="Consolas" panose="020B0609020204030204" pitchFamily="49" charset="0"/>
+              </a:rPr>
+              <a:t>09</a:t>
+            </a:r>
+          </a:p>
+        </p:txBody>
+      </p:sp>
+    </p:spTree>
+    <p:extLst>
+      <p:ext uri="{BB962C8B-B14F-4D97-AF65-F5344CB8AC3E}">
+        <p14:creationId xmlns:p14="http://schemas.microsoft.com/office/powerpoint/2010/main" val="3548212267"/>
+      </p:ext>
+    </p:extLst>
+  </p:cSld>
+  <p:clrMapOvr>
+    <a:masterClrMapping/>
+  </p:clrMapOvr>
+</p:sld>
+</file>
+
+<file path=ppt/slides/slide12.xml><?xml version="1.0" encoding="utf-8"?>
+<p:sld xmlns:a="http://schemas.openxmlformats.org/drawingml/2006/main" xmlns:r="http://schemas.openxmlformats.org/officeDocument/2006/relationships" xmlns:p="http://schemas.openxmlformats.org/presentationml/2006/main">
+  <p:cSld>
+    <p:spTree>
+      <p:nvGrpSpPr>
+        <p:cNvPr id="1" name=""/>
+        <p:cNvGrpSpPr/>
+        <p:nvPr/>
+      </p:nvGrpSpPr>
+      <p:grpSpPr>
+        <a:xfrm>
+          <a:off x="0" y="0"/>
+          <a:ext cx="0" cy="0"/>
+          <a:chOff x="0" y="0"/>
+          <a:chExt cx="0" cy="0"/>
+        </a:xfrm>
+      </p:grpSpPr>
+      <p:sp>
+        <p:nvSpPr>
+          <p:cNvPr id="2" name="Title 1">
+            <a:extLst>
+              <a:ext uri="{FF2B5EF4-FFF2-40B4-BE49-F238E27FC236}">
+                <a16:creationId xmlns:a16="http://schemas.microsoft.com/office/drawing/2014/main" id="{249BB390-5AC9-C143-AB84-CAE4A51FD5E5}"/>
+              </a:ext>
+            </a:extLst>
+          </p:cNvPr>
+          <p:cNvSpPr>
+            <a:spLocks noGrp="1"/>
+          </p:cNvSpPr>
+          <p:nvPr>
+            <p:ph type="title"/>
+          </p:nvPr>
+        </p:nvSpPr>
+        <p:spPr/>
+        <p:txBody>
+          <a:bodyPr>
+            <a:normAutofit fontScale="90000"/>
+          </a:bodyPr>
+          <a:lstStyle/>
+          <a:p>
+            <a:r>
+              <a:rPr lang="en-US" dirty="0"/>
+              <a:t>Example explicit Users test with mocking</a:t>
+            </a:r>
+          </a:p>
+        </p:txBody>
+      </p:sp>
+      <p:sp>
+        <p:nvSpPr>
+          <p:cNvPr id="7" name="TextBox 6">
+            <a:extLst>
+              <a:ext uri="{FF2B5EF4-FFF2-40B4-BE49-F238E27FC236}">
+                <a16:creationId xmlns:a16="http://schemas.microsoft.com/office/drawing/2014/main" id="{DC7EEDE6-9EFE-8D44-85F7-46619BF7B609}"/>
+              </a:ext>
+            </a:extLst>
+          </p:cNvPr>
+          <p:cNvSpPr txBox="1"/>
+          <p:nvPr/>
+        </p:nvSpPr>
+        <p:spPr>
+          <a:xfrm>
+            <a:off x="757072" y="1438835"/>
+            <a:ext cx="10806967" cy="5016758"/>
+          </a:xfrm>
+          <a:prstGeom prst="rect">
+            <a:avLst/>
+          </a:prstGeom>
+          <a:solidFill>
+            <a:schemeClr val="bg1"/>
+          </a:solidFill>
+          <a:ln w="25400">
+            <a:solidFill>
+              <a:schemeClr val="tx1"/>
+            </a:solidFill>
+          </a:ln>
+          <a:effectLst>
+            <a:softEdge rad="31750"/>
+          </a:effectLst>
+        </p:spPr>
+        <p:txBody>
+          <a:bodyPr wrap="square" rtlCol="0">
+            <a:spAutoFit/>
+          </a:bodyPr>
+          <a:lstStyle/>
+          <a:p>
+            <a:r>
+              <a:rPr lang="en-US" sz="2000" dirty="0">
+                <a:latin typeface="Helvetica" pitchFamily="2" charset="0"/>
+                <a:ea typeface="Gungsuh" panose="02030600000101010101" pitchFamily="18" charset="-127"/>
+              </a:rPr>
+              <a:t>"</a:t>
+            </a:r>
+            <a:r>
+              <a:rPr lang="en-US" sz="2000" dirty="0" err="1">
+                <a:latin typeface="Helvetica" pitchFamily="2" charset="0"/>
+                <a:ea typeface="Gungsuh" panose="02030600000101010101" pitchFamily="18" charset="-127"/>
+              </a:rPr>
+              <a:t>UsersImpl.create</a:t>
+            </a:r>
+            <a:r>
+              <a:rPr lang="en-US" sz="2000" dirty="0">
+                <a:latin typeface="Helvetica" pitchFamily="2" charset="0"/>
+                <a:ea typeface="Gungsuh" panose="02030600000101010101" pitchFamily="18" charset="-127"/>
+              </a:rPr>
+              <a:t>" should "create a new user when id &amp; username does not already exist" in {</a:t>
+            </a:r>
+          </a:p>
+          <a:p>
+            <a:r>
+              <a:rPr lang="en-US" sz="2000" dirty="0">
+                <a:latin typeface="Helvetica" pitchFamily="2" charset="0"/>
+                <a:ea typeface="Gungsuh" panose="02030600000101010101" pitchFamily="18" charset="-127"/>
+              </a:rPr>
+              <a:t>    </a:t>
+            </a:r>
+            <a:r>
+              <a:rPr lang="en-US" sz="2000" dirty="0" err="1">
+                <a:latin typeface="Helvetica" pitchFamily="2" charset="0"/>
+                <a:ea typeface="Gungsuh" panose="02030600000101010101" pitchFamily="18" charset="-127"/>
+              </a:rPr>
+              <a:t>val</a:t>
+            </a:r>
+            <a:r>
+              <a:rPr lang="en-US" sz="2000" dirty="0">
+                <a:latin typeface="Helvetica" pitchFamily="2" charset="0"/>
+                <a:ea typeface="Gungsuh" panose="02030600000101010101" pitchFamily="18" charset="-127"/>
+              </a:rPr>
+              <a:t> fixture = new Fixture</a:t>
+            </a:r>
+          </a:p>
+          <a:p>
+            <a:r>
+              <a:rPr lang="en-US" sz="2000" dirty="0">
+                <a:latin typeface="Helvetica" pitchFamily="2" charset="0"/>
+                <a:ea typeface="Gungsuh" panose="02030600000101010101" pitchFamily="18" charset="-127"/>
+              </a:rPr>
+              <a:t>    import fixture._</a:t>
+            </a:r>
+          </a:p>
+          <a:p>
+            <a:r>
+              <a:rPr lang="en-US" sz="2000" dirty="0">
+                <a:latin typeface="Helvetica" pitchFamily="2" charset="0"/>
+                <a:ea typeface="Gungsuh" panose="02030600000101010101" pitchFamily="18" charset="-127"/>
+              </a:rPr>
+              <a:t>    </a:t>
+            </a:r>
+            <a:r>
+              <a:rPr lang="en-US" sz="2000" dirty="0" err="1">
+                <a:latin typeface="Helvetica" pitchFamily="2" charset="0"/>
+                <a:ea typeface="Gungsuh" panose="02030600000101010101" pitchFamily="18" charset="-127"/>
+              </a:rPr>
+              <a:t>val</a:t>
+            </a:r>
+            <a:r>
+              <a:rPr lang="en-US" sz="2000" dirty="0">
+                <a:latin typeface="Helvetica" pitchFamily="2" charset="0"/>
+                <a:ea typeface="Gungsuh" panose="02030600000101010101" pitchFamily="18" charset="-127"/>
+              </a:rPr>
+              <a:t> id = </a:t>
+            </a:r>
+            <a:r>
+              <a:rPr lang="en-US" sz="2000" dirty="0" err="1">
+                <a:latin typeface="Helvetica" pitchFamily="2" charset="0"/>
+                <a:ea typeface="Gungsuh" panose="02030600000101010101" pitchFamily="18" charset="-127"/>
+              </a:rPr>
+              <a:t>UUID.randomUUID</a:t>
+            </a:r>
+            <a:r>
+              <a:rPr lang="en-US" sz="2000" dirty="0">
+                <a:latin typeface="Helvetica" pitchFamily="2" charset="0"/>
+                <a:ea typeface="Gungsuh" panose="02030600000101010101" pitchFamily="18" charset="-127"/>
+              </a:rPr>
+              <a:t>()</a:t>
+            </a:r>
+          </a:p>
+          <a:p>
+            <a:r>
+              <a:rPr lang="en-US" sz="2000" dirty="0">
+                <a:latin typeface="Helvetica" pitchFamily="2" charset="0"/>
+                <a:ea typeface="Gungsuh" panose="02030600000101010101" pitchFamily="18" charset="-127"/>
+              </a:rPr>
+              <a:t>    </a:t>
+            </a:r>
+            <a:r>
+              <a:rPr lang="en-US" sz="2000" dirty="0" err="1">
+                <a:latin typeface="Helvetica" pitchFamily="2" charset="0"/>
+                <a:ea typeface="Gungsuh" panose="02030600000101010101" pitchFamily="18" charset="-127"/>
+              </a:rPr>
+              <a:t>val</a:t>
+            </a:r>
+            <a:r>
+              <a:rPr lang="en-US" sz="2000" dirty="0">
+                <a:latin typeface="Helvetica" pitchFamily="2" charset="0"/>
+                <a:ea typeface="Gungsuh" panose="02030600000101010101" pitchFamily="18" charset="-127"/>
+              </a:rPr>
+              <a:t> </a:t>
+            </a:r>
+            <a:r>
+              <a:rPr lang="en-US" sz="2000" dirty="0" err="1">
+                <a:latin typeface="Helvetica" pitchFamily="2" charset="0"/>
+                <a:ea typeface="Gungsuh" panose="02030600000101010101" pitchFamily="18" charset="-127"/>
+              </a:rPr>
+              <a:t>newUserData</a:t>
+            </a:r>
+            <a:r>
+              <a:rPr lang="en-US" sz="2000" dirty="0">
+                <a:latin typeface="Helvetica" pitchFamily="2" charset="0"/>
+                <a:ea typeface="Gungsuh" panose="02030600000101010101" pitchFamily="18" charset="-127"/>
+              </a:rPr>
+              <a:t> = </a:t>
+            </a:r>
+            <a:r>
+              <a:rPr lang="en-US" sz="2000" dirty="0" err="1">
+                <a:latin typeface="Helvetica" pitchFamily="2" charset="0"/>
+                <a:ea typeface="Gungsuh" panose="02030600000101010101" pitchFamily="18" charset="-127"/>
+              </a:rPr>
+              <a:t>UserData</a:t>
+            </a:r>
+            <a:r>
+              <a:rPr lang="en-US" sz="2000" dirty="0">
+                <a:latin typeface="Helvetica" pitchFamily="2" charset="0"/>
+                <a:ea typeface="Gungsuh" panose="02030600000101010101" pitchFamily="18" charset="-127"/>
+              </a:rPr>
+              <a:t>(</a:t>
+            </a:r>
+          </a:p>
+          <a:p>
+            <a:r>
+              <a:rPr lang="en-US" sz="2000" dirty="0">
+                <a:latin typeface="Helvetica" pitchFamily="2" charset="0"/>
+                <a:ea typeface="Gungsuh" panose="02030600000101010101" pitchFamily="18" charset="-127"/>
+              </a:rPr>
+              <a:t>      username = "test-user",</a:t>
+            </a:r>
+          </a:p>
+          <a:p>
+            <a:r>
+              <a:rPr lang="en-US" sz="2000" dirty="0">
+                <a:latin typeface="Helvetica" pitchFamily="2" charset="0"/>
+                <a:ea typeface="Gungsuh" panose="02030600000101010101" pitchFamily="18" charset="-127"/>
+              </a:rPr>
+              <a:t>      </a:t>
+            </a:r>
+            <a:r>
+              <a:rPr lang="en-US" sz="2000" dirty="0" err="1">
+                <a:latin typeface="Helvetica" pitchFamily="2" charset="0"/>
+                <a:ea typeface="Gungsuh" panose="02030600000101010101" pitchFamily="18" charset="-127"/>
+              </a:rPr>
+              <a:t>passwordDigest</a:t>
+            </a:r>
+            <a:r>
+              <a:rPr lang="en-US" sz="2000" dirty="0">
+                <a:latin typeface="Helvetica" pitchFamily="2" charset="0"/>
+                <a:ea typeface="Gungsuh" panose="02030600000101010101" pitchFamily="18" charset="-127"/>
+              </a:rPr>
+              <a:t> = "test-digest"</a:t>
+            </a:r>
+          </a:p>
+          <a:p>
+            <a:r>
+              <a:rPr lang="en-US" sz="2000" dirty="0">
+                <a:latin typeface="Helvetica" pitchFamily="2" charset="0"/>
+                <a:ea typeface="Gungsuh" panose="02030600000101010101" pitchFamily="18" charset="-127"/>
+              </a:rPr>
+              <a:t>    )</a:t>
+            </a:r>
+          </a:p>
+          <a:p>
+            <a:r>
+              <a:rPr lang="en-US" sz="2000" dirty="0">
+                <a:latin typeface="Helvetica" pitchFamily="2" charset="0"/>
+                <a:ea typeface="Gungsuh" panose="02030600000101010101" pitchFamily="18" charset="-127"/>
+              </a:rPr>
+              <a:t>    (</a:t>
+            </a:r>
+            <a:r>
+              <a:rPr lang="en-US" sz="2000" dirty="0" err="1">
+                <a:latin typeface="Helvetica" pitchFamily="2" charset="0"/>
+                <a:ea typeface="Gungsuh" panose="02030600000101010101" pitchFamily="18" charset="-127"/>
+              </a:rPr>
+              <a:t>usersDao.findById</a:t>
+            </a:r>
+            <a:r>
+              <a:rPr lang="en-US" sz="2000" dirty="0">
+                <a:latin typeface="Helvetica" pitchFamily="2" charset="0"/>
+                <a:ea typeface="Gungsuh" panose="02030600000101010101" pitchFamily="18" charset="-127"/>
+              </a:rPr>
+              <a:t> _).expects(id).returns(None).once</a:t>
+            </a:r>
+          </a:p>
+          <a:p>
+            <a:r>
+              <a:rPr lang="en-US" sz="2000" dirty="0">
+                <a:latin typeface="Helvetica" pitchFamily="2" charset="0"/>
+                <a:ea typeface="Gungsuh" panose="02030600000101010101" pitchFamily="18" charset="-127"/>
+              </a:rPr>
+              <a:t>    (</a:t>
+            </a:r>
+            <a:r>
+              <a:rPr lang="en-US" sz="2000" dirty="0" err="1">
+                <a:latin typeface="Helvetica" pitchFamily="2" charset="0"/>
+                <a:ea typeface="Gungsuh" panose="02030600000101010101" pitchFamily="18" charset="-127"/>
+              </a:rPr>
+              <a:t>usersDao.findByNativeQuery</a:t>
+            </a:r>
+            <a:r>
+              <a:rPr lang="en-US" sz="2000" dirty="0">
+                <a:latin typeface="Helvetica" pitchFamily="2" charset="0"/>
+                <a:ea typeface="Gungsuh" panose="02030600000101010101" pitchFamily="18" charset="-127"/>
+              </a:rPr>
+              <a:t> _).expects("`username`='test-user'").returns(</a:t>
+            </a:r>
+            <a:r>
+              <a:rPr lang="en-US" sz="2000" dirty="0" err="1">
+                <a:latin typeface="Helvetica" pitchFamily="2" charset="0"/>
+                <a:ea typeface="Gungsuh" panose="02030600000101010101" pitchFamily="18" charset="-127"/>
+              </a:rPr>
+              <a:t>Seq.empty</a:t>
+            </a:r>
+            <a:r>
+              <a:rPr lang="en-US" sz="2000" dirty="0">
+                <a:latin typeface="Helvetica" pitchFamily="2" charset="0"/>
+                <a:ea typeface="Gungsuh" panose="02030600000101010101" pitchFamily="18" charset="-127"/>
+              </a:rPr>
+              <a:t>).once</a:t>
+            </a:r>
+          </a:p>
+          <a:p>
+            <a:r>
+              <a:rPr lang="en-US" sz="2000" dirty="0">
+                <a:latin typeface="Helvetica" pitchFamily="2" charset="0"/>
+                <a:ea typeface="Gungsuh" panose="02030600000101010101" pitchFamily="18" charset="-127"/>
+              </a:rPr>
+              <a:t>    (</a:t>
+            </a:r>
+            <a:r>
+              <a:rPr lang="en-US" sz="2000" dirty="0" err="1">
+                <a:latin typeface="Helvetica" pitchFamily="2" charset="0"/>
+                <a:ea typeface="Gungsuh" panose="02030600000101010101" pitchFamily="18" charset="-127"/>
+              </a:rPr>
+              <a:t>passwords.mkDigest</a:t>
+            </a:r>
+            <a:r>
+              <a:rPr lang="en-US" sz="2000" dirty="0">
+                <a:latin typeface="Helvetica" pitchFamily="2" charset="0"/>
+                <a:ea typeface="Gungsuh" panose="02030600000101010101" pitchFamily="18" charset="-127"/>
+              </a:rPr>
+              <a:t> _).when("test-password").returns("test-digest")</a:t>
+            </a:r>
+          </a:p>
+          <a:p>
+            <a:r>
+              <a:rPr lang="en-US" sz="2000" dirty="0">
+                <a:latin typeface="Helvetica" pitchFamily="2" charset="0"/>
+                <a:ea typeface="Gungsuh" panose="02030600000101010101" pitchFamily="18" charset="-127"/>
+              </a:rPr>
+              <a:t>    (</a:t>
+            </a:r>
+            <a:r>
+              <a:rPr lang="en-US" sz="2000" dirty="0" err="1">
+                <a:latin typeface="Helvetica" pitchFamily="2" charset="0"/>
+                <a:ea typeface="Gungsuh" panose="02030600000101010101" pitchFamily="18" charset="-127"/>
+              </a:rPr>
+              <a:t>usersDao.insert</a:t>
+            </a:r>
+            <a:r>
+              <a:rPr lang="en-US" sz="2000" dirty="0">
+                <a:latin typeface="Helvetica" pitchFamily="2" charset="0"/>
+                <a:ea typeface="Gungsuh" panose="02030600000101010101" pitchFamily="18" charset="-127"/>
+              </a:rPr>
+              <a:t> _).expects(id, </a:t>
+            </a:r>
+            <a:r>
+              <a:rPr lang="en-US" sz="2000" dirty="0" err="1">
+                <a:latin typeface="Helvetica" pitchFamily="2" charset="0"/>
+                <a:ea typeface="Gungsuh" panose="02030600000101010101" pitchFamily="18" charset="-127"/>
+              </a:rPr>
+              <a:t>newUserData</a:t>
+            </a:r>
+            <a:r>
+              <a:rPr lang="en-US" sz="2000" dirty="0">
+                <a:latin typeface="Helvetica" pitchFamily="2" charset="0"/>
+                <a:ea typeface="Gungsuh" panose="02030600000101010101" pitchFamily="18" charset="-127"/>
+              </a:rPr>
+              <a:t>).returns(true).once</a:t>
+            </a:r>
+          </a:p>
+          <a:p>
+            <a:r>
+              <a:rPr lang="en-US" sz="2000" dirty="0">
+                <a:latin typeface="Helvetica" pitchFamily="2" charset="0"/>
+                <a:ea typeface="Gungsuh" panose="02030600000101010101" pitchFamily="18" charset="-127"/>
+              </a:rPr>
+              <a:t>    (</a:t>
+            </a:r>
+            <a:r>
+              <a:rPr lang="en-US" sz="2000" dirty="0" err="1">
+                <a:latin typeface="Helvetica" pitchFamily="2" charset="0"/>
+                <a:ea typeface="Gungsuh" panose="02030600000101010101" pitchFamily="18" charset="-127"/>
+              </a:rPr>
+              <a:t>logger.info</a:t>
+            </a:r>
+            <a:r>
+              <a:rPr lang="en-US" sz="2000" dirty="0">
+                <a:latin typeface="Helvetica" pitchFamily="2" charset="0"/>
+                <a:ea typeface="Gungsuh" panose="02030600000101010101" pitchFamily="18" charset="-127"/>
+              </a:rPr>
+              <a:t> _).expects(</a:t>
+            </a:r>
+            <a:r>
+              <a:rPr lang="en-US" sz="2000" dirty="0" err="1">
+                <a:latin typeface="Helvetica" pitchFamily="2" charset="0"/>
+                <a:ea typeface="Gungsuh" panose="02030600000101010101" pitchFamily="18" charset="-127"/>
+              </a:rPr>
+              <a:t>s"Created</a:t>
+            </a:r>
+            <a:r>
+              <a:rPr lang="en-US" sz="2000" dirty="0">
+                <a:latin typeface="Helvetica" pitchFamily="2" charset="0"/>
+                <a:ea typeface="Gungsuh" panose="02030600000101010101" pitchFamily="18" charset="-127"/>
+              </a:rPr>
+              <a:t> user $id with username test-user").once</a:t>
+            </a:r>
+          </a:p>
+          <a:p>
+            <a:endParaRPr lang="en-US" sz="2000" dirty="0">
+              <a:latin typeface="Helvetica" pitchFamily="2" charset="0"/>
+              <a:ea typeface="Gungsuh" panose="02030600000101010101" pitchFamily="18" charset="-127"/>
+            </a:endParaRPr>
+          </a:p>
+          <a:p>
+            <a:r>
+              <a:rPr lang="en-US" sz="2000" dirty="0">
+                <a:latin typeface="Helvetica" pitchFamily="2" charset="0"/>
+                <a:ea typeface="Gungsuh" panose="02030600000101010101" pitchFamily="18" charset="-127"/>
+              </a:rPr>
+              <a:t>    </a:t>
+            </a:r>
+            <a:r>
+              <a:rPr lang="en-US" sz="2000" dirty="0" err="1">
+                <a:latin typeface="Helvetica" pitchFamily="2" charset="0"/>
+                <a:ea typeface="Gungsuh" panose="02030600000101010101" pitchFamily="18" charset="-127"/>
+              </a:rPr>
+              <a:t>users.create</a:t>
+            </a:r>
+            <a:r>
+              <a:rPr lang="en-US" sz="2000" dirty="0">
+                <a:latin typeface="Helvetica" pitchFamily="2" charset="0"/>
+                <a:ea typeface="Gungsuh" panose="02030600000101010101" pitchFamily="18" charset="-127"/>
+              </a:rPr>
+              <a:t>(</a:t>
+            </a:r>
+            <a:r>
+              <a:rPr lang="en-US" sz="2000" dirty="0" err="1">
+                <a:latin typeface="Helvetica" pitchFamily="2" charset="0"/>
+                <a:ea typeface="Gungsuh" panose="02030600000101010101" pitchFamily="18" charset="-127"/>
+              </a:rPr>
+              <a:t>id,"test</a:t>
+            </a:r>
+            <a:r>
+              <a:rPr lang="en-US" sz="2000" dirty="0">
+                <a:latin typeface="Helvetica" pitchFamily="2" charset="0"/>
+                <a:ea typeface="Gungsuh" panose="02030600000101010101" pitchFamily="18" charset="-127"/>
+              </a:rPr>
+              <a:t>-</a:t>
+            </a:r>
+            <a:r>
+              <a:rPr lang="en-US" sz="2000" dirty="0" err="1">
+                <a:latin typeface="Helvetica" pitchFamily="2" charset="0"/>
+                <a:ea typeface="Gungsuh" panose="02030600000101010101" pitchFamily="18" charset="-127"/>
+              </a:rPr>
+              <a:t>user","test</a:t>
+            </a:r>
+            <a:r>
+              <a:rPr lang="en-US" sz="2000" dirty="0">
+                <a:latin typeface="Helvetica" pitchFamily="2" charset="0"/>
+                <a:ea typeface="Gungsuh" panose="02030600000101010101" pitchFamily="18" charset="-127"/>
+              </a:rPr>
+              <a:t>-password") </a:t>
+            </a:r>
+            <a:r>
+              <a:rPr lang="en-US" sz="2000" dirty="0" err="1">
+                <a:latin typeface="Helvetica" pitchFamily="2" charset="0"/>
+                <a:ea typeface="Gungsuh" panose="02030600000101010101" pitchFamily="18" charset="-127"/>
+              </a:rPr>
+              <a:t>shouldBe</a:t>
+            </a:r>
+            <a:r>
+              <a:rPr lang="en-US" sz="2000" dirty="0">
+                <a:latin typeface="Helvetica" pitchFamily="2" charset="0"/>
+                <a:ea typeface="Gungsuh" panose="02030600000101010101" pitchFamily="18" charset="-127"/>
+              </a:rPr>
+              <a:t> true</a:t>
+            </a:r>
+          </a:p>
+          <a:p>
+            <a:r>
+              <a:rPr lang="en-US" sz="2000" dirty="0">
+                <a:latin typeface="Helvetica" pitchFamily="2" charset="0"/>
+                <a:ea typeface="Gungsuh" panose="02030600000101010101" pitchFamily="18" charset="-127"/>
+              </a:rPr>
+              <a:t>  }</a:t>
+            </a:r>
+            <a:endParaRPr lang="en-US" sz="2000" dirty="0">
+              <a:latin typeface="Helvetica" pitchFamily="2" charset="0"/>
+              <a:ea typeface="Gungsuh" panose="02030600000101010101" pitchFamily="18" charset="-127"/>
+              <a:cs typeface="Consolas" panose="020B0609020204030204" pitchFamily="49" charset="0"/>
+            </a:endParaRPr>
+          </a:p>
+        </p:txBody>
+      </p:sp>
+      <p:sp>
+        <p:nvSpPr>
+          <p:cNvPr id="8" name="TextBox 7">
+            <a:extLst>
+              <a:ext uri="{FF2B5EF4-FFF2-40B4-BE49-F238E27FC236}">
+                <a16:creationId xmlns:a16="http://schemas.microsoft.com/office/drawing/2014/main" id="{F184318E-BCBC-D245-B43A-6FAE727A2F90}"/>
+              </a:ext>
+            </a:extLst>
+          </p:cNvPr>
+          <p:cNvSpPr txBox="1"/>
+          <p:nvPr/>
+        </p:nvSpPr>
+        <p:spPr>
+          <a:xfrm>
+            <a:off x="322818" y="1438835"/>
+            <a:ext cx="467595" cy="5016758"/>
+          </a:xfrm>
+          <a:prstGeom prst="rect">
+            <a:avLst/>
+          </a:prstGeom>
+          <a:solidFill>
+            <a:schemeClr val="bg1"/>
+          </a:solidFill>
+          <a:ln w="25400">
+            <a:solidFill>
+              <a:schemeClr val="tx1"/>
+            </a:solidFill>
+          </a:ln>
+          <a:effectLst>
+            <a:softEdge rad="31750"/>
+          </a:effectLst>
+        </p:spPr>
+        <p:txBody>
+          <a:bodyPr wrap="square" rtlCol="0">
+            <a:spAutoFit/>
+          </a:bodyPr>
+          <a:lstStyle/>
+          <a:p>
+            <a:r>
+              <a:rPr lang="en-US" sz="2000" dirty="0">
+                <a:latin typeface="Helvetica" pitchFamily="2" charset="0"/>
+                <a:cs typeface="Consolas" panose="020B0609020204030204" pitchFamily="49" charset="0"/>
+              </a:rPr>
+              <a:t>01</a:t>
+            </a:r>
+          </a:p>
+          <a:p>
+            <a:r>
+              <a:rPr lang="en-US" sz="2000" dirty="0">
+                <a:latin typeface="Helvetica" pitchFamily="2" charset="0"/>
+                <a:cs typeface="Consolas" panose="020B0609020204030204" pitchFamily="49" charset="0"/>
+              </a:rPr>
+              <a:t>02</a:t>
+            </a:r>
+          </a:p>
+          <a:p>
+            <a:r>
+              <a:rPr lang="en-US" sz="2000" dirty="0">
+                <a:latin typeface="Helvetica" pitchFamily="2" charset="0"/>
+                <a:cs typeface="Consolas" panose="020B0609020204030204" pitchFamily="49" charset="0"/>
+              </a:rPr>
+              <a:t>03</a:t>
+            </a:r>
+          </a:p>
+          <a:p>
+            <a:r>
+              <a:rPr lang="en-US" sz="2000" dirty="0">
+                <a:latin typeface="Helvetica" pitchFamily="2" charset="0"/>
+                <a:cs typeface="Consolas" panose="020B0609020204030204" pitchFamily="49" charset="0"/>
+              </a:rPr>
+              <a:t>04</a:t>
+            </a:r>
+          </a:p>
+          <a:p>
+            <a:r>
+              <a:rPr lang="en-US" sz="2000" dirty="0">
+                <a:latin typeface="Helvetica" pitchFamily="2" charset="0"/>
+                <a:cs typeface="Consolas" panose="020B0609020204030204" pitchFamily="49" charset="0"/>
+              </a:rPr>
+              <a:t>05</a:t>
+            </a:r>
+          </a:p>
+          <a:p>
+            <a:r>
+              <a:rPr lang="en-US" sz="2000" dirty="0">
+                <a:latin typeface="Helvetica" pitchFamily="2" charset="0"/>
+                <a:cs typeface="Consolas" panose="020B0609020204030204" pitchFamily="49" charset="0"/>
+              </a:rPr>
+              <a:t>06</a:t>
+            </a:r>
+          </a:p>
+          <a:p>
+            <a:r>
+              <a:rPr lang="en-US" sz="2000" dirty="0">
+                <a:latin typeface="Helvetica" pitchFamily="2" charset="0"/>
+                <a:cs typeface="Consolas" panose="020B0609020204030204" pitchFamily="49" charset="0"/>
+              </a:rPr>
+              <a:t>07</a:t>
+            </a:r>
+          </a:p>
+          <a:p>
+            <a:r>
+              <a:rPr lang="en-US" sz="2000" dirty="0">
+                <a:latin typeface="Helvetica" pitchFamily="2" charset="0"/>
+                <a:cs typeface="Consolas" panose="020B0609020204030204" pitchFamily="49" charset="0"/>
+              </a:rPr>
+              <a:t>08</a:t>
+            </a:r>
+          </a:p>
+          <a:p>
+            <a:r>
+              <a:rPr lang="en-US" sz="2000" dirty="0">
+                <a:latin typeface="Helvetica" pitchFamily="2" charset="0"/>
+                <a:cs typeface="Consolas" panose="020B0609020204030204" pitchFamily="49" charset="0"/>
+              </a:rPr>
+              <a:t>09</a:t>
+            </a:r>
+          </a:p>
+          <a:p>
+            <a:r>
+              <a:rPr lang="en-US" sz="2000" dirty="0">
+                <a:latin typeface="Helvetica" pitchFamily="2" charset="0"/>
+                <a:cs typeface="Consolas" panose="020B0609020204030204" pitchFamily="49" charset="0"/>
+              </a:rPr>
+              <a:t>10</a:t>
+            </a:r>
+          </a:p>
+          <a:p>
+            <a:r>
+              <a:rPr lang="en-US" sz="2000" dirty="0">
+                <a:latin typeface="Helvetica" pitchFamily="2" charset="0"/>
+                <a:cs typeface="Consolas" panose="020B0609020204030204" pitchFamily="49" charset="0"/>
+              </a:rPr>
+              <a:t>11</a:t>
+            </a:r>
+          </a:p>
+          <a:p>
+            <a:r>
+              <a:rPr lang="en-US" sz="2000" dirty="0">
+                <a:latin typeface="Helvetica" pitchFamily="2" charset="0"/>
+                <a:cs typeface="Consolas" panose="020B0609020204030204" pitchFamily="49" charset="0"/>
+              </a:rPr>
+              <a:t>12</a:t>
+            </a:r>
+          </a:p>
+          <a:p>
+            <a:r>
+              <a:rPr lang="en-US" sz="2000" dirty="0">
+                <a:latin typeface="Helvetica" pitchFamily="2" charset="0"/>
+                <a:cs typeface="Consolas" panose="020B0609020204030204" pitchFamily="49" charset="0"/>
+              </a:rPr>
+              <a:t>13</a:t>
+            </a:r>
+          </a:p>
+          <a:p>
+            <a:r>
+              <a:rPr lang="en-US" sz="2000" dirty="0">
+                <a:latin typeface="Helvetica" pitchFamily="2" charset="0"/>
+                <a:cs typeface="Consolas" panose="020B0609020204030204" pitchFamily="49" charset="0"/>
+              </a:rPr>
+              <a:t>14</a:t>
+            </a:r>
+          </a:p>
+          <a:p>
+            <a:r>
+              <a:rPr lang="en-US" sz="2000" dirty="0">
+                <a:latin typeface="Helvetica" pitchFamily="2" charset="0"/>
+                <a:cs typeface="Consolas" panose="020B0609020204030204" pitchFamily="49" charset="0"/>
+              </a:rPr>
+              <a:t>15</a:t>
+            </a:r>
+          </a:p>
+          <a:p>
+            <a:r>
+              <a:rPr lang="en-US" sz="2000" dirty="0">
+                <a:latin typeface="Helvetica" pitchFamily="2" charset="0"/>
+                <a:cs typeface="Consolas" panose="020B0609020204030204" pitchFamily="49" charset="0"/>
+              </a:rPr>
+              <a:t>16</a:t>
+            </a:r>
+          </a:p>
+        </p:txBody>
+      </p:sp>
+    </p:spTree>
+    <p:extLst>
+      <p:ext uri="{BB962C8B-B14F-4D97-AF65-F5344CB8AC3E}">
+        <p14:creationId xmlns:p14="http://schemas.microsoft.com/office/powerpoint/2010/main" val="3872760914"/>
+      </p:ext>
+    </p:extLst>
+  </p:cSld>
+  <p:clrMapOvr>
+    <a:masterClrMapping/>
+  </p:clrMapOvr>
+</p:sld>
+</file>
+
+<file path=ppt/slides/slide13.xml><?xml version="1.0" encoding="utf-8"?>
+<p:sld xmlns:a="http://schemas.openxmlformats.org/drawingml/2006/main" xmlns:r="http://schemas.openxmlformats.org/officeDocument/2006/relationships" xmlns:p="http://schemas.openxmlformats.org/presentationml/2006/main">
+  <p:cSld>
+    <p:spTree>
+      <p:nvGrpSpPr>
+        <p:cNvPr id="1" name=""/>
+        <p:cNvGrpSpPr/>
+        <p:nvPr/>
+      </p:nvGrpSpPr>
+      <p:grpSpPr>
+        <a:xfrm>
+          <a:off x="0" y="0"/>
+          <a:ext cx="0" cy="0"/>
+          <a:chOff x="0" y="0"/>
+          <a:chExt cx="0" cy="0"/>
+        </a:xfrm>
+      </p:grpSpPr>
+      <p:sp>
+        <p:nvSpPr>
+          <p:cNvPr id="2" name="Title 1">
+            <a:extLst>
+              <a:ext uri="{FF2B5EF4-FFF2-40B4-BE49-F238E27FC236}">
+                <a16:creationId xmlns:a16="http://schemas.microsoft.com/office/drawing/2014/main" id="{249BB390-5AC9-C143-AB84-CAE4A51FD5E5}"/>
+              </a:ext>
+            </a:extLst>
+          </p:cNvPr>
+          <p:cNvSpPr>
+            <a:spLocks noGrp="1"/>
+          </p:cNvSpPr>
+          <p:nvPr>
+            <p:ph type="title"/>
+          </p:nvPr>
+        </p:nvSpPr>
+        <p:spPr/>
+        <p:txBody>
+          <a:bodyPr/>
+          <a:lstStyle/>
+          <a:p>
+            <a:r>
+              <a:rPr lang="en-US" dirty="0"/>
+              <a:t>Overall auto-test flow</a:t>
+            </a:r>
+          </a:p>
+        </p:txBody>
+      </p:sp>
+      <p:sp>
+        <p:nvSpPr>
+          <p:cNvPr id="6" name="TextBox 5">
+            <a:extLst>
+              <a:ext uri="{FF2B5EF4-FFF2-40B4-BE49-F238E27FC236}">
+                <a16:creationId xmlns:a16="http://schemas.microsoft.com/office/drawing/2014/main" id="{76191B28-75AC-AD4E-9375-4CC2110FDD67}"/>
+              </a:ext>
+            </a:extLst>
+          </p:cNvPr>
+          <p:cNvSpPr txBox="1"/>
+          <p:nvPr/>
+        </p:nvSpPr>
+        <p:spPr>
+          <a:xfrm>
+            <a:off x="1418958" y="1438836"/>
+            <a:ext cx="2494134" cy="369332"/>
+          </a:xfrm>
+          <a:prstGeom prst="rect">
+            <a:avLst/>
+          </a:prstGeom>
+          <a:noFill/>
+          <a:ln>
+            <a:solidFill>
+              <a:schemeClr val="tx1"/>
+            </a:solidFill>
+          </a:ln>
+        </p:spPr>
+        <p:txBody>
+          <a:bodyPr wrap="square" rtlCol="0" anchor="ctr" anchorCtr="0">
+            <a:spAutoFit/>
+          </a:bodyPr>
+          <a:lstStyle/>
+          <a:p>
+            <a:pPr algn="ctr"/>
+            <a:r>
+              <a:rPr lang="en-US" dirty="0" err="1"/>
+              <a:t>TestRunner</a:t>
+            </a:r>
+            <a:r>
+              <a:rPr lang="en-US" dirty="0"/>
+              <a:t> (SBT)</a:t>
+            </a:r>
+          </a:p>
+        </p:txBody>
+      </p:sp>
+      <p:sp>
+        <p:nvSpPr>
+          <p:cNvPr id="10" name="TextBox 9">
+            <a:extLst>
+              <a:ext uri="{FF2B5EF4-FFF2-40B4-BE49-F238E27FC236}">
+                <a16:creationId xmlns:a16="http://schemas.microsoft.com/office/drawing/2014/main" id="{CD82AA99-7496-E249-9BC7-D6CE7592841E}"/>
+              </a:ext>
+            </a:extLst>
+          </p:cNvPr>
+          <p:cNvSpPr txBox="1"/>
+          <p:nvPr/>
+        </p:nvSpPr>
+        <p:spPr>
+          <a:xfrm>
+            <a:off x="1418956" y="2083404"/>
+            <a:ext cx="2494137" cy="369332"/>
+          </a:xfrm>
+          <a:prstGeom prst="rect">
+            <a:avLst/>
+          </a:prstGeom>
+          <a:noFill/>
+          <a:ln>
+            <a:solidFill>
+              <a:schemeClr val="tx1"/>
+            </a:solidFill>
+          </a:ln>
+        </p:spPr>
+        <p:txBody>
+          <a:bodyPr wrap="square" rtlCol="0" anchor="ctr" anchorCtr="0">
+            <a:spAutoFit/>
+          </a:bodyPr>
+          <a:lstStyle/>
+          <a:p>
+            <a:pPr algn="ctr"/>
+            <a:r>
+              <a:rPr lang="en-US" dirty="0" err="1"/>
+              <a:t>UsersImplIdAutoTest</a:t>
+            </a:r>
+            <a:endParaRPr lang="en-US" dirty="0"/>
+          </a:p>
+        </p:txBody>
+      </p:sp>
+      <p:sp>
+        <p:nvSpPr>
+          <p:cNvPr id="11" name="TextBox 10">
+            <a:extLst>
+              <a:ext uri="{FF2B5EF4-FFF2-40B4-BE49-F238E27FC236}">
+                <a16:creationId xmlns:a16="http://schemas.microsoft.com/office/drawing/2014/main" id="{C2814EEC-49AE-3C41-A8DA-255EC9BA8761}"/>
+              </a:ext>
+            </a:extLst>
+          </p:cNvPr>
+          <p:cNvSpPr txBox="1"/>
+          <p:nvPr/>
+        </p:nvSpPr>
+        <p:spPr>
+          <a:xfrm>
+            <a:off x="1849262" y="2464369"/>
+            <a:ext cx="2494134" cy="369332"/>
+          </a:xfrm>
+          <a:prstGeom prst="rect">
+            <a:avLst/>
+          </a:prstGeom>
+          <a:noFill/>
+          <a:ln>
+            <a:solidFill>
+              <a:schemeClr val="tx1"/>
+            </a:solidFill>
+          </a:ln>
+        </p:spPr>
+        <p:txBody>
+          <a:bodyPr wrap="square" rtlCol="0" anchor="ctr" anchorCtr="0">
+            <a:spAutoFit/>
+          </a:bodyPr>
+          <a:lstStyle/>
+          <a:p>
+            <a:pPr algn="ctr"/>
+            <a:r>
+              <a:rPr lang="en-US" dirty="0" err="1"/>
+              <a:t>Discipline:checkAll</a:t>
+            </a:r>
+            <a:endParaRPr lang="en-US" dirty="0"/>
+          </a:p>
+        </p:txBody>
+      </p:sp>
+      <p:sp>
+        <p:nvSpPr>
+          <p:cNvPr id="12" name="TextBox 11">
+            <a:extLst>
+              <a:ext uri="{FF2B5EF4-FFF2-40B4-BE49-F238E27FC236}">
+                <a16:creationId xmlns:a16="http://schemas.microsoft.com/office/drawing/2014/main" id="{583ACD43-A9A7-BD4C-9DCE-8CC882504C5A}"/>
+              </a:ext>
+            </a:extLst>
+          </p:cNvPr>
+          <p:cNvSpPr txBox="1"/>
+          <p:nvPr/>
+        </p:nvSpPr>
+        <p:spPr>
+          <a:xfrm>
+            <a:off x="1849261" y="3256815"/>
+            <a:ext cx="2494137" cy="369332"/>
+          </a:xfrm>
+          <a:prstGeom prst="rect">
+            <a:avLst/>
+          </a:prstGeom>
+          <a:noFill/>
+          <a:ln>
+            <a:solidFill>
+              <a:schemeClr val="tx1"/>
+            </a:solidFill>
+          </a:ln>
+        </p:spPr>
+        <p:txBody>
+          <a:bodyPr wrap="square" rtlCol="0" anchor="ctr" anchorCtr="0">
+            <a:spAutoFit/>
+          </a:bodyPr>
+          <a:lstStyle/>
+          <a:p>
+            <a:pPr algn="ctr"/>
+            <a:r>
+              <a:rPr lang="en-US" dirty="0" err="1"/>
+              <a:t>UsersLaws.ruleSet</a:t>
+            </a:r>
+            <a:endParaRPr lang="en-US" dirty="0"/>
+          </a:p>
+        </p:txBody>
+      </p:sp>
+      <p:sp>
+        <p:nvSpPr>
+          <p:cNvPr id="13" name="TextBox 12">
+            <a:extLst>
+              <a:ext uri="{FF2B5EF4-FFF2-40B4-BE49-F238E27FC236}">
+                <a16:creationId xmlns:a16="http://schemas.microsoft.com/office/drawing/2014/main" id="{F247BE67-9D3B-2F43-BCC0-922FA6455246}"/>
+              </a:ext>
+            </a:extLst>
+          </p:cNvPr>
+          <p:cNvSpPr txBox="1"/>
+          <p:nvPr/>
+        </p:nvSpPr>
+        <p:spPr>
+          <a:xfrm>
+            <a:off x="2114692" y="3626147"/>
+            <a:ext cx="3596799" cy="369332"/>
+          </a:xfrm>
+          <a:prstGeom prst="rect">
+            <a:avLst/>
+          </a:prstGeom>
+          <a:noFill/>
+          <a:ln>
+            <a:solidFill>
+              <a:schemeClr val="tx1"/>
+            </a:solidFill>
+          </a:ln>
+        </p:spPr>
+        <p:txBody>
+          <a:bodyPr wrap="square" rtlCol="0" anchor="ctr" anchorCtr="0">
+            <a:spAutoFit/>
+          </a:bodyPr>
+          <a:lstStyle/>
+          <a:p>
+            <a:pPr algn="ctr"/>
+            <a:r>
+              <a:rPr lang="en-US" dirty="0" err="1"/>
+              <a:t>UsersLaws.law_createThenFind</a:t>
+            </a:r>
+            <a:endParaRPr lang="en-US" dirty="0"/>
+          </a:p>
+        </p:txBody>
+      </p:sp>
+      <p:cxnSp>
+        <p:nvCxnSpPr>
+          <p:cNvPr id="17" name="Straight Arrow Connector 16">
+            <a:extLst>
+              <a:ext uri="{FF2B5EF4-FFF2-40B4-BE49-F238E27FC236}">
+                <a16:creationId xmlns:a16="http://schemas.microsoft.com/office/drawing/2014/main" id="{B76BB029-9CE4-9649-99FE-F31F211E2E39}"/>
+              </a:ext>
+            </a:extLst>
+          </p:cNvPr>
+          <p:cNvCxnSpPr>
+            <a:cxnSpLocks/>
+            <a:stCxn id="6" idx="2"/>
+            <a:endCxn id="10" idx="0"/>
+          </p:cNvCxnSpPr>
+          <p:nvPr/>
+        </p:nvCxnSpPr>
+        <p:spPr>
+          <a:xfrm>
+            <a:off x="2666025" y="1808168"/>
+            <a:ext cx="0" cy="275236"/>
+          </a:xfrm>
+          <a:prstGeom prst="straightConnector1">
+            <a:avLst/>
+          </a:prstGeom>
+          <a:ln w="38100">
+            <a:solidFill>
+              <a:schemeClr val="tx1"/>
+            </a:solidFill>
+            <a:tailEnd type="triangle"/>
+          </a:ln>
+        </p:spPr>
+        <p:style>
+          <a:lnRef idx="1">
+            <a:schemeClr val="accent1"/>
+          </a:lnRef>
+          <a:fillRef idx="0">
+            <a:schemeClr val="accent1"/>
+          </a:fillRef>
+          <a:effectRef idx="0">
+            <a:schemeClr val="accent1"/>
+          </a:effectRef>
+          <a:fontRef idx="minor">
+            <a:schemeClr val="tx1"/>
+          </a:fontRef>
+        </p:style>
+      </p:cxnSp>
+      <p:cxnSp>
+        <p:nvCxnSpPr>
+          <p:cNvPr id="18" name="Straight Arrow Connector 17">
+            <a:extLst>
+              <a:ext uri="{FF2B5EF4-FFF2-40B4-BE49-F238E27FC236}">
+                <a16:creationId xmlns:a16="http://schemas.microsoft.com/office/drawing/2014/main" id="{921C4B21-5561-2B4F-ABAF-AA0A860789F5}"/>
+              </a:ext>
+            </a:extLst>
+          </p:cNvPr>
+          <p:cNvCxnSpPr>
+            <a:cxnSpLocks/>
+            <a:stCxn id="11" idx="2"/>
+            <a:endCxn id="12" idx="0"/>
+          </p:cNvCxnSpPr>
+          <p:nvPr/>
+        </p:nvCxnSpPr>
+        <p:spPr>
+          <a:xfrm>
+            <a:off x="3096329" y="2833701"/>
+            <a:ext cx="1" cy="423114"/>
+          </a:xfrm>
+          <a:prstGeom prst="straightConnector1">
+            <a:avLst/>
+          </a:prstGeom>
+          <a:ln w="38100">
+            <a:solidFill>
+              <a:schemeClr val="tx1"/>
+            </a:solidFill>
+            <a:tailEnd type="triangle"/>
+          </a:ln>
+        </p:spPr>
+        <p:style>
+          <a:lnRef idx="1">
+            <a:schemeClr val="accent1"/>
+          </a:lnRef>
+          <a:fillRef idx="0">
+            <a:schemeClr val="accent1"/>
+          </a:fillRef>
+          <a:effectRef idx="0">
+            <a:schemeClr val="accent1"/>
+          </a:effectRef>
+          <a:fontRef idx="minor">
+            <a:schemeClr val="tx1"/>
+          </a:fontRef>
+        </p:style>
+      </p:cxnSp>
+      <p:sp>
+        <p:nvSpPr>
+          <p:cNvPr id="28" name="TextBox 27">
+            <a:extLst>
+              <a:ext uri="{FF2B5EF4-FFF2-40B4-BE49-F238E27FC236}">
+                <a16:creationId xmlns:a16="http://schemas.microsoft.com/office/drawing/2014/main" id="{9769B3E1-4ED5-054A-B746-E7FFBD772235}"/>
+              </a:ext>
+            </a:extLst>
+          </p:cNvPr>
+          <p:cNvSpPr txBox="1"/>
+          <p:nvPr/>
+        </p:nvSpPr>
+        <p:spPr>
+          <a:xfrm>
+            <a:off x="2114692" y="4310905"/>
+            <a:ext cx="3596799" cy="369332"/>
+          </a:xfrm>
+          <a:prstGeom prst="rect">
+            <a:avLst/>
+          </a:prstGeom>
+          <a:noFill/>
+          <a:ln>
+            <a:solidFill>
+              <a:schemeClr val="tx1"/>
+            </a:solidFill>
+          </a:ln>
+        </p:spPr>
+        <p:txBody>
+          <a:bodyPr wrap="square" rtlCol="0" anchor="ctr" anchorCtr="0">
+            <a:spAutoFit/>
+          </a:bodyPr>
+          <a:lstStyle/>
+          <a:p>
+            <a:pPr algn="ctr"/>
+            <a:r>
+              <a:rPr lang="en-US" dirty="0" err="1"/>
+              <a:t>ScalaCheck</a:t>
+            </a:r>
+            <a:r>
+              <a:rPr lang="en-US" dirty="0"/>
+              <a:t>: Arbitrary[</a:t>
+            </a:r>
+            <a:r>
+              <a:rPr lang="en-US" dirty="0" err="1"/>
+              <a:t>TestUser</a:t>
+            </a:r>
+            <a:r>
+              <a:rPr lang="en-US" dirty="0"/>
+              <a:t>]</a:t>
+            </a:r>
+          </a:p>
+        </p:txBody>
+      </p:sp>
+      <p:cxnSp>
+        <p:nvCxnSpPr>
+          <p:cNvPr id="29" name="Straight Arrow Connector 28">
+            <a:extLst>
+              <a:ext uri="{FF2B5EF4-FFF2-40B4-BE49-F238E27FC236}">
+                <a16:creationId xmlns:a16="http://schemas.microsoft.com/office/drawing/2014/main" id="{5BE7045D-41C8-C640-9525-5F47004B33EA}"/>
+              </a:ext>
+            </a:extLst>
+          </p:cNvPr>
+          <p:cNvCxnSpPr>
+            <a:cxnSpLocks/>
+            <a:stCxn id="28" idx="0"/>
+            <a:endCxn id="13" idx="2"/>
+          </p:cNvCxnSpPr>
+          <p:nvPr/>
+        </p:nvCxnSpPr>
+        <p:spPr>
+          <a:xfrm flipV="1">
+            <a:off x="3913092" y="3995479"/>
+            <a:ext cx="0" cy="315426"/>
+          </a:xfrm>
+          <a:prstGeom prst="straightConnector1">
+            <a:avLst/>
+          </a:prstGeom>
+          <a:ln w="38100">
+            <a:solidFill>
+              <a:schemeClr val="tx1"/>
+            </a:solidFill>
+            <a:tailEnd type="triangle"/>
+          </a:ln>
+        </p:spPr>
+        <p:style>
+          <a:lnRef idx="1">
+            <a:schemeClr val="accent1"/>
+          </a:lnRef>
+          <a:fillRef idx="0">
+            <a:schemeClr val="accent1"/>
+          </a:fillRef>
+          <a:effectRef idx="0">
+            <a:schemeClr val="accent1"/>
+          </a:effectRef>
+          <a:fontRef idx="minor">
+            <a:schemeClr val="tx1"/>
+          </a:fontRef>
+        </p:style>
+      </p:cxnSp>
+      <p:cxnSp>
+        <p:nvCxnSpPr>
+          <p:cNvPr id="32" name="Straight Arrow Connector 31">
+            <a:extLst>
+              <a:ext uri="{FF2B5EF4-FFF2-40B4-BE49-F238E27FC236}">
+                <a16:creationId xmlns:a16="http://schemas.microsoft.com/office/drawing/2014/main" id="{71C56BA0-7E4B-554B-BA92-E834AF1BECAF}"/>
+              </a:ext>
+            </a:extLst>
+          </p:cNvPr>
+          <p:cNvCxnSpPr>
+            <a:cxnSpLocks/>
+            <a:stCxn id="13" idx="3"/>
+            <a:endCxn id="33" idx="1"/>
+          </p:cNvCxnSpPr>
+          <p:nvPr/>
+        </p:nvCxnSpPr>
+        <p:spPr>
+          <a:xfrm>
+            <a:off x="5711491" y="3810813"/>
+            <a:ext cx="669629" cy="0"/>
+          </a:xfrm>
+          <a:prstGeom prst="straightConnector1">
+            <a:avLst/>
+          </a:prstGeom>
+          <a:ln w="38100">
+            <a:solidFill>
+              <a:schemeClr val="tx1"/>
+            </a:solidFill>
+            <a:tailEnd type="triangle"/>
+          </a:ln>
+        </p:spPr>
+        <p:style>
+          <a:lnRef idx="1">
+            <a:schemeClr val="accent1"/>
+          </a:lnRef>
+          <a:fillRef idx="0">
+            <a:schemeClr val="accent1"/>
+          </a:fillRef>
+          <a:effectRef idx="0">
+            <a:schemeClr val="accent1"/>
+          </a:effectRef>
+          <a:fontRef idx="minor">
+            <a:schemeClr val="tx1"/>
+          </a:fontRef>
+        </p:style>
+      </p:cxnSp>
+      <p:sp>
+        <p:nvSpPr>
+          <p:cNvPr id="33" name="TextBox 32">
+            <a:extLst>
+              <a:ext uri="{FF2B5EF4-FFF2-40B4-BE49-F238E27FC236}">
+                <a16:creationId xmlns:a16="http://schemas.microsoft.com/office/drawing/2014/main" id="{AABB0B01-30C6-F24A-BC47-1EC567E947A7}"/>
+              </a:ext>
+            </a:extLst>
+          </p:cNvPr>
+          <p:cNvSpPr txBox="1"/>
+          <p:nvPr/>
+        </p:nvSpPr>
+        <p:spPr>
+          <a:xfrm>
+            <a:off x="6381120" y="2518151"/>
+            <a:ext cx="5429104" cy="2585323"/>
+          </a:xfrm>
+          <a:prstGeom prst="rect">
+            <a:avLst/>
+          </a:prstGeom>
+          <a:solidFill>
+            <a:schemeClr val="bg1"/>
+          </a:solidFill>
+          <a:ln>
+            <a:solidFill>
+              <a:schemeClr val="tx1"/>
+            </a:solidFill>
+          </a:ln>
+        </p:spPr>
+        <p:txBody>
+          <a:bodyPr wrap="square" rtlCol="0" anchor="ctr" anchorCtr="0">
+            <a:spAutoFit/>
+          </a:bodyPr>
+          <a:lstStyle/>
+          <a:p>
+            <a:r>
+              <a:rPr lang="en-US" dirty="0" err="1"/>
+              <a:t>users.create</a:t>
+            </a:r>
+            <a:r>
+              <a:rPr lang="en-US" dirty="0"/>
+              <a:t>(</a:t>
+            </a:r>
+            <a:r>
+              <a:rPr lang="en-US" dirty="0" err="1"/>
+              <a:t>testUser</a:t>
+            </a:r>
+            <a:r>
+              <a:rPr lang="en-US" dirty="0"/>
+              <a:t>) </a:t>
+            </a:r>
+            <a:r>
+              <a:rPr lang="en-US" b="1" dirty="0"/>
+              <a:t>&gt;&gt;</a:t>
+            </a:r>
+          </a:p>
+          <a:p>
+            <a:r>
+              <a:rPr lang="en-US" dirty="0" err="1"/>
+              <a:t>users.findById</a:t>
+            </a:r>
+            <a:r>
+              <a:rPr lang="en-US" dirty="0"/>
+              <a:t>(</a:t>
+            </a:r>
+            <a:r>
+              <a:rPr lang="en-US" dirty="0" err="1"/>
+              <a:t>testUser.id</a:t>
+            </a:r>
+            <a:r>
+              <a:rPr lang="en-US" dirty="0"/>
+              <a:t>) </a:t>
+            </a:r>
+            <a:r>
+              <a:rPr lang="en-US" b="1" dirty="0"/>
+              <a:t>&lt;-&gt;</a:t>
+            </a:r>
+          </a:p>
+          <a:p>
+            <a:r>
+              <a:rPr lang="en-US" dirty="0" err="1"/>
+              <a:t>F.pure</a:t>
+            </a:r>
+            <a:r>
+              <a:rPr lang="en-US" dirty="0"/>
+              <a:t>(Some(</a:t>
+            </a:r>
+            <a:r>
+              <a:rPr lang="en-US" dirty="0" err="1"/>
+              <a:t>Users.User</a:t>
+            </a:r>
+            <a:r>
+              <a:rPr lang="en-US" dirty="0"/>
+              <a:t>(</a:t>
+            </a:r>
+          </a:p>
+          <a:p>
+            <a:r>
+              <a:rPr lang="en-US" dirty="0"/>
+              <a:t>      id = </a:t>
+            </a:r>
+            <a:r>
+              <a:rPr lang="en-US" dirty="0" err="1"/>
+              <a:t>testUser.id</a:t>
+            </a:r>
+            <a:r>
+              <a:rPr lang="en-US" dirty="0"/>
+              <a:t>,</a:t>
+            </a:r>
+          </a:p>
+          <a:p>
+            <a:r>
+              <a:rPr lang="en-US" dirty="0"/>
+              <a:t>      username = </a:t>
+            </a:r>
+            <a:r>
+              <a:rPr lang="en-US" dirty="0" err="1"/>
+              <a:t>testUser.username</a:t>
+            </a:r>
+            <a:r>
+              <a:rPr lang="en-US" dirty="0"/>
+              <a:t>,</a:t>
+            </a:r>
+          </a:p>
+          <a:p>
+            <a:r>
+              <a:rPr lang="en-US" dirty="0"/>
+              <a:t>      </a:t>
+            </a:r>
+            <a:r>
+              <a:rPr lang="en-US" dirty="0" err="1"/>
+              <a:t>passwordDigest</a:t>
+            </a:r>
+            <a:r>
+              <a:rPr lang="en-US" dirty="0"/>
+              <a:t> = </a:t>
+            </a:r>
+            <a:r>
+              <a:rPr lang="en-US" dirty="0" err="1"/>
+              <a:t>testUser.plainTextPassword</a:t>
+            </a:r>
+            <a:r>
+              <a:rPr lang="en-US" dirty="0"/>
+              <a:t>,</a:t>
+            </a:r>
+          </a:p>
+          <a:p>
+            <a:r>
+              <a:rPr lang="en-US" dirty="0"/>
+              <a:t>      created = </a:t>
+            </a:r>
+            <a:r>
+              <a:rPr lang="en-US" dirty="0" err="1"/>
+              <a:t>Instant.now</a:t>
+            </a:r>
+            <a:r>
+              <a:rPr lang="en-US" dirty="0"/>
+              <a:t>,</a:t>
+            </a:r>
+          </a:p>
+          <a:p>
+            <a:r>
+              <a:rPr lang="en-US" dirty="0"/>
+              <a:t>      removed = None</a:t>
+            </a:r>
+          </a:p>
+          <a:p>
+            <a:r>
+              <a:rPr lang="en-US" dirty="0"/>
+              <a:t>)))</a:t>
+            </a:r>
+          </a:p>
+        </p:txBody>
+      </p:sp>
+      <p:sp>
+        <p:nvSpPr>
+          <p:cNvPr id="37" name="TextBox 36">
+            <a:extLst>
+              <a:ext uri="{FF2B5EF4-FFF2-40B4-BE49-F238E27FC236}">
+                <a16:creationId xmlns:a16="http://schemas.microsoft.com/office/drawing/2014/main" id="{3B672C0B-C852-1A48-9C14-5A0363B936D7}"/>
+              </a:ext>
+            </a:extLst>
+          </p:cNvPr>
+          <p:cNvSpPr txBox="1"/>
+          <p:nvPr/>
+        </p:nvSpPr>
+        <p:spPr>
+          <a:xfrm>
+            <a:off x="1277471" y="5715000"/>
+            <a:ext cx="3542958" cy="369332"/>
+          </a:xfrm>
+          <a:prstGeom prst="rect">
+            <a:avLst/>
+          </a:prstGeom>
+          <a:noFill/>
+        </p:spPr>
+        <p:txBody>
+          <a:bodyPr wrap="none" rtlCol="0">
+            <a:spAutoFit/>
+          </a:bodyPr>
+          <a:lstStyle/>
+          <a:p>
+            <a:r>
+              <a:rPr lang="en-US" dirty="0"/>
+              <a:t>Note: a &gt;&gt; b is </a:t>
+            </a:r>
+            <a:r>
+              <a:rPr lang="en-US" dirty="0" err="1"/>
+              <a:t>a.flatMap</a:t>
+            </a:r>
+            <a:r>
+              <a:rPr lang="en-US" dirty="0"/>
+              <a:t>(_ =&gt; b)</a:t>
+            </a:r>
+          </a:p>
+        </p:txBody>
+      </p:sp>
+      <p:sp>
+        <p:nvSpPr>
+          <p:cNvPr id="38" name="TextBox 37">
+            <a:extLst>
+              <a:ext uri="{FF2B5EF4-FFF2-40B4-BE49-F238E27FC236}">
+                <a16:creationId xmlns:a16="http://schemas.microsoft.com/office/drawing/2014/main" id="{3A00F900-9324-534B-9689-D9A95E880FF9}"/>
+              </a:ext>
+            </a:extLst>
+          </p:cNvPr>
+          <p:cNvSpPr txBox="1"/>
+          <p:nvPr/>
+        </p:nvSpPr>
+        <p:spPr>
+          <a:xfrm>
+            <a:off x="1277471" y="6158712"/>
+            <a:ext cx="5719836" cy="369332"/>
+          </a:xfrm>
+          <a:prstGeom prst="rect">
+            <a:avLst/>
+          </a:prstGeom>
+          <a:noFill/>
+        </p:spPr>
+        <p:txBody>
+          <a:bodyPr wrap="none" rtlCol="0">
+            <a:spAutoFit/>
+          </a:bodyPr>
+          <a:lstStyle/>
+          <a:p>
+            <a:r>
+              <a:rPr lang="en-US" dirty="0"/>
+              <a:t>Note: a &lt;-&gt; b means a must be “equal” to b (</a:t>
+            </a:r>
+            <a:r>
+              <a:rPr lang="en-US" dirty="0" err="1"/>
+              <a:t>cats.Eq</a:t>
+            </a:r>
+            <a:r>
+              <a:rPr lang="en-US" dirty="0"/>
+              <a:t>)</a:t>
+            </a:r>
+          </a:p>
+        </p:txBody>
+      </p:sp>
+      <p:sp>
+        <p:nvSpPr>
+          <p:cNvPr id="39" name="TextBox 38">
+            <a:extLst>
+              <a:ext uri="{FF2B5EF4-FFF2-40B4-BE49-F238E27FC236}">
+                <a16:creationId xmlns:a16="http://schemas.microsoft.com/office/drawing/2014/main" id="{7E036BB1-0137-0C47-BCC8-97BB80E7DEE4}"/>
+              </a:ext>
+            </a:extLst>
+          </p:cNvPr>
+          <p:cNvSpPr txBox="1"/>
+          <p:nvPr/>
+        </p:nvSpPr>
+        <p:spPr>
+          <a:xfrm>
+            <a:off x="6485965" y="5261761"/>
+            <a:ext cx="3151825" cy="369332"/>
+          </a:xfrm>
+          <a:prstGeom prst="rect">
+            <a:avLst/>
+          </a:prstGeom>
+          <a:noFill/>
+        </p:spPr>
+        <p:txBody>
+          <a:bodyPr wrap="none" rtlCol="0">
+            <a:spAutoFit/>
+          </a:bodyPr>
+          <a:lstStyle/>
+          <a:p>
+            <a:r>
+              <a:rPr lang="en-US" b="1" dirty="0"/>
+              <a:t>**But what about effects???</a:t>
+            </a:r>
+          </a:p>
+        </p:txBody>
+      </p:sp>
+      <p:sp>
+        <p:nvSpPr>
+          <p:cNvPr id="40" name="TextBox 39">
+            <a:extLst>
+              <a:ext uri="{FF2B5EF4-FFF2-40B4-BE49-F238E27FC236}">
+                <a16:creationId xmlns:a16="http://schemas.microsoft.com/office/drawing/2014/main" id="{2C07BA5E-EAC0-AC49-B978-27DB3E89D3AB}"/>
+              </a:ext>
+            </a:extLst>
+          </p:cNvPr>
+          <p:cNvSpPr txBox="1"/>
+          <p:nvPr/>
+        </p:nvSpPr>
+        <p:spPr>
+          <a:xfrm>
+            <a:off x="5711490" y="1462913"/>
+            <a:ext cx="3244241" cy="369332"/>
+          </a:xfrm>
+          <a:prstGeom prst="rect">
+            <a:avLst/>
+          </a:prstGeom>
+          <a:noFill/>
+          <a:ln>
+            <a:solidFill>
+              <a:schemeClr val="tx1"/>
+            </a:solidFill>
+          </a:ln>
+        </p:spPr>
+        <p:txBody>
+          <a:bodyPr wrap="square" rtlCol="0" anchor="ctr" anchorCtr="0">
+            <a:spAutoFit/>
+          </a:bodyPr>
+          <a:lstStyle/>
+          <a:p>
+            <a:pPr algn="ctr"/>
+            <a:r>
+              <a:rPr lang="en-US" dirty="0"/>
+              <a:t>F[A] == F[A] </a:t>
+            </a:r>
+            <a:r>
+              <a:rPr lang="en-US" dirty="0" err="1"/>
+              <a:t>eval</a:t>
+            </a:r>
+            <a:r>
+              <a:rPr lang="en-US" dirty="0"/>
+              <a:t> (</a:t>
+            </a:r>
+            <a:r>
+              <a:rPr lang="en-US" dirty="0" err="1"/>
+              <a:t>EvalEqM</a:t>
+            </a:r>
+            <a:r>
+              <a:rPr lang="en-US" dirty="0"/>
+              <a:t>)</a:t>
+            </a:r>
+          </a:p>
+        </p:txBody>
+      </p:sp>
+      <p:cxnSp>
+        <p:nvCxnSpPr>
+          <p:cNvPr id="41" name="Straight Arrow Connector 40">
+            <a:extLst>
+              <a:ext uri="{FF2B5EF4-FFF2-40B4-BE49-F238E27FC236}">
+                <a16:creationId xmlns:a16="http://schemas.microsoft.com/office/drawing/2014/main" id="{E30DB471-E877-B248-A874-A3785136F91D}"/>
+              </a:ext>
+            </a:extLst>
+          </p:cNvPr>
+          <p:cNvCxnSpPr>
+            <a:cxnSpLocks/>
+            <a:stCxn id="33" idx="0"/>
+            <a:endCxn id="40" idx="2"/>
+          </p:cNvCxnSpPr>
+          <p:nvPr/>
+        </p:nvCxnSpPr>
+        <p:spPr>
+          <a:xfrm rot="16200000" flipV="1">
+            <a:off x="7871689" y="1294167"/>
+            <a:ext cx="685906" cy="1762061"/>
+          </a:xfrm>
+          <a:prstGeom prst="bentConnector3">
+            <a:avLst>
+              <a:gd name="adj1" fmla="val 50000"/>
+            </a:avLst>
+          </a:prstGeom>
+          <a:ln w="38100">
+            <a:solidFill>
+              <a:schemeClr val="tx1"/>
+            </a:solidFill>
+            <a:tailEnd type="triangle"/>
+          </a:ln>
+        </p:spPr>
+        <p:style>
+          <a:lnRef idx="1">
+            <a:schemeClr val="accent1"/>
+          </a:lnRef>
+          <a:fillRef idx="0">
+            <a:schemeClr val="accent1"/>
+          </a:fillRef>
+          <a:effectRef idx="0">
+            <a:schemeClr val="accent1"/>
+          </a:effectRef>
+          <a:fontRef idx="minor">
+            <a:schemeClr val="tx1"/>
+          </a:fontRef>
+        </p:style>
+      </p:cxnSp>
+      <p:cxnSp>
+        <p:nvCxnSpPr>
+          <p:cNvPr id="44" name="Straight Arrow Connector 43">
+            <a:extLst>
+              <a:ext uri="{FF2B5EF4-FFF2-40B4-BE49-F238E27FC236}">
+                <a16:creationId xmlns:a16="http://schemas.microsoft.com/office/drawing/2014/main" id="{8986C122-EC6B-3642-A8FC-14F32A036FE0}"/>
+              </a:ext>
+            </a:extLst>
+          </p:cNvPr>
+          <p:cNvCxnSpPr>
+            <a:cxnSpLocks/>
+            <a:stCxn id="40" idx="1"/>
+            <a:endCxn id="11" idx="3"/>
+          </p:cNvCxnSpPr>
+          <p:nvPr/>
+        </p:nvCxnSpPr>
+        <p:spPr>
+          <a:xfrm flipH="1">
+            <a:off x="4343396" y="1647579"/>
+            <a:ext cx="1368094" cy="1001456"/>
+          </a:xfrm>
+          <a:prstGeom prst="straightConnector1">
+            <a:avLst/>
+          </a:prstGeom>
+          <a:ln w="38100">
+            <a:solidFill>
+              <a:schemeClr val="tx1"/>
+            </a:solidFill>
+            <a:tailEnd type="triangle"/>
+          </a:ln>
+        </p:spPr>
+        <p:style>
+          <a:lnRef idx="1">
+            <a:schemeClr val="accent1"/>
+          </a:lnRef>
+          <a:fillRef idx="0">
+            <a:schemeClr val="accent1"/>
+          </a:fillRef>
+          <a:effectRef idx="0">
+            <a:schemeClr val="accent1"/>
+          </a:effectRef>
+          <a:fontRef idx="minor">
+            <a:schemeClr val="tx1"/>
+          </a:fontRef>
+        </p:style>
+      </p:cxnSp>
+    </p:spTree>
+    <p:extLst>
+      <p:ext uri="{BB962C8B-B14F-4D97-AF65-F5344CB8AC3E}">
+        <p14:creationId xmlns:p14="http://schemas.microsoft.com/office/powerpoint/2010/main" val="4256077248"/>
+      </p:ext>
+    </p:extLst>
+  </p:cSld>
+  <p:clrMapOvr>
+    <a:masterClrMapping/>
+  </p:clrMapOvr>
+</p:sld>
+</file>
+
+<file path=ppt/slides/slide14.xml><?xml version="1.0" encoding="utf-8"?>
+<p:sld xmlns:a="http://schemas.openxmlformats.org/drawingml/2006/main" xmlns:r="http://schemas.openxmlformats.org/officeDocument/2006/relationships" xmlns:p="http://schemas.openxmlformats.org/presentationml/2006/main">
+  <p:cSld>
+    <p:spTree>
+      <p:nvGrpSpPr>
+        <p:cNvPr id="1" name=""/>
+        <p:cNvGrpSpPr/>
+        <p:nvPr/>
+      </p:nvGrpSpPr>
+      <p:grpSpPr>
+        <a:xfrm>
+          <a:off x="0" y="0"/>
+          <a:ext cx="0" cy="0"/>
+          <a:chOff x="0" y="0"/>
+          <a:chExt cx="0" cy="0"/>
+        </a:xfrm>
+      </p:grpSpPr>
+      <p:sp>
+        <p:nvSpPr>
+          <p:cNvPr id="2" name="Title 1">
+            <a:extLst>
+              <a:ext uri="{FF2B5EF4-FFF2-40B4-BE49-F238E27FC236}">
+                <a16:creationId xmlns:a16="http://schemas.microsoft.com/office/drawing/2014/main" id="{249BB390-5AC9-C143-AB84-CAE4A51FD5E5}"/>
+              </a:ext>
+            </a:extLst>
+          </p:cNvPr>
+          <p:cNvSpPr>
+            <a:spLocks noGrp="1"/>
+          </p:cNvSpPr>
+          <p:nvPr>
+            <p:ph type="title"/>
+          </p:nvPr>
+        </p:nvSpPr>
+        <p:spPr/>
+        <p:txBody>
+          <a:bodyPr/>
+          <a:lstStyle/>
+          <a:p>
+            <a:r>
+              <a:rPr lang="en-US" dirty="0"/>
+              <a:t>Writing generic laws</a:t>
+            </a:r>
+          </a:p>
+        </p:txBody>
+      </p:sp>
+      <p:sp>
+        <p:nvSpPr>
+          <p:cNvPr id="3" name="Content Placeholder 2">
+            <a:extLst>
+              <a:ext uri="{FF2B5EF4-FFF2-40B4-BE49-F238E27FC236}">
+                <a16:creationId xmlns:a16="http://schemas.microsoft.com/office/drawing/2014/main" id="{A428EFFE-ECBF-104F-A4A5-B43076FBB18A}"/>
+              </a:ext>
+            </a:extLst>
+          </p:cNvPr>
+          <p:cNvSpPr>
+            <a:spLocks noGrp="1"/>
+          </p:cNvSpPr>
+          <p:nvPr>
+            <p:ph idx="1"/>
+          </p:nvPr>
+        </p:nvSpPr>
+        <p:spPr/>
+        <p:txBody>
+          <a:bodyPr/>
+          <a:lstStyle/>
+          <a:p>
+            <a:r>
+              <a:rPr lang="en-US" dirty="0"/>
+              <a:t>To allow laws to be run against any implementation and any monad</a:t>
+            </a:r>
+          </a:p>
+          <a:p>
+            <a:pPr lvl="1"/>
+            <a:r>
+              <a:rPr lang="en-US" dirty="0"/>
+              <a:t>Must write laws only in terms of algebra</a:t>
+            </a:r>
+          </a:p>
+          <a:p>
+            <a:pPr lvl="1"/>
+            <a:r>
+              <a:rPr lang="en-US" dirty="0"/>
+              <a:t>Must verify results and expected effects</a:t>
+            </a:r>
+          </a:p>
+          <a:p>
+            <a:pPr lvl="1"/>
+            <a:r>
+              <a:rPr lang="en-US" dirty="0"/>
+              <a:t>Must be able to </a:t>
+            </a:r>
+            <a:r>
+              <a:rPr lang="en-US" dirty="0" err="1"/>
+              <a:t>eval</a:t>
+            </a:r>
+            <a:r>
+              <a:rPr lang="en-US" dirty="0"/>
+              <a:t> (i.e. run) Monad in current thread</a:t>
+            </a:r>
+          </a:p>
+          <a:p>
+            <a:pPr lvl="2"/>
+            <a:r>
+              <a:rPr lang="en-US" dirty="0"/>
+              <a:t>Due to design of </a:t>
+            </a:r>
+            <a:r>
+              <a:rPr lang="en-US" dirty="0" err="1"/>
+              <a:t>ScalaCheck</a:t>
+            </a:r>
+            <a:r>
+              <a:rPr lang="en-US" dirty="0"/>
+              <a:t> &amp; Discipline</a:t>
+            </a:r>
+          </a:p>
+          <a:p>
+            <a:pPr marL="457200" lvl="1" indent="0">
+              <a:buNone/>
+            </a:pPr>
+            <a:endParaRPr lang="en-US" dirty="0"/>
+          </a:p>
+          <a:p>
+            <a:pPr marL="0" indent="0">
+              <a:buNone/>
+            </a:pPr>
+            <a:endParaRPr lang="en-US" dirty="0"/>
+          </a:p>
+        </p:txBody>
+      </p:sp>
+    </p:spTree>
+    <p:extLst>
+      <p:ext uri="{BB962C8B-B14F-4D97-AF65-F5344CB8AC3E}">
+        <p14:creationId xmlns:p14="http://schemas.microsoft.com/office/powerpoint/2010/main" val="1758330103"/>
+      </p:ext>
+    </p:extLst>
+  </p:cSld>
+  <p:clrMapOvr>
+    <a:masterClrMapping/>
+  </p:clrMapOvr>
+</p:sld>
+</file>
+
+<file path=ppt/slides/slide15.xml><?xml version="1.0" encoding="utf-8"?>
+<p:sld xmlns:a="http://schemas.openxmlformats.org/drawingml/2006/main" xmlns:r="http://schemas.openxmlformats.org/officeDocument/2006/relationships" xmlns:p="http://schemas.openxmlformats.org/presentationml/2006/main">
+  <p:cSld>
+    <p:spTree>
+      <p:nvGrpSpPr>
+        <p:cNvPr id="1" name=""/>
+        <p:cNvGrpSpPr/>
+        <p:nvPr/>
+      </p:nvGrpSpPr>
+      <p:grpSpPr>
+        <a:xfrm>
+          <a:off x="0" y="0"/>
+          <a:ext cx="0" cy="0"/>
+          <a:chOff x="0" y="0"/>
+          <a:chExt cx="0" cy="0"/>
+        </a:xfrm>
+      </p:grpSpPr>
+      <p:sp>
+        <p:nvSpPr>
+          <p:cNvPr id="2" name="Title 1">
+            <a:extLst>
+              <a:ext uri="{FF2B5EF4-FFF2-40B4-BE49-F238E27FC236}">
+                <a16:creationId xmlns:a16="http://schemas.microsoft.com/office/drawing/2014/main" id="{249BB390-5AC9-C143-AB84-CAE4A51FD5E5}"/>
+              </a:ext>
+            </a:extLst>
+          </p:cNvPr>
+          <p:cNvSpPr>
+            <a:spLocks noGrp="1"/>
+          </p:cNvSpPr>
+          <p:nvPr>
+            <p:ph type="title"/>
+          </p:nvPr>
+        </p:nvSpPr>
+        <p:spPr/>
+        <p:txBody>
+          <a:bodyPr/>
+          <a:lstStyle/>
+          <a:p>
+            <a:r>
+              <a:rPr lang="en-US" dirty="0"/>
+              <a:t>Modeling effects</a:t>
+            </a:r>
+          </a:p>
+        </p:txBody>
+      </p:sp>
+      <p:sp>
+        <p:nvSpPr>
+          <p:cNvPr id="3" name="Content Placeholder 2">
+            <a:extLst>
+              <a:ext uri="{FF2B5EF4-FFF2-40B4-BE49-F238E27FC236}">
+                <a16:creationId xmlns:a16="http://schemas.microsoft.com/office/drawing/2014/main" id="{A428EFFE-ECBF-104F-A4A5-B43076FBB18A}"/>
+              </a:ext>
+            </a:extLst>
+          </p:cNvPr>
+          <p:cNvSpPr>
+            <a:spLocks noGrp="1"/>
+          </p:cNvSpPr>
+          <p:nvPr>
+            <p:ph idx="1"/>
+          </p:nvPr>
+        </p:nvSpPr>
+        <p:spPr/>
+        <p:txBody>
+          <a:bodyPr/>
+          <a:lstStyle/>
+          <a:p>
+            <a:r>
+              <a:rPr lang="en-US" dirty="0"/>
+              <a:t>Previous law tests output, but what about effects?</a:t>
+            </a:r>
+          </a:p>
+          <a:p>
+            <a:r>
+              <a:rPr lang="en-US" dirty="0"/>
+              <a:t>What are effects exactly?</a:t>
+            </a:r>
+          </a:p>
+          <a:p>
+            <a:pPr lvl="1"/>
+            <a:r>
+              <a:rPr lang="en-US" dirty="0"/>
+              <a:t>Structured modifications to some underlying “effect system”</a:t>
+            </a:r>
+          </a:p>
+          <a:p>
+            <a:pPr lvl="1"/>
+            <a:r>
+              <a:rPr lang="en-US" dirty="0"/>
+              <a:t>We can model as an accumulation of state (e.g. in-memory or database)</a:t>
+            </a:r>
+          </a:p>
+          <a:p>
+            <a:pPr lvl="2"/>
+            <a:r>
+              <a:rPr lang="en-US" dirty="0"/>
+              <a:t>Or we could model as an accumulation of effects themselves (like free monad)</a:t>
+            </a:r>
+          </a:p>
+          <a:p>
+            <a:r>
+              <a:rPr lang="en-US" dirty="0"/>
+              <a:t>To test effects, I’ve added a test extension algebra that allows explicitly specifying the expected effects inside laws</a:t>
+            </a:r>
+          </a:p>
+          <a:p>
+            <a:pPr marL="0" indent="0">
+              <a:buNone/>
+            </a:pPr>
+            <a:endParaRPr lang="en-US" dirty="0"/>
+          </a:p>
+        </p:txBody>
+      </p:sp>
+    </p:spTree>
+    <p:extLst>
+      <p:ext uri="{BB962C8B-B14F-4D97-AF65-F5344CB8AC3E}">
+        <p14:creationId xmlns:p14="http://schemas.microsoft.com/office/powerpoint/2010/main" val="2163916505"/>
+      </p:ext>
+    </p:extLst>
+  </p:cSld>
+  <p:clrMapOvr>
+    <a:masterClrMapping/>
+  </p:clrMapOvr>
+</p:sld>
+</file>
+
+<file path=ppt/slides/slide16.xml><?xml version="1.0" encoding="utf-8"?>
+<p:sld xmlns:a="http://schemas.openxmlformats.org/drawingml/2006/main" xmlns:r="http://schemas.openxmlformats.org/officeDocument/2006/relationships" xmlns:p="http://schemas.openxmlformats.org/presentationml/2006/main">
+  <p:cSld>
+    <p:spTree>
+      <p:nvGrpSpPr>
+        <p:cNvPr id="1" name=""/>
+        <p:cNvGrpSpPr/>
+        <p:nvPr/>
+      </p:nvGrpSpPr>
+      <p:grpSpPr>
+        <a:xfrm>
+          <a:off x="0" y="0"/>
+          <a:ext cx="0" cy="0"/>
+          <a:chOff x="0" y="0"/>
+          <a:chExt cx="0" cy="0"/>
+        </a:xfrm>
+      </p:grpSpPr>
+      <p:sp>
+        <p:nvSpPr>
+          <p:cNvPr id="2" name="Title 1">
+            <a:extLst>
+              <a:ext uri="{FF2B5EF4-FFF2-40B4-BE49-F238E27FC236}">
+                <a16:creationId xmlns:a16="http://schemas.microsoft.com/office/drawing/2014/main" id="{249BB390-5AC9-C143-AB84-CAE4A51FD5E5}"/>
+              </a:ext>
+            </a:extLst>
+          </p:cNvPr>
+          <p:cNvSpPr>
+            <a:spLocks noGrp="1"/>
+          </p:cNvSpPr>
+          <p:nvPr>
+            <p:ph type="title"/>
+          </p:nvPr>
+        </p:nvSpPr>
+        <p:spPr/>
+        <p:txBody>
+          <a:bodyPr/>
+          <a:lstStyle/>
+          <a:p>
+            <a:r>
+              <a:rPr lang="en-US" dirty="0"/>
+              <a:t>Test </a:t>
+            </a:r>
+            <a:r>
+              <a:rPr lang="en-US" dirty="0" err="1"/>
+              <a:t>UsersEfx</a:t>
+            </a:r>
+            <a:r>
+              <a:rPr lang="en-US" dirty="0"/>
+              <a:t> extension</a:t>
+            </a:r>
+          </a:p>
+        </p:txBody>
+      </p:sp>
+      <p:sp>
+        <p:nvSpPr>
+          <p:cNvPr id="7" name="TextBox 6">
+            <a:extLst>
+              <a:ext uri="{FF2B5EF4-FFF2-40B4-BE49-F238E27FC236}">
+                <a16:creationId xmlns:a16="http://schemas.microsoft.com/office/drawing/2014/main" id="{DC7EEDE6-9EFE-8D44-85F7-46619BF7B609}"/>
+              </a:ext>
+            </a:extLst>
+          </p:cNvPr>
+          <p:cNvSpPr txBox="1"/>
+          <p:nvPr/>
+        </p:nvSpPr>
+        <p:spPr>
+          <a:xfrm>
+            <a:off x="1879288" y="2009821"/>
+            <a:ext cx="6927119" cy="1631216"/>
+          </a:xfrm>
+          <a:prstGeom prst="rect">
+            <a:avLst/>
+          </a:prstGeom>
+          <a:solidFill>
+            <a:schemeClr val="bg1"/>
+          </a:solidFill>
+          <a:ln w="25400">
+            <a:solidFill>
+              <a:schemeClr val="tx1"/>
+            </a:solidFill>
+          </a:ln>
+          <a:effectLst>
+            <a:softEdge rad="31750"/>
+          </a:effectLst>
+        </p:spPr>
+        <p:txBody>
+          <a:bodyPr wrap="square" rtlCol="0">
+            <a:spAutoFit/>
+          </a:bodyPr>
+          <a:lstStyle/>
+          <a:p>
+            <a:r>
+              <a:rPr lang="en-US" sz="2000" dirty="0">
+                <a:latin typeface="Helvetica" pitchFamily="2" charset="0"/>
+                <a:ea typeface="Gungsuh" panose="02030600000101010101" pitchFamily="18" charset="-127"/>
+              </a:rPr>
+              <a:t>trait </a:t>
+            </a:r>
+            <a:r>
+              <a:rPr lang="en-US" sz="2000" dirty="0" err="1">
+                <a:latin typeface="Helvetica" pitchFamily="2" charset="0"/>
+                <a:ea typeface="Gungsuh" panose="02030600000101010101" pitchFamily="18" charset="-127"/>
+              </a:rPr>
+              <a:t>UsersEfx</a:t>
+            </a:r>
+            <a:r>
+              <a:rPr lang="en-US" sz="2000" dirty="0">
+                <a:latin typeface="Helvetica" pitchFamily="2" charset="0"/>
+                <a:ea typeface="Gungsuh" panose="02030600000101010101" pitchFamily="18" charset="-127"/>
+              </a:rPr>
+              <a:t>[F[_]] { </a:t>
+            </a:r>
+            <a:r>
+              <a:rPr lang="en-US" sz="2000" dirty="0" err="1">
+                <a:latin typeface="Helvetica" pitchFamily="2" charset="0"/>
+                <a:ea typeface="Gungsuh" panose="02030600000101010101" pitchFamily="18" charset="-127"/>
+              </a:rPr>
+              <a:t>self:Users</a:t>
+            </a:r>
+            <a:r>
+              <a:rPr lang="en-US" sz="2000" dirty="0">
+                <a:latin typeface="Helvetica" pitchFamily="2" charset="0"/>
+                <a:ea typeface="Gungsuh" panose="02030600000101010101" pitchFamily="18" charset="-127"/>
+              </a:rPr>
+              <a:t>[F] =&gt;</a:t>
+            </a:r>
+          </a:p>
+          <a:p>
+            <a:r>
+              <a:rPr lang="en-US" sz="2000" dirty="0">
+                <a:latin typeface="Helvetica" pitchFamily="2" charset="0"/>
+                <a:ea typeface="Gungsuh" panose="02030600000101010101" pitchFamily="18" charset="-127"/>
+              </a:rPr>
+              <a:t>  def </a:t>
+            </a:r>
+            <a:r>
+              <a:rPr lang="en-US" sz="2000" dirty="0" err="1">
+                <a:latin typeface="Helvetica" pitchFamily="2" charset="0"/>
+                <a:ea typeface="Gungsuh" panose="02030600000101010101" pitchFamily="18" charset="-127"/>
+              </a:rPr>
+              <a:t>efx_state</a:t>
+            </a:r>
+            <a:r>
+              <a:rPr lang="en-US" sz="2000" dirty="0">
+                <a:latin typeface="Helvetica" pitchFamily="2" charset="0"/>
+                <a:ea typeface="Gungsuh" panose="02030600000101010101" pitchFamily="18" charset="-127"/>
+              </a:rPr>
+              <a:t> : F[List[</a:t>
+            </a:r>
+            <a:r>
+              <a:rPr lang="en-US" sz="2000" dirty="0" err="1">
+                <a:latin typeface="Helvetica" pitchFamily="2" charset="0"/>
+                <a:ea typeface="Gungsuh" panose="02030600000101010101" pitchFamily="18" charset="-127"/>
+              </a:rPr>
+              <a:t>Users.User</a:t>
+            </a:r>
+            <a:r>
+              <a:rPr lang="en-US" sz="2000" dirty="0">
+                <a:latin typeface="Helvetica" pitchFamily="2" charset="0"/>
+                <a:ea typeface="Gungsuh" panose="02030600000101010101" pitchFamily="18" charset="-127"/>
+              </a:rPr>
+              <a:t>]]</a:t>
+            </a:r>
+          </a:p>
+          <a:p>
+            <a:r>
+              <a:rPr lang="en-US" sz="2000" dirty="0">
+                <a:latin typeface="Helvetica" pitchFamily="2" charset="0"/>
+                <a:ea typeface="Gungsuh" panose="02030600000101010101" pitchFamily="18" charset="-127"/>
+              </a:rPr>
+              <a:t>  def </a:t>
+            </a:r>
+            <a:r>
+              <a:rPr lang="en-US" sz="2000" dirty="0" err="1">
+                <a:latin typeface="Helvetica" pitchFamily="2" charset="0"/>
+                <a:ea typeface="Gungsuh" panose="02030600000101010101" pitchFamily="18" charset="-127"/>
+              </a:rPr>
+              <a:t>efx_createUser</a:t>
+            </a:r>
+            <a:r>
+              <a:rPr lang="en-US" sz="2000" dirty="0">
+                <a:latin typeface="Helvetica" pitchFamily="2" charset="0"/>
+                <a:ea typeface="Gungsuh" panose="02030600000101010101" pitchFamily="18" charset="-127"/>
+              </a:rPr>
+              <a:t>(</a:t>
+            </a:r>
+            <a:r>
+              <a:rPr lang="en-US" sz="2000" dirty="0" err="1">
+                <a:latin typeface="Helvetica" pitchFamily="2" charset="0"/>
+                <a:ea typeface="Gungsuh" panose="02030600000101010101" pitchFamily="18" charset="-127"/>
+              </a:rPr>
+              <a:t>testUser</a:t>
+            </a:r>
+            <a:r>
+              <a:rPr lang="en-US" sz="2000" dirty="0">
+                <a:latin typeface="Helvetica" pitchFamily="2" charset="0"/>
+                <a:ea typeface="Gungsuh" panose="02030600000101010101" pitchFamily="18" charset="-127"/>
+              </a:rPr>
+              <a:t>: </a:t>
+            </a:r>
+            <a:r>
+              <a:rPr lang="en-US" sz="2000" dirty="0" err="1">
+                <a:latin typeface="Helvetica" pitchFamily="2" charset="0"/>
+                <a:ea typeface="Gungsuh" panose="02030600000101010101" pitchFamily="18" charset="-127"/>
+              </a:rPr>
+              <a:t>TestUser</a:t>
+            </a:r>
+            <a:r>
+              <a:rPr lang="en-US" sz="2000" dirty="0">
+                <a:latin typeface="Helvetica" pitchFamily="2" charset="0"/>
+                <a:ea typeface="Gungsuh" panose="02030600000101010101" pitchFamily="18" charset="-127"/>
+              </a:rPr>
+              <a:t>) : F[Unit]</a:t>
+            </a:r>
+          </a:p>
+          <a:p>
+            <a:r>
+              <a:rPr lang="en-US" sz="2000" dirty="0">
+                <a:latin typeface="Helvetica" pitchFamily="2" charset="0"/>
+                <a:ea typeface="Gungsuh" panose="02030600000101010101" pitchFamily="18" charset="-127"/>
+              </a:rPr>
+              <a:t>  def </a:t>
+            </a:r>
+            <a:r>
+              <a:rPr lang="en-US" sz="2000" dirty="0" err="1">
+                <a:latin typeface="Helvetica" pitchFamily="2" charset="0"/>
+                <a:ea typeface="Gungsuh" panose="02030600000101010101" pitchFamily="18" charset="-127"/>
+              </a:rPr>
+              <a:t>efx_removeUser</a:t>
+            </a:r>
+            <a:r>
+              <a:rPr lang="en-US" sz="2000" dirty="0">
+                <a:latin typeface="Helvetica" pitchFamily="2" charset="0"/>
+                <a:ea typeface="Gungsuh" panose="02030600000101010101" pitchFamily="18" charset="-127"/>
+              </a:rPr>
+              <a:t>(</a:t>
+            </a:r>
+            <a:r>
+              <a:rPr lang="en-US" sz="2000" dirty="0" err="1">
+                <a:latin typeface="Helvetica" pitchFamily="2" charset="0"/>
+                <a:ea typeface="Gungsuh" panose="02030600000101010101" pitchFamily="18" charset="-127"/>
+              </a:rPr>
+              <a:t>testUser</a:t>
+            </a:r>
+            <a:r>
+              <a:rPr lang="en-US" sz="2000" dirty="0">
+                <a:latin typeface="Helvetica" pitchFamily="2" charset="0"/>
+                <a:ea typeface="Gungsuh" panose="02030600000101010101" pitchFamily="18" charset="-127"/>
+              </a:rPr>
+              <a:t>: </a:t>
+            </a:r>
+            <a:r>
+              <a:rPr lang="en-US" sz="2000" dirty="0" err="1">
+                <a:latin typeface="Helvetica" pitchFamily="2" charset="0"/>
+                <a:ea typeface="Gungsuh" panose="02030600000101010101" pitchFamily="18" charset="-127"/>
+              </a:rPr>
+              <a:t>TestUser</a:t>
+            </a:r>
+            <a:r>
+              <a:rPr lang="en-US" sz="2000" dirty="0">
+                <a:latin typeface="Helvetica" pitchFamily="2" charset="0"/>
+                <a:ea typeface="Gungsuh" panose="02030600000101010101" pitchFamily="18" charset="-127"/>
+              </a:rPr>
+              <a:t>) : F[Unit]</a:t>
+            </a:r>
+          </a:p>
+          <a:p>
+            <a:r>
+              <a:rPr lang="en-US" sz="2000" dirty="0">
+                <a:latin typeface="Helvetica" pitchFamily="2" charset="0"/>
+                <a:ea typeface="Gungsuh" panose="02030600000101010101" pitchFamily="18" charset="-127"/>
+              </a:rPr>
+              <a:t>}</a:t>
+            </a:r>
+            <a:endParaRPr lang="en-US" sz="2000" dirty="0">
+              <a:latin typeface="Helvetica" pitchFamily="2" charset="0"/>
+              <a:ea typeface="Gungsuh" panose="02030600000101010101" pitchFamily="18" charset="-127"/>
+              <a:cs typeface="Consolas" panose="020B0609020204030204" pitchFamily="49" charset="0"/>
+            </a:endParaRPr>
+          </a:p>
+        </p:txBody>
+      </p:sp>
+      <p:sp>
+        <p:nvSpPr>
+          <p:cNvPr id="8" name="TextBox 7">
+            <a:extLst>
+              <a:ext uri="{FF2B5EF4-FFF2-40B4-BE49-F238E27FC236}">
+                <a16:creationId xmlns:a16="http://schemas.microsoft.com/office/drawing/2014/main" id="{F184318E-BCBC-D245-B43A-6FAE727A2F90}"/>
+              </a:ext>
+            </a:extLst>
+          </p:cNvPr>
+          <p:cNvSpPr txBox="1"/>
+          <p:nvPr/>
+        </p:nvSpPr>
+        <p:spPr>
+          <a:xfrm>
+            <a:off x="1411693" y="2009821"/>
+            <a:ext cx="467595" cy="1631216"/>
+          </a:xfrm>
+          <a:prstGeom prst="rect">
+            <a:avLst/>
+          </a:prstGeom>
+          <a:solidFill>
+            <a:schemeClr val="bg1"/>
+          </a:solidFill>
+          <a:ln w="25400">
+            <a:solidFill>
+              <a:schemeClr val="tx1"/>
+            </a:solidFill>
+          </a:ln>
+          <a:effectLst>
+            <a:softEdge rad="31750"/>
+          </a:effectLst>
+        </p:spPr>
+        <p:txBody>
+          <a:bodyPr wrap="square" rtlCol="0">
+            <a:spAutoFit/>
+          </a:bodyPr>
+          <a:lstStyle/>
+          <a:p>
+            <a:r>
+              <a:rPr lang="en-US" sz="2000" dirty="0">
+                <a:latin typeface="Helvetica" pitchFamily="2" charset="0"/>
+                <a:cs typeface="Consolas" panose="020B0609020204030204" pitchFamily="49" charset="0"/>
+              </a:rPr>
+              <a:t>01</a:t>
+            </a:r>
+          </a:p>
+          <a:p>
+            <a:r>
+              <a:rPr lang="en-US" sz="2000" dirty="0">
+                <a:latin typeface="Helvetica" pitchFamily="2" charset="0"/>
+                <a:cs typeface="Consolas" panose="020B0609020204030204" pitchFamily="49" charset="0"/>
+              </a:rPr>
+              <a:t>02</a:t>
+            </a:r>
+          </a:p>
+          <a:p>
+            <a:r>
+              <a:rPr lang="en-US" sz="2000" dirty="0">
+                <a:latin typeface="Helvetica" pitchFamily="2" charset="0"/>
+                <a:cs typeface="Consolas" panose="020B0609020204030204" pitchFamily="49" charset="0"/>
+              </a:rPr>
+              <a:t>03</a:t>
+            </a:r>
+          </a:p>
+          <a:p>
+            <a:r>
+              <a:rPr lang="en-US" sz="2000" dirty="0">
+                <a:latin typeface="Helvetica" pitchFamily="2" charset="0"/>
+                <a:cs typeface="Consolas" panose="020B0609020204030204" pitchFamily="49" charset="0"/>
+              </a:rPr>
+              <a:t>04</a:t>
+            </a:r>
+          </a:p>
+          <a:p>
+            <a:r>
+              <a:rPr lang="en-US" sz="2000" dirty="0">
+                <a:latin typeface="Helvetica" pitchFamily="2" charset="0"/>
+                <a:cs typeface="Consolas" panose="020B0609020204030204" pitchFamily="49" charset="0"/>
+              </a:rPr>
+              <a:t>05</a:t>
+            </a:r>
+          </a:p>
+        </p:txBody>
+      </p:sp>
+      <p:sp>
+        <p:nvSpPr>
+          <p:cNvPr id="5" name="Content Placeholder 2">
+            <a:extLst>
+              <a:ext uri="{FF2B5EF4-FFF2-40B4-BE49-F238E27FC236}">
+                <a16:creationId xmlns:a16="http://schemas.microsoft.com/office/drawing/2014/main" id="{1BEB3F99-298A-454F-BFFE-635369D05829}"/>
+              </a:ext>
+            </a:extLst>
+          </p:cNvPr>
+          <p:cNvSpPr>
+            <a:spLocks noGrp="1"/>
+          </p:cNvSpPr>
+          <p:nvPr>
+            <p:ph idx="1"/>
+          </p:nvPr>
+        </p:nvSpPr>
+        <p:spPr>
+          <a:xfrm>
+            <a:off x="706157" y="3813170"/>
+            <a:ext cx="8596668" cy="2176310"/>
+          </a:xfrm>
+        </p:spPr>
+        <p:txBody>
+          <a:bodyPr>
+            <a:normAutofit/>
+          </a:bodyPr>
+          <a:lstStyle/>
+          <a:p>
+            <a:r>
+              <a:rPr lang="en-US" dirty="0"/>
+              <a:t>Note: how these are implemented depends on the Users implementation backend</a:t>
+            </a:r>
+          </a:p>
+          <a:p>
+            <a:pPr lvl="1"/>
+            <a:r>
+              <a:rPr lang="en-US" dirty="0"/>
+              <a:t>Could modify a database</a:t>
+            </a:r>
+          </a:p>
+          <a:p>
+            <a:pPr lvl="1"/>
+            <a:r>
+              <a:rPr lang="en-US" dirty="0"/>
+              <a:t>Could update in memory map</a:t>
+            </a:r>
+          </a:p>
+          <a:p>
+            <a:pPr lvl="1"/>
+            <a:r>
+              <a:rPr lang="en-US" dirty="0"/>
+              <a:t>Could accumulate effect ADT</a:t>
+            </a:r>
+          </a:p>
+        </p:txBody>
+      </p:sp>
+    </p:spTree>
+    <p:extLst>
+      <p:ext uri="{BB962C8B-B14F-4D97-AF65-F5344CB8AC3E}">
+        <p14:creationId xmlns:p14="http://schemas.microsoft.com/office/powerpoint/2010/main" val="3317669811"/>
+      </p:ext>
+    </p:extLst>
+  </p:cSld>
+  <p:clrMapOvr>
+    <a:masterClrMapping/>
+  </p:clrMapOvr>
+</p:sld>
+</file>
+
+<file path=ppt/slides/slide17.xml><?xml version="1.0" encoding="utf-8"?>
+<p:sld xmlns:a="http://schemas.openxmlformats.org/drawingml/2006/main" xmlns:r="http://schemas.openxmlformats.org/officeDocument/2006/relationships" xmlns:p="http://schemas.openxmlformats.org/presentationml/2006/main">
+  <p:cSld>
+    <p:spTree>
+      <p:nvGrpSpPr>
+        <p:cNvPr id="1" name=""/>
+        <p:cNvGrpSpPr/>
+        <p:nvPr/>
+      </p:nvGrpSpPr>
+      <p:grpSpPr>
+        <a:xfrm>
+          <a:off x="0" y="0"/>
+          <a:ext cx="0" cy="0"/>
+          <a:chOff x="0" y="0"/>
+          <a:chExt cx="0" cy="0"/>
+        </a:xfrm>
+      </p:grpSpPr>
+      <p:sp>
+        <p:nvSpPr>
+          <p:cNvPr id="2" name="Title 1">
+            <a:extLst>
+              <a:ext uri="{FF2B5EF4-FFF2-40B4-BE49-F238E27FC236}">
+                <a16:creationId xmlns:a16="http://schemas.microsoft.com/office/drawing/2014/main" id="{249BB390-5AC9-C143-AB84-CAE4A51FD5E5}"/>
+              </a:ext>
+            </a:extLst>
+          </p:cNvPr>
+          <p:cNvSpPr>
+            <a:spLocks noGrp="1"/>
+          </p:cNvSpPr>
+          <p:nvPr>
+            <p:ph type="title"/>
+          </p:nvPr>
+        </p:nvSpPr>
+        <p:spPr/>
+        <p:txBody>
+          <a:bodyPr/>
+          <a:lstStyle/>
+          <a:p>
+            <a:r>
+              <a:rPr lang="en-US" dirty="0"/>
+              <a:t>Explicitly test accumulation of effects</a:t>
+            </a:r>
+          </a:p>
+        </p:txBody>
+      </p:sp>
+      <p:sp>
+        <p:nvSpPr>
+          <p:cNvPr id="7" name="TextBox 6">
+            <a:extLst>
+              <a:ext uri="{FF2B5EF4-FFF2-40B4-BE49-F238E27FC236}">
+                <a16:creationId xmlns:a16="http://schemas.microsoft.com/office/drawing/2014/main" id="{DC7EEDE6-9EFE-8D44-85F7-46619BF7B609}"/>
+              </a:ext>
+            </a:extLst>
+          </p:cNvPr>
+          <p:cNvSpPr txBox="1"/>
+          <p:nvPr/>
+        </p:nvSpPr>
+        <p:spPr>
+          <a:xfrm>
+            <a:off x="1879288" y="2009821"/>
+            <a:ext cx="6927119" cy="3785652"/>
+          </a:xfrm>
+          <a:prstGeom prst="rect">
+            <a:avLst/>
+          </a:prstGeom>
+          <a:solidFill>
+            <a:schemeClr val="bg1"/>
+          </a:solidFill>
+          <a:ln w="25400">
+            <a:solidFill>
+              <a:schemeClr val="tx1"/>
+            </a:solidFill>
+          </a:ln>
+          <a:effectLst>
+            <a:softEdge rad="31750"/>
+          </a:effectLst>
+        </p:spPr>
+        <p:txBody>
+          <a:bodyPr wrap="square" rtlCol="0">
+            <a:spAutoFit/>
+          </a:bodyPr>
+          <a:lstStyle/>
+          <a:p>
+            <a:r>
+              <a:rPr lang="en-US" sz="2000" dirty="0">
+                <a:latin typeface="Helvetica" pitchFamily="2" charset="0"/>
+                <a:ea typeface="Gungsuh" panose="02030600000101010101" pitchFamily="18" charset="-127"/>
+              </a:rPr>
+              <a:t>def </a:t>
+            </a:r>
+            <a:r>
+              <a:rPr lang="en-US" sz="2000" dirty="0" err="1">
+                <a:latin typeface="Helvetica" pitchFamily="2" charset="0"/>
+                <a:ea typeface="Gungsuh" panose="02030600000101010101" pitchFamily="18" charset="-127"/>
+              </a:rPr>
+              <a:t>law_createEfx</a:t>
+            </a:r>
+            <a:r>
+              <a:rPr lang="en-US" sz="2000" dirty="0">
+                <a:latin typeface="Helvetica" pitchFamily="2" charset="0"/>
+                <a:ea typeface="Gungsuh" panose="02030600000101010101" pitchFamily="18" charset="-127"/>
+              </a:rPr>
+              <a:t>(</a:t>
+            </a:r>
+            <a:r>
+              <a:rPr lang="en-US" sz="2000" dirty="0" err="1">
+                <a:latin typeface="Helvetica" pitchFamily="2" charset="0"/>
+                <a:ea typeface="Gungsuh" panose="02030600000101010101" pitchFamily="18" charset="-127"/>
+              </a:rPr>
+              <a:t>testUser</a:t>
+            </a:r>
+            <a:r>
+              <a:rPr lang="en-US" sz="2000" dirty="0">
+                <a:latin typeface="Helvetica" pitchFamily="2" charset="0"/>
+                <a:ea typeface="Gungsuh" panose="02030600000101010101" pitchFamily="18" charset="-127"/>
+              </a:rPr>
+              <a:t>: </a:t>
+            </a:r>
+            <a:r>
+              <a:rPr lang="en-US" sz="2000" dirty="0" err="1">
+                <a:latin typeface="Helvetica" pitchFamily="2" charset="0"/>
+                <a:ea typeface="Gungsuh" panose="02030600000101010101" pitchFamily="18" charset="-127"/>
+              </a:rPr>
+              <a:t>TestUser</a:t>
+            </a:r>
+            <a:r>
+              <a:rPr lang="en-US" sz="2000" dirty="0">
+                <a:latin typeface="Helvetica" pitchFamily="2" charset="0"/>
+                <a:ea typeface="Gungsuh" panose="02030600000101010101" pitchFamily="18" charset="-127"/>
+              </a:rPr>
+              <a:t>) = {</a:t>
+            </a:r>
+          </a:p>
+          <a:p>
+            <a:r>
+              <a:rPr lang="en-US" sz="2000" dirty="0">
+                <a:latin typeface="Helvetica" pitchFamily="2" charset="0"/>
+                <a:ea typeface="Gungsuh" panose="02030600000101010101" pitchFamily="18" charset="-127"/>
+              </a:rPr>
+              <a:t>    {</a:t>
+            </a:r>
+          </a:p>
+          <a:p>
+            <a:r>
+              <a:rPr lang="en-US" sz="2000" dirty="0">
+                <a:latin typeface="Helvetica" pitchFamily="2" charset="0"/>
+                <a:ea typeface="Gungsuh" panose="02030600000101010101" pitchFamily="18" charset="-127"/>
+              </a:rPr>
+              <a:t>      </a:t>
+            </a:r>
+            <a:r>
+              <a:rPr lang="en-US" sz="2000" dirty="0" err="1">
+                <a:latin typeface="Helvetica" pitchFamily="2" charset="0"/>
+                <a:ea typeface="Gungsuh" panose="02030600000101010101" pitchFamily="18" charset="-127"/>
+              </a:rPr>
+              <a:t>val</a:t>
+            </a:r>
+            <a:r>
+              <a:rPr lang="en-US" sz="2000" dirty="0">
+                <a:latin typeface="Helvetica" pitchFamily="2" charset="0"/>
+                <a:ea typeface="Gungsuh" panose="02030600000101010101" pitchFamily="18" charset="-127"/>
+              </a:rPr>
+              <a:t> users : Users[F] with </a:t>
+            </a:r>
+            <a:r>
+              <a:rPr lang="en-US" sz="2000" dirty="0" err="1">
+                <a:latin typeface="Helvetica" pitchFamily="2" charset="0"/>
+                <a:ea typeface="Gungsuh" panose="02030600000101010101" pitchFamily="18" charset="-127"/>
+              </a:rPr>
+              <a:t>UsersEfx</a:t>
+            </a:r>
+            <a:r>
+              <a:rPr lang="en-US" sz="2000" dirty="0">
+                <a:latin typeface="Helvetica" pitchFamily="2" charset="0"/>
+                <a:ea typeface="Gungsuh" panose="02030600000101010101" pitchFamily="18" charset="-127"/>
+              </a:rPr>
+              <a:t>[F] = </a:t>
+            </a:r>
+            <a:r>
+              <a:rPr lang="en-US" sz="2000" dirty="0" err="1">
+                <a:latin typeface="Helvetica" pitchFamily="2" charset="0"/>
+                <a:ea typeface="Gungsuh" panose="02030600000101010101" pitchFamily="18" charset="-127"/>
+              </a:rPr>
+              <a:t>mkFixture</a:t>
+            </a:r>
+            <a:r>
+              <a:rPr lang="en-US" sz="2000" dirty="0">
+                <a:latin typeface="Helvetica" pitchFamily="2" charset="0"/>
+                <a:ea typeface="Gungsuh" panose="02030600000101010101" pitchFamily="18" charset="-127"/>
+              </a:rPr>
+              <a:t>()</a:t>
+            </a:r>
+          </a:p>
+          <a:p>
+            <a:r>
+              <a:rPr lang="en-US" sz="2000" dirty="0">
+                <a:latin typeface="Helvetica" pitchFamily="2" charset="0"/>
+                <a:ea typeface="Gungsuh" panose="02030600000101010101" pitchFamily="18" charset="-127"/>
+              </a:rPr>
+              <a:t>      </a:t>
+            </a:r>
+            <a:r>
+              <a:rPr lang="en-US" sz="2000" dirty="0" err="1">
+                <a:latin typeface="Helvetica" pitchFamily="2" charset="0"/>
+                <a:ea typeface="Gungsuh" panose="02030600000101010101" pitchFamily="18" charset="-127"/>
+              </a:rPr>
+              <a:t>users.create</a:t>
+            </a:r>
+            <a:r>
+              <a:rPr lang="en-US" sz="2000" dirty="0">
+                <a:latin typeface="Helvetica" pitchFamily="2" charset="0"/>
+                <a:ea typeface="Gungsuh" panose="02030600000101010101" pitchFamily="18" charset="-127"/>
+              </a:rPr>
+              <a:t>(</a:t>
+            </a:r>
+            <a:r>
+              <a:rPr lang="en-US" sz="2000" dirty="0" err="1">
+                <a:latin typeface="Helvetica" pitchFamily="2" charset="0"/>
+                <a:ea typeface="Gungsuh" panose="02030600000101010101" pitchFamily="18" charset="-127"/>
+              </a:rPr>
+              <a:t>testUser.id</a:t>
+            </a:r>
+            <a:r>
+              <a:rPr lang="en-US" sz="2000" dirty="0">
+                <a:latin typeface="Helvetica" pitchFamily="2" charset="0"/>
+                <a:ea typeface="Gungsuh" panose="02030600000101010101" pitchFamily="18" charset="-127"/>
+              </a:rPr>
+              <a:t>, </a:t>
+            </a:r>
+            <a:r>
+              <a:rPr lang="en-US" sz="2000" dirty="0" err="1">
+                <a:latin typeface="Helvetica" pitchFamily="2" charset="0"/>
+                <a:ea typeface="Gungsuh" panose="02030600000101010101" pitchFamily="18" charset="-127"/>
+              </a:rPr>
+              <a:t>testUser.username</a:t>
+            </a:r>
+            <a:r>
+              <a:rPr lang="en-US" sz="2000" dirty="0">
+                <a:latin typeface="Helvetica" pitchFamily="2" charset="0"/>
+                <a:ea typeface="Gungsuh" panose="02030600000101010101" pitchFamily="18" charset="-127"/>
+              </a:rPr>
+              <a:t>, </a:t>
+            </a:r>
+            <a:r>
+              <a:rPr lang="en-US" sz="2000" dirty="0" err="1">
+                <a:latin typeface="Helvetica" pitchFamily="2" charset="0"/>
+                <a:ea typeface="Gungsuh" panose="02030600000101010101" pitchFamily="18" charset="-127"/>
+              </a:rPr>
+              <a:t>testUser.plainTextPassword</a:t>
+            </a:r>
+            <a:r>
+              <a:rPr lang="en-US" sz="2000" dirty="0">
+                <a:latin typeface="Helvetica" pitchFamily="2" charset="0"/>
+                <a:ea typeface="Gungsuh" panose="02030600000101010101" pitchFamily="18" charset="-127"/>
+              </a:rPr>
+              <a:t>) &gt;&gt;</a:t>
+            </a:r>
+          </a:p>
+          <a:p>
+            <a:r>
+              <a:rPr lang="en-US" sz="2000" dirty="0">
+                <a:latin typeface="Helvetica" pitchFamily="2" charset="0"/>
+                <a:ea typeface="Gungsuh" panose="02030600000101010101" pitchFamily="18" charset="-127"/>
+              </a:rPr>
+              <a:t>      </a:t>
+            </a:r>
+            <a:r>
+              <a:rPr lang="en-US" sz="2000" dirty="0" err="1">
+                <a:latin typeface="Helvetica" pitchFamily="2" charset="0"/>
+                <a:ea typeface="Gungsuh" panose="02030600000101010101" pitchFamily="18" charset="-127"/>
+              </a:rPr>
+              <a:t>users.efx_state</a:t>
+            </a:r>
+            <a:endParaRPr lang="en-US" sz="2000" dirty="0">
+              <a:latin typeface="Helvetica" pitchFamily="2" charset="0"/>
+              <a:ea typeface="Gungsuh" panose="02030600000101010101" pitchFamily="18" charset="-127"/>
+            </a:endParaRPr>
+          </a:p>
+          <a:p>
+            <a:r>
+              <a:rPr lang="en-US" sz="2000" dirty="0">
+                <a:latin typeface="Helvetica" pitchFamily="2" charset="0"/>
+                <a:ea typeface="Gungsuh" panose="02030600000101010101" pitchFamily="18" charset="-127"/>
+              </a:rPr>
+              <a:t>    } &lt;-&gt; {</a:t>
+            </a:r>
+          </a:p>
+          <a:p>
+            <a:r>
+              <a:rPr lang="en-US" sz="2000" dirty="0">
+                <a:latin typeface="Helvetica" pitchFamily="2" charset="0"/>
+                <a:ea typeface="Gungsuh" panose="02030600000101010101" pitchFamily="18" charset="-127"/>
+              </a:rPr>
+              <a:t>      </a:t>
+            </a:r>
+            <a:r>
+              <a:rPr lang="en-US" sz="2000" dirty="0" err="1">
+                <a:latin typeface="Helvetica" pitchFamily="2" charset="0"/>
+                <a:ea typeface="Gungsuh" panose="02030600000101010101" pitchFamily="18" charset="-127"/>
+              </a:rPr>
+              <a:t>val</a:t>
+            </a:r>
+            <a:r>
+              <a:rPr lang="en-US" sz="2000" dirty="0">
+                <a:latin typeface="Helvetica" pitchFamily="2" charset="0"/>
+                <a:ea typeface="Gungsuh" panose="02030600000101010101" pitchFamily="18" charset="-127"/>
+              </a:rPr>
+              <a:t> users : Users[F] with </a:t>
+            </a:r>
+            <a:r>
+              <a:rPr lang="en-US" sz="2000" dirty="0" err="1">
+                <a:latin typeface="Helvetica" pitchFamily="2" charset="0"/>
+                <a:ea typeface="Gungsuh" panose="02030600000101010101" pitchFamily="18" charset="-127"/>
+              </a:rPr>
+              <a:t>UsersEfx</a:t>
+            </a:r>
+            <a:r>
+              <a:rPr lang="en-US" sz="2000" dirty="0">
+                <a:latin typeface="Helvetica" pitchFamily="2" charset="0"/>
+                <a:ea typeface="Gungsuh" panose="02030600000101010101" pitchFamily="18" charset="-127"/>
+              </a:rPr>
+              <a:t>[F] = </a:t>
+            </a:r>
+            <a:r>
+              <a:rPr lang="en-US" sz="2000" dirty="0" err="1">
+                <a:latin typeface="Helvetica" pitchFamily="2" charset="0"/>
+                <a:ea typeface="Gungsuh" panose="02030600000101010101" pitchFamily="18" charset="-127"/>
+              </a:rPr>
+              <a:t>mkFixture</a:t>
+            </a:r>
+            <a:r>
+              <a:rPr lang="en-US" sz="2000" dirty="0">
+                <a:latin typeface="Helvetica" pitchFamily="2" charset="0"/>
+                <a:ea typeface="Gungsuh" panose="02030600000101010101" pitchFamily="18" charset="-127"/>
+              </a:rPr>
+              <a:t>()</a:t>
+            </a:r>
+          </a:p>
+          <a:p>
+            <a:r>
+              <a:rPr lang="en-US" sz="2000" dirty="0">
+                <a:latin typeface="Helvetica" pitchFamily="2" charset="0"/>
+                <a:ea typeface="Gungsuh" panose="02030600000101010101" pitchFamily="18" charset="-127"/>
+              </a:rPr>
+              <a:t>      </a:t>
+            </a:r>
+            <a:r>
+              <a:rPr lang="en-US" sz="2000" dirty="0" err="1">
+                <a:latin typeface="Helvetica" pitchFamily="2" charset="0"/>
+                <a:ea typeface="Gungsuh" panose="02030600000101010101" pitchFamily="18" charset="-127"/>
+              </a:rPr>
+              <a:t>users.efx_createUser</a:t>
+            </a:r>
+            <a:r>
+              <a:rPr lang="en-US" sz="2000" dirty="0">
+                <a:latin typeface="Helvetica" pitchFamily="2" charset="0"/>
+                <a:ea typeface="Gungsuh" panose="02030600000101010101" pitchFamily="18" charset="-127"/>
+              </a:rPr>
+              <a:t>(</a:t>
+            </a:r>
+            <a:r>
+              <a:rPr lang="en-US" sz="2000" dirty="0" err="1">
+                <a:latin typeface="Helvetica" pitchFamily="2" charset="0"/>
+                <a:ea typeface="Gungsuh" panose="02030600000101010101" pitchFamily="18" charset="-127"/>
+              </a:rPr>
+              <a:t>testUser</a:t>
+            </a:r>
+            <a:r>
+              <a:rPr lang="en-US" sz="2000" dirty="0">
+                <a:latin typeface="Helvetica" pitchFamily="2" charset="0"/>
+                <a:ea typeface="Gungsuh" panose="02030600000101010101" pitchFamily="18" charset="-127"/>
+              </a:rPr>
+              <a:t>) &gt;&gt;</a:t>
+            </a:r>
+          </a:p>
+          <a:p>
+            <a:r>
+              <a:rPr lang="en-US" sz="2000" dirty="0">
+                <a:latin typeface="Helvetica" pitchFamily="2" charset="0"/>
+                <a:ea typeface="Gungsuh" panose="02030600000101010101" pitchFamily="18" charset="-127"/>
+              </a:rPr>
+              <a:t>      </a:t>
+            </a:r>
+            <a:r>
+              <a:rPr lang="en-US" sz="2000" dirty="0" err="1">
+                <a:latin typeface="Helvetica" pitchFamily="2" charset="0"/>
+                <a:ea typeface="Gungsuh" panose="02030600000101010101" pitchFamily="18" charset="-127"/>
+              </a:rPr>
+              <a:t>users.efx_state</a:t>
+            </a:r>
+            <a:endParaRPr lang="en-US" sz="2000" dirty="0">
+              <a:latin typeface="Helvetica" pitchFamily="2" charset="0"/>
+              <a:ea typeface="Gungsuh" panose="02030600000101010101" pitchFamily="18" charset="-127"/>
+            </a:endParaRPr>
+          </a:p>
+          <a:p>
+            <a:r>
+              <a:rPr lang="en-US" sz="2000" dirty="0">
+                <a:latin typeface="Helvetica" pitchFamily="2" charset="0"/>
+                <a:ea typeface="Gungsuh" panose="02030600000101010101" pitchFamily="18" charset="-127"/>
+              </a:rPr>
+              <a:t>    }</a:t>
+            </a:r>
+          </a:p>
+          <a:p>
+            <a:r>
+              <a:rPr lang="en-US" sz="2000" dirty="0">
+                <a:latin typeface="Helvetica" pitchFamily="2" charset="0"/>
+                <a:ea typeface="Gungsuh" panose="02030600000101010101" pitchFamily="18" charset="-127"/>
+              </a:rPr>
+              <a:t>  }</a:t>
+            </a:r>
+            <a:endParaRPr lang="en-US" sz="2000" dirty="0">
+              <a:latin typeface="Helvetica" pitchFamily="2" charset="0"/>
+              <a:ea typeface="Gungsuh" panose="02030600000101010101" pitchFamily="18" charset="-127"/>
+              <a:cs typeface="Consolas" panose="020B0609020204030204" pitchFamily="49" charset="0"/>
+            </a:endParaRPr>
+          </a:p>
+        </p:txBody>
+      </p:sp>
+      <p:sp>
+        <p:nvSpPr>
+          <p:cNvPr id="8" name="TextBox 7">
+            <a:extLst>
+              <a:ext uri="{FF2B5EF4-FFF2-40B4-BE49-F238E27FC236}">
+                <a16:creationId xmlns:a16="http://schemas.microsoft.com/office/drawing/2014/main" id="{F184318E-BCBC-D245-B43A-6FAE727A2F90}"/>
+              </a:ext>
+            </a:extLst>
+          </p:cNvPr>
+          <p:cNvSpPr txBox="1"/>
+          <p:nvPr/>
+        </p:nvSpPr>
+        <p:spPr>
+          <a:xfrm>
+            <a:off x="1411693" y="2009821"/>
+            <a:ext cx="467595" cy="3785652"/>
+          </a:xfrm>
+          <a:prstGeom prst="rect">
+            <a:avLst/>
+          </a:prstGeom>
+          <a:solidFill>
+            <a:schemeClr val="bg1"/>
+          </a:solidFill>
+          <a:ln w="25400">
+            <a:solidFill>
+              <a:schemeClr val="tx1"/>
+            </a:solidFill>
+          </a:ln>
+          <a:effectLst>
+            <a:softEdge rad="31750"/>
+          </a:effectLst>
+        </p:spPr>
+        <p:txBody>
+          <a:bodyPr wrap="square" rtlCol="0">
+            <a:spAutoFit/>
+          </a:bodyPr>
+          <a:lstStyle/>
+          <a:p>
+            <a:r>
+              <a:rPr lang="en-US" sz="2000" dirty="0">
+                <a:latin typeface="Helvetica" pitchFamily="2" charset="0"/>
+                <a:cs typeface="Consolas" panose="020B0609020204030204" pitchFamily="49" charset="0"/>
+              </a:rPr>
+              <a:t>01</a:t>
+            </a:r>
+          </a:p>
+          <a:p>
+            <a:r>
+              <a:rPr lang="en-US" sz="2000" dirty="0">
+                <a:latin typeface="Helvetica" pitchFamily="2" charset="0"/>
+                <a:cs typeface="Consolas" panose="020B0609020204030204" pitchFamily="49" charset="0"/>
+              </a:rPr>
+              <a:t>02</a:t>
+            </a:r>
+          </a:p>
+          <a:p>
+            <a:r>
+              <a:rPr lang="en-US" sz="2000" dirty="0">
+                <a:latin typeface="Helvetica" pitchFamily="2" charset="0"/>
+                <a:cs typeface="Consolas" panose="020B0609020204030204" pitchFamily="49" charset="0"/>
+              </a:rPr>
+              <a:t>03</a:t>
+            </a:r>
+          </a:p>
+          <a:p>
+            <a:r>
+              <a:rPr lang="en-US" sz="2000" dirty="0">
+                <a:latin typeface="Helvetica" pitchFamily="2" charset="0"/>
+                <a:cs typeface="Consolas" panose="020B0609020204030204" pitchFamily="49" charset="0"/>
+              </a:rPr>
+              <a:t>04</a:t>
+            </a:r>
+          </a:p>
+          <a:p>
+            <a:r>
+              <a:rPr lang="en-US" sz="2000" dirty="0">
+                <a:latin typeface="Helvetica" pitchFamily="2" charset="0"/>
+                <a:cs typeface="Consolas" panose="020B0609020204030204" pitchFamily="49" charset="0"/>
+              </a:rPr>
+              <a:t>05</a:t>
+            </a:r>
+          </a:p>
+          <a:p>
+            <a:r>
+              <a:rPr lang="en-US" sz="2000" dirty="0">
+                <a:latin typeface="Helvetica" pitchFamily="2" charset="0"/>
+                <a:cs typeface="Consolas" panose="020B0609020204030204" pitchFamily="49" charset="0"/>
+              </a:rPr>
+              <a:t>06</a:t>
+            </a:r>
+          </a:p>
+          <a:p>
+            <a:r>
+              <a:rPr lang="en-US" sz="2000" dirty="0">
+                <a:latin typeface="Helvetica" pitchFamily="2" charset="0"/>
+                <a:cs typeface="Consolas" panose="020B0609020204030204" pitchFamily="49" charset="0"/>
+              </a:rPr>
+              <a:t>07</a:t>
+            </a:r>
+          </a:p>
+          <a:p>
+            <a:r>
+              <a:rPr lang="en-US" sz="2000" dirty="0">
+                <a:latin typeface="Helvetica" pitchFamily="2" charset="0"/>
+                <a:cs typeface="Consolas" panose="020B0609020204030204" pitchFamily="49" charset="0"/>
+              </a:rPr>
+              <a:t>08</a:t>
+            </a:r>
+          </a:p>
+          <a:p>
+            <a:r>
+              <a:rPr lang="en-US" sz="2000" dirty="0">
+                <a:latin typeface="Helvetica" pitchFamily="2" charset="0"/>
+                <a:cs typeface="Consolas" panose="020B0609020204030204" pitchFamily="49" charset="0"/>
+              </a:rPr>
+              <a:t>09</a:t>
+            </a:r>
+          </a:p>
+          <a:p>
+            <a:r>
+              <a:rPr lang="en-US" sz="2000" dirty="0">
+                <a:latin typeface="Helvetica" pitchFamily="2" charset="0"/>
+                <a:cs typeface="Consolas" panose="020B0609020204030204" pitchFamily="49" charset="0"/>
+              </a:rPr>
+              <a:t>10</a:t>
+            </a:r>
+          </a:p>
+          <a:p>
+            <a:r>
+              <a:rPr lang="en-US" sz="2000" dirty="0">
+                <a:latin typeface="Helvetica" pitchFamily="2" charset="0"/>
+                <a:cs typeface="Consolas" panose="020B0609020204030204" pitchFamily="49" charset="0"/>
+              </a:rPr>
+              <a:t>11</a:t>
+            </a:r>
+          </a:p>
+          <a:p>
+            <a:r>
+              <a:rPr lang="en-US" sz="2000" dirty="0">
+                <a:latin typeface="Helvetica" pitchFamily="2" charset="0"/>
+                <a:cs typeface="Consolas" panose="020B0609020204030204" pitchFamily="49" charset="0"/>
+              </a:rPr>
+              <a:t>12</a:t>
+            </a:r>
+          </a:p>
+        </p:txBody>
+      </p:sp>
+    </p:spTree>
+    <p:extLst>
+      <p:ext uri="{BB962C8B-B14F-4D97-AF65-F5344CB8AC3E}">
+        <p14:creationId xmlns:p14="http://schemas.microsoft.com/office/powerpoint/2010/main" val="2781516141"/>
+      </p:ext>
+    </p:extLst>
+  </p:cSld>
+  <p:clrMapOvr>
+    <a:masterClrMapping/>
+  </p:clrMapOvr>
+</p:sld>
+</file>
+
+<file path=ppt/slides/slide18.xml><?xml version="1.0" encoding="utf-8"?>
+<p:sld xmlns:a="http://schemas.openxmlformats.org/drawingml/2006/main" xmlns:r="http://schemas.openxmlformats.org/officeDocument/2006/relationships" xmlns:p="http://schemas.openxmlformats.org/presentationml/2006/main">
+  <p:cSld>
+    <p:spTree>
+      <p:nvGrpSpPr>
+        <p:cNvPr id="1" name=""/>
+        <p:cNvGrpSpPr/>
+        <p:nvPr/>
+      </p:nvGrpSpPr>
+      <p:grpSpPr>
+        <a:xfrm>
+          <a:off x="0" y="0"/>
+          <a:ext cx="0" cy="0"/>
+          <a:chOff x="0" y="0"/>
+          <a:chExt cx="0" cy="0"/>
+        </a:xfrm>
+      </p:grpSpPr>
+      <p:sp>
+        <p:nvSpPr>
+          <p:cNvPr id="2" name="Title 1">
+            <a:extLst>
+              <a:ext uri="{FF2B5EF4-FFF2-40B4-BE49-F238E27FC236}">
+                <a16:creationId xmlns:a16="http://schemas.microsoft.com/office/drawing/2014/main" id="{249BB390-5AC9-C143-AB84-CAE4A51FD5E5}"/>
+              </a:ext>
+            </a:extLst>
+          </p:cNvPr>
+          <p:cNvSpPr>
+            <a:spLocks noGrp="1"/>
+          </p:cNvSpPr>
+          <p:nvPr>
+            <p:ph type="title"/>
+          </p:nvPr>
+        </p:nvSpPr>
+        <p:spPr/>
+        <p:txBody>
+          <a:bodyPr/>
+          <a:lstStyle/>
+          <a:p>
+            <a:r>
+              <a:rPr lang="en-US" dirty="0" err="1"/>
+              <a:t>UsersLaws</a:t>
+            </a:r>
+            <a:endParaRPr lang="en-US" dirty="0"/>
+          </a:p>
+        </p:txBody>
+      </p:sp>
+      <p:sp>
+        <p:nvSpPr>
+          <p:cNvPr id="3" name="Rectangle 2">
+            <a:extLst>
+              <a:ext uri="{FF2B5EF4-FFF2-40B4-BE49-F238E27FC236}">
+                <a16:creationId xmlns:a16="http://schemas.microsoft.com/office/drawing/2014/main" id="{B6337F8C-0F8A-F74C-82F2-90B14AFC2DD0}"/>
+              </a:ext>
+            </a:extLst>
+          </p:cNvPr>
+          <p:cNvSpPr/>
+          <p:nvPr/>
+        </p:nvSpPr>
+        <p:spPr>
+          <a:xfrm>
+            <a:off x="914650" y="3275113"/>
+            <a:ext cx="10147548" cy="307777"/>
+          </a:xfrm>
+          <a:prstGeom prst="rect">
+            <a:avLst/>
+          </a:prstGeom>
+          <a:solidFill>
+            <a:schemeClr val="bg1"/>
+          </a:solidFill>
+          <a:ln>
+            <a:solidFill>
+              <a:schemeClr val="tx1"/>
+            </a:solidFill>
+          </a:ln>
+        </p:spPr>
+        <p:txBody>
+          <a:bodyPr wrap="square">
+            <a:spAutoFit/>
+          </a:bodyPr>
+          <a:lstStyle/>
+          <a:p>
+            <a:r>
+              <a:rPr lang="en-US" sz="1400" dirty="0">
+                <a:hlinkClick r:id="rId3"/>
+              </a:rPr>
+              <a:t>https://</a:t>
+            </a:r>
+            <a:r>
+              <a:rPr lang="en-US" sz="1400" dirty="0" err="1">
+                <a:hlinkClick r:id="rId3"/>
+              </a:rPr>
+              <a:t>github.com</a:t>
+            </a:r>
+            <a:r>
+              <a:rPr lang="en-US" sz="1400" dirty="0">
+                <a:hlinkClick r:id="rId3"/>
+              </a:rPr>
+              <a:t>/</a:t>
+            </a:r>
+            <a:r>
+              <a:rPr lang="en-US" sz="1400" dirty="0" err="1">
+                <a:hlinkClick r:id="rId3"/>
+              </a:rPr>
+              <a:t>lancegatlin</a:t>
+            </a:r>
+            <a:r>
+              <a:rPr lang="en-US" sz="1400" dirty="0">
+                <a:hlinkClick r:id="rId3"/>
+              </a:rPr>
+              <a:t>/tagless-final-autotest-talk-19feb19/blob/master/</a:t>
+            </a:r>
+            <a:r>
+              <a:rPr lang="en-US" sz="1400" dirty="0" err="1">
+                <a:hlinkClick r:id="rId3"/>
+              </a:rPr>
+              <a:t>src</a:t>
+            </a:r>
+            <a:r>
+              <a:rPr lang="en-US" sz="1400" dirty="0">
+                <a:hlinkClick r:id="rId3"/>
+              </a:rPr>
+              <a:t>/test/</a:t>
+            </a:r>
+            <a:r>
+              <a:rPr lang="en-US" sz="1400" dirty="0" err="1">
+                <a:hlinkClick r:id="rId3"/>
+              </a:rPr>
+              <a:t>scala</a:t>
+            </a:r>
+            <a:r>
+              <a:rPr lang="en-US" sz="1400" dirty="0">
+                <a:hlinkClick r:id="rId3"/>
+              </a:rPr>
+              <a:t>/org/</a:t>
+            </a:r>
+            <a:r>
+              <a:rPr lang="en-US" sz="1400" dirty="0" err="1">
+                <a:hlinkClick r:id="rId3"/>
+              </a:rPr>
+              <a:t>ldg</a:t>
+            </a:r>
+            <a:r>
+              <a:rPr lang="en-US" sz="1400" dirty="0">
+                <a:hlinkClick r:id="rId3"/>
+              </a:rPr>
+              <a:t>/</a:t>
+            </a:r>
+            <a:r>
+              <a:rPr lang="en-US" sz="1400" dirty="0" err="1">
+                <a:hlinkClick r:id="rId3"/>
+              </a:rPr>
+              <a:t>UsersLaws.scala</a:t>
+            </a:r>
+            <a:endParaRPr lang="en-US" sz="1400" dirty="0"/>
+          </a:p>
+        </p:txBody>
+      </p:sp>
+      <p:sp>
+        <p:nvSpPr>
+          <p:cNvPr id="4" name="TextBox 3">
+            <a:extLst>
+              <a:ext uri="{FF2B5EF4-FFF2-40B4-BE49-F238E27FC236}">
+                <a16:creationId xmlns:a16="http://schemas.microsoft.com/office/drawing/2014/main" id="{33ECA941-EA2D-6B4E-8D30-31462826AD8E}"/>
+              </a:ext>
+            </a:extLst>
+          </p:cNvPr>
+          <p:cNvSpPr txBox="1"/>
+          <p:nvPr/>
+        </p:nvSpPr>
+        <p:spPr>
+          <a:xfrm>
+            <a:off x="677334" y="2905779"/>
+            <a:ext cx="960519" cy="369332"/>
+          </a:xfrm>
+          <a:prstGeom prst="rect">
+            <a:avLst/>
+          </a:prstGeom>
+          <a:noFill/>
+          <a:ln>
+            <a:solidFill>
+              <a:schemeClr val="tx1"/>
+            </a:solidFill>
+          </a:ln>
+        </p:spPr>
+        <p:txBody>
+          <a:bodyPr wrap="none" rtlCol="0">
+            <a:spAutoFit/>
+          </a:bodyPr>
+          <a:lstStyle/>
+          <a:p>
+            <a:r>
+              <a:rPr lang="en-US" dirty="0"/>
+              <a:t>Source:</a:t>
+            </a:r>
+          </a:p>
+        </p:txBody>
+      </p:sp>
+    </p:spTree>
+    <p:extLst>
+      <p:ext uri="{BB962C8B-B14F-4D97-AF65-F5344CB8AC3E}">
+        <p14:creationId xmlns:p14="http://schemas.microsoft.com/office/powerpoint/2010/main" val="1475306786"/>
+      </p:ext>
+    </p:extLst>
+  </p:cSld>
+  <p:clrMapOvr>
+    <a:masterClrMapping/>
+  </p:clrMapOvr>
+</p:sld>
+</file>
+
+<file path=ppt/slides/slide19.xml><?xml version="1.0" encoding="utf-8"?>
+<p:sld xmlns:a="http://schemas.openxmlformats.org/drawingml/2006/main" xmlns:r="http://schemas.openxmlformats.org/officeDocument/2006/relationships" xmlns:p="http://schemas.openxmlformats.org/presentationml/2006/main">
+  <p:cSld>
+    <p:spTree>
+      <p:nvGrpSpPr>
+        <p:cNvPr id="1" name=""/>
+        <p:cNvGrpSpPr/>
+        <p:nvPr/>
+      </p:nvGrpSpPr>
+      <p:grpSpPr>
+        <a:xfrm>
+          <a:off x="0" y="0"/>
+          <a:ext cx="0" cy="0"/>
+          <a:chOff x="0" y="0"/>
+          <a:chExt cx="0" cy="0"/>
+        </a:xfrm>
+      </p:grpSpPr>
+      <p:sp>
+        <p:nvSpPr>
+          <p:cNvPr id="2" name="Title 1">
+            <a:extLst>
+              <a:ext uri="{FF2B5EF4-FFF2-40B4-BE49-F238E27FC236}">
+                <a16:creationId xmlns:a16="http://schemas.microsoft.com/office/drawing/2014/main" id="{249BB390-5AC9-C143-AB84-CAE4A51FD5E5}"/>
+              </a:ext>
+            </a:extLst>
+          </p:cNvPr>
+          <p:cNvSpPr>
+            <a:spLocks noGrp="1"/>
+          </p:cNvSpPr>
+          <p:nvPr>
+            <p:ph type="title"/>
+          </p:nvPr>
+        </p:nvSpPr>
+        <p:spPr/>
+        <p:txBody>
+          <a:bodyPr/>
+          <a:lstStyle/>
+          <a:p>
+            <a:r>
+              <a:rPr lang="en-US" dirty="0" err="1"/>
+              <a:t>UsersImplIdAutoTest</a:t>
+            </a:r>
+            <a:endParaRPr lang="en-US" dirty="0"/>
+          </a:p>
+        </p:txBody>
+      </p:sp>
+      <p:sp>
+        <p:nvSpPr>
+          <p:cNvPr id="10" name="Rectangle 9">
+            <a:extLst>
+              <a:ext uri="{FF2B5EF4-FFF2-40B4-BE49-F238E27FC236}">
+                <a16:creationId xmlns:a16="http://schemas.microsoft.com/office/drawing/2014/main" id="{A04418DF-7DF9-474A-A176-4AAF143D3159}"/>
+              </a:ext>
+            </a:extLst>
+          </p:cNvPr>
+          <p:cNvSpPr/>
+          <p:nvPr/>
+        </p:nvSpPr>
+        <p:spPr>
+          <a:xfrm>
+            <a:off x="932828" y="3275113"/>
+            <a:ext cx="10981266" cy="307777"/>
+          </a:xfrm>
+          <a:prstGeom prst="rect">
+            <a:avLst/>
+          </a:prstGeom>
+          <a:solidFill>
+            <a:schemeClr val="bg1"/>
+          </a:solidFill>
+          <a:ln>
+            <a:solidFill>
+              <a:schemeClr val="tx1"/>
+            </a:solidFill>
+          </a:ln>
+        </p:spPr>
+        <p:txBody>
+          <a:bodyPr wrap="square">
+            <a:spAutoFit/>
+          </a:bodyPr>
+          <a:lstStyle/>
+          <a:p>
+            <a:r>
+              <a:rPr lang="en-US" sz="1400" dirty="0">
+                <a:hlinkClick r:id="rId3"/>
+              </a:rPr>
+              <a:t>https://</a:t>
+            </a:r>
+            <a:r>
+              <a:rPr lang="en-US" sz="1400" dirty="0" err="1">
+                <a:hlinkClick r:id="rId3"/>
+              </a:rPr>
+              <a:t>github.com</a:t>
+            </a:r>
+            <a:r>
+              <a:rPr lang="en-US" sz="1400" dirty="0">
+                <a:hlinkClick r:id="rId3"/>
+              </a:rPr>
+              <a:t>/</a:t>
+            </a:r>
+            <a:r>
+              <a:rPr lang="en-US" sz="1400" dirty="0" err="1">
+                <a:hlinkClick r:id="rId3"/>
+              </a:rPr>
+              <a:t>lancegatlin</a:t>
+            </a:r>
+            <a:r>
+              <a:rPr lang="en-US" sz="1400" dirty="0">
+                <a:hlinkClick r:id="rId3"/>
+              </a:rPr>
+              <a:t>/tagless-final-autotest-talk-19feb19/blob/master/</a:t>
+            </a:r>
+            <a:r>
+              <a:rPr lang="en-US" sz="1400" dirty="0" err="1">
+                <a:hlinkClick r:id="rId3"/>
+              </a:rPr>
+              <a:t>src</a:t>
+            </a:r>
+            <a:r>
+              <a:rPr lang="en-US" sz="1400" dirty="0">
+                <a:hlinkClick r:id="rId3"/>
+              </a:rPr>
+              <a:t>/test/</a:t>
+            </a:r>
+            <a:r>
+              <a:rPr lang="en-US" sz="1400" dirty="0" err="1">
+                <a:hlinkClick r:id="rId3"/>
+              </a:rPr>
+              <a:t>scala</a:t>
+            </a:r>
+            <a:r>
+              <a:rPr lang="en-US" sz="1400" dirty="0">
+                <a:hlinkClick r:id="rId3"/>
+              </a:rPr>
+              <a:t>/org/</a:t>
+            </a:r>
+            <a:r>
+              <a:rPr lang="en-US" sz="1400" dirty="0" err="1">
+                <a:hlinkClick r:id="rId3"/>
+              </a:rPr>
+              <a:t>ldg</a:t>
+            </a:r>
+            <a:r>
+              <a:rPr lang="en-US" sz="1400" dirty="0">
+                <a:hlinkClick r:id="rId3"/>
+              </a:rPr>
+              <a:t>/</a:t>
+            </a:r>
+            <a:r>
+              <a:rPr lang="en-US" sz="1400" dirty="0" err="1">
+                <a:hlinkClick r:id="rId3"/>
+              </a:rPr>
+              <a:t>UsersImplIdAutoTest.scala</a:t>
+            </a:r>
+            <a:endParaRPr lang="en-US" sz="1400" dirty="0"/>
+          </a:p>
+        </p:txBody>
+      </p:sp>
+      <p:sp>
+        <p:nvSpPr>
+          <p:cNvPr id="11" name="TextBox 10">
+            <a:extLst>
+              <a:ext uri="{FF2B5EF4-FFF2-40B4-BE49-F238E27FC236}">
+                <a16:creationId xmlns:a16="http://schemas.microsoft.com/office/drawing/2014/main" id="{D2625C5B-94A0-DA49-BB04-22BBE8A7A06F}"/>
+              </a:ext>
+            </a:extLst>
+          </p:cNvPr>
+          <p:cNvSpPr txBox="1"/>
+          <p:nvPr/>
+        </p:nvSpPr>
+        <p:spPr>
+          <a:xfrm>
+            <a:off x="677334" y="2905779"/>
+            <a:ext cx="960519" cy="369332"/>
+          </a:xfrm>
+          <a:prstGeom prst="rect">
+            <a:avLst/>
+          </a:prstGeom>
+          <a:noFill/>
+          <a:ln>
+            <a:solidFill>
+              <a:schemeClr val="tx1"/>
+            </a:solidFill>
+          </a:ln>
+        </p:spPr>
+        <p:txBody>
+          <a:bodyPr wrap="none" rtlCol="0">
+            <a:spAutoFit/>
+          </a:bodyPr>
+          <a:lstStyle/>
+          <a:p>
+            <a:r>
+              <a:rPr lang="en-US" dirty="0"/>
+              <a:t>Source:</a:t>
+            </a:r>
+          </a:p>
+        </p:txBody>
+      </p:sp>
+    </p:spTree>
+    <p:extLst>
+      <p:ext uri="{BB962C8B-B14F-4D97-AF65-F5344CB8AC3E}">
+        <p14:creationId xmlns:p14="http://schemas.microsoft.com/office/powerpoint/2010/main" val="891609272"/>
       </p:ext>
     </p:extLst>
   </p:cSld>
@@ -6776,12 +12248,247 @@
               <a:t>I work within the bounds of team’s skills &amp; culture</a:t>
             </a:r>
           </a:p>
+          <a:p>
+            <a:pPr lvl="1"/>
+            <a:r>
+              <a:rPr lang="en-US" dirty="0"/>
+              <a:t>Available!</a:t>
+            </a:r>
+          </a:p>
         </p:txBody>
       </p:sp>
     </p:spTree>
     <p:extLst>
       <p:ext uri="{BB962C8B-B14F-4D97-AF65-F5344CB8AC3E}">
         <p14:creationId xmlns:p14="http://schemas.microsoft.com/office/powerpoint/2010/main" val="396975552"/>
+      </p:ext>
+    </p:extLst>
+  </p:cSld>
+  <p:clrMapOvr>
+    <a:masterClrMapping/>
+  </p:clrMapOvr>
+</p:sld>
+</file>
+
+<file path=ppt/slides/slide20.xml><?xml version="1.0" encoding="utf-8"?>
+<p:sld xmlns:a="http://schemas.openxmlformats.org/drawingml/2006/main" xmlns:r="http://schemas.openxmlformats.org/officeDocument/2006/relationships" xmlns:p="http://schemas.openxmlformats.org/presentationml/2006/main">
+  <p:cSld>
+    <p:spTree>
+      <p:nvGrpSpPr>
+        <p:cNvPr id="1" name=""/>
+        <p:cNvGrpSpPr/>
+        <p:nvPr/>
+      </p:nvGrpSpPr>
+      <p:grpSpPr>
+        <a:xfrm>
+          <a:off x="0" y="0"/>
+          <a:ext cx="0" cy="0"/>
+          <a:chOff x="0" y="0"/>
+          <a:chExt cx="0" cy="0"/>
+        </a:xfrm>
+      </p:grpSpPr>
+      <p:sp>
+        <p:nvSpPr>
+          <p:cNvPr id="4" name="Title 3">
+            <a:extLst>
+              <a:ext uri="{FF2B5EF4-FFF2-40B4-BE49-F238E27FC236}">
+                <a16:creationId xmlns:a16="http://schemas.microsoft.com/office/drawing/2014/main" id="{1836FFD0-F1E2-A74C-96A2-99AA68F585EB}"/>
+              </a:ext>
+            </a:extLst>
+          </p:cNvPr>
+          <p:cNvSpPr>
+            <a:spLocks noGrp="1"/>
+          </p:cNvSpPr>
+          <p:nvPr>
+            <p:ph type="title"/>
+          </p:nvPr>
+        </p:nvSpPr>
+        <p:spPr>
+          <a:xfrm>
+            <a:off x="677335" y="2810108"/>
+            <a:ext cx="8596668" cy="903302"/>
+          </a:xfrm>
+        </p:spPr>
+        <p:txBody>
+          <a:bodyPr>
+            <a:noAutofit/>
+          </a:bodyPr>
+          <a:lstStyle/>
+          <a:p>
+            <a:pPr algn="ctr"/>
+            <a:r>
+              <a:rPr lang="en-US" sz="5200" dirty="0"/>
+              <a:t>Questions?</a:t>
+            </a:r>
+          </a:p>
+        </p:txBody>
+      </p:sp>
+      <p:sp>
+        <p:nvSpPr>
+          <p:cNvPr id="5" name="Text Placeholder 4">
+            <a:extLst>
+              <a:ext uri="{FF2B5EF4-FFF2-40B4-BE49-F238E27FC236}">
+                <a16:creationId xmlns:a16="http://schemas.microsoft.com/office/drawing/2014/main" id="{6C4EF758-2F38-8B42-A2D1-1B1DB788BC3B}"/>
+              </a:ext>
+            </a:extLst>
+          </p:cNvPr>
+          <p:cNvSpPr>
+            <a:spLocks noGrp="1"/>
+          </p:cNvSpPr>
+          <p:nvPr>
+            <p:ph type="body" idx="1"/>
+          </p:nvPr>
+        </p:nvSpPr>
+        <p:spPr/>
+        <p:txBody>
+          <a:bodyPr/>
+          <a:lstStyle/>
+          <a:p>
+            <a:r>
+              <a:rPr lang="en-US" dirty="0" err="1"/>
+              <a:t>lance.gatlin@gmail.com</a:t>
+            </a:r>
+            <a:endParaRPr lang="en-US" dirty="0"/>
+          </a:p>
+          <a:p>
+            <a:r>
+              <a:rPr lang="en-US" dirty="0"/>
+              <a:t>https://</a:t>
+            </a:r>
+            <a:r>
+              <a:rPr lang="en-US" dirty="0" err="1"/>
+              <a:t>github.com</a:t>
+            </a:r>
+            <a:r>
+              <a:rPr lang="en-US" dirty="0"/>
+              <a:t>/</a:t>
+            </a:r>
+            <a:r>
+              <a:rPr lang="en-US" dirty="0" err="1"/>
+              <a:t>lancegatlin</a:t>
+            </a:r>
+            <a:endParaRPr lang="en-US" dirty="0"/>
+          </a:p>
+        </p:txBody>
+      </p:sp>
+    </p:spTree>
+    <p:extLst>
+      <p:ext uri="{BB962C8B-B14F-4D97-AF65-F5344CB8AC3E}">
+        <p14:creationId xmlns:p14="http://schemas.microsoft.com/office/powerpoint/2010/main" val="2703850654"/>
+      </p:ext>
+    </p:extLst>
+  </p:cSld>
+  <p:clrMapOvr>
+    <a:masterClrMapping/>
+  </p:clrMapOvr>
+</p:sld>
+</file>
+
+<file path=ppt/slides/slide21.xml><?xml version="1.0" encoding="utf-8"?>
+<p:sld xmlns:a="http://schemas.openxmlformats.org/drawingml/2006/main" xmlns:r="http://schemas.openxmlformats.org/officeDocument/2006/relationships" xmlns:p="http://schemas.openxmlformats.org/presentationml/2006/main">
+  <p:cSld>
+    <p:spTree>
+      <p:nvGrpSpPr>
+        <p:cNvPr id="1" name=""/>
+        <p:cNvGrpSpPr/>
+        <p:nvPr/>
+      </p:nvGrpSpPr>
+      <p:grpSpPr>
+        <a:xfrm>
+          <a:off x="0" y="0"/>
+          <a:ext cx="0" cy="0"/>
+          <a:chOff x="0" y="0"/>
+          <a:chExt cx="0" cy="0"/>
+        </a:xfrm>
+      </p:grpSpPr>
+      <p:sp>
+        <p:nvSpPr>
+          <p:cNvPr id="2" name="Title 1">
+            <a:extLst>
+              <a:ext uri="{FF2B5EF4-FFF2-40B4-BE49-F238E27FC236}">
+                <a16:creationId xmlns:a16="http://schemas.microsoft.com/office/drawing/2014/main" id="{161C3B0B-8924-4443-B80F-948A660D6611}"/>
+              </a:ext>
+            </a:extLst>
+          </p:cNvPr>
+          <p:cNvSpPr>
+            <a:spLocks noGrp="1"/>
+          </p:cNvSpPr>
+          <p:nvPr>
+            <p:ph type="title"/>
+          </p:nvPr>
+        </p:nvSpPr>
+        <p:spPr/>
+        <p:txBody>
+          <a:bodyPr/>
+          <a:lstStyle/>
+          <a:p>
+            <a:r>
+              <a:rPr lang="en-US" dirty="0"/>
+              <a:t>References</a:t>
+            </a:r>
+          </a:p>
+        </p:txBody>
+      </p:sp>
+      <p:sp>
+        <p:nvSpPr>
+          <p:cNvPr id="3" name="Content Placeholder 2">
+            <a:extLst>
+              <a:ext uri="{FF2B5EF4-FFF2-40B4-BE49-F238E27FC236}">
+                <a16:creationId xmlns:a16="http://schemas.microsoft.com/office/drawing/2014/main" id="{088BD791-A83A-6144-B60A-56C30926EFB6}"/>
+              </a:ext>
+            </a:extLst>
+          </p:cNvPr>
+          <p:cNvSpPr>
+            <a:spLocks noGrp="1"/>
+          </p:cNvSpPr>
+          <p:nvPr>
+            <p:ph idx="1"/>
+          </p:nvPr>
+        </p:nvSpPr>
+        <p:spPr/>
+        <p:txBody>
+          <a:bodyPr>
+            <a:normAutofit/>
+          </a:bodyPr>
+          <a:lstStyle/>
+          <a:p>
+            <a:r>
+              <a:rPr lang="en-US" sz="1200" dirty="0">
+                <a:hlinkClick r:id="rId2"/>
+              </a:rPr>
+              <a:t>https://medium.com/iterators/tagless-with-discipline-testing-scala-code-the-right-way-e74993a0d9b1</a:t>
+            </a:r>
+          </a:p>
+          <a:p>
+            <a:r>
+              <a:rPr lang="en-US" sz="1200" dirty="0">
+                <a:hlinkClick r:id="rId2"/>
+              </a:rPr>
+              <a:t>http://www.scalacheck.org/</a:t>
+            </a:r>
+            <a:endParaRPr lang="en-US" sz="1200" dirty="0"/>
+          </a:p>
+          <a:p>
+            <a:r>
+              <a:rPr lang="en-US" sz="1200" dirty="0">
+                <a:hlinkClick r:id="rId3"/>
+              </a:rPr>
+              <a:t>https://github.com/typelevel/discipline</a:t>
+            </a:r>
+            <a:endParaRPr lang="en-US" sz="1200" dirty="0"/>
+          </a:p>
+          <a:p>
+            <a:endParaRPr lang="en-US" sz="1200" dirty="0"/>
+          </a:p>
+          <a:p>
+            <a:endParaRPr lang="en-US" sz="1200" dirty="0"/>
+          </a:p>
+        </p:txBody>
+      </p:sp>
+    </p:spTree>
+    <p:extLst>
+      <p:ext uri="{BB962C8B-B14F-4D97-AF65-F5344CB8AC3E}">
+        <p14:creationId xmlns:p14="http://schemas.microsoft.com/office/powerpoint/2010/main" val="732661075"/>
       </p:ext>
     </p:extLst>
   </p:cSld>
@@ -6937,7 +12644,7 @@
           <p:cNvPr id="2" name="Title 1">
             <a:extLst>
               <a:ext uri="{FF2B5EF4-FFF2-40B4-BE49-F238E27FC236}">
-                <a16:creationId xmlns:a16="http://schemas.microsoft.com/office/drawing/2014/main" id="{793BE607-9DA5-704E-B0E0-F635FDCECADC}"/>
+                <a16:creationId xmlns:a16="http://schemas.microsoft.com/office/drawing/2014/main" id="{4703659F-7D21-DA4C-A058-F38109CD699A}"/>
               </a:ext>
             </a:extLst>
           </p:cNvPr>
@@ -6955,7 +12662,7 @@
           <a:p>
             <a:r>
               <a:rPr lang="en-US" dirty="0"/>
-              <a:t>Who am I?</a:t>
+              <a:t>My Code Principles (read later)</a:t>
             </a:r>
           </a:p>
         </p:txBody>
@@ -6965,7 +12672,7 @@
           <p:cNvPr id="3" name="Content Placeholder 2">
             <a:extLst>
               <a:ext uri="{FF2B5EF4-FFF2-40B4-BE49-F238E27FC236}">
-                <a16:creationId xmlns:a16="http://schemas.microsoft.com/office/drawing/2014/main" id="{A0471EEE-0255-9F4C-AEFE-E47D47BD76BC}"/>
+                <a16:creationId xmlns:a16="http://schemas.microsoft.com/office/drawing/2014/main" id="{3CD4F575-E270-8B49-84B2-2F4FBF21233A}"/>
               </a:ext>
             </a:extLst>
           </p:cNvPr>
@@ -6976,50 +12683,145 @@
             <p:ph idx="1"/>
           </p:nvPr>
         </p:nvSpPr>
-        <p:spPr>
-          <a:xfrm>
-            <a:off x="677333" y="1627095"/>
-            <a:ext cx="9394319" cy="4839966"/>
-          </a:xfrm>
-        </p:spPr>
+        <p:spPr/>
         <p:txBody>
           <a:bodyPr>
-            <a:normAutofit/>
+            <a:normAutofit fontScale="55000" lnSpcReduction="20000"/>
           </a:bodyPr>
           <a:lstStyle/>
           <a:p>
-            <a:r>
-              <a:rPr lang="en-US" sz="2800" dirty="0"/>
-              <a:t>Trouble-maker:</a:t>
-            </a:r>
-          </a:p>
-          <a:p>
-            <a:pPr lvl="1"/>
-            <a:r>
-              <a:rPr lang="en-US" sz="2400" dirty="0"/>
-              <a:t>I remain unconvinced that reifying purity in Scala (i.e. non-</a:t>
-            </a:r>
-            <a:r>
-              <a:rPr lang="en-US" sz="2400" dirty="0" err="1"/>
-              <a:t>async</a:t>
-            </a:r>
-            <a:r>
-              <a:rPr lang="en-US" sz="2400" dirty="0"/>
-              <a:t> IO monad) is worth the complexity trade off</a:t>
-            </a:r>
-          </a:p>
-          <a:p>
-            <a:pPr lvl="2"/>
-            <a:r>
-              <a:rPr lang="en-US" sz="2200" dirty="0"/>
-              <a:t>What makes code “easier to reason about” is an opinion</a:t>
-            </a:r>
-          </a:p>
-          <a:p>
-            <a:pPr lvl="2"/>
-            <a:r>
-              <a:rPr lang="en-US" sz="2200" dirty="0"/>
-              <a:t>Marking pure (or impure) functions in documentation or in naming convention is a design pattern I’m all for!</a:t>
+            <a:pPr marL="457200">
+              <a:buFont typeface="+mj-lt"/>
+              <a:buAutoNum type="arabicPeriod"/>
+            </a:pPr>
+            <a:r>
+              <a:rPr lang="en-US" dirty="0"/>
+              <a:t>Write readable code</a:t>
+            </a:r>
+          </a:p>
+          <a:p>
+            <a:pPr marL="857250" lvl="1" indent="-342900"/>
+            <a:r>
+              <a:rPr lang="en-US" dirty="0"/>
+              <a:t>Humans matter more (write once, read many)</a:t>
+            </a:r>
+          </a:p>
+          <a:p>
+            <a:pPr marL="857250" lvl="1" indent="-342900"/>
+            <a:r>
+              <a:rPr lang="en-US" dirty="0"/>
+              <a:t>Write code team can read today, push to expand that (code reviews, brown bags, tech talks, </a:t>
+            </a:r>
+            <a:r>
+              <a:rPr lang="en-US" dirty="0" err="1"/>
+              <a:t>etc</a:t>
+            </a:r>
+            <a:r>
+              <a:rPr lang="en-US" dirty="0"/>
+              <a:t>)</a:t>
+            </a:r>
+          </a:p>
+          <a:p>
+            <a:pPr marL="457200">
+              <a:buFont typeface="+mj-lt"/>
+              <a:buAutoNum type="arabicPeriod"/>
+            </a:pPr>
+            <a:r>
+              <a:rPr lang="en-US" dirty="0"/>
+              <a:t>Keep it simple</a:t>
+            </a:r>
+          </a:p>
+          <a:p>
+            <a:pPr marL="857250" lvl="1" indent="-342900"/>
+            <a:r>
+              <a:rPr lang="en-US" dirty="0"/>
+              <a:t>The domain &amp; its problems are hard enough</a:t>
+            </a:r>
+          </a:p>
+          <a:p>
+            <a:pPr marL="857250" lvl="1" indent="-342900"/>
+            <a:r>
+              <a:rPr lang="en-US" dirty="0"/>
+              <a:t>Love your future-self now, and you’ll always love your past-self</a:t>
+            </a:r>
+          </a:p>
+          <a:p>
+            <a:pPr marL="857250" lvl="1" indent="-342900"/>
+            <a:r>
+              <a:rPr lang="en-US" dirty="0"/>
+              <a:t>Always understand the cost/benefit of introducing a new non-standard library concept</a:t>
+            </a:r>
+          </a:p>
+          <a:p>
+            <a:pPr marL="457200">
+              <a:buFont typeface="+mj-lt"/>
+              <a:buAutoNum type="arabicPeriod"/>
+            </a:pPr>
+            <a:r>
+              <a:rPr lang="en-US" dirty="0"/>
+              <a:t>Be connected to the needs of users</a:t>
+            </a:r>
+          </a:p>
+          <a:p>
+            <a:pPr marL="914400" lvl="1" indent="-342900"/>
+            <a:r>
+              <a:rPr lang="en-US" dirty="0"/>
+              <a:t>Coding is the art of trading time for features &amp; fixes</a:t>
+            </a:r>
+          </a:p>
+          <a:p>
+            <a:pPr marL="914400" lvl="1" indent="-342900"/>
+            <a:r>
+              <a:rPr lang="en-US" dirty="0"/>
+              <a:t>When shortcuts &amp; comprises are needed (they always are), knowing users’ needs allows for better choices</a:t>
+            </a:r>
+          </a:p>
+          <a:p>
+            <a:pPr marL="457200">
+              <a:buFont typeface="+mj-lt"/>
+              <a:buAutoNum type="arabicPeriod"/>
+            </a:pPr>
+            <a:r>
+              <a:rPr lang="en-US" dirty="0"/>
+              <a:t>Incrementally, deliver the right value, at the right time</a:t>
+            </a:r>
+          </a:p>
+          <a:p>
+            <a:pPr marL="857250" lvl="1" indent="-342900"/>
+            <a:r>
+              <a:rPr lang="en-US" dirty="0"/>
+              <a:t>Talk about anything, but only work on what users/stakeholders care about right now</a:t>
+            </a:r>
+          </a:p>
+          <a:p>
+            <a:pPr marL="857250" lvl="1" indent="-342900"/>
+            <a:r>
+              <a:rPr lang="en-US" dirty="0"/>
+              <a:t>Avoid treating job as a technical playground</a:t>
+            </a:r>
+          </a:p>
+          <a:p>
+            <a:pPr marL="457200">
+              <a:buFont typeface="+mj-lt"/>
+              <a:buAutoNum type="arabicPeriod"/>
+            </a:pPr>
+            <a:r>
+              <a:rPr lang="en-US" dirty="0"/>
+              <a:t>Success = 50% hard work, 50% perception of that hard work</a:t>
+            </a:r>
+          </a:p>
+          <a:p>
+            <a:pPr marL="914400" lvl="1" indent="-342900"/>
+            <a:r>
+              <a:rPr lang="en-US" dirty="0"/>
+              <a:t>Be an active participant in influencing that perception</a:t>
+            </a:r>
+          </a:p>
+          <a:p>
+            <a:pPr marL="914400" lvl="1" indent="-342900"/>
+            <a:r>
+              <a:rPr lang="en-US" dirty="0"/>
+              <a:t>Don’t work hard if no one is paying attention, instead first work hard on getting someone to pay attention</a:t>
             </a:r>
           </a:p>
         </p:txBody>
@@ -7027,7 +12829,7 @@
     </p:spTree>
     <p:extLst>
       <p:ext uri="{BB962C8B-B14F-4D97-AF65-F5344CB8AC3E}">
-        <p14:creationId xmlns:p14="http://schemas.microsoft.com/office/powerpoint/2010/main" val="2534554199"/>
+        <p14:creationId xmlns:p14="http://schemas.microsoft.com/office/powerpoint/2010/main" val="1271873722"/>
       </p:ext>
     </p:extLst>
   </p:cSld>
@@ -7059,7 +12861,7 @@
           <p:cNvPr id="2" name="Title 1">
             <a:extLst>
               <a:ext uri="{FF2B5EF4-FFF2-40B4-BE49-F238E27FC236}">
-                <a16:creationId xmlns:a16="http://schemas.microsoft.com/office/drawing/2014/main" id="{4703659F-7D21-DA4C-A058-F38109CD699A}"/>
+                <a16:creationId xmlns:a16="http://schemas.microsoft.com/office/drawing/2014/main" id="{0F9117D2-02FE-624A-9049-76F0F9549CEE}"/>
               </a:ext>
             </a:extLst>
           </p:cNvPr>
@@ -7077,7 +12879,7 @@
           <a:p>
             <a:r>
               <a:rPr lang="en-US" dirty="0"/>
-              <a:t>My Manifesto</a:t>
+              <a:t>Overview</a:t>
             </a:r>
           </a:p>
         </p:txBody>
@@ -7087,7 +12889,7 @@
           <p:cNvPr id="3" name="Content Placeholder 2">
             <a:extLst>
               <a:ext uri="{FF2B5EF4-FFF2-40B4-BE49-F238E27FC236}">
-                <a16:creationId xmlns:a16="http://schemas.microsoft.com/office/drawing/2014/main" id="{3CD4F575-E270-8B49-84B2-2F4FBF21233A}"/>
+                <a16:creationId xmlns:a16="http://schemas.microsoft.com/office/drawing/2014/main" id="{8EE82894-289A-BE4F-8787-3610A0A2F564}"/>
               </a:ext>
             </a:extLst>
           </p:cNvPr>
@@ -7101,150 +12903,91 @@
         <p:spPr/>
         <p:txBody>
           <a:bodyPr>
-            <a:normAutofit fontScale="55000" lnSpcReduction="20000"/>
+            <a:normAutofit fontScale="92500"/>
           </a:bodyPr>
           <a:lstStyle/>
           <a:p>
-            <a:pPr marL="457200">
-              <a:buFont typeface="+mj-lt"/>
-              <a:buAutoNum type="arabicPeriod"/>
-            </a:pPr>
             <a:r>
               <a:rPr lang="en-US" dirty="0"/>
-              <a:t>Write readable code</a:t>
-            </a:r>
-          </a:p>
-          <a:p>
-            <a:pPr marL="857250" lvl="1" indent="-342900"/>
+              <a:t>Why auto test?</a:t>
+            </a:r>
+          </a:p>
+          <a:p>
             <a:r>
               <a:rPr lang="en-US" dirty="0"/>
-              <a:t>Humans matter more (write once, read many)</a:t>
-            </a:r>
-          </a:p>
-          <a:p>
-            <a:pPr marL="857250" lvl="1" indent="-342900"/>
+              <a:t>Quick reviews:</a:t>
+            </a:r>
+          </a:p>
+          <a:p>
+            <a:pPr lvl="1"/>
+            <a:r>
+              <a:rPr lang="en-US" dirty="0" err="1"/>
+              <a:t>ScalaCheck</a:t>
+            </a:r>
+            <a:endParaRPr lang="en-US" dirty="0"/>
+          </a:p>
+          <a:p>
+            <a:pPr lvl="1"/>
             <a:r>
               <a:rPr lang="en-US" dirty="0"/>
-              <a:t>Write code team can read today, push to expand that (code reviews, brown bags, tech talks, </a:t>
+              <a:t>Discipline</a:t>
+            </a:r>
+          </a:p>
+          <a:p>
+            <a:pPr lvl="1"/>
+            <a:r>
+              <a:rPr lang="en-US" dirty="0"/>
+              <a:t>Users example </a:t>
             </a:r>
             <a:r>
               <a:rPr lang="en-US" dirty="0" err="1"/>
-              <a:t>etc</a:t>
+              <a:t>tagless</a:t>
             </a:r>
             <a:r>
               <a:rPr lang="en-US" dirty="0"/>
-              <a:t>)</a:t>
-            </a:r>
-          </a:p>
-          <a:p>
-            <a:pPr marL="457200">
-              <a:buFont typeface="+mj-lt"/>
-              <a:buAutoNum type="arabicPeriod"/>
-            </a:pPr>
+              <a:t> algebra/API from last presentation</a:t>
+            </a:r>
+          </a:p>
+          <a:p>
             <a:r>
               <a:rPr lang="en-US" dirty="0"/>
-              <a:t>Keep it simple</a:t>
-            </a:r>
-          </a:p>
-          <a:p>
-            <a:pPr marL="857250" lvl="1" indent="-342900"/>
+              <a:t>Overall auto-test architecture</a:t>
+            </a:r>
+          </a:p>
+          <a:p>
+            <a:pPr lvl="1"/>
             <a:r>
               <a:rPr lang="en-US" dirty="0"/>
-              <a:t>The domain &amp; its problems are hard enough</a:t>
-            </a:r>
-          </a:p>
-          <a:p>
-            <a:pPr marL="857250" lvl="1" indent="-342900"/>
+              <a:t>Writing generic laws</a:t>
+            </a:r>
+          </a:p>
+          <a:p>
             <a:r>
               <a:rPr lang="en-US" dirty="0"/>
-              <a:t>Love your future-self now, and you’ll always love your past-self</a:t>
-            </a:r>
-          </a:p>
-          <a:p>
-            <a:pPr marL="857250" lvl="1" indent="-342900"/>
+              <a:t>Modeling effects</a:t>
+            </a:r>
+          </a:p>
+          <a:p>
             <a:r>
               <a:rPr lang="en-US" dirty="0"/>
-              <a:t>Always understand the cost/benefit of introducing a new non-standard library concept</a:t>
-            </a:r>
-          </a:p>
-          <a:p>
-            <a:pPr marL="457200">
-              <a:buFont typeface="+mj-lt"/>
-              <a:buAutoNum type="arabicPeriod"/>
-            </a:pPr>
+              <a:t>Writing an auto test for a specific implementation and monad</a:t>
+            </a:r>
+          </a:p>
+          <a:p>
             <a:r>
               <a:rPr lang="en-US" dirty="0"/>
-              <a:t>Be connected to the needs of users</a:t>
-            </a:r>
-          </a:p>
-          <a:p>
-            <a:pPr marL="914400" lvl="1" indent="-342900"/>
-            <a:r>
-              <a:rPr lang="en-US" dirty="0"/>
-              <a:t>Coding is the art of trading time for features &amp; fixes</a:t>
-            </a:r>
-          </a:p>
-          <a:p>
-            <a:pPr marL="914400" lvl="1" indent="-342900"/>
-            <a:r>
-              <a:rPr lang="en-US" dirty="0"/>
-              <a:t>When shortcuts &amp; comprises are needed (they always are), knowing users’ needs allows for better choices</a:t>
-            </a:r>
-          </a:p>
-          <a:p>
-            <a:pPr marL="457200">
-              <a:buFont typeface="+mj-lt"/>
-              <a:buAutoNum type="arabicPeriod"/>
-            </a:pPr>
-            <a:r>
-              <a:rPr lang="en-US" dirty="0"/>
-              <a:t>Incrementally, deliver the right value, at the right time</a:t>
-            </a:r>
-          </a:p>
-          <a:p>
-            <a:pPr marL="857250" lvl="1" indent="-342900"/>
-            <a:r>
-              <a:rPr lang="en-US" dirty="0"/>
-              <a:t>Talk about anything, but only work on what users/stakeholders care about right now</a:t>
-            </a:r>
-          </a:p>
-          <a:p>
-            <a:pPr marL="857250" lvl="1" indent="-342900"/>
-            <a:r>
-              <a:rPr lang="en-US" dirty="0"/>
-              <a:t>Avoid treating job as a technical playground</a:t>
-            </a:r>
-          </a:p>
-          <a:p>
-            <a:pPr marL="457200">
-              <a:buFont typeface="+mj-lt"/>
-              <a:buAutoNum type="arabicPeriod"/>
-            </a:pPr>
-            <a:r>
-              <a:rPr lang="en-US" dirty="0"/>
-              <a:t>Success = 50% hard work, 50% perception of that hard work</a:t>
-            </a:r>
-          </a:p>
-          <a:p>
-            <a:pPr marL="914400" lvl="1" indent="-342900"/>
-            <a:r>
-              <a:rPr lang="en-US" dirty="0"/>
-              <a:t>Be an active participant in influencing that perception</a:t>
-            </a:r>
-          </a:p>
-          <a:p>
-            <a:pPr marL="914400" lvl="1" indent="-342900"/>
-            <a:r>
-              <a:rPr lang="en-US" dirty="0"/>
-              <a:t>Don’t work hard if no one is paying attention, instead first work hard on getting someone to pay attention</a:t>
-            </a:r>
+              <a:t>Questions</a:t>
+            </a:r>
+          </a:p>
+          <a:p>
+            <a:endParaRPr lang="en-US" dirty="0"/>
           </a:p>
         </p:txBody>
       </p:sp>
     </p:spTree>
     <p:extLst>
       <p:ext uri="{BB962C8B-B14F-4D97-AF65-F5344CB8AC3E}">
-        <p14:creationId xmlns:p14="http://schemas.microsoft.com/office/powerpoint/2010/main" val="1271873722"/>
+        <p14:creationId xmlns:p14="http://schemas.microsoft.com/office/powerpoint/2010/main" val="138967366"/>
       </p:ext>
     </p:extLst>
   </p:cSld>
@@ -7276,7 +13019,7 @@
           <p:cNvPr id="2" name="Title 1">
             <a:extLst>
               <a:ext uri="{FF2B5EF4-FFF2-40B4-BE49-F238E27FC236}">
-                <a16:creationId xmlns:a16="http://schemas.microsoft.com/office/drawing/2014/main" id="{0F9117D2-02FE-624A-9049-76F0F9549CEE}"/>
+                <a16:creationId xmlns:a16="http://schemas.microsoft.com/office/drawing/2014/main" id="{249BB390-5AC9-C143-AB84-CAE4A51FD5E5}"/>
               </a:ext>
             </a:extLst>
           </p:cNvPr>
@@ -7294,7 +13037,7 @@
           <a:p>
             <a:r>
               <a:rPr lang="en-US" dirty="0"/>
-              <a:t>Overview</a:t>
+              <a:t>Why auto-test?</a:t>
             </a:r>
           </a:p>
         </p:txBody>
@@ -7304,7 +13047,7 @@
           <p:cNvPr id="3" name="Content Placeholder 2">
             <a:extLst>
               <a:ext uri="{FF2B5EF4-FFF2-40B4-BE49-F238E27FC236}">
-                <a16:creationId xmlns:a16="http://schemas.microsoft.com/office/drawing/2014/main" id="{8EE82894-289A-BE4F-8787-3610A0A2F564}"/>
+                <a16:creationId xmlns:a16="http://schemas.microsoft.com/office/drawing/2014/main" id="{A428EFFE-ECBF-104F-A4A5-B43076FBB18A}"/>
               </a:ext>
             </a:extLst>
           </p:cNvPr>
@@ -7317,23 +13060,85 @@
         </p:nvSpPr>
         <p:spPr/>
         <p:txBody>
-          <a:bodyPr/>
+          <a:bodyPr>
+            <a:normAutofit fontScale="92500" lnSpcReduction="10000"/>
+          </a:bodyPr>
           <a:lstStyle/>
           <a:p>
             <a:r>
               <a:rPr lang="en-US" dirty="0"/>
-              <a:t>Questions</a:t>
-            </a:r>
-          </a:p>
-          <a:p>
-            <a:endParaRPr lang="en-US" dirty="0"/>
+              <a:t>Writing explicit tests is time consuming and error prone</a:t>
+            </a:r>
+          </a:p>
+          <a:p>
+            <a:r>
+              <a:rPr lang="en-US" dirty="0"/>
+              <a:t>Tests can be written generically and tested using Id but</a:t>
+            </a:r>
+          </a:p>
+          <a:p>
+            <a:pPr lvl="1"/>
+            <a:r>
+              <a:rPr lang="en-US" dirty="0"/>
+              <a:t>What if we want to run tests using a concrete monad or concrete back-end (i.e. integration tests)</a:t>
+            </a:r>
+          </a:p>
+          <a:p>
+            <a:pPr lvl="1"/>
+            <a:r>
+              <a:rPr lang="en-US" dirty="0"/>
+              <a:t>Ideally, we should be able to run the same tests on any implementation</a:t>
+            </a:r>
+          </a:p>
+          <a:p>
+            <a:r>
+              <a:rPr lang="en-US" dirty="0"/>
+              <a:t>Using a law based approach, we can:</a:t>
+            </a:r>
+          </a:p>
+          <a:p>
+            <a:pPr lvl="1"/>
+            <a:r>
+              <a:rPr lang="en-US" dirty="0"/>
+              <a:t>Write a ”law” as a function in terms of our </a:t>
+            </a:r>
+            <a:r>
+              <a:rPr lang="en-US" dirty="0" err="1"/>
+              <a:t>tagless</a:t>
+            </a:r>
+            <a:r>
+              <a:rPr lang="en-US" dirty="0"/>
+              <a:t> algebra/API (and effects)</a:t>
+            </a:r>
+          </a:p>
+          <a:p>
+            <a:pPr lvl="1"/>
+            <a:r>
+              <a:rPr lang="en-US" dirty="0"/>
+              <a:t>Use </a:t>
+            </a:r>
+            <a:r>
+              <a:rPr lang="en-US" dirty="0" err="1"/>
+              <a:t>ScalaCheck</a:t>
+            </a:r>
+            <a:r>
+              <a:rPr lang="en-US" dirty="0"/>
+              <a:t> to inject parameters into our law</a:t>
+            </a:r>
+          </a:p>
+          <a:p>
+            <a:pPr lvl="1"/>
+            <a:r>
+              <a:rPr lang="en-US" dirty="0"/>
+              <a:t>Verify all of our laws hold for any combination of implementation and monad</a:t>
+            </a:r>
           </a:p>
         </p:txBody>
       </p:sp>
     </p:spTree>
     <p:extLst>
       <p:ext uri="{BB962C8B-B14F-4D97-AF65-F5344CB8AC3E}">
-        <p14:creationId xmlns:p14="http://schemas.microsoft.com/office/powerpoint/2010/main" val="138967366"/>
+        <p14:creationId xmlns:p14="http://schemas.microsoft.com/office/powerpoint/2010/main" val="601268719"/>
       </p:ext>
     </p:extLst>
   </p:cSld>
@@ -7382,9 +13187,10 @@
           <a:lstStyle/>
           <a:p>
             <a:r>
-              <a:rPr lang="en-US" dirty="0"/>
-              <a:t>Title</a:t>
-            </a:r>
+              <a:rPr lang="en-US" dirty="0" err="1"/>
+              <a:t>ScalaCheck</a:t>
+            </a:r>
+            <a:endParaRPr lang="en-US" dirty="0"/>
           </a:p>
         </p:txBody>
       </p:sp>
@@ -7406,156 +13212,69 @@
         </p:nvSpPr>
         <p:spPr/>
         <p:txBody>
-          <a:bodyPr/>
+          <a:bodyPr>
+            <a:normAutofit/>
+          </a:bodyPr>
           <a:lstStyle/>
           <a:p>
             <a:r>
               <a:rPr lang="en-US" dirty="0"/>
-              <a:t>Test</a:t>
-            </a:r>
-          </a:p>
-          <a:p>
-            <a:pPr marL="0" indent="0">
-              <a:buNone/>
-            </a:pPr>
+              <a:t>Write </a:t>
+            </a:r>
+            <a:r>
+              <a:rPr lang="en-US" dirty="0" err="1"/>
+              <a:t>ScalaCheck</a:t>
+            </a:r>
+            <a:r>
+              <a:rPr lang="en-US" dirty="0"/>
+              <a:t> properties (Prop)</a:t>
+            </a:r>
+          </a:p>
+          <a:p>
+            <a:r>
+              <a:rPr lang="en-US" dirty="0"/>
+              <a:t>Properties are functions that can accept zero or more typed parameters</a:t>
+            </a:r>
+          </a:p>
+          <a:p>
+            <a:r>
+              <a:rPr lang="en-US" dirty="0" err="1"/>
+              <a:t>ScalaCheck</a:t>
+            </a:r>
+            <a:r>
+              <a:rPr lang="en-US" dirty="0"/>
+              <a:t> generates a few random valid values to plug into property functions based on the Arbitrary type-class</a:t>
+            </a:r>
+          </a:p>
+          <a:p>
+            <a:r>
+              <a:rPr lang="en-US" dirty="0" err="1"/>
+              <a:t>ScalaCheck</a:t>
+            </a:r>
+            <a:r>
+              <a:rPr lang="en-US" dirty="0"/>
+              <a:t> also ensures boundary conditions are tested (e.g. -1,0,1,Int.MaxValue, empty string, </a:t>
+            </a:r>
+            <a:r>
+              <a:rPr lang="en-US" dirty="0" err="1"/>
+              <a:t>etc</a:t>
+            </a:r>
+            <a:r>
+              <a:rPr lang="en-US" dirty="0"/>
+              <a:t>)</a:t>
+            </a:r>
+          </a:p>
+          <a:p>
             <a:endParaRPr lang="en-US" dirty="0"/>
           </a:p>
         </p:txBody>
       </p:sp>
       <p:sp>
         <p:nvSpPr>
-          <p:cNvPr id="7" name="TextBox 6">
+          <p:cNvPr id="4" name="Rectangle 3">
             <a:extLst>
               <a:ext uri="{FF2B5EF4-FFF2-40B4-BE49-F238E27FC236}">
-                <a16:creationId xmlns:a16="http://schemas.microsoft.com/office/drawing/2014/main" id="{DC7EEDE6-9EFE-8D44-85F7-46619BF7B609}"/>
-              </a:ext>
-            </a:extLst>
-          </p:cNvPr>
-          <p:cNvSpPr txBox="1"/>
-          <p:nvPr/>
-        </p:nvSpPr>
-        <p:spPr>
-          <a:xfrm>
-            <a:off x="2346883" y="3367974"/>
-            <a:ext cx="6927119" cy="400110"/>
-          </a:xfrm>
-          <a:prstGeom prst="rect">
-            <a:avLst/>
-          </a:prstGeom>
-          <a:solidFill>
-            <a:schemeClr val="bg1"/>
-          </a:solidFill>
-          <a:ln w="25400">
-            <a:solidFill>
-              <a:schemeClr val="tx1"/>
-            </a:solidFill>
-          </a:ln>
-          <a:effectLst>
-            <a:softEdge rad="31750"/>
-          </a:effectLst>
-        </p:spPr>
-        <p:txBody>
-          <a:bodyPr wrap="square" rtlCol="0">
-            <a:spAutoFit/>
-          </a:bodyPr>
-          <a:lstStyle/>
-          <a:p>
-            <a:r>
-              <a:rPr lang="en-US" sz="2000" b="1" dirty="0">
-                <a:latin typeface="Helvetica" pitchFamily="2" charset="0"/>
-                <a:ea typeface="Gungsuh" panose="02030600000101010101" pitchFamily="18" charset="-127"/>
-              </a:rPr>
-              <a:t>Code</a:t>
-            </a:r>
-            <a:endParaRPr lang="en-US" sz="2000" dirty="0">
-              <a:latin typeface="Helvetica" pitchFamily="2" charset="0"/>
-              <a:ea typeface="Gungsuh" panose="02030600000101010101" pitchFamily="18" charset="-127"/>
-              <a:cs typeface="Consolas" panose="020B0609020204030204" pitchFamily="49" charset="0"/>
-            </a:endParaRPr>
-          </a:p>
-        </p:txBody>
-      </p:sp>
-      <p:sp>
-        <p:nvSpPr>
-          <p:cNvPr id="8" name="TextBox 7">
-            <a:extLst>
-              <a:ext uri="{FF2B5EF4-FFF2-40B4-BE49-F238E27FC236}">
-                <a16:creationId xmlns:a16="http://schemas.microsoft.com/office/drawing/2014/main" id="{F184318E-BCBC-D245-B43A-6FAE727A2F90}"/>
-              </a:ext>
-            </a:extLst>
-          </p:cNvPr>
-          <p:cNvSpPr txBox="1"/>
-          <p:nvPr/>
-        </p:nvSpPr>
-        <p:spPr>
-          <a:xfrm>
-            <a:off x="1879288" y="3367973"/>
-            <a:ext cx="467595" cy="1323439"/>
-          </a:xfrm>
-          <a:prstGeom prst="rect">
-            <a:avLst/>
-          </a:prstGeom>
-          <a:solidFill>
-            <a:schemeClr val="bg1"/>
-          </a:solidFill>
-          <a:ln w="25400">
-            <a:solidFill>
-              <a:schemeClr val="tx1"/>
-            </a:solidFill>
-          </a:ln>
-          <a:effectLst>
-            <a:softEdge rad="31750"/>
-          </a:effectLst>
-        </p:spPr>
-        <p:txBody>
-          <a:bodyPr wrap="square" rtlCol="0">
-            <a:spAutoFit/>
-          </a:bodyPr>
-          <a:lstStyle/>
-          <a:p>
-            <a:r>
-              <a:rPr lang="en-US" sz="2000" dirty="0">
-                <a:latin typeface="Helvetica" pitchFamily="2" charset="0"/>
-                <a:cs typeface="Consolas" panose="020B0609020204030204" pitchFamily="49" charset="0"/>
-              </a:rPr>
-              <a:t>01</a:t>
-            </a:r>
-          </a:p>
-          <a:p>
-            <a:r>
-              <a:rPr lang="en-US" sz="2000" dirty="0">
-                <a:latin typeface="Helvetica" pitchFamily="2" charset="0"/>
-                <a:cs typeface="Consolas" panose="020B0609020204030204" pitchFamily="49" charset="0"/>
-              </a:rPr>
-              <a:t>02</a:t>
-            </a:r>
-          </a:p>
-          <a:p>
-            <a:r>
-              <a:rPr lang="en-US" sz="2000" dirty="0">
-                <a:latin typeface="Helvetica" pitchFamily="2" charset="0"/>
-                <a:cs typeface="Consolas" panose="020B0609020204030204" pitchFamily="49" charset="0"/>
-              </a:rPr>
-              <a:t>03</a:t>
-            </a:r>
-          </a:p>
-          <a:p>
-            <a:r>
-              <a:rPr lang="en-US" sz="2000" dirty="0">
-                <a:latin typeface="Helvetica" pitchFamily="2" charset="0"/>
-                <a:cs typeface="Consolas" panose="020B0609020204030204" pitchFamily="49" charset="0"/>
-              </a:rPr>
-              <a:t>04</a:t>
-            </a:r>
-          </a:p>
-        </p:txBody>
-      </p:sp>
-      <p:sp>
-        <p:nvSpPr>
-          <p:cNvPr id="9" name="Rectangle 8">
-            <a:extLst>
-              <a:ext uri="{FF2B5EF4-FFF2-40B4-BE49-F238E27FC236}">
-                <a16:creationId xmlns:a16="http://schemas.microsoft.com/office/drawing/2014/main" id="{4207D277-04BE-AD41-A196-E52E66D90085}"/>
+                <a16:creationId xmlns:a16="http://schemas.microsoft.com/office/drawing/2014/main" id="{39C857A7-1D26-0842-9A17-B17CBB7D0C38}"/>
               </a:ext>
             </a:extLst>
           </p:cNvPr>
@@ -7564,8 +13283,8 @@
         </p:nvSpPr>
         <p:spPr>
           <a:xfrm>
-            <a:off x="102731" y="6412087"/>
-            <a:ext cx="2632452" cy="276999"/>
+            <a:off x="114875" y="6384141"/>
+            <a:ext cx="2504404" cy="307777"/>
           </a:xfrm>
           <a:prstGeom prst="rect">
             <a:avLst/>
@@ -7578,24 +13297,16 @@
           <a:lstStyle/>
           <a:p>
             <a:r>
-              <a:rPr lang="en-US" sz="1200" dirty="0"/>
+              <a:rPr lang="en-US" sz="1400" dirty="0"/>
               <a:t>http://</a:t>
             </a:r>
             <a:r>
-              <a:rPr lang="en-US" sz="1200" dirty="0" err="1"/>
-              <a:t>okmij.org</a:t>
-            </a:r>
-            <a:r>
-              <a:rPr lang="en-US" sz="1200" dirty="0"/>
-              <a:t>/ftp/</a:t>
-            </a:r>
-            <a:r>
-              <a:rPr lang="en-US" sz="1200" dirty="0" err="1"/>
-              <a:t>tagless</a:t>
-            </a:r>
-            <a:r>
-              <a:rPr lang="en-US" sz="1200" dirty="0"/>
-              <a:t>-final/</a:t>
+              <a:rPr lang="en-US" sz="1400" dirty="0" err="1"/>
+              <a:t>www.scalacheck.org</a:t>
+            </a:r>
+            <a:r>
+              <a:rPr lang="en-US" sz="1400" dirty="0"/>
+              <a:t>/</a:t>
             </a:r>
           </a:p>
         </p:txBody>
@@ -7603,7 +13314,7 @@
     </p:spTree>
     <p:extLst>
       <p:ext uri="{BB962C8B-B14F-4D97-AF65-F5344CB8AC3E}">
-        <p14:creationId xmlns:p14="http://schemas.microsoft.com/office/powerpoint/2010/main" val="891609272"/>
+        <p14:creationId xmlns:p14="http://schemas.microsoft.com/office/powerpoint/2010/main" val="1108997945"/>
       </p:ext>
     </p:extLst>
   </p:cSld>
@@ -7632,10 +13343,10 @@
       </p:grpSpPr>
       <p:sp>
         <p:nvSpPr>
-          <p:cNvPr id="4" name="Title 3">
+          <p:cNvPr id="2" name="Title 1">
             <a:extLst>
               <a:ext uri="{FF2B5EF4-FFF2-40B4-BE49-F238E27FC236}">
-                <a16:creationId xmlns:a16="http://schemas.microsoft.com/office/drawing/2014/main" id="{1836FFD0-F1E2-A74C-96A2-99AA68F585EB}"/>
+                <a16:creationId xmlns:a16="http://schemas.microsoft.com/office/drawing/2014/main" id="{249BB390-5AC9-C143-AB84-CAE4A51FD5E5}"/>
               </a:ext>
             </a:extLst>
           </p:cNvPr>
@@ -7646,78 +13357,642 @@
             <p:ph type="title"/>
           </p:nvPr>
         </p:nvSpPr>
-        <p:spPr>
-          <a:xfrm>
-            <a:off x="677335" y="2810108"/>
-            <a:ext cx="8596668" cy="903302"/>
-          </a:xfrm>
-        </p:spPr>
-        <p:txBody>
-          <a:bodyPr>
-            <a:noAutofit/>
-          </a:bodyPr>
-          <a:lstStyle/>
-          <a:p>
-            <a:pPr algn="ctr"/>
-            <a:r>
-              <a:rPr lang="en-US" sz="5200" dirty="0"/>
-              <a:t>Questions?</a:t>
-            </a:r>
-          </a:p>
-        </p:txBody>
-      </p:sp>
-      <p:sp>
-        <p:nvSpPr>
-          <p:cNvPr id="5" name="Text Placeholder 4">
+        <p:spPr/>
+        <p:txBody>
+          <a:bodyPr/>
+          <a:lstStyle/>
+          <a:p>
+            <a:r>
+              <a:rPr lang="en-US" dirty="0" err="1"/>
+              <a:t>ScalaCheck</a:t>
+            </a:r>
+            <a:endParaRPr lang="en-US" dirty="0"/>
+          </a:p>
+        </p:txBody>
+      </p:sp>
+      <p:sp>
+        <p:nvSpPr>
+          <p:cNvPr id="6" name="TextBox 5">
             <a:extLst>
               <a:ext uri="{FF2B5EF4-FFF2-40B4-BE49-F238E27FC236}">
-                <a16:creationId xmlns:a16="http://schemas.microsoft.com/office/drawing/2014/main" id="{6C4EF758-2F38-8B42-A2D1-1B1DB788BC3B}"/>
+                <a16:creationId xmlns:a16="http://schemas.microsoft.com/office/drawing/2014/main" id="{B08D4C5A-AA31-F14D-8BF0-6D78FFD6E9BB}"/>
               </a:ext>
             </a:extLst>
           </p:cNvPr>
-          <p:cNvSpPr>
-            <a:spLocks noGrp="1"/>
-          </p:cNvSpPr>
-          <p:nvPr>
-            <p:ph type="body" idx="1"/>
-          </p:nvPr>
-        </p:nvSpPr>
-        <p:spPr/>
-        <p:txBody>
-          <a:bodyPr/>
-          <a:lstStyle/>
-          <a:p>
-            <a:r>
-              <a:rPr lang="en-US" dirty="0" err="1"/>
-              <a:t>lance.gatlin@gmail.com</a:t>
-            </a:r>
-            <a:endParaRPr lang="en-US" dirty="0"/>
-          </a:p>
-          <a:p>
-            <a:r>
-              <a:rPr lang="en-US" dirty="0"/>
-              <a:t>https://</a:t>
-            </a:r>
-            <a:r>
-              <a:rPr lang="en-US" dirty="0" err="1"/>
-              <a:t>github.com</a:t>
-            </a:r>
-            <a:r>
-              <a:rPr lang="en-US" dirty="0"/>
+          <p:cNvSpPr txBox="1"/>
+          <p:nvPr/>
+        </p:nvSpPr>
+        <p:spPr>
+          <a:xfrm>
+            <a:off x="1144929" y="1340975"/>
+            <a:ext cx="8263476" cy="5016758"/>
+          </a:xfrm>
+          <a:prstGeom prst="rect">
+            <a:avLst/>
+          </a:prstGeom>
+          <a:solidFill>
+            <a:schemeClr val="bg1"/>
+          </a:solidFill>
+          <a:ln w="25400">
+            <a:solidFill>
+              <a:schemeClr val="tx1"/>
+            </a:solidFill>
+          </a:ln>
+          <a:effectLst>
+            <a:softEdge rad="31750"/>
+          </a:effectLst>
+        </p:spPr>
+        <p:txBody>
+          <a:bodyPr wrap="square" rtlCol="0">
+            <a:spAutoFit/>
+          </a:bodyPr>
+          <a:lstStyle/>
+          <a:p>
+            <a:r>
+              <a:rPr lang="en-US" sz="2000" dirty="0">
+                <a:latin typeface="Helvetica" pitchFamily="2" charset="0"/>
+                <a:ea typeface="Gungsuh" panose="02030600000101010101" pitchFamily="18" charset="-127"/>
+              </a:rPr>
+              <a:t>import </a:t>
+            </a:r>
+            <a:r>
+              <a:rPr lang="en-US" sz="2000" dirty="0" err="1">
+                <a:latin typeface="Helvetica" pitchFamily="2" charset="0"/>
+                <a:ea typeface="Gungsuh" panose="02030600000101010101" pitchFamily="18" charset="-127"/>
+              </a:rPr>
+              <a:t>org.scalacheck.Properties</a:t>
+            </a:r>
+            <a:endParaRPr lang="en-US" sz="2000" dirty="0">
+              <a:latin typeface="Helvetica" pitchFamily="2" charset="0"/>
+              <a:ea typeface="Gungsuh" panose="02030600000101010101" pitchFamily="18" charset="-127"/>
+            </a:endParaRPr>
+          </a:p>
+          <a:p>
+            <a:r>
+              <a:rPr lang="en-US" sz="2000" dirty="0">
+                <a:latin typeface="Helvetica" pitchFamily="2" charset="0"/>
+                <a:ea typeface="Gungsuh" panose="02030600000101010101" pitchFamily="18" charset="-127"/>
+              </a:rPr>
+              <a:t>import </a:t>
+            </a:r>
+            <a:r>
+              <a:rPr lang="en-US" sz="2000" dirty="0" err="1">
+                <a:latin typeface="Helvetica" pitchFamily="2" charset="0"/>
+                <a:ea typeface="Gungsuh" panose="02030600000101010101" pitchFamily="18" charset="-127"/>
+              </a:rPr>
+              <a:t>org.scalacheck.Prop.forAll</a:t>
+            </a:r>
+            <a:endParaRPr lang="en-US" sz="2000" dirty="0">
+              <a:latin typeface="Helvetica" pitchFamily="2" charset="0"/>
+              <a:ea typeface="Gungsuh" panose="02030600000101010101" pitchFamily="18" charset="-127"/>
+            </a:endParaRPr>
+          </a:p>
+          <a:p>
+            <a:endParaRPr lang="en-US" sz="2000" dirty="0">
+              <a:latin typeface="Helvetica" pitchFamily="2" charset="0"/>
+              <a:ea typeface="Gungsuh" panose="02030600000101010101" pitchFamily="18" charset="-127"/>
+            </a:endParaRPr>
+          </a:p>
+          <a:p>
+            <a:r>
+              <a:rPr lang="en-US" sz="2000" dirty="0">
+                <a:latin typeface="Helvetica" pitchFamily="2" charset="0"/>
+                <a:ea typeface="Gungsuh" panose="02030600000101010101" pitchFamily="18" charset="-127"/>
+              </a:rPr>
+              <a:t>object </a:t>
+            </a:r>
+            <a:r>
+              <a:rPr lang="en-US" sz="2000" dirty="0" err="1">
+                <a:latin typeface="Helvetica" pitchFamily="2" charset="0"/>
+                <a:ea typeface="Gungsuh" panose="02030600000101010101" pitchFamily="18" charset="-127"/>
+              </a:rPr>
+              <a:t>StringSpecification</a:t>
+            </a:r>
+            <a:r>
+              <a:rPr lang="en-US" sz="2000" dirty="0">
+                <a:latin typeface="Helvetica" pitchFamily="2" charset="0"/>
+                <a:ea typeface="Gungsuh" panose="02030600000101010101" pitchFamily="18" charset="-127"/>
+              </a:rPr>
+              <a:t> extends Properties("String") {</a:t>
+            </a:r>
+          </a:p>
+          <a:p>
+            <a:r>
+              <a:rPr lang="en-US" sz="2000" dirty="0">
+                <a:latin typeface="Helvetica" pitchFamily="2" charset="0"/>
+                <a:ea typeface="Gungsuh" panose="02030600000101010101" pitchFamily="18" charset="-127"/>
+              </a:rPr>
+              <a:t>  property("</a:t>
+            </a:r>
+            <a:r>
+              <a:rPr lang="en-US" sz="2000" dirty="0" err="1">
+                <a:latin typeface="Helvetica" pitchFamily="2" charset="0"/>
+                <a:ea typeface="Gungsuh" panose="02030600000101010101" pitchFamily="18" charset="-127"/>
+              </a:rPr>
+              <a:t>startsWith</a:t>
+            </a:r>
+            <a:r>
+              <a:rPr lang="en-US" sz="2000" dirty="0">
+                <a:latin typeface="Helvetica" pitchFamily="2" charset="0"/>
+                <a:ea typeface="Gungsuh" panose="02030600000101010101" pitchFamily="18" charset="-127"/>
+              </a:rPr>
+              <a:t>") = </a:t>
+            </a:r>
+            <a:r>
+              <a:rPr lang="en-US" sz="2000" dirty="0" err="1">
+                <a:latin typeface="Helvetica" pitchFamily="2" charset="0"/>
+                <a:ea typeface="Gungsuh" panose="02030600000101010101" pitchFamily="18" charset="-127"/>
+              </a:rPr>
+              <a:t>forAll</a:t>
+            </a:r>
+            <a:r>
+              <a:rPr lang="en-US" sz="2000" dirty="0">
+                <a:latin typeface="Helvetica" pitchFamily="2" charset="0"/>
+                <a:ea typeface="Gungsuh" panose="02030600000101010101" pitchFamily="18" charset="-127"/>
+              </a:rPr>
+              <a:t> { (a: String, b: String) =&gt;</a:t>
+            </a:r>
+          </a:p>
+          <a:p>
+            <a:r>
+              <a:rPr lang="en-US" sz="2000" dirty="0">
+                <a:latin typeface="Helvetica" pitchFamily="2" charset="0"/>
+                <a:ea typeface="Gungsuh" panose="02030600000101010101" pitchFamily="18" charset="-127"/>
+              </a:rPr>
+              <a:t>    (</a:t>
+            </a:r>
+            <a:r>
+              <a:rPr lang="en-US" sz="2000" dirty="0" err="1">
+                <a:latin typeface="Helvetica" pitchFamily="2" charset="0"/>
+                <a:ea typeface="Gungsuh" panose="02030600000101010101" pitchFamily="18" charset="-127"/>
+              </a:rPr>
+              <a:t>a+b</a:t>
+            </a:r>
+            <a:r>
+              <a:rPr lang="en-US" sz="2000" dirty="0">
+                <a:latin typeface="Helvetica" pitchFamily="2" charset="0"/>
+                <a:ea typeface="Gungsuh" panose="02030600000101010101" pitchFamily="18" charset="-127"/>
+              </a:rPr>
+              <a:t>).</a:t>
+            </a:r>
+            <a:r>
+              <a:rPr lang="en-US" sz="2000" dirty="0" err="1">
+                <a:latin typeface="Helvetica" pitchFamily="2" charset="0"/>
+                <a:ea typeface="Gungsuh" panose="02030600000101010101" pitchFamily="18" charset="-127"/>
+              </a:rPr>
+              <a:t>startsWith</a:t>
+            </a:r>
+            <a:r>
+              <a:rPr lang="en-US" sz="2000" dirty="0">
+                <a:latin typeface="Helvetica" pitchFamily="2" charset="0"/>
+                <a:ea typeface="Gungsuh" panose="02030600000101010101" pitchFamily="18" charset="-127"/>
+              </a:rPr>
+              <a:t>(a)</a:t>
+            </a:r>
+          </a:p>
+          <a:p>
+            <a:r>
+              <a:rPr lang="en-US" sz="2000" dirty="0">
+                <a:latin typeface="Helvetica" pitchFamily="2" charset="0"/>
+                <a:ea typeface="Gungsuh" panose="02030600000101010101" pitchFamily="18" charset="-127"/>
+              </a:rPr>
+              <a:t>  }</a:t>
+            </a:r>
+          </a:p>
+          <a:p>
+            <a:endParaRPr lang="en-US" sz="2000" dirty="0">
+              <a:latin typeface="Helvetica" pitchFamily="2" charset="0"/>
+              <a:ea typeface="Gungsuh" panose="02030600000101010101" pitchFamily="18" charset="-127"/>
+            </a:endParaRPr>
+          </a:p>
+          <a:p>
+            <a:r>
+              <a:rPr lang="en-US" sz="2000" dirty="0">
+                <a:latin typeface="Helvetica" pitchFamily="2" charset="0"/>
+                <a:ea typeface="Gungsuh" panose="02030600000101010101" pitchFamily="18" charset="-127"/>
+              </a:rPr>
+              <a:t>  property("concatenate") = </a:t>
+            </a:r>
+            <a:r>
+              <a:rPr lang="en-US" sz="2000" dirty="0" err="1">
+                <a:latin typeface="Helvetica" pitchFamily="2" charset="0"/>
+                <a:ea typeface="Gungsuh" panose="02030600000101010101" pitchFamily="18" charset="-127"/>
+              </a:rPr>
+              <a:t>forAll</a:t>
+            </a:r>
+            <a:r>
+              <a:rPr lang="en-US" sz="2000" dirty="0">
+                <a:latin typeface="Helvetica" pitchFamily="2" charset="0"/>
+                <a:ea typeface="Gungsuh" panose="02030600000101010101" pitchFamily="18" charset="-127"/>
+              </a:rPr>
+              <a:t> { (a: String, b: String) =&gt;</a:t>
+            </a:r>
+          </a:p>
+          <a:p>
+            <a:r>
+              <a:rPr lang="en-US" sz="2000" dirty="0">
+                <a:latin typeface="Helvetica" pitchFamily="2" charset="0"/>
+                <a:ea typeface="Gungsuh" panose="02030600000101010101" pitchFamily="18" charset="-127"/>
+              </a:rPr>
+              <a:t>    (</a:t>
+            </a:r>
+            <a:r>
+              <a:rPr lang="en-US" sz="2000" dirty="0" err="1">
+                <a:latin typeface="Helvetica" pitchFamily="2" charset="0"/>
+                <a:ea typeface="Gungsuh" panose="02030600000101010101" pitchFamily="18" charset="-127"/>
+              </a:rPr>
+              <a:t>a+b</a:t>
+            </a:r>
+            <a:r>
+              <a:rPr lang="en-US" sz="2000" dirty="0">
+                <a:latin typeface="Helvetica" pitchFamily="2" charset="0"/>
+                <a:ea typeface="Gungsuh" panose="02030600000101010101" pitchFamily="18" charset="-127"/>
+              </a:rPr>
+              <a:t>).length &gt; </a:t>
+            </a:r>
+            <a:r>
+              <a:rPr lang="en-US" sz="2000" dirty="0" err="1">
+                <a:latin typeface="Helvetica" pitchFamily="2" charset="0"/>
+                <a:ea typeface="Gungsuh" panose="02030600000101010101" pitchFamily="18" charset="-127"/>
+              </a:rPr>
+              <a:t>a.length</a:t>
+            </a:r>
+            <a:r>
+              <a:rPr lang="en-US" sz="2000" dirty="0">
+                <a:latin typeface="Helvetica" pitchFamily="2" charset="0"/>
+                <a:ea typeface="Gungsuh" panose="02030600000101010101" pitchFamily="18" charset="-127"/>
+              </a:rPr>
+              <a:t> &amp;&amp; (</a:t>
+            </a:r>
+            <a:r>
+              <a:rPr lang="en-US" sz="2000" dirty="0" err="1">
+                <a:latin typeface="Helvetica" pitchFamily="2" charset="0"/>
+                <a:ea typeface="Gungsuh" panose="02030600000101010101" pitchFamily="18" charset="-127"/>
+              </a:rPr>
+              <a:t>a+b</a:t>
+            </a:r>
+            <a:r>
+              <a:rPr lang="en-US" sz="2000" dirty="0">
+                <a:latin typeface="Helvetica" pitchFamily="2" charset="0"/>
+                <a:ea typeface="Gungsuh" panose="02030600000101010101" pitchFamily="18" charset="-127"/>
+              </a:rPr>
+              <a:t>).length &gt; </a:t>
+            </a:r>
+            <a:r>
+              <a:rPr lang="en-US" sz="2000" dirty="0" err="1">
+                <a:latin typeface="Helvetica" pitchFamily="2" charset="0"/>
+                <a:ea typeface="Gungsuh" panose="02030600000101010101" pitchFamily="18" charset="-127"/>
+              </a:rPr>
+              <a:t>b.length</a:t>
+            </a:r>
+            <a:endParaRPr lang="en-US" sz="2000" dirty="0">
+              <a:latin typeface="Helvetica" pitchFamily="2" charset="0"/>
+              <a:ea typeface="Gungsuh" panose="02030600000101010101" pitchFamily="18" charset="-127"/>
+            </a:endParaRPr>
+          </a:p>
+          <a:p>
+            <a:r>
+              <a:rPr lang="en-US" sz="2000" dirty="0">
+                <a:latin typeface="Helvetica" pitchFamily="2" charset="0"/>
+                <a:ea typeface="Gungsuh" panose="02030600000101010101" pitchFamily="18" charset="-127"/>
+              </a:rPr>
+              <a:t>  }</a:t>
+            </a:r>
+          </a:p>
+          <a:p>
+            <a:endParaRPr lang="en-US" sz="2000" dirty="0">
+              <a:latin typeface="Helvetica" pitchFamily="2" charset="0"/>
+              <a:ea typeface="Gungsuh" panose="02030600000101010101" pitchFamily="18" charset="-127"/>
+            </a:endParaRPr>
+          </a:p>
+          <a:p>
+            <a:r>
+              <a:rPr lang="en-US" sz="2000" dirty="0">
+                <a:latin typeface="Helvetica" pitchFamily="2" charset="0"/>
+                <a:ea typeface="Gungsuh" panose="02030600000101010101" pitchFamily="18" charset="-127"/>
+              </a:rPr>
+              <a:t>  property("substring") = </a:t>
+            </a:r>
+            <a:r>
+              <a:rPr lang="en-US" sz="2000" dirty="0" err="1">
+                <a:latin typeface="Helvetica" pitchFamily="2" charset="0"/>
+                <a:ea typeface="Gungsuh" panose="02030600000101010101" pitchFamily="18" charset="-127"/>
+              </a:rPr>
+              <a:t>forAll</a:t>
+            </a:r>
+            <a:r>
+              <a:rPr lang="en-US" sz="2000" dirty="0">
+                <a:latin typeface="Helvetica" pitchFamily="2" charset="0"/>
+                <a:ea typeface="Gungsuh" panose="02030600000101010101" pitchFamily="18" charset="-127"/>
+              </a:rPr>
+              <a:t> { (a: String, b: String, c: String) =&gt;</a:t>
+            </a:r>
+          </a:p>
+          <a:p>
+            <a:r>
+              <a:rPr lang="en-US" sz="2000" dirty="0">
+                <a:latin typeface="Helvetica" pitchFamily="2" charset="0"/>
+                <a:ea typeface="Gungsuh" panose="02030600000101010101" pitchFamily="18" charset="-127"/>
+              </a:rPr>
+              <a:t>    (</a:t>
+            </a:r>
+            <a:r>
+              <a:rPr lang="en-US" sz="2000" dirty="0" err="1">
+                <a:latin typeface="Helvetica" pitchFamily="2" charset="0"/>
+                <a:ea typeface="Gungsuh" panose="02030600000101010101" pitchFamily="18" charset="-127"/>
+              </a:rPr>
+              <a:t>a+b+c</a:t>
+            </a:r>
+            <a:r>
+              <a:rPr lang="en-US" sz="2000" dirty="0">
+                <a:latin typeface="Helvetica" pitchFamily="2" charset="0"/>
+                <a:ea typeface="Gungsuh" panose="02030600000101010101" pitchFamily="18" charset="-127"/>
+              </a:rPr>
+              <a:t>).substring(</a:t>
+            </a:r>
+            <a:r>
+              <a:rPr lang="en-US" sz="2000" dirty="0" err="1">
+                <a:latin typeface="Helvetica" pitchFamily="2" charset="0"/>
+                <a:ea typeface="Gungsuh" panose="02030600000101010101" pitchFamily="18" charset="-127"/>
+              </a:rPr>
+              <a:t>a.length</a:t>
+            </a:r>
+            <a:r>
+              <a:rPr lang="en-US" sz="2000" dirty="0">
+                <a:latin typeface="Helvetica" pitchFamily="2" charset="0"/>
+                <a:ea typeface="Gungsuh" panose="02030600000101010101" pitchFamily="18" charset="-127"/>
+              </a:rPr>
+              <a:t>, </a:t>
+            </a:r>
+            <a:r>
+              <a:rPr lang="en-US" sz="2000" dirty="0" err="1">
+                <a:latin typeface="Helvetica" pitchFamily="2" charset="0"/>
+                <a:ea typeface="Gungsuh" panose="02030600000101010101" pitchFamily="18" charset="-127"/>
+              </a:rPr>
+              <a:t>a.length+b.length</a:t>
+            </a:r>
+            <a:r>
+              <a:rPr lang="en-US" sz="2000" dirty="0">
+                <a:latin typeface="Helvetica" pitchFamily="2" charset="0"/>
+                <a:ea typeface="Gungsuh" panose="02030600000101010101" pitchFamily="18" charset="-127"/>
+              </a:rPr>
+              <a:t>) == b</a:t>
+            </a:r>
+          </a:p>
+          <a:p>
+            <a:r>
+              <a:rPr lang="en-US" sz="2000" dirty="0">
+                <a:latin typeface="Helvetica" pitchFamily="2" charset="0"/>
+                <a:ea typeface="Gungsuh" panose="02030600000101010101" pitchFamily="18" charset="-127"/>
+              </a:rPr>
+              <a:t>  }</a:t>
+            </a:r>
+          </a:p>
+          <a:p>
+            <a:r>
+              <a:rPr lang="en-US" sz="2000" dirty="0">
+                <a:latin typeface="Helvetica" pitchFamily="2" charset="0"/>
+                <a:ea typeface="Gungsuh" panose="02030600000101010101" pitchFamily="18" charset="-127"/>
+              </a:rPr>
+              <a:t>}</a:t>
+            </a:r>
+            <a:endParaRPr lang="en-US" sz="2000" dirty="0">
+              <a:latin typeface="Helvetica" pitchFamily="2" charset="0"/>
+              <a:ea typeface="Gungsuh" panose="02030600000101010101" pitchFamily="18" charset="-127"/>
+              <a:cs typeface="Consolas" panose="020B0609020204030204" pitchFamily="49" charset="0"/>
+            </a:endParaRPr>
+          </a:p>
+        </p:txBody>
+      </p:sp>
+      <p:sp>
+        <p:nvSpPr>
+          <p:cNvPr id="7" name="TextBox 6">
+            <a:extLst>
+              <a:ext uri="{FF2B5EF4-FFF2-40B4-BE49-F238E27FC236}">
+                <a16:creationId xmlns:a16="http://schemas.microsoft.com/office/drawing/2014/main" id="{DC167C0C-3363-5446-8350-6E15CD273C24}"/>
+              </a:ext>
+            </a:extLst>
+          </p:cNvPr>
+          <p:cNvSpPr txBox="1"/>
+          <p:nvPr/>
+        </p:nvSpPr>
+        <p:spPr>
+          <a:xfrm>
+            <a:off x="677334" y="1340974"/>
+            <a:ext cx="467595" cy="5016758"/>
+          </a:xfrm>
+          <a:prstGeom prst="rect">
+            <a:avLst/>
+          </a:prstGeom>
+          <a:solidFill>
+            <a:schemeClr val="bg1"/>
+          </a:solidFill>
+          <a:ln w="25400">
+            <a:solidFill>
+              <a:schemeClr val="tx1"/>
+            </a:solidFill>
+          </a:ln>
+          <a:effectLst>
+            <a:softEdge rad="31750"/>
+          </a:effectLst>
+        </p:spPr>
+        <p:txBody>
+          <a:bodyPr wrap="square" rtlCol="0">
+            <a:spAutoFit/>
+          </a:bodyPr>
+          <a:lstStyle/>
+          <a:p>
+            <a:r>
+              <a:rPr lang="en-US" sz="2000" dirty="0">
+                <a:latin typeface="Helvetica" pitchFamily="2" charset="0"/>
+                <a:cs typeface="Consolas" panose="020B0609020204030204" pitchFamily="49" charset="0"/>
+              </a:rPr>
+              <a:t>01</a:t>
+            </a:r>
+          </a:p>
+          <a:p>
+            <a:r>
+              <a:rPr lang="en-US" sz="2000" dirty="0">
+                <a:latin typeface="Helvetica" pitchFamily="2" charset="0"/>
+                <a:cs typeface="Consolas" panose="020B0609020204030204" pitchFamily="49" charset="0"/>
+              </a:rPr>
+              <a:t>02</a:t>
+            </a:r>
+          </a:p>
+          <a:p>
+            <a:r>
+              <a:rPr lang="en-US" sz="2000" dirty="0">
+                <a:latin typeface="Helvetica" pitchFamily="2" charset="0"/>
+                <a:cs typeface="Consolas" panose="020B0609020204030204" pitchFamily="49" charset="0"/>
+              </a:rPr>
+              <a:t>03</a:t>
+            </a:r>
+          </a:p>
+          <a:p>
+            <a:r>
+              <a:rPr lang="en-US" sz="2000" dirty="0">
+                <a:latin typeface="Helvetica" pitchFamily="2" charset="0"/>
+                <a:cs typeface="Consolas" panose="020B0609020204030204" pitchFamily="49" charset="0"/>
+              </a:rPr>
+              <a:t>04</a:t>
+            </a:r>
+          </a:p>
+          <a:p>
+            <a:r>
+              <a:rPr lang="en-US" sz="2000" dirty="0">
+                <a:latin typeface="Helvetica" pitchFamily="2" charset="0"/>
+                <a:cs typeface="Consolas" panose="020B0609020204030204" pitchFamily="49" charset="0"/>
+              </a:rPr>
+              <a:t>05</a:t>
+            </a:r>
+          </a:p>
+          <a:p>
+            <a:r>
+              <a:rPr lang="en-US" sz="2000" dirty="0">
+                <a:latin typeface="Helvetica" pitchFamily="2" charset="0"/>
+                <a:cs typeface="Consolas" panose="020B0609020204030204" pitchFamily="49" charset="0"/>
+              </a:rPr>
+              <a:t>06</a:t>
+            </a:r>
+          </a:p>
+          <a:p>
+            <a:r>
+              <a:rPr lang="en-US" sz="2000" dirty="0">
+                <a:latin typeface="Helvetica" pitchFamily="2" charset="0"/>
+                <a:cs typeface="Consolas" panose="020B0609020204030204" pitchFamily="49" charset="0"/>
+              </a:rPr>
+              <a:t>07</a:t>
+            </a:r>
+          </a:p>
+          <a:p>
+            <a:r>
+              <a:rPr lang="en-US" sz="2000" dirty="0">
+                <a:latin typeface="Helvetica" pitchFamily="2" charset="0"/>
+                <a:cs typeface="Consolas" panose="020B0609020204030204" pitchFamily="49" charset="0"/>
+              </a:rPr>
+              <a:t>08</a:t>
+            </a:r>
+          </a:p>
+          <a:p>
+            <a:r>
+              <a:rPr lang="en-US" sz="2000" dirty="0">
+                <a:latin typeface="Helvetica" pitchFamily="2" charset="0"/>
+                <a:cs typeface="Consolas" panose="020B0609020204030204" pitchFamily="49" charset="0"/>
+              </a:rPr>
+              <a:t>09</a:t>
+            </a:r>
+          </a:p>
+          <a:p>
+            <a:r>
+              <a:rPr lang="en-US" sz="2000" dirty="0">
+                <a:latin typeface="Helvetica" pitchFamily="2" charset="0"/>
+                <a:cs typeface="Consolas" panose="020B0609020204030204" pitchFamily="49" charset="0"/>
+              </a:rPr>
+              <a:t>10</a:t>
+            </a:r>
+          </a:p>
+          <a:p>
+            <a:r>
+              <a:rPr lang="en-US" sz="2000" dirty="0">
+                <a:latin typeface="Helvetica" pitchFamily="2" charset="0"/>
+                <a:cs typeface="Consolas" panose="020B0609020204030204" pitchFamily="49" charset="0"/>
+              </a:rPr>
+              <a:t>11</a:t>
+            </a:r>
+          </a:p>
+          <a:p>
+            <a:r>
+              <a:rPr lang="en-US" sz="2000" dirty="0">
+                <a:latin typeface="Helvetica" pitchFamily="2" charset="0"/>
+                <a:cs typeface="Consolas" panose="020B0609020204030204" pitchFamily="49" charset="0"/>
+              </a:rPr>
+              <a:t>12</a:t>
+            </a:r>
+          </a:p>
+          <a:p>
+            <a:r>
+              <a:rPr lang="en-US" sz="2000" dirty="0">
+                <a:latin typeface="Helvetica" pitchFamily="2" charset="0"/>
+                <a:cs typeface="Consolas" panose="020B0609020204030204" pitchFamily="49" charset="0"/>
+              </a:rPr>
+              <a:t>13</a:t>
+            </a:r>
+          </a:p>
+          <a:p>
+            <a:r>
+              <a:rPr lang="en-US" sz="2000" dirty="0">
+                <a:latin typeface="Helvetica" pitchFamily="2" charset="0"/>
+                <a:cs typeface="Consolas" panose="020B0609020204030204" pitchFamily="49" charset="0"/>
+              </a:rPr>
+              <a:t>14</a:t>
+            </a:r>
+          </a:p>
+          <a:p>
+            <a:r>
+              <a:rPr lang="en-US" sz="2000" dirty="0">
+                <a:latin typeface="Helvetica" pitchFamily="2" charset="0"/>
+                <a:cs typeface="Consolas" panose="020B0609020204030204" pitchFamily="49" charset="0"/>
+              </a:rPr>
+              <a:t>15</a:t>
+            </a:r>
+          </a:p>
+          <a:p>
+            <a:r>
+              <a:rPr lang="en-US" sz="2000" dirty="0">
+                <a:latin typeface="Helvetica" pitchFamily="2" charset="0"/>
+                <a:cs typeface="Consolas" panose="020B0609020204030204" pitchFamily="49" charset="0"/>
+              </a:rPr>
+              <a:t>16</a:t>
+            </a:r>
+          </a:p>
+        </p:txBody>
+      </p:sp>
+      <p:sp>
+        <p:nvSpPr>
+          <p:cNvPr id="8" name="Rectangle 7">
+            <a:extLst>
+              <a:ext uri="{FF2B5EF4-FFF2-40B4-BE49-F238E27FC236}">
+                <a16:creationId xmlns:a16="http://schemas.microsoft.com/office/drawing/2014/main" id="{E94AB6E7-EF5B-A242-88BE-47E980CDC710}"/>
+              </a:ext>
+            </a:extLst>
+          </p:cNvPr>
+          <p:cNvSpPr/>
+          <p:nvPr/>
+        </p:nvSpPr>
+        <p:spPr>
+          <a:xfrm>
+            <a:off x="114875" y="6384141"/>
+            <a:ext cx="2504404" cy="307777"/>
+          </a:xfrm>
+          <a:prstGeom prst="rect">
+            <a:avLst/>
+          </a:prstGeom>
+        </p:spPr>
+        <p:txBody>
+          <a:bodyPr wrap="none">
+            <a:spAutoFit/>
+          </a:bodyPr>
+          <a:lstStyle/>
+          <a:p>
+            <a:r>
+              <a:rPr lang="en-US" sz="1400" dirty="0"/>
+              <a:t>http://</a:t>
+            </a:r>
+            <a:r>
+              <a:rPr lang="en-US" sz="1400" dirty="0" err="1"/>
+              <a:t>www.scalacheck.org</a:t>
+            </a:r>
+            <a:r>
+              <a:rPr lang="en-US" sz="1400" dirty="0"/>
               <a:t>/</a:t>
             </a:r>
-            <a:r>
-              <a:rPr lang="en-US" dirty="0" err="1"/>
-              <a:t>lancegatlin</a:t>
-            </a:r>
-            <a:endParaRPr lang="en-US" dirty="0"/>
           </a:p>
         </p:txBody>
       </p:sp>
     </p:spTree>
     <p:extLst>
       <p:ext uri="{BB962C8B-B14F-4D97-AF65-F5344CB8AC3E}">
-        <p14:creationId xmlns:p14="http://schemas.microsoft.com/office/powerpoint/2010/main" val="2703850654"/>
+        <p14:creationId xmlns:p14="http://schemas.microsoft.com/office/powerpoint/2010/main" val="2896758919"/>
       </p:ext>
     </p:extLst>
   </p:cSld>
@@ -7749,7 +14024,7 @@
           <p:cNvPr id="2" name="Title 1">
             <a:extLst>
               <a:ext uri="{FF2B5EF4-FFF2-40B4-BE49-F238E27FC236}">
-                <a16:creationId xmlns:a16="http://schemas.microsoft.com/office/drawing/2014/main" id="{161C3B0B-8924-4443-B80F-948A660D6611}"/>
+                <a16:creationId xmlns:a16="http://schemas.microsoft.com/office/drawing/2014/main" id="{249BB390-5AC9-C143-AB84-CAE4A51FD5E5}"/>
               </a:ext>
             </a:extLst>
           </p:cNvPr>
@@ -7767,17 +14042,17 @@
           <a:p>
             <a:r>
               <a:rPr lang="en-US" dirty="0"/>
-              <a:t>References</a:t>
-            </a:r>
-          </a:p>
-        </p:txBody>
-      </p:sp>
-      <p:sp>
-        <p:nvSpPr>
-          <p:cNvPr id="3" name="Content Placeholder 2">
+              <a:t>Discipline</a:t>
+            </a:r>
+          </a:p>
+        </p:txBody>
+      </p:sp>
+      <p:sp>
+        <p:nvSpPr>
+          <p:cNvPr id="5" name="Content Placeholder 4">
             <a:extLst>
               <a:ext uri="{FF2B5EF4-FFF2-40B4-BE49-F238E27FC236}">
-                <a16:creationId xmlns:a16="http://schemas.microsoft.com/office/drawing/2014/main" id="{088BD791-A83A-6144-B60A-56C30926EFB6}"/>
+                <a16:creationId xmlns:a16="http://schemas.microsoft.com/office/drawing/2014/main" id="{D0054D16-DC8B-8643-A913-9EE22E1155F6}"/>
               </a:ext>
             </a:extLst>
           </p:cNvPr>
@@ -7790,48 +14065,122 @@
         </p:nvSpPr>
         <p:spPr/>
         <p:txBody>
-          <a:bodyPr>
-            <a:normAutofit/>
+          <a:bodyPr/>
+          <a:lstStyle/>
+          <a:p>
+            <a:r>
+              <a:rPr lang="en-US" dirty="0"/>
+              <a:t>Allows writing </a:t>
+            </a:r>
+            <a:r>
+              <a:rPr lang="en-US" dirty="0" err="1"/>
+              <a:t>RuleSets</a:t>
+            </a:r>
+            <a:r>
+              <a:rPr lang="en-US" dirty="0"/>
+              <a:t>:</a:t>
+            </a:r>
+          </a:p>
+          <a:p>
+            <a:pPr lvl="1"/>
+            <a:r>
+              <a:rPr lang="en-US" dirty="0"/>
+              <a:t>Consist of named “laws” (i.e. </a:t>
+            </a:r>
+            <a:r>
+              <a:rPr lang="en-US" dirty="0" err="1"/>
+              <a:t>ScalaCheck</a:t>
+            </a:r>
+            <a:r>
+              <a:rPr lang="en-US" dirty="0"/>
+              <a:t> Prop)</a:t>
+            </a:r>
+          </a:p>
+          <a:p>
+            <a:pPr lvl="1"/>
+            <a:r>
+              <a:rPr lang="en-US" dirty="0"/>
+              <a:t>Allows for re-using laws from other </a:t>
+            </a:r>
+            <a:r>
+              <a:rPr lang="en-US" dirty="0" err="1"/>
+              <a:t>RuleSets</a:t>
+            </a:r>
+            <a:r>
+              <a:rPr lang="en-US" dirty="0"/>
+              <a:t> (parents &amp; bases)</a:t>
+            </a:r>
+          </a:p>
+          <a:p>
+            <a:pPr lvl="2"/>
+            <a:r>
+              <a:rPr lang="en-US" dirty="0"/>
+              <a:t>Not utilized here</a:t>
+            </a:r>
+          </a:p>
+          <a:p>
+            <a:r>
+              <a:rPr lang="en-US" dirty="0" err="1"/>
+              <a:t>RuleSets</a:t>
+            </a:r>
+            <a:r>
+              <a:rPr lang="en-US" dirty="0"/>
+              <a:t> are then tested</a:t>
+            </a:r>
+          </a:p>
+        </p:txBody>
+      </p:sp>
+      <p:sp>
+        <p:nvSpPr>
+          <p:cNvPr id="3" name="Rectangle 2">
+            <a:extLst>
+              <a:ext uri="{FF2B5EF4-FFF2-40B4-BE49-F238E27FC236}">
+                <a16:creationId xmlns:a16="http://schemas.microsoft.com/office/drawing/2014/main" id="{591717F9-EE04-BF49-9CEC-E9BE34FCFD44}"/>
+              </a:ext>
+            </a:extLst>
+          </p:cNvPr>
+          <p:cNvSpPr/>
+          <p:nvPr/>
+        </p:nvSpPr>
+        <p:spPr>
+          <a:xfrm>
+            <a:off x="114875" y="6384141"/>
+            <a:ext cx="4682692" cy="307777"/>
+          </a:xfrm>
+          <a:prstGeom prst="rect">
+            <a:avLst/>
+          </a:prstGeom>
+        </p:spPr>
+        <p:txBody>
+          <a:bodyPr wrap="none">
+            <a:spAutoFit/>
           </a:bodyPr>
           <a:lstStyle/>
           <a:p>
             <a:r>
-              <a:rPr lang="en-US" sz="1200" dirty="0">
-                <a:hlinkClick r:id="rId2"/>
-              </a:rPr>
-              <a:t>https://medium.com/iterators/tagless-with-discipline-testing-scala-code-the-right-way-e74993a0d9b1</a:t>
-            </a:r>
-          </a:p>
-          <a:p>
-            <a:r>
-              <a:rPr lang="en-US" sz="1200" dirty="0">
-                <a:hlinkClick r:id="rId2"/>
-              </a:rPr>
-              <a:t>http://www.scalacheck.org/</a:t>
-            </a:r>
-            <a:endParaRPr lang="en-US" sz="1200" dirty="0"/>
-          </a:p>
-          <a:p>
-            <a:r>
-              <a:rPr lang="en-US" sz="1200" dirty="0">
-                <a:hlinkClick r:id="rId3"/>
-              </a:rPr>
-              <a:t>https://github.com/typelevel/discipline</a:t>
-            </a:r>
-            <a:endParaRPr lang="en-US" sz="1200" dirty="0"/>
-          </a:p>
-          <a:p>
-            <a:endParaRPr lang="en-US" sz="1200" dirty="0"/>
-          </a:p>
-          <a:p>
-            <a:endParaRPr lang="en-US" sz="1200" dirty="0"/>
+              <a:rPr lang="en-US" sz="1400" dirty="0"/>
+              <a:t>https://</a:t>
+            </a:r>
+            <a:r>
+              <a:rPr lang="en-US" sz="1400" dirty="0" err="1"/>
+              <a:t>typelevel.org</a:t>
+            </a:r>
+            <a:r>
+              <a:rPr lang="en-US" sz="1400" dirty="0"/>
+              <a:t>/blog/2013/11/17/</a:t>
+            </a:r>
+            <a:r>
+              <a:rPr lang="en-US" sz="1400" dirty="0" err="1"/>
+              <a:t>discipline.html</a:t>
+            </a:r>
+            <a:endParaRPr lang="en-US" sz="1400" dirty="0"/>
           </a:p>
         </p:txBody>
       </p:sp>
     </p:spTree>
     <p:extLst>
       <p:ext uri="{BB962C8B-B14F-4D97-AF65-F5344CB8AC3E}">
-        <p14:creationId xmlns:p14="http://schemas.microsoft.com/office/powerpoint/2010/main" val="732661075"/>
+        <p14:creationId xmlns:p14="http://schemas.microsoft.com/office/powerpoint/2010/main" val="3308599455"/>
       </p:ext>
     </p:extLst>
   </p:cSld>

--- a/tagless-final-autotest-19Feb19.pptx
+++ b/tagless-final-autotest-19Feb19.pptx
@@ -5,7 +5,7 @@
     <p:sldMasterId id="2147484011" r:id="rId1"/>
   </p:sldMasterIdLst>
   <p:notesMasterIdLst>
-    <p:notesMasterId r:id="rId23"/>
+    <p:notesMasterId r:id="rId26"/>
   </p:notesMasterIdLst>
   <p:sldIdLst>
     <p:sldId id="256" r:id="rId2"/>
@@ -13,22 +13,25 @@
     <p:sldId id="269" r:id="rId4"/>
     <p:sldId id="265" r:id="rId5"/>
     <p:sldId id="257" r:id="rId6"/>
-    <p:sldId id="286" r:id="rId7"/>
-    <p:sldId id="290" r:id="rId8"/>
-    <p:sldId id="287" r:id="rId9"/>
-    <p:sldId id="288" r:id="rId10"/>
-    <p:sldId id="291" r:id="rId11"/>
-    <p:sldId id="292" r:id="rId12"/>
-    <p:sldId id="293" r:id="rId13"/>
-    <p:sldId id="294" r:id="rId14"/>
-    <p:sldId id="298" r:id="rId15"/>
-    <p:sldId id="295" r:id="rId16"/>
-    <p:sldId id="297" r:id="rId17"/>
-    <p:sldId id="296" r:id="rId18"/>
-    <p:sldId id="299" r:id="rId19"/>
-    <p:sldId id="280" r:id="rId20"/>
-    <p:sldId id="285" r:id="rId21"/>
-    <p:sldId id="268" r:id="rId22"/>
+    <p:sldId id="303" r:id="rId7"/>
+    <p:sldId id="302" r:id="rId8"/>
+    <p:sldId id="300" r:id="rId9"/>
+    <p:sldId id="293" r:id="rId10"/>
+    <p:sldId id="286" r:id="rId11"/>
+    <p:sldId id="290" r:id="rId12"/>
+    <p:sldId id="287" r:id="rId13"/>
+    <p:sldId id="288" r:id="rId14"/>
+    <p:sldId id="291" r:id="rId15"/>
+    <p:sldId id="294" r:id="rId16"/>
+    <p:sldId id="298" r:id="rId17"/>
+    <p:sldId id="295" r:id="rId18"/>
+    <p:sldId id="297" r:id="rId19"/>
+    <p:sldId id="296" r:id="rId20"/>
+    <p:sldId id="299" r:id="rId21"/>
+    <p:sldId id="280" r:id="rId22"/>
+    <p:sldId id="301" r:id="rId23"/>
+    <p:sldId id="285" r:id="rId24"/>
+    <p:sldId id="268" r:id="rId25"/>
   </p:sldIdLst>
   <p:sldSz cx="12192000" cy="6858000"/>
   <p:notesSz cx="6858000" cy="9144000"/>
@@ -633,7 +636,7 @@
           <a:p>
             <a:fld id="{10CC99A0-165F-2541-A214-2656D2760992}" type="slidenum">
               <a:rPr lang="en-US" smtClean="0"/>
-              <a:t>13</a:t>
+              <a:t>14</a:t>
             </a:fld>
             <a:endParaRPr lang="en-US"/>
           </a:p>
@@ -642,7 +645,7 @@
     </p:spTree>
     <p:extLst>
       <p:ext uri="{BB962C8B-B14F-4D97-AF65-F5344CB8AC3E}">
-        <p14:creationId xmlns:p14="http://schemas.microsoft.com/office/powerpoint/2010/main" val="3544382071"/>
+        <p14:creationId xmlns:p14="http://schemas.microsoft.com/office/powerpoint/2010/main" val="3493832210"/>
       </p:ext>
     </p:extLst>
   </p:cSld>
@@ -717,7 +720,7 @@
           <a:p>
             <a:fld id="{10CC99A0-165F-2541-A214-2656D2760992}" type="slidenum">
               <a:rPr lang="en-US" smtClean="0"/>
-              <a:t>14</a:t>
+              <a:t>15</a:t>
             </a:fld>
             <a:endParaRPr lang="en-US"/>
           </a:p>
@@ -726,7 +729,7 @@
     </p:spTree>
     <p:extLst>
       <p:ext uri="{BB962C8B-B14F-4D97-AF65-F5344CB8AC3E}">
-        <p14:creationId xmlns:p14="http://schemas.microsoft.com/office/powerpoint/2010/main" val="3320463025"/>
+        <p14:creationId xmlns:p14="http://schemas.microsoft.com/office/powerpoint/2010/main" val="3544382071"/>
       </p:ext>
     </p:extLst>
   </p:cSld>
@@ -801,7 +804,7 @@
           <a:p>
             <a:fld id="{10CC99A0-165F-2541-A214-2656D2760992}" type="slidenum">
               <a:rPr lang="en-US" smtClean="0"/>
-              <a:t>15</a:t>
+              <a:t>16</a:t>
             </a:fld>
             <a:endParaRPr lang="en-US"/>
           </a:p>
@@ -810,7 +813,7 @@
     </p:spTree>
     <p:extLst>
       <p:ext uri="{BB962C8B-B14F-4D97-AF65-F5344CB8AC3E}">
-        <p14:creationId xmlns:p14="http://schemas.microsoft.com/office/powerpoint/2010/main" val="3348486065"/>
+        <p14:creationId xmlns:p14="http://schemas.microsoft.com/office/powerpoint/2010/main" val="3320463025"/>
       </p:ext>
     </p:extLst>
   </p:cSld>
@@ -885,7 +888,7 @@
           <a:p>
             <a:fld id="{10CC99A0-165F-2541-A214-2656D2760992}" type="slidenum">
               <a:rPr lang="en-US" smtClean="0"/>
-              <a:t>16</a:t>
+              <a:t>17</a:t>
             </a:fld>
             <a:endParaRPr lang="en-US"/>
           </a:p>
@@ -894,7 +897,7 @@
     </p:spTree>
     <p:extLst>
       <p:ext uri="{BB962C8B-B14F-4D97-AF65-F5344CB8AC3E}">
-        <p14:creationId xmlns:p14="http://schemas.microsoft.com/office/powerpoint/2010/main" val="2500110212"/>
+        <p14:creationId xmlns:p14="http://schemas.microsoft.com/office/powerpoint/2010/main" val="3348486065"/>
       </p:ext>
     </p:extLst>
   </p:cSld>
@@ -969,7 +972,7 @@
           <a:p>
             <a:fld id="{10CC99A0-165F-2541-A214-2656D2760992}" type="slidenum">
               <a:rPr lang="en-US" smtClean="0"/>
-              <a:t>17</a:t>
+              <a:t>18</a:t>
             </a:fld>
             <a:endParaRPr lang="en-US"/>
           </a:p>
@@ -978,7 +981,7 @@
     </p:spTree>
     <p:extLst>
       <p:ext uri="{BB962C8B-B14F-4D97-AF65-F5344CB8AC3E}">
-        <p14:creationId xmlns:p14="http://schemas.microsoft.com/office/powerpoint/2010/main" val="1510809278"/>
+        <p14:creationId xmlns:p14="http://schemas.microsoft.com/office/powerpoint/2010/main" val="2500110212"/>
       </p:ext>
     </p:extLst>
   </p:cSld>
@@ -1053,7 +1056,7 @@
           <a:p>
             <a:fld id="{10CC99A0-165F-2541-A214-2656D2760992}" type="slidenum">
               <a:rPr lang="en-US" smtClean="0"/>
-              <a:t>18</a:t>
+              <a:t>19</a:t>
             </a:fld>
             <a:endParaRPr lang="en-US"/>
           </a:p>
@@ -1062,7 +1065,7 @@
     </p:spTree>
     <p:extLst>
       <p:ext uri="{BB962C8B-B14F-4D97-AF65-F5344CB8AC3E}">
-        <p14:creationId xmlns:p14="http://schemas.microsoft.com/office/powerpoint/2010/main" val="1941131736"/>
+        <p14:creationId xmlns:p14="http://schemas.microsoft.com/office/powerpoint/2010/main" val="1510809278"/>
       </p:ext>
     </p:extLst>
   </p:cSld>
@@ -1137,7 +1140,91 @@
           <a:p>
             <a:fld id="{10CC99A0-165F-2541-A214-2656D2760992}" type="slidenum">
               <a:rPr lang="en-US" smtClean="0"/>
-              <a:t>19</a:t>
+              <a:t>20</a:t>
+            </a:fld>
+            <a:endParaRPr lang="en-US"/>
+          </a:p>
+        </p:txBody>
+      </p:sp>
+    </p:spTree>
+    <p:extLst>
+      <p:ext uri="{BB962C8B-B14F-4D97-AF65-F5344CB8AC3E}">
+        <p14:creationId xmlns:p14="http://schemas.microsoft.com/office/powerpoint/2010/main" val="1941131736"/>
+      </p:ext>
+    </p:extLst>
+  </p:cSld>
+  <p:clrMapOvr>
+    <a:masterClrMapping/>
+  </p:clrMapOvr>
+</p:notes>
+</file>
+
+<file path=ppt/notesSlides/notesSlide17.xml><?xml version="1.0" encoding="utf-8"?>
+<p:notes xmlns:a="http://schemas.openxmlformats.org/drawingml/2006/main" xmlns:r="http://schemas.openxmlformats.org/officeDocument/2006/relationships" xmlns:p="http://schemas.openxmlformats.org/presentationml/2006/main">
+  <p:cSld>
+    <p:spTree>
+      <p:nvGrpSpPr>
+        <p:cNvPr id="1" name=""/>
+        <p:cNvGrpSpPr/>
+        <p:nvPr/>
+      </p:nvGrpSpPr>
+      <p:grpSpPr>
+        <a:xfrm>
+          <a:off x="0" y="0"/>
+          <a:ext cx="0" cy="0"/>
+          <a:chOff x="0" y="0"/>
+          <a:chExt cx="0" cy="0"/>
+        </a:xfrm>
+      </p:grpSpPr>
+      <p:sp>
+        <p:nvSpPr>
+          <p:cNvPr id="2" name="Slide Image Placeholder 1"/>
+          <p:cNvSpPr>
+            <a:spLocks noGrp="1" noRot="1" noChangeAspect="1"/>
+          </p:cNvSpPr>
+          <p:nvPr>
+            <p:ph type="sldImg"/>
+          </p:nvPr>
+        </p:nvSpPr>
+        <p:spPr/>
+      </p:sp>
+      <p:sp>
+        <p:nvSpPr>
+          <p:cNvPr id="3" name="Notes Placeholder 2"/>
+          <p:cNvSpPr>
+            <a:spLocks noGrp="1"/>
+          </p:cNvSpPr>
+          <p:nvPr>
+            <p:ph type="body" idx="1"/>
+          </p:nvPr>
+        </p:nvSpPr>
+        <p:spPr/>
+        <p:txBody>
+          <a:bodyPr/>
+          <a:lstStyle/>
+          <a:p>
+            <a:endParaRPr lang="en-US" dirty="0"/>
+          </a:p>
+        </p:txBody>
+      </p:sp>
+      <p:sp>
+        <p:nvSpPr>
+          <p:cNvPr id="4" name="Slide Number Placeholder 3"/>
+          <p:cNvSpPr>
+            <a:spLocks noGrp="1"/>
+          </p:cNvSpPr>
+          <p:nvPr>
+            <p:ph type="sldNum" sz="quarter" idx="5"/>
+          </p:nvPr>
+        </p:nvSpPr>
+        <p:spPr/>
+        <p:txBody>
+          <a:bodyPr/>
+          <a:lstStyle/>
+          <a:p>
+            <a:fld id="{10CC99A0-165F-2541-A214-2656D2760992}" type="slidenum">
+              <a:rPr lang="en-US" smtClean="0"/>
+              <a:t>21</a:t>
             </a:fld>
             <a:endParaRPr lang="en-US"/>
           </a:p>
@@ -1305,7 +1392,7 @@
           <a:p>
             <a:fld id="{10CC99A0-165F-2541-A214-2656D2760992}" type="slidenum">
               <a:rPr lang="en-US" smtClean="0"/>
-              <a:t>6</a:t>
+              <a:t>7</a:t>
             </a:fld>
             <a:endParaRPr lang="en-US"/>
           </a:p>
@@ -1314,7 +1401,7 @@
     </p:spTree>
     <p:extLst>
       <p:ext uri="{BB962C8B-B14F-4D97-AF65-F5344CB8AC3E}">
-        <p14:creationId xmlns:p14="http://schemas.microsoft.com/office/powerpoint/2010/main" val="2719242456"/>
+        <p14:creationId xmlns:p14="http://schemas.microsoft.com/office/powerpoint/2010/main" val="1591587364"/>
       </p:ext>
     </p:extLst>
   </p:cSld>
@@ -1389,7 +1476,7 @@
           <a:p>
             <a:fld id="{10CC99A0-165F-2541-A214-2656D2760992}" type="slidenum">
               <a:rPr lang="en-US" smtClean="0"/>
-              <a:t>7</a:t>
+              <a:t>8</a:t>
             </a:fld>
             <a:endParaRPr lang="en-US"/>
           </a:p>
@@ -1398,7 +1485,7 @@
     </p:spTree>
     <p:extLst>
       <p:ext uri="{BB962C8B-B14F-4D97-AF65-F5344CB8AC3E}">
-        <p14:creationId xmlns:p14="http://schemas.microsoft.com/office/powerpoint/2010/main" val="2213774621"/>
+        <p14:creationId xmlns:p14="http://schemas.microsoft.com/office/powerpoint/2010/main" val="1878828305"/>
       </p:ext>
     </p:extLst>
   </p:cSld>
@@ -1473,7 +1560,7 @@
           <a:p>
             <a:fld id="{10CC99A0-165F-2541-A214-2656D2760992}" type="slidenum">
               <a:rPr lang="en-US" smtClean="0"/>
-              <a:t>8</a:t>
+              <a:t>9</a:t>
             </a:fld>
             <a:endParaRPr lang="en-US"/>
           </a:p>
@@ -1482,7 +1569,7 @@
     </p:spTree>
     <p:extLst>
       <p:ext uri="{BB962C8B-B14F-4D97-AF65-F5344CB8AC3E}">
-        <p14:creationId xmlns:p14="http://schemas.microsoft.com/office/powerpoint/2010/main" val="3123776737"/>
+        <p14:creationId xmlns:p14="http://schemas.microsoft.com/office/powerpoint/2010/main" val="302934764"/>
       </p:ext>
     </p:extLst>
   </p:cSld>
@@ -1557,7 +1644,7 @@
           <a:p>
             <a:fld id="{10CC99A0-165F-2541-A214-2656D2760992}" type="slidenum">
               <a:rPr lang="en-US" smtClean="0"/>
-              <a:t>9</a:t>
+              <a:t>10</a:t>
             </a:fld>
             <a:endParaRPr lang="en-US"/>
           </a:p>
@@ -1566,7 +1653,7 @@
     </p:spTree>
     <p:extLst>
       <p:ext uri="{BB962C8B-B14F-4D97-AF65-F5344CB8AC3E}">
-        <p14:creationId xmlns:p14="http://schemas.microsoft.com/office/powerpoint/2010/main" val="3807943889"/>
+        <p14:creationId xmlns:p14="http://schemas.microsoft.com/office/powerpoint/2010/main" val="2719242456"/>
       </p:ext>
     </p:extLst>
   </p:cSld>
@@ -1641,7 +1728,7 @@
           <a:p>
             <a:fld id="{10CC99A0-165F-2541-A214-2656D2760992}" type="slidenum">
               <a:rPr lang="en-US" smtClean="0"/>
-              <a:t>10</a:t>
+              <a:t>11</a:t>
             </a:fld>
             <a:endParaRPr lang="en-US"/>
           </a:p>
@@ -1650,7 +1737,7 @@
     </p:spTree>
     <p:extLst>
       <p:ext uri="{BB962C8B-B14F-4D97-AF65-F5344CB8AC3E}">
-        <p14:creationId xmlns:p14="http://schemas.microsoft.com/office/powerpoint/2010/main" val="3493832210"/>
+        <p14:creationId xmlns:p14="http://schemas.microsoft.com/office/powerpoint/2010/main" val="2213774621"/>
       </p:ext>
     </p:extLst>
   </p:cSld>
@@ -1725,7 +1812,7 @@
           <a:p>
             <a:fld id="{10CC99A0-165F-2541-A214-2656D2760992}" type="slidenum">
               <a:rPr lang="en-US" smtClean="0"/>
-              <a:t>11</a:t>
+              <a:t>12</a:t>
             </a:fld>
             <a:endParaRPr lang="en-US"/>
           </a:p>
@@ -1734,7 +1821,7 @@
     </p:spTree>
     <p:extLst>
       <p:ext uri="{BB962C8B-B14F-4D97-AF65-F5344CB8AC3E}">
-        <p14:creationId xmlns:p14="http://schemas.microsoft.com/office/powerpoint/2010/main" val="750206707"/>
+        <p14:creationId xmlns:p14="http://schemas.microsoft.com/office/powerpoint/2010/main" val="3123776737"/>
       </p:ext>
     </p:extLst>
   </p:cSld>
@@ -1809,7 +1896,7 @@
           <a:p>
             <a:fld id="{10CC99A0-165F-2541-A214-2656D2760992}" type="slidenum">
               <a:rPr lang="en-US" smtClean="0"/>
-              <a:t>12</a:t>
+              <a:t>13</a:t>
             </a:fld>
             <a:endParaRPr lang="en-US"/>
           </a:p>
@@ -1818,7 +1905,7 @@
     </p:spTree>
     <p:extLst>
       <p:ext uri="{BB962C8B-B14F-4D97-AF65-F5344CB8AC3E}">
-        <p14:creationId xmlns:p14="http://schemas.microsoft.com/office/powerpoint/2010/main" val="302934764"/>
+        <p14:creationId xmlns:p14="http://schemas.microsoft.com/office/powerpoint/2010/main" val="3807943889"/>
       </p:ext>
     </p:extLst>
   </p:cSld>
@@ -7579,7 +7666,7 @@
                   <a:schemeClr val="accent5"/>
                 </a:solidFill>
               </a:rPr>
-              <a:t>Auto-test </a:t>
+              <a:t>Automatic law checking with </a:t>
             </a:r>
             <a:r>
               <a:rPr lang="en-US" sz="4000" dirty="0" err="1">
@@ -7610,7 +7697,7 @@
                   <a:schemeClr val="accent5"/>
                 </a:solidFill>
               </a:rPr>
-              <a:t>with Discipline &amp; </a:t>
+              <a:t>(using Discipline &amp; </a:t>
             </a:r>
             <a:r>
               <a:rPr lang="en-US" sz="4000" dirty="0" err="1">
@@ -7620,11 +7707,14 @@
               </a:rPr>
               <a:t>ScalaCheck</a:t>
             </a:r>
-            <a:endParaRPr lang="en-US" sz="4000" dirty="0">
-              <a:solidFill>
-                <a:schemeClr val="accent5"/>
-              </a:solidFill>
-            </a:endParaRPr>
+            <a:r>
+              <a:rPr lang="en-US" sz="4000" dirty="0">
+                <a:solidFill>
+                  <a:schemeClr val="accent5"/>
+                </a:solidFill>
+              </a:rPr>
+              <a:t>)</a:t>
+            </a:r>
           </a:p>
         </p:txBody>
       </p:sp>
@@ -7646,8 +7736,8 @@
         </p:nvSpPr>
         <p:spPr>
           <a:xfrm>
-            <a:off x="1394178" y="4231455"/>
-            <a:ext cx="7766936" cy="1096899"/>
+            <a:off x="1768752" y="5762800"/>
+            <a:ext cx="7766936" cy="505798"/>
           </a:xfrm>
         </p:spPr>
         <p:txBody>
@@ -7658,15 +7748,12 @@
           <a:p>
             <a:pPr algn="ctr"/>
             <a:r>
+              <a:rPr lang="en-US" sz="2000" dirty="0" err="1"/>
+              <a:t>lance.gatlin@gmail.com</a:t>
+            </a:r>
+            <a:r>
               <a:rPr lang="en-US" sz="2000" dirty="0"/>
-              <a:t>Lance Gatlin </a:t>
-            </a:r>
-          </a:p>
-          <a:p>
-            <a:pPr algn="ctr"/>
-            <a:r>
-              <a:rPr lang="en-US" sz="2000" dirty="0"/>
-              <a:t>19Feb19</a:t>
+              <a:t> 19Feb19</a:t>
             </a:r>
           </a:p>
         </p:txBody>
@@ -7724,488 +7811,118 @@
           <a:p>
             <a:r>
               <a:rPr lang="en-US" dirty="0"/>
-              <a:t>Discipline</a:t>
-            </a:r>
-          </a:p>
-        </p:txBody>
-      </p:sp>
-      <p:sp>
-        <p:nvSpPr>
-          <p:cNvPr id="7" name="TextBox 6">
+              <a:t>Why generic law-based auto-testing?</a:t>
+            </a:r>
+          </a:p>
+        </p:txBody>
+      </p:sp>
+      <p:sp>
+        <p:nvSpPr>
+          <p:cNvPr id="3" name="Content Placeholder 2">
             <a:extLst>
               <a:ext uri="{FF2B5EF4-FFF2-40B4-BE49-F238E27FC236}">
-                <a16:creationId xmlns:a16="http://schemas.microsoft.com/office/drawing/2014/main" id="{DC7EEDE6-9EFE-8D44-85F7-46619BF7B609}"/>
+                <a16:creationId xmlns:a16="http://schemas.microsoft.com/office/drawing/2014/main" id="{A428EFFE-ECBF-104F-A4A5-B43076FBB18A}"/>
               </a:ext>
             </a:extLst>
           </p:cNvPr>
-          <p:cNvSpPr txBox="1"/>
-          <p:nvPr/>
-        </p:nvSpPr>
-        <p:spPr>
-          <a:xfrm>
-            <a:off x="1879288" y="1782923"/>
-            <a:ext cx="6927119" cy="3170099"/>
-          </a:xfrm>
-          <a:prstGeom prst="rect">
-            <a:avLst/>
-          </a:prstGeom>
-          <a:solidFill>
-            <a:schemeClr val="bg1"/>
-          </a:solidFill>
-          <a:ln w="25400">
-            <a:solidFill>
-              <a:schemeClr val="tx1"/>
-            </a:solidFill>
-          </a:ln>
-          <a:effectLst>
-            <a:softEdge rad="31750"/>
-          </a:effectLst>
-        </p:spPr>
-        <p:txBody>
-          <a:bodyPr wrap="square" rtlCol="0">
-            <a:spAutoFit/>
+          <p:cNvSpPr>
+            <a:spLocks noGrp="1"/>
+          </p:cNvSpPr>
+          <p:nvPr>
+            <p:ph idx="1"/>
+          </p:nvPr>
+        </p:nvSpPr>
+        <p:spPr/>
+        <p:txBody>
+          <a:bodyPr>
+            <a:normAutofit/>
           </a:bodyPr>
           <a:lstStyle/>
           <a:p>
             <a:r>
-              <a:rPr lang="en-US" sz="2000" dirty="0">
-                <a:latin typeface="Helvetica" pitchFamily="2" charset="0"/>
-                <a:ea typeface="Gungsuh" panose="02030600000101010101" pitchFamily="18" charset="-127"/>
-              </a:rPr>
-              <a:t>trait Laws {</a:t>
-            </a:r>
-          </a:p>
-          <a:p>
-            <a:r>
-              <a:rPr lang="en-US" sz="2000" dirty="0">
-                <a:latin typeface="Helvetica" pitchFamily="2" charset="0"/>
-                <a:ea typeface="Gungsuh" panose="02030600000101010101" pitchFamily="18" charset="-127"/>
-              </a:rPr>
-              <a:t>  trait </a:t>
-            </a:r>
-            <a:r>
-              <a:rPr lang="en-US" sz="2000" dirty="0" err="1">
-                <a:latin typeface="Helvetica" pitchFamily="2" charset="0"/>
-                <a:ea typeface="Gungsuh" panose="02030600000101010101" pitchFamily="18" charset="-127"/>
-              </a:rPr>
-              <a:t>RuleSet</a:t>
-            </a:r>
-            <a:r>
-              <a:rPr lang="en-US" sz="2000" dirty="0">
-                <a:latin typeface="Helvetica" pitchFamily="2" charset="0"/>
-                <a:ea typeface="Gungsuh" panose="02030600000101010101" pitchFamily="18" charset="-127"/>
-              </a:rPr>
-              <a:t> {</a:t>
-            </a:r>
-          </a:p>
-          <a:p>
-            <a:r>
-              <a:rPr lang="en-US" sz="2000" dirty="0">
-                <a:latin typeface="Helvetica" pitchFamily="2" charset="0"/>
-                <a:ea typeface="Gungsuh" panose="02030600000101010101" pitchFamily="18" charset="-127"/>
-              </a:rPr>
-              <a:t>    def name: String</a:t>
-            </a:r>
-          </a:p>
-          <a:p>
-            <a:r>
-              <a:rPr lang="en-US" sz="2000" dirty="0">
-                <a:latin typeface="Helvetica" pitchFamily="2" charset="0"/>
-                <a:ea typeface="Gungsuh" panose="02030600000101010101" pitchFamily="18" charset="-127"/>
-              </a:rPr>
-              <a:t>    def bases: </a:t>
-            </a:r>
-            <a:r>
-              <a:rPr lang="en-US" sz="2000" dirty="0" err="1">
-                <a:latin typeface="Helvetica" pitchFamily="2" charset="0"/>
-                <a:ea typeface="Gungsuh" panose="02030600000101010101" pitchFamily="18" charset="-127"/>
-              </a:rPr>
-              <a:t>Seq</a:t>
-            </a:r>
-            <a:r>
-              <a:rPr lang="en-US" sz="2000" dirty="0">
-                <a:latin typeface="Helvetica" pitchFamily="2" charset="0"/>
-                <a:ea typeface="Gungsuh" panose="02030600000101010101" pitchFamily="18" charset="-127"/>
-              </a:rPr>
-              <a:t>[(String, </a:t>
-            </a:r>
-            <a:r>
-              <a:rPr lang="en-US" sz="2000" dirty="0" err="1">
-                <a:latin typeface="Helvetica" pitchFamily="2" charset="0"/>
-                <a:ea typeface="Gungsuh" panose="02030600000101010101" pitchFamily="18" charset="-127"/>
-              </a:rPr>
-              <a:t>Laws#RuleSet</a:t>
-            </a:r>
-            <a:r>
-              <a:rPr lang="en-US" sz="2000" dirty="0">
-                <a:latin typeface="Helvetica" pitchFamily="2" charset="0"/>
-                <a:ea typeface="Gungsuh" panose="02030600000101010101" pitchFamily="18" charset="-127"/>
-              </a:rPr>
-              <a:t>)] = </a:t>
-            </a:r>
-            <a:r>
-              <a:rPr lang="en-US" sz="2000" dirty="0" err="1">
-                <a:latin typeface="Helvetica" pitchFamily="2" charset="0"/>
-                <a:ea typeface="Gungsuh" panose="02030600000101010101" pitchFamily="18" charset="-127"/>
-              </a:rPr>
-              <a:t>Seq</a:t>
-            </a:r>
-            <a:r>
-              <a:rPr lang="en-US" sz="2000" dirty="0">
-                <a:latin typeface="Helvetica" pitchFamily="2" charset="0"/>
-                <a:ea typeface="Gungsuh" panose="02030600000101010101" pitchFamily="18" charset="-127"/>
-              </a:rPr>
-              <a:t>()</a:t>
-            </a:r>
-          </a:p>
-          <a:p>
-            <a:r>
-              <a:rPr lang="en-US" sz="2000" dirty="0">
-                <a:latin typeface="Helvetica" pitchFamily="2" charset="0"/>
-                <a:ea typeface="Gungsuh" panose="02030600000101010101" pitchFamily="18" charset="-127"/>
-              </a:rPr>
-              <a:t>    def parents: </a:t>
-            </a:r>
-            <a:r>
-              <a:rPr lang="en-US" sz="2000" dirty="0" err="1">
-                <a:latin typeface="Helvetica" pitchFamily="2" charset="0"/>
-                <a:ea typeface="Gungsuh" panose="02030600000101010101" pitchFamily="18" charset="-127"/>
-              </a:rPr>
-              <a:t>Seq</a:t>
-            </a:r>
-            <a:r>
-              <a:rPr lang="en-US" sz="2000" dirty="0">
-                <a:latin typeface="Helvetica" pitchFamily="2" charset="0"/>
-                <a:ea typeface="Gungsuh" panose="02030600000101010101" pitchFamily="18" charset="-127"/>
-              </a:rPr>
-              <a:t>[</a:t>
-            </a:r>
-            <a:r>
-              <a:rPr lang="en-US" sz="2000" dirty="0" err="1">
-                <a:latin typeface="Helvetica" pitchFamily="2" charset="0"/>
-                <a:ea typeface="Gungsuh" panose="02030600000101010101" pitchFamily="18" charset="-127"/>
-              </a:rPr>
-              <a:t>RuleSet</a:t>
-            </a:r>
-            <a:r>
-              <a:rPr lang="en-US" sz="2000" dirty="0">
-                <a:latin typeface="Helvetica" pitchFamily="2" charset="0"/>
-                <a:ea typeface="Gungsuh" panose="02030600000101010101" pitchFamily="18" charset="-127"/>
-              </a:rPr>
-              <a:t>] = </a:t>
-            </a:r>
-            <a:r>
-              <a:rPr lang="en-US" sz="2000" dirty="0" err="1">
-                <a:latin typeface="Helvetica" pitchFamily="2" charset="0"/>
-                <a:ea typeface="Gungsuh" panose="02030600000101010101" pitchFamily="18" charset="-127"/>
-              </a:rPr>
-              <a:t>Seq</a:t>
-            </a:r>
-            <a:r>
-              <a:rPr lang="en-US" sz="2000" dirty="0">
-                <a:latin typeface="Helvetica" pitchFamily="2" charset="0"/>
-                <a:ea typeface="Gungsuh" panose="02030600000101010101" pitchFamily="18" charset="-127"/>
-              </a:rPr>
-              <a:t>()</a:t>
-            </a:r>
-          </a:p>
-          <a:p>
-            <a:r>
-              <a:rPr lang="en-US" sz="2000" dirty="0">
-                <a:latin typeface="Helvetica" pitchFamily="2" charset="0"/>
-                <a:ea typeface="Gungsuh" panose="02030600000101010101" pitchFamily="18" charset="-127"/>
-              </a:rPr>
-              <a:t>    def props: </a:t>
-            </a:r>
-            <a:r>
-              <a:rPr lang="en-US" sz="2000" dirty="0" err="1">
-                <a:latin typeface="Helvetica" pitchFamily="2" charset="0"/>
-                <a:ea typeface="Gungsuh" panose="02030600000101010101" pitchFamily="18" charset="-127"/>
-              </a:rPr>
-              <a:t>Seq</a:t>
-            </a:r>
-            <a:r>
-              <a:rPr lang="en-US" sz="2000" dirty="0">
-                <a:latin typeface="Helvetica" pitchFamily="2" charset="0"/>
-                <a:ea typeface="Gungsuh" panose="02030600000101010101" pitchFamily="18" charset="-127"/>
-              </a:rPr>
-              <a:t>[(String, Prop)] = </a:t>
-            </a:r>
-            <a:r>
-              <a:rPr lang="en-US" sz="2000" dirty="0" err="1">
-                <a:latin typeface="Helvetica" pitchFamily="2" charset="0"/>
-                <a:ea typeface="Gungsuh" panose="02030600000101010101" pitchFamily="18" charset="-127"/>
-              </a:rPr>
-              <a:t>Seq</a:t>
-            </a:r>
-            <a:r>
-              <a:rPr lang="en-US" sz="2000" dirty="0">
-                <a:latin typeface="Helvetica" pitchFamily="2" charset="0"/>
-                <a:ea typeface="Gungsuh" panose="02030600000101010101" pitchFamily="18" charset="-127"/>
-              </a:rPr>
-              <a:t>()</a:t>
-            </a:r>
-          </a:p>
-          <a:p>
-            <a:r>
-              <a:rPr lang="en-US" sz="2000" dirty="0">
-                <a:latin typeface="Helvetica" pitchFamily="2" charset="0"/>
-                <a:ea typeface="Gungsuh" panose="02030600000101010101" pitchFamily="18" charset="-127"/>
-              </a:rPr>
-              <a:t>    // ...</a:t>
-            </a:r>
-          </a:p>
-          <a:p>
-            <a:r>
-              <a:rPr lang="en-US" sz="2000" dirty="0">
-                <a:latin typeface="Helvetica" pitchFamily="2" charset="0"/>
-                <a:ea typeface="Gungsuh" panose="02030600000101010101" pitchFamily="18" charset="-127"/>
-              </a:rPr>
-              <a:t>  }</a:t>
-            </a:r>
-          </a:p>
-          <a:p>
-            <a:r>
-              <a:rPr lang="en-US" sz="2000" dirty="0">
-                <a:latin typeface="Helvetica" pitchFamily="2" charset="0"/>
-                <a:ea typeface="Gungsuh" panose="02030600000101010101" pitchFamily="18" charset="-127"/>
-              </a:rPr>
-              <a:t>}</a:t>
-            </a:r>
-          </a:p>
-          <a:p>
+              <a:rPr lang="en-US" dirty="0"/>
+              <a:t>Writing explicit tests is time consuming and error prone</a:t>
+            </a:r>
+          </a:p>
+          <a:p>
+            <a:r>
+              <a:rPr lang="en-US" dirty="0"/>
+              <a:t>Must write unit tests and separate integration tests</a:t>
+            </a:r>
+          </a:p>
+          <a:p>
+            <a:r>
+              <a:rPr lang="en-US" dirty="0"/>
+              <a:t>Boundary condition testing is generally skipped</a:t>
+            </a:r>
+          </a:p>
+          <a:p>
+            <a:r>
+              <a:rPr lang="en-US" dirty="0"/>
+              <a:t>Generic law-based auto-testing :</a:t>
+            </a:r>
+          </a:p>
+          <a:p>
+            <a:pPr lvl="1"/>
+            <a:r>
+              <a:rPr lang="en-US" dirty="0"/>
+              <a:t>Same code used for:</a:t>
+            </a:r>
+          </a:p>
+          <a:p>
+            <a:pPr lvl="2"/>
+            <a:r>
+              <a:rPr lang="en-US" dirty="0"/>
+              <a:t>Unit testing (Id monad)</a:t>
+            </a:r>
+          </a:p>
+          <a:p>
+            <a:pPr lvl="2"/>
+            <a:r>
+              <a:rPr lang="en-US" dirty="0"/>
+              <a:t>Integration testing (Future, IO, Task, </a:t>
+            </a:r>
             <a:r>
               <a:rPr lang="en-US" dirty="0" err="1"/>
-              <a:t>checkAll</a:t>
-            </a:r>
-            <a:r>
-              <a:rPr lang="en-US" dirty="0"/>
-              <a:t>("</a:t>
+              <a:t>etc</a:t>
+            </a:r>
+            <a:r>
+              <a:rPr lang="en-US" dirty="0"/>
+              <a:t>)</a:t>
+            </a:r>
+          </a:p>
+          <a:p>
+            <a:pPr lvl="2"/>
+            <a:r>
+              <a:rPr lang="en-US" dirty="0"/>
+              <a:t>With or without backend database, in-memory, </a:t>
             </a:r>
             <a:r>
               <a:rPr lang="en-US" dirty="0" err="1"/>
-              <a:t>Int</a:t>
-            </a:r>
-            <a:r>
-              <a:rPr lang="en-US" dirty="0"/>
-              <a:t>",</a:t>
-            </a:r>
-            <a:r>
-              <a:rPr lang="en-US" sz="2000" dirty="0"/>
-              <a:t> </a:t>
-            </a:r>
-            <a:r>
-              <a:rPr lang="en-US" dirty="0" err="1"/>
-              <a:t>TypeClass</a:t>
-            </a:r>
-            <a:r>
-              <a:rPr lang="en-US" dirty="0"/>
-              <a:t>[</a:t>
-            </a:r>
-            <a:r>
-              <a:rPr lang="en-US" dirty="0" err="1"/>
-              <a:t>Int</a:t>
-            </a:r>
-            <a:r>
-              <a:rPr lang="en-US" dirty="0"/>
-              <a:t>] with </a:t>
-            </a:r>
-            <a:r>
-              <a:rPr lang="en-US" dirty="0" err="1"/>
-              <a:t>Laws.laws</a:t>
-            </a:r>
-            <a:r>
-              <a:rPr lang="en-US" dirty="0"/>
-              <a:t>)</a:t>
-            </a:r>
-            <a:endParaRPr lang="en-US" sz="2000" dirty="0">
-              <a:latin typeface="Helvetica" pitchFamily="2" charset="0"/>
-              <a:ea typeface="Gungsuh" panose="02030600000101010101" pitchFamily="18" charset="-127"/>
-              <a:cs typeface="Consolas" panose="020B0609020204030204" pitchFamily="49" charset="0"/>
-            </a:endParaRPr>
-          </a:p>
-        </p:txBody>
-      </p:sp>
-      <p:sp>
-        <p:nvSpPr>
-          <p:cNvPr id="8" name="TextBox 7">
-            <a:extLst>
-              <a:ext uri="{FF2B5EF4-FFF2-40B4-BE49-F238E27FC236}">
-                <a16:creationId xmlns:a16="http://schemas.microsoft.com/office/drawing/2014/main" id="{F184318E-BCBC-D245-B43A-6FAE727A2F90}"/>
-              </a:ext>
-            </a:extLst>
-          </p:cNvPr>
-          <p:cNvSpPr txBox="1"/>
-          <p:nvPr/>
-        </p:nvSpPr>
-        <p:spPr>
-          <a:xfrm>
-            <a:off x="1418957" y="1782923"/>
-            <a:ext cx="467595" cy="3170099"/>
-          </a:xfrm>
-          <a:prstGeom prst="rect">
-            <a:avLst/>
-          </a:prstGeom>
-          <a:solidFill>
-            <a:schemeClr val="bg1"/>
-          </a:solidFill>
-          <a:ln w="25400">
-            <a:solidFill>
-              <a:schemeClr val="tx1"/>
-            </a:solidFill>
-          </a:ln>
-          <a:effectLst>
-            <a:softEdge rad="31750"/>
-          </a:effectLst>
-        </p:spPr>
-        <p:txBody>
-          <a:bodyPr wrap="square" rtlCol="0">
-            <a:spAutoFit/>
-          </a:bodyPr>
-          <a:lstStyle/>
-          <a:p>
-            <a:r>
-              <a:rPr lang="en-US" sz="2000" dirty="0">
-                <a:latin typeface="Helvetica" pitchFamily="2" charset="0"/>
-                <a:cs typeface="Consolas" panose="020B0609020204030204" pitchFamily="49" charset="0"/>
-              </a:rPr>
-              <a:t>01</a:t>
-            </a:r>
-          </a:p>
-          <a:p>
-            <a:r>
-              <a:rPr lang="en-US" sz="2000" dirty="0">
-                <a:latin typeface="Helvetica" pitchFamily="2" charset="0"/>
-                <a:cs typeface="Consolas" panose="020B0609020204030204" pitchFamily="49" charset="0"/>
-              </a:rPr>
-              <a:t>02</a:t>
-            </a:r>
-          </a:p>
-          <a:p>
-            <a:r>
-              <a:rPr lang="en-US" sz="2000" dirty="0">
-                <a:latin typeface="Helvetica" pitchFamily="2" charset="0"/>
-                <a:cs typeface="Consolas" panose="020B0609020204030204" pitchFamily="49" charset="0"/>
-              </a:rPr>
-              <a:t>03</a:t>
-            </a:r>
-          </a:p>
-          <a:p>
-            <a:r>
-              <a:rPr lang="en-US" sz="2000" dirty="0">
-                <a:latin typeface="Helvetica" pitchFamily="2" charset="0"/>
-                <a:cs typeface="Consolas" panose="020B0609020204030204" pitchFamily="49" charset="0"/>
-              </a:rPr>
-              <a:t>04</a:t>
-            </a:r>
-          </a:p>
-          <a:p>
-            <a:r>
-              <a:rPr lang="en-US" sz="2000" dirty="0">
-                <a:latin typeface="Helvetica" pitchFamily="2" charset="0"/>
-                <a:cs typeface="Consolas" panose="020B0609020204030204" pitchFamily="49" charset="0"/>
-              </a:rPr>
-              <a:t>05</a:t>
-            </a:r>
-          </a:p>
-          <a:p>
-            <a:r>
-              <a:rPr lang="en-US" sz="2000" dirty="0">
-                <a:latin typeface="Helvetica" pitchFamily="2" charset="0"/>
-                <a:cs typeface="Consolas" panose="020B0609020204030204" pitchFamily="49" charset="0"/>
-              </a:rPr>
-              <a:t>06</a:t>
-            </a:r>
-          </a:p>
-          <a:p>
-            <a:r>
-              <a:rPr lang="en-US" sz="2000" dirty="0">
-                <a:latin typeface="Helvetica" pitchFamily="2" charset="0"/>
-                <a:cs typeface="Consolas" panose="020B0609020204030204" pitchFamily="49" charset="0"/>
-              </a:rPr>
-              <a:t>07</a:t>
-            </a:r>
-          </a:p>
-          <a:p>
-            <a:r>
-              <a:rPr lang="en-US" sz="2000" dirty="0">
-                <a:latin typeface="Helvetica" pitchFamily="2" charset="0"/>
-                <a:cs typeface="Consolas" panose="020B0609020204030204" pitchFamily="49" charset="0"/>
-              </a:rPr>
-              <a:t>08</a:t>
-            </a:r>
-          </a:p>
-          <a:p>
-            <a:r>
-              <a:rPr lang="en-US" sz="2000" dirty="0">
-                <a:latin typeface="Helvetica" pitchFamily="2" charset="0"/>
-                <a:cs typeface="Consolas" panose="020B0609020204030204" pitchFamily="49" charset="0"/>
-              </a:rPr>
-              <a:t>09</a:t>
-            </a:r>
-          </a:p>
-          <a:p>
-            <a:r>
-              <a:rPr lang="en-US" sz="2000" dirty="0">
-                <a:latin typeface="Helvetica" pitchFamily="2" charset="0"/>
-                <a:cs typeface="Consolas" panose="020B0609020204030204" pitchFamily="49" charset="0"/>
-              </a:rPr>
-              <a:t>10</a:t>
-            </a:r>
-          </a:p>
-        </p:txBody>
-      </p:sp>
-      <p:sp>
-        <p:nvSpPr>
-          <p:cNvPr id="10" name="Rectangle 9">
-            <a:extLst>
-              <a:ext uri="{FF2B5EF4-FFF2-40B4-BE49-F238E27FC236}">
-                <a16:creationId xmlns:a16="http://schemas.microsoft.com/office/drawing/2014/main" id="{2B44C2EB-8E1D-9041-8385-5CD6CD3E0AEC}"/>
-              </a:ext>
-            </a:extLst>
-          </p:cNvPr>
-          <p:cNvSpPr/>
-          <p:nvPr/>
-        </p:nvSpPr>
-        <p:spPr>
-          <a:xfrm>
-            <a:off x="114875" y="6384141"/>
-            <a:ext cx="4682692" cy="307777"/>
-          </a:xfrm>
-          <a:prstGeom prst="rect">
-            <a:avLst/>
-          </a:prstGeom>
-        </p:spPr>
-        <p:txBody>
-          <a:bodyPr wrap="none">
-            <a:spAutoFit/>
-          </a:bodyPr>
-          <a:lstStyle/>
-          <a:p>
-            <a:r>
-              <a:rPr lang="en-US" sz="1400" dirty="0"/>
-              <a:t>https://</a:t>
-            </a:r>
-            <a:r>
-              <a:rPr lang="en-US" sz="1400" dirty="0" err="1"/>
-              <a:t>typelevel.org</a:t>
-            </a:r>
-            <a:r>
-              <a:rPr lang="en-US" sz="1400" dirty="0"/>
-              <a:t>/blog/2013/11/17/</a:t>
-            </a:r>
-            <a:r>
-              <a:rPr lang="en-US" sz="1400" dirty="0" err="1"/>
-              <a:t>discipline.html</a:t>
-            </a:r>
-            <a:endParaRPr lang="en-US" sz="1400" dirty="0"/>
+              <a:t>etc</a:t>
+            </a:r>
+            <a:endParaRPr lang="en-US" dirty="0"/>
+          </a:p>
+          <a:p>
+            <a:pPr lvl="2"/>
+            <a:r>
+              <a:rPr lang="en-US" dirty="0"/>
+              <a:t>Verify any implementation</a:t>
+            </a:r>
+          </a:p>
+          <a:p>
+            <a:pPr lvl="2"/>
+            <a:r>
+              <a:rPr lang="en-US" dirty="0"/>
+              <a:t>Verify all laws hold for any combination of implementation and monad</a:t>
+            </a:r>
           </a:p>
         </p:txBody>
       </p:sp>
     </p:spTree>
     <p:extLst>
       <p:ext uri="{BB962C8B-B14F-4D97-AF65-F5344CB8AC3E}">
-        <p14:creationId xmlns:p14="http://schemas.microsoft.com/office/powerpoint/2010/main" val="1302149225"/>
+        <p14:creationId xmlns:p14="http://schemas.microsoft.com/office/powerpoint/2010/main" val="601268719"/>
       </p:ext>
     </p:extLst>
   </p:cSld>
@@ -8254,500 +7971,141 @@
           <a:lstStyle/>
           <a:p>
             <a:r>
-              <a:rPr lang="en-US" dirty="0"/>
-              <a:t>Users algebra/API</a:t>
-            </a:r>
-          </a:p>
-        </p:txBody>
-      </p:sp>
-      <p:sp>
-        <p:nvSpPr>
-          <p:cNvPr id="7" name="TextBox 6">
+              <a:rPr lang="en-US" dirty="0" err="1"/>
+              <a:t>ScalaCheck</a:t>
+            </a:r>
+            <a:r>
+              <a:rPr lang="en-US" dirty="0"/>
+              <a:t> review</a:t>
+            </a:r>
+          </a:p>
+        </p:txBody>
+      </p:sp>
+      <p:sp>
+        <p:nvSpPr>
+          <p:cNvPr id="3" name="Content Placeholder 2">
             <a:extLst>
               <a:ext uri="{FF2B5EF4-FFF2-40B4-BE49-F238E27FC236}">
-                <a16:creationId xmlns:a16="http://schemas.microsoft.com/office/drawing/2014/main" id="{DC7EEDE6-9EFE-8D44-85F7-46619BF7B609}"/>
+                <a16:creationId xmlns:a16="http://schemas.microsoft.com/office/drawing/2014/main" id="{A428EFFE-ECBF-104F-A4A5-B43076FBB18A}"/>
               </a:ext>
             </a:extLst>
           </p:cNvPr>
-          <p:cNvSpPr txBox="1"/>
+          <p:cNvSpPr>
+            <a:spLocks noGrp="1"/>
+          </p:cNvSpPr>
+          <p:nvPr>
+            <p:ph idx="1"/>
+          </p:nvPr>
+        </p:nvSpPr>
+        <p:spPr/>
+        <p:txBody>
+          <a:bodyPr>
+            <a:normAutofit/>
+          </a:bodyPr>
+          <a:lstStyle/>
+          <a:p>
+            <a:r>
+              <a:rPr lang="en-US" dirty="0" err="1"/>
+              <a:t>ScalaCheck</a:t>
+            </a:r>
+            <a:r>
+              <a:rPr lang="en-US" dirty="0"/>
+              <a:t> has properties (</a:t>
+            </a:r>
+            <a:r>
+              <a:rPr lang="en-US" dirty="0" err="1"/>
+              <a:t>org.scalacheck.Prop</a:t>
+            </a:r>
+            <a:r>
+              <a:rPr lang="en-US" dirty="0"/>
+              <a:t>)</a:t>
+            </a:r>
+          </a:p>
+          <a:p>
+            <a:r>
+              <a:rPr lang="en-US" dirty="0"/>
+              <a:t>Properties are functions that can accept zero or more typed parameters that verify some property is true</a:t>
+            </a:r>
+          </a:p>
+          <a:p>
+            <a:r>
+              <a:rPr lang="en-US" dirty="0" err="1"/>
+              <a:t>ScalaCheck</a:t>
+            </a:r>
+            <a:r>
+              <a:rPr lang="en-US" dirty="0"/>
+              <a:t> generates a few random valid values to plug into property functions based on the Arbitrary type-class</a:t>
+            </a:r>
+          </a:p>
+          <a:p>
+            <a:r>
+              <a:rPr lang="en-US" dirty="0" err="1"/>
+              <a:t>ScalaCheck</a:t>
+            </a:r>
+            <a:r>
+              <a:rPr lang="en-US" dirty="0"/>
+              <a:t> also ensures boundary condition values are tested (e.g. -1, 0, 1, </a:t>
+            </a:r>
+            <a:r>
+              <a:rPr lang="en-US" dirty="0" err="1"/>
+              <a:t>Int.MaxValue</a:t>
+            </a:r>
+            <a:r>
+              <a:rPr lang="en-US" dirty="0"/>
+              <a:t>, empty string, </a:t>
+            </a:r>
+            <a:r>
+              <a:rPr lang="en-US" dirty="0" err="1"/>
+              <a:t>etc</a:t>
+            </a:r>
+            <a:r>
+              <a:rPr lang="en-US" dirty="0"/>
+              <a:t>)</a:t>
+            </a:r>
+          </a:p>
+          <a:p>
+            <a:endParaRPr lang="en-US" dirty="0"/>
+          </a:p>
+        </p:txBody>
+      </p:sp>
+      <p:sp>
+        <p:nvSpPr>
+          <p:cNvPr id="4" name="Rectangle 3">
+            <a:extLst>
+              <a:ext uri="{FF2B5EF4-FFF2-40B4-BE49-F238E27FC236}">
+                <a16:creationId xmlns:a16="http://schemas.microsoft.com/office/drawing/2014/main" id="{39C857A7-1D26-0842-9A17-B17CBB7D0C38}"/>
+              </a:ext>
+            </a:extLst>
+          </p:cNvPr>
+          <p:cNvSpPr/>
           <p:nvPr/>
         </p:nvSpPr>
         <p:spPr>
           <a:xfrm>
-            <a:off x="1047182" y="1316081"/>
-            <a:ext cx="9167783" cy="1938992"/>
+            <a:off x="114875" y="6384141"/>
+            <a:ext cx="2504404" cy="307777"/>
           </a:xfrm>
           <a:prstGeom prst="rect">
             <a:avLst/>
           </a:prstGeom>
-          <a:solidFill>
-            <a:schemeClr val="bg1"/>
-          </a:solidFill>
-          <a:ln w="25400">
-            <a:solidFill>
-              <a:schemeClr val="tx1"/>
-            </a:solidFill>
-          </a:ln>
-          <a:effectLst>
-            <a:softEdge rad="31750"/>
-          </a:effectLst>
         </p:spPr>
         <p:txBody>
-          <a:bodyPr wrap="square" rtlCol="0">
+          <a:bodyPr wrap="none">
             <a:spAutoFit/>
           </a:bodyPr>
           <a:lstStyle/>
           <a:p>
             <a:r>
-              <a:rPr lang="en-US" sz="2000" dirty="0">
-                <a:latin typeface="Helvetica" pitchFamily="2" charset="0"/>
-                <a:ea typeface="Gungsuh" panose="02030600000101010101" pitchFamily="18" charset="-127"/>
-              </a:rPr>
-              <a:t>trait Users[E[_]] {</a:t>
-            </a:r>
-          </a:p>
-          <a:p>
-            <a:r>
-              <a:rPr lang="en-US" sz="2000" dirty="0">
-                <a:latin typeface="Helvetica" pitchFamily="2" charset="0"/>
-                <a:ea typeface="Gungsuh" panose="02030600000101010101" pitchFamily="18" charset="-127"/>
-              </a:rPr>
-              <a:t>  def </a:t>
-            </a:r>
-            <a:r>
-              <a:rPr lang="en-US" sz="2000" dirty="0" err="1">
-                <a:latin typeface="Helvetica" pitchFamily="2" charset="0"/>
-                <a:ea typeface="Gungsuh" panose="02030600000101010101" pitchFamily="18" charset="-127"/>
-              </a:rPr>
-              <a:t>findById</a:t>
-            </a:r>
-            <a:r>
-              <a:rPr lang="en-US" sz="2000" dirty="0">
-                <a:latin typeface="Helvetica" pitchFamily="2" charset="0"/>
-                <a:ea typeface="Gungsuh" panose="02030600000101010101" pitchFamily="18" charset="-127"/>
-              </a:rPr>
-              <a:t>(id: UUID) : E[Option[User]]</a:t>
-            </a:r>
-          </a:p>
-          <a:p>
-            <a:r>
-              <a:rPr lang="en-US" sz="2000" dirty="0">
-                <a:latin typeface="Helvetica" pitchFamily="2" charset="0"/>
-                <a:ea typeface="Gungsuh" panose="02030600000101010101" pitchFamily="18" charset="-127"/>
-              </a:rPr>
-              <a:t>  def create(id: UUID, username: String, </a:t>
-            </a:r>
-            <a:r>
-              <a:rPr lang="en-US" sz="2000" dirty="0" err="1">
-                <a:latin typeface="Helvetica" pitchFamily="2" charset="0"/>
-                <a:ea typeface="Gungsuh" panose="02030600000101010101" pitchFamily="18" charset="-127"/>
-              </a:rPr>
-              <a:t>plainTextPassword</a:t>
-            </a:r>
-            <a:r>
-              <a:rPr lang="en-US" sz="2000" dirty="0">
-                <a:latin typeface="Helvetica" pitchFamily="2" charset="0"/>
-                <a:ea typeface="Gungsuh" panose="02030600000101010101" pitchFamily="18" charset="-127"/>
-              </a:rPr>
-              <a:t>: String) : E[Boolean]</a:t>
-            </a:r>
-          </a:p>
-          <a:p>
-            <a:r>
-              <a:rPr lang="en-US" sz="2000" dirty="0">
-                <a:latin typeface="Helvetica" pitchFamily="2" charset="0"/>
-                <a:ea typeface="Gungsuh" panose="02030600000101010101" pitchFamily="18" charset="-127"/>
-              </a:rPr>
-              <a:t>  def remove(</a:t>
-            </a:r>
-            <a:r>
-              <a:rPr lang="en-US" sz="2000" dirty="0" err="1">
-                <a:latin typeface="Helvetica" pitchFamily="2" charset="0"/>
-                <a:ea typeface="Gungsuh" panose="02030600000101010101" pitchFamily="18" charset="-127"/>
-              </a:rPr>
-              <a:t>userId</a:t>
-            </a:r>
-            <a:r>
-              <a:rPr lang="en-US" sz="2000" dirty="0">
-                <a:latin typeface="Helvetica" pitchFamily="2" charset="0"/>
-                <a:ea typeface="Gungsuh" panose="02030600000101010101" pitchFamily="18" charset="-127"/>
-              </a:rPr>
-              <a:t>: UUID) : E[Boolean]</a:t>
-            </a:r>
-          </a:p>
-          <a:p>
-            <a:r>
-              <a:rPr lang="en-US" sz="2000" dirty="0">
-                <a:latin typeface="Helvetica" pitchFamily="2" charset="0"/>
-                <a:ea typeface="Gungsuh" panose="02030600000101010101" pitchFamily="18" charset="-127"/>
-              </a:rPr>
-              <a:t>  …</a:t>
-            </a:r>
-          </a:p>
-          <a:p>
-            <a:r>
-              <a:rPr lang="en-US" sz="2000" dirty="0">
-                <a:latin typeface="Helvetica" pitchFamily="2" charset="0"/>
-                <a:ea typeface="Gungsuh" panose="02030600000101010101" pitchFamily="18" charset="-127"/>
-              </a:rPr>
-              <a:t>}</a:t>
-            </a:r>
-            <a:endParaRPr lang="en-US" sz="2000" dirty="0">
-              <a:latin typeface="Helvetica" pitchFamily="2" charset="0"/>
-              <a:ea typeface="Gungsuh" panose="02030600000101010101" pitchFamily="18" charset="-127"/>
-              <a:cs typeface="Consolas" panose="020B0609020204030204" pitchFamily="49" charset="0"/>
-            </a:endParaRPr>
-          </a:p>
-        </p:txBody>
-      </p:sp>
-      <p:sp>
-        <p:nvSpPr>
-          <p:cNvPr id="8" name="TextBox 7">
-            <a:extLst>
-              <a:ext uri="{FF2B5EF4-FFF2-40B4-BE49-F238E27FC236}">
-                <a16:creationId xmlns:a16="http://schemas.microsoft.com/office/drawing/2014/main" id="{F184318E-BCBC-D245-B43A-6FAE727A2F90}"/>
-              </a:ext>
-            </a:extLst>
-          </p:cNvPr>
-          <p:cNvSpPr txBox="1"/>
-          <p:nvPr/>
-        </p:nvSpPr>
-        <p:spPr>
-          <a:xfrm>
-            <a:off x="612928" y="1316081"/>
-            <a:ext cx="467595" cy="1938992"/>
-          </a:xfrm>
-          <a:prstGeom prst="rect">
-            <a:avLst/>
-          </a:prstGeom>
-          <a:solidFill>
-            <a:schemeClr val="bg1"/>
-          </a:solidFill>
-          <a:ln w="25400">
-            <a:solidFill>
-              <a:schemeClr val="tx1"/>
-            </a:solidFill>
-          </a:ln>
-          <a:effectLst>
-            <a:softEdge rad="31750"/>
-          </a:effectLst>
-        </p:spPr>
-        <p:txBody>
-          <a:bodyPr wrap="square" rtlCol="0">
-            <a:spAutoFit/>
-          </a:bodyPr>
-          <a:lstStyle/>
-          <a:p>
-            <a:r>
-              <a:rPr lang="en-US" sz="2000" dirty="0">
-                <a:latin typeface="Helvetica" pitchFamily="2" charset="0"/>
-                <a:cs typeface="Consolas" panose="020B0609020204030204" pitchFamily="49" charset="0"/>
-              </a:rPr>
-              <a:t>01</a:t>
-            </a:r>
-          </a:p>
-          <a:p>
-            <a:r>
-              <a:rPr lang="en-US" sz="2000" dirty="0">
-                <a:latin typeface="Helvetica" pitchFamily="2" charset="0"/>
-                <a:cs typeface="Consolas" panose="020B0609020204030204" pitchFamily="49" charset="0"/>
-              </a:rPr>
-              <a:t>02</a:t>
-            </a:r>
-          </a:p>
-          <a:p>
-            <a:r>
-              <a:rPr lang="en-US" sz="2000" dirty="0">
-                <a:latin typeface="Helvetica" pitchFamily="2" charset="0"/>
-                <a:cs typeface="Consolas" panose="020B0609020204030204" pitchFamily="49" charset="0"/>
-              </a:rPr>
-              <a:t>03</a:t>
-            </a:r>
-          </a:p>
-          <a:p>
-            <a:r>
-              <a:rPr lang="en-US" sz="2000" dirty="0">
-                <a:latin typeface="Helvetica" pitchFamily="2" charset="0"/>
-                <a:cs typeface="Consolas" panose="020B0609020204030204" pitchFamily="49" charset="0"/>
-              </a:rPr>
-              <a:t>04</a:t>
-            </a:r>
-          </a:p>
-          <a:p>
-            <a:r>
-              <a:rPr lang="en-US" sz="2000" dirty="0">
-                <a:latin typeface="Helvetica" pitchFamily="2" charset="0"/>
-                <a:cs typeface="Consolas" panose="020B0609020204030204" pitchFamily="49" charset="0"/>
-              </a:rPr>
-              <a:t>05</a:t>
-            </a:r>
-          </a:p>
-          <a:p>
-            <a:r>
-              <a:rPr lang="en-US" sz="2000" dirty="0">
-                <a:latin typeface="Helvetica" pitchFamily="2" charset="0"/>
-                <a:cs typeface="Consolas" panose="020B0609020204030204" pitchFamily="49" charset="0"/>
-              </a:rPr>
-              <a:t>06</a:t>
-            </a:r>
-          </a:p>
-        </p:txBody>
-      </p:sp>
-      <p:sp>
-        <p:nvSpPr>
-          <p:cNvPr id="10" name="TextBox 9">
-            <a:extLst>
-              <a:ext uri="{FF2B5EF4-FFF2-40B4-BE49-F238E27FC236}">
-                <a16:creationId xmlns:a16="http://schemas.microsoft.com/office/drawing/2014/main" id="{876C562A-99E6-D046-8C39-8F91EC3C1192}"/>
-              </a:ext>
-            </a:extLst>
-          </p:cNvPr>
-          <p:cNvSpPr txBox="1"/>
-          <p:nvPr/>
-        </p:nvSpPr>
-        <p:spPr>
-          <a:xfrm>
-            <a:off x="1047182" y="3429000"/>
-            <a:ext cx="9167783" cy="2862322"/>
-          </a:xfrm>
-          <a:prstGeom prst="rect">
-            <a:avLst/>
-          </a:prstGeom>
-          <a:solidFill>
-            <a:schemeClr val="bg1"/>
-          </a:solidFill>
-          <a:ln w="25400">
-            <a:solidFill>
-              <a:schemeClr val="tx1"/>
-            </a:solidFill>
-          </a:ln>
-          <a:effectLst>
-            <a:softEdge rad="31750"/>
-          </a:effectLst>
-        </p:spPr>
-        <p:txBody>
-          <a:bodyPr wrap="square" rtlCol="0">
-            <a:spAutoFit/>
-          </a:bodyPr>
-          <a:lstStyle/>
-          <a:p>
-            <a:r>
-              <a:rPr lang="en-US" sz="2000" dirty="0">
-                <a:latin typeface="Helvetica" pitchFamily="2" charset="0"/>
-                <a:ea typeface="Gungsuh" panose="02030600000101010101" pitchFamily="18" charset="-127"/>
-              </a:rPr>
-              <a:t>object Users {</a:t>
-            </a:r>
-          </a:p>
-          <a:p>
-            <a:r>
-              <a:rPr lang="en-US" sz="2000" dirty="0">
-                <a:latin typeface="Helvetica" pitchFamily="2" charset="0"/>
-                <a:ea typeface="Gungsuh" panose="02030600000101010101" pitchFamily="18" charset="-127"/>
-              </a:rPr>
-              <a:t>  case class User(</a:t>
-            </a:r>
-          </a:p>
-          <a:p>
-            <a:r>
-              <a:rPr lang="en-US" sz="2000" dirty="0">
-                <a:latin typeface="Helvetica" pitchFamily="2" charset="0"/>
-                <a:ea typeface="Gungsuh" panose="02030600000101010101" pitchFamily="18" charset="-127"/>
-              </a:rPr>
-              <a:t>    id: UUID,</a:t>
-            </a:r>
-          </a:p>
-          <a:p>
-            <a:r>
-              <a:rPr lang="en-US" sz="2000" dirty="0">
-                <a:latin typeface="Helvetica" pitchFamily="2" charset="0"/>
-                <a:ea typeface="Gungsuh" panose="02030600000101010101" pitchFamily="18" charset="-127"/>
-              </a:rPr>
-              <a:t>    username: String,</a:t>
-            </a:r>
-          </a:p>
-          <a:p>
-            <a:r>
-              <a:rPr lang="en-US" sz="2000" dirty="0">
-                <a:latin typeface="Helvetica" pitchFamily="2" charset="0"/>
-                <a:ea typeface="Gungsuh" panose="02030600000101010101" pitchFamily="18" charset="-127"/>
-              </a:rPr>
-              <a:t>    </a:t>
-            </a:r>
-            <a:r>
-              <a:rPr lang="en-US" sz="2000" dirty="0" err="1">
-                <a:latin typeface="Helvetica" pitchFamily="2" charset="0"/>
-                <a:ea typeface="Gungsuh" panose="02030600000101010101" pitchFamily="18" charset="-127"/>
-              </a:rPr>
-              <a:t>passwordDigest</a:t>
-            </a:r>
-            <a:r>
-              <a:rPr lang="en-US" sz="2000" dirty="0">
-                <a:latin typeface="Helvetica" pitchFamily="2" charset="0"/>
-                <a:ea typeface="Gungsuh" panose="02030600000101010101" pitchFamily="18" charset="-127"/>
-              </a:rPr>
-              <a:t>: String,</a:t>
-            </a:r>
-          </a:p>
-          <a:p>
-            <a:r>
-              <a:rPr lang="en-US" sz="2000" dirty="0">
-                <a:latin typeface="Helvetica" pitchFamily="2" charset="0"/>
-                <a:ea typeface="Gungsuh" panose="02030600000101010101" pitchFamily="18" charset="-127"/>
-              </a:rPr>
-              <a:t>    created: Instant,</a:t>
-            </a:r>
-          </a:p>
-          <a:p>
-            <a:r>
-              <a:rPr lang="en-US" sz="2000" dirty="0">
-                <a:latin typeface="Helvetica" pitchFamily="2" charset="0"/>
-                <a:ea typeface="Gungsuh" panose="02030600000101010101" pitchFamily="18" charset="-127"/>
-              </a:rPr>
-              <a:t>    removed: Option[Instant]</a:t>
-            </a:r>
-          </a:p>
-          <a:p>
-            <a:r>
-              <a:rPr lang="en-US" sz="2000" dirty="0">
-                <a:latin typeface="Helvetica" pitchFamily="2" charset="0"/>
-                <a:ea typeface="Gungsuh" panose="02030600000101010101" pitchFamily="18" charset="-127"/>
-              </a:rPr>
-              <a:t>  )</a:t>
-            </a:r>
-          </a:p>
-          <a:p>
-            <a:r>
-              <a:rPr lang="en-US" sz="2000" dirty="0">
-                <a:latin typeface="Helvetica" pitchFamily="2" charset="0"/>
-                <a:ea typeface="Gungsuh" panose="02030600000101010101" pitchFamily="18" charset="-127"/>
-              </a:rPr>
-              <a:t>}</a:t>
-            </a:r>
-            <a:endParaRPr lang="en-US" sz="2000" dirty="0">
-              <a:latin typeface="Helvetica" pitchFamily="2" charset="0"/>
-              <a:ea typeface="Gungsuh" panose="02030600000101010101" pitchFamily="18" charset="-127"/>
-              <a:cs typeface="Consolas" panose="020B0609020204030204" pitchFamily="49" charset="0"/>
-            </a:endParaRPr>
-          </a:p>
-        </p:txBody>
-      </p:sp>
-      <p:sp>
-        <p:nvSpPr>
-          <p:cNvPr id="11" name="TextBox 10">
-            <a:extLst>
-              <a:ext uri="{FF2B5EF4-FFF2-40B4-BE49-F238E27FC236}">
-                <a16:creationId xmlns:a16="http://schemas.microsoft.com/office/drawing/2014/main" id="{5A32EB12-CFD8-B24C-84FD-47DD6A287E26}"/>
-              </a:ext>
-            </a:extLst>
-          </p:cNvPr>
-          <p:cNvSpPr txBox="1"/>
-          <p:nvPr/>
-        </p:nvSpPr>
-        <p:spPr>
-          <a:xfrm>
-            <a:off x="612928" y="3429000"/>
-            <a:ext cx="467595" cy="2862322"/>
-          </a:xfrm>
-          <a:prstGeom prst="rect">
-            <a:avLst/>
-          </a:prstGeom>
-          <a:solidFill>
-            <a:schemeClr val="bg1"/>
-          </a:solidFill>
-          <a:ln w="25400">
-            <a:solidFill>
-              <a:schemeClr val="tx1"/>
-            </a:solidFill>
-          </a:ln>
-          <a:effectLst>
-            <a:softEdge rad="31750"/>
-          </a:effectLst>
-        </p:spPr>
-        <p:txBody>
-          <a:bodyPr wrap="square" rtlCol="0">
-            <a:spAutoFit/>
-          </a:bodyPr>
-          <a:lstStyle/>
-          <a:p>
-            <a:r>
-              <a:rPr lang="en-US" sz="2000" dirty="0">
-                <a:latin typeface="Helvetica" pitchFamily="2" charset="0"/>
-                <a:cs typeface="Consolas" panose="020B0609020204030204" pitchFamily="49" charset="0"/>
-              </a:rPr>
-              <a:t>01</a:t>
-            </a:r>
-          </a:p>
-          <a:p>
-            <a:r>
-              <a:rPr lang="en-US" sz="2000" dirty="0">
-                <a:latin typeface="Helvetica" pitchFamily="2" charset="0"/>
-                <a:cs typeface="Consolas" panose="020B0609020204030204" pitchFamily="49" charset="0"/>
-              </a:rPr>
-              <a:t>02</a:t>
-            </a:r>
-          </a:p>
-          <a:p>
-            <a:r>
-              <a:rPr lang="en-US" sz="2000" dirty="0">
-                <a:latin typeface="Helvetica" pitchFamily="2" charset="0"/>
-                <a:cs typeface="Consolas" panose="020B0609020204030204" pitchFamily="49" charset="0"/>
-              </a:rPr>
-              <a:t>03</a:t>
-            </a:r>
-          </a:p>
-          <a:p>
-            <a:r>
-              <a:rPr lang="en-US" sz="2000" dirty="0">
-                <a:latin typeface="Helvetica" pitchFamily="2" charset="0"/>
-                <a:cs typeface="Consolas" panose="020B0609020204030204" pitchFamily="49" charset="0"/>
-              </a:rPr>
-              <a:t>04</a:t>
-            </a:r>
-          </a:p>
-          <a:p>
-            <a:r>
-              <a:rPr lang="en-US" sz="2000" dirty="0">
-                <a:latin typeface="Helvetica" pitchFamily="2" charset="0"/>
-                <a:cs typeface="Consolas" panose="020B0609020204030204" pitchFamily="49" charset="0"/>
-              </a:rPr>
-              <a:t>05</a:t>
-            </a:r>
-          </a:p>
-          <a:p>
-            <a:r>
-              <a:rPr lang="en-US" sz="2000" dirty="0">
-                <a:latin typeface="Helvetica" pitchFamily="2" charset="0"/>
-                <a:cs typeface="Consolas" panose="020B0609020204030204" pitchFamily="49" charset="0"/>
-              </a:rPr>
-              <a:t>06</a:t>
-            </a:r>
-          </a:p>
-          <a:p>
-            <a:r>
-              <a:rPr lang="en-US" sz="2000" dirty="0">
-                <a:latin typeface="Helvetica" pitchFamily="2" charset="0"/>
-                <a:cs typeface="Consolas" panose="020B0609020204030204" pitchFamily="49" charset="0"/>
-              </a:rPr>
-              <a:t>07</a:t>
-            </a:r>
-          </a:p>
-          <a:p>
-            <a:r>
-              <a:rPr lang="en-US" sz="2000" dirty="0">
-                <a:latin typeface="Helvetica" pitchFamily="2" charset="0"/>
-                <a:cs typeface="Consolas" panose="020B0609020204030204" pitchFamily="49" charset="0"/>
-              </a:rPr>
-              <a:t>08</a:t>
-            </a:r>
-          </a:p>
-          <a:p>
-            <a:r>
-              <a:rPr lang="en-US" sz="2000" dirty="0">
-                <a:latin typeface="Helvetica" pitchFamily="2" charset="0"/>
-                <a:cs typeface="Consolas" panose="020B0609020204030204" pitchFamily="49" charset="0"/>
-              </a:rPr>
-              <a:t>09</a:t>
+              <a:rPr lang="en-US" sz="1400" dirty="0"/>
+              <a:t>http://</a:t>
+            </a:r>
+            <a:r>
+              <a:rPr lang="en-US" sz="1400" dirty="0" err="1"/>
+              <a:t>www.scalacheck.org</a:t>
+            </a:r>
+            <a:r>
+              <a:rPr lang="en-US" sz="1400" dirty="0"/>
+              <a:t>/</a:t>
             </a:r>
           </a:p>
         </p:txBody>
@@ -8755,7 +8113,7 @@
     </p:spTree>
     <p:extLst>
       <p:ext uri="{BB962C8B-B14F-4D97-AF65-F5344CB8AC3E}">
-        <p14:creationId xmlns:p14="http://schemas.microsoft.com/office/powerpoint/2010/main" val="3548212267"/>
+        <p14:creationId xmlns:p14="http://schemas.microsoft.com/office/powerpoint/2010/main" val="1108997945"/>
       </p:ext>
     </p:extLst>
   </p:cSld>
@@ -8800,24 +8158,26 @@
         </p:nvSpPr>
         <p:spPr/>
         <p:txBody>
-          <a:bodyPr>
-            <a:normAutofit fontScale="90000"/>
-          </a:bodyPr>
-          <a:lstStyle/>
-          <a:p>
-            <a:r>
-              <a:rPr lang="en-US" dirty="0"/>
-              <a:t>Example explicit Users test with mocking</a:t>
-            </a:r>
-          </a:p>
-        </p:txBody>
-      </p:sp>
-      <p:sp>
-        <p:nvSpPr>
-          <p:cNvPr id="7" name="TextBox 6">
+          <a:bodyPr/>
+          <a:lstStyle/>
+          <a:p>
+            <a:r>
+              <a:rPr lang="en-US" dirty="0" err="1"/>
+              <a:t>ScalaCheck</a:t>
+            </a:r>
+            <a:r>
+              <a:rPr lang="en-US" dirty="0"/>
+              <a:t> review</a:t>
+            </a:r>
+          </a:p>
+        </p:txBody>
+      </p:sp>
+      <p:sp>
+        <p:nvSpPr>
+          <p:cNvPr id="6" name="TextBox 5">
             <a:extLst>
               <a:ext uri="{FF2B5EF4-FFF2-40B4-BE49-F238E27FC236}">
-                <a16:creationId xmlns:a16="http://schemas.microsoft.com/office/drawing/2014/main" id="{DC7EEDE6-9EFE-8D44-85F7-46619BF7B609}"/>
+                <a16:creationId xmlns:a16="http://schemas.microsoft.com/office/drawing/2014/main" id="{B08D4C5A-AA31-F14D-8BF0-6D78FFD6E9BB}"/>
               </a:ext>
             </a:extLst>
           </p:cNvPr>
@@ -8826,8 +8186,8 @@
         </p:nvSpPr>
         <p:spPr>
           <a:xfrm>
-            <a:off x="757072" y="1438835"/>
-            <a:ext cx="10806967" cy="5016758"/>
+            <a:off x="1144929" y="1340975"/>
+            <a:ext cx="8263476" cy="5016758"/>
           </a:xfrm>
           <a:prstGeom prst="rect">
             <a:avLst/>
@@ -8855,342 +8215,15 @@
                 <a:latin typeface="Helvetica" pitchFamily="2" charset="0"/>
                 <a:ea typeface="Gungsuh" panose="02030600000101010101" pitchFamily="18" charset="-127"/>
               </a:rPr>
-              <a:t>"</a:t>
+              <a:t>import </a:t>
             </a:r>
             <a:r>
               <a:rPr lang="en-US" sz="2000" dirty="0" err="1">
                 <a:latin typeface="Helvetica" pitchFamily="2" charset="0"/>
                 <a:ea typeface="Gungsuh" panose="02030600000101010101" pitchFamily="18" charset="-127"/>
               </a:rPr>
-              <a:t>UsersImpl.create</a:t>
-            </a:r>
-            <a:r>
-              <a:rPr lang="en-US" sz="2000" dirty="0">
-                <a:latin typeface="Helvetica" pitchFamily="2" charset="0"/>
-                <a:ea typeface="Gungsuh" panose="02030600000101010101" pitchFamily="18" charset="-127"/>
-              </a:rPr>
-              <a:t>" should "create a new user when id &amp; username does not already exist" in {</a:t>
-            </a:r>
-          </a:p>
-          <a:p>
-            <a:r>
-              <a:rPr lang="en-US" sz="2000" dirty="0">
-                <a:latin typeface="Helvetica" pitchFamily="2" charset="0"/>
-                <a:ea typeface="Gungsuh" panose="02030600000101010101" pitchFamily="18" charset="-127"/>
-              </a:rPr>
-              <a:t>    </a:t>
-            </a:r>
-            <a:r>
-              <a:rPr lang="en-US" sz="2000" dirty="0" err="1">
-                <a:latin typeface="Helvetica" pitchFamily="2" charset="0"/>
-                <a:ea typeface="Gungsuh" panose="02030600000101010101" pitchFamily="18" charset="-127"/>
-              </a:rPr>
-              <a:t>val</a:t>
-            </a:r>
-            <a:r>
-              <a:rPr lang="en-US" sz="2000" dirty="0">
-                <a:latin typeface="Helvetica" pitchFamily="2" charset="0"/>
-                <a:ea typeface="Gungsuh" panose="02030600000101010101" pitchFamily="18" charset="-127"/>
-              </a:rPr>
-              <a:t> fixture = new Fixture</a:t>
-            </a:r>
-          </a:p>
-          <a:p>
-            <a:r>
-              <a:rPr lang="en-US" sz="2000" dirty="0">
-                <a:latin typeface="Helvetica" pitchFamily="2" charset="0"/>
-                <a:ea typeface="Gungsuh" panose="02030600000101010101" pitchFamily="18" charset="-127"/>
-              </a:rPr>
-              <a:t>    import fixture._</a:t>
-            </a:r>
-          </a:p>
-          <a:p>
-            <a:r>
-              <a:rPr lang="en-US" sz="2000" dirty="0">
-                <a:latin typeface="Helvetica" pitchFamily="2" charset="0"/>
-                <a:ea typeface="Gungsuh" panose="02030600000101010101" pitchFamily="18" charset="-127"/>
-              </a:rPr>
-              <a:t>    </a:t>
-            </a:r>
-            <a:r>
-              <a:rPr lang="en-US" sz="2000" dirty="0" err="1">
-                <a:latin typeface="Helvetica" pitchFamily="2" charset="0"/>
-                <a:ea typeface="Gungsuh" panose="02030600000101010101" pitchFamily="18" charset="-127"/>
-              </a:rPr>
-              <a:t>val</a:t>
-            </a:r>
-            <a:r>
-              <a:rPr lang="en-US" sz="2000" dirty="0">
-                <a:latin typeface="Helvetica" pitchFamily="2" charset="0"/>
-                <a:ea typeface="Gungsuh" panose="02030600000101010101" pitchFamily="18" charset="-127"/>
-              </a:rPr>
-              <a:t> id = </a:t>
-            </a:r>
-            <a:r>
-              <a:rPr lang="en-US" sz="2000" dirty="0" err="1">
-                <a:latin typeface="Helvetica" pitchFamily="2" charset="0"/>
-                <a:ea typeface="Gungsuh" panose="02030600000101010101" pitchFamily="18" charset="-127"/>
-              </a:rPr>
-              <a:t>UUID.randomUUID</a:t>
-            </a:r>
-            <a:r>
-              <a:rPr lang="en-US" sz="2000" dirty="0">
-                <a:latin typeface="Helvetica" pitchFamily="2" charset="0"/>
-                <a:ea typeface="Gungsuh" panose="02030600000101010101" pitchFamily="18" charset="-127"/>
-              </a:rPr>
-              <a:t>()</a:t>
-            </a:r>
-          </a:p>
-          <a:p>
-            <a:r>
-              <a:rPr lang="en-US" sz="2000" dirty="0">
-                <a:latin typeface="Helvetica" pitchFamily="2" charset="0"/>
-                <a:ea typeface="Gungsuh" panose="02030600000101010101" pitchFamily="18" charset="-127"/>
-              </a:rPr>
-              <a:t>    </a:t>
-            </a:r>
-            <a:r>
-              <a:rPr lang="en-US" sz="2000" dirty="0" err="1">
-                <a:latin typeface="Helvetica" pitchFamily="2" charset="0"/>
-                <a:ea typeface="Gungsuh" panose="02030600000101010101" pitchFamily="18" charset="-127"/>
-              </a:rPr>
-              <a:t>val</a:t>
-            </a:r>
-            <a:r>
-              <a:rPr lang="en-US" sz="2000" dirty="0">
-                <a:latin typeface="Helvetica" pitchFamily="2" charset="0"/>
-                <a:ea typeface="Gungsuh" panose="02030600000101010101" pitchFamily="18" charset="-127"/>
-              </a:rPr>
-              <a:t> </a:t>
-            </a:r>
-            <a:r>
-              <a:rPr lang="en-US" sz="2000" dirty="0" err="1">
-                <a:latin typeface="Helvetica" pitchFamily="2" charset="0"/>
-                <a:ea typeface="Gungsuh" panose="02030600000101010101" pitchFamily="18" charset="-127"/>
-              </a:rPr>
-              <a:t>newUserData</a:t>
-            </a:r>
-            <a:r>
-              <a:rPr lang="en-US" sz="2000" dirty="0">
-                <a:latin typeface="Helvetica" pitchFamily="2" charset="0"/>
-                <a:ea typeface="Gungsuh" panose="02030600000101010101" pitchFamily="18" charset="-127"/>
-              </a:rPr>
-              <a:t> = </a:t>
-            </a:r>
-            <a:r>
-              <a:rPr lang="en-US" sz="2000" dirty="0" err="1">
-                <a:latin typeface="Helvetica" pitchFamily="2" charset="0"/>
-                <a:ea typeface="Gungsuh" panose="02030600000101010101" pitchFamily="18" charset="-127"/>
-              </a:rPr>
-              <a:t>UserData</a:t>
-            </a:r>
-            <a:r>
-              <a:rPr lang="en-US" sz="2000" dirty="0">
-                <a:latin typeface="Helvetica" pitchFamily="2" charset="0"/>
-                <a:ea typeface="Gungsuh" panose="02030600000101010101" pitchFamily="18" charset="-127"/>
-              </a:rPr>
-              <a:t>(</a:t>
-            </a:r>
-          </a:p>
-          <a:p>
-            <a:r>
-              <a:rPr lang="en-US" sz="2000" dirty="0">
-                <a:latin typeface="Helvetica" pitchFamily="2" charset="0"/>
-                <a:ea typeface="Gungsuh" panose="02030600000101010101" pitchFamily="18" charset="-127"/>
-              </a:rPr>
-              <a:t>      username = "test-user",</a:t>
-            </a:r>
-          </a:p>
-          <a:p>
-            <a:r>
-              <a:rPr lang="en-US" sz="2000" dirty="0">
-                <a:latin typeface="Helvetica" pitchFamily="2" charset="0"/>
-                <a:ea typeface="Gungsuh" panose="02030600000101010101" pitchFamily="18" charset="-127"/>
-              </a:rPr>
-              <a:t>      </a:t>
-            </a:r>
-            <a:r>
-              <a:rPr lang="en-US" sz="2000" dirty="0" err="1">
-                <a:latin typeface="Helvetica" pitchFamily="2" charset="0"/>
-                <a:ea typeface="Gungsuh" panose="02030600000101010101" pitchFamily="18" charset="-127"/>
-              </a:rPr>
-              <a:t>passwordDigest</a:t>
-            </a:r>
-            <a:r>
-              <a:rPr lang="en-US" sz="2000" dirty="0">
-                <a:latin typeface="Helvetica" pitchFamily="2" charset="0"/>
-                <a:ea typeface="Gungsuh" panose="02030600000101010101" pitchFamily="18" charset="-127"/>
-              </a:rPr>
-              <a:t> = "test-digest"</a:t>
-            </a:r>
-          </a:p>
-          <a:p>
-            <a:r>
-              <a:rPr lang="en-US" sz="2000" dirty="0">
-                <a:latin typeface="Helvetica" pitchFamily="2" charset="0"/>
-                <a:ea typeface="Gungsuh" panose="02030600000101010101" pitchFamily="18" charset="-127"/>
-              </a:rPr>
-              <a:t>    )</a:t>
-            </a:r>
-          </a:p>
-          <a:p>
-            <a:r>
-              <a:rPr lang="en-US" sz="2000" dirty="0">
-                <a:latin typeface="Helvetica" pitchFamily="2" charset="0"/>
-                <a:ea typeface="Gungsuh" panose="02030600000101010101" pitchFamily="18" charset="-127"/>
-              </a:rPr>
-              <a:t>    (</a:t>
-            </a:r>
-            <a:r>
-              <a:rPr lang="en-US" sz="2000" dirty="0" err="1">
-                <a:latin typeface="Helvetica" pitchFamily="2" charset="0"/>
-                <a:ea typeface="Gungsuh" panose="02030600000101010101" pitchFamily="18" charset="-127"/>
-              </a:rPr>
-              <a:t>usersDao.findById</a:t>
-            </a:r>
-            <a:r>
-              <a:rPr lang="en-US" sz="2000" dirty="0">
-                <a:latin typeface="Helvetica" pitchFamily="2" charset="0"/>
-                <a:ea typeface="Gungsuh" panose="02030600000101010101" pitchFamily="18" charset="-127"/>
-              </a:rPr>
-              <a:t> _).expects(id).returns(None).once</a:t>
-            </a:r>
-          </a:p>
-          <a:p>
-            <a:r>
-              <a:rPr lang="en-US" sz="2000" dirty="0">
-                <a:latin typeface="Helvetica" pitchFamily="2" charset="0"/>
-                <a:ea typeface="Gungsuh" panose="02030600000101010101" pitchFamily="18" charset="-127"/>
-              </a:rPr>
-              <a:t>    (</a:t>
-            </a:r>
-            <a:r>
-              <a:rPr lang="en-US" sz="2000" dirty="0" err="1">
-                <a:latin typeface="Helvetica" pitchFamily="2" charset="0"/>
-                <a:ea typeface="Gungsuh" panose="02030600000101010101" pitchFamily="18" charset="-127"/>
-              </a:rPr>
-              <a:t>usersDao.findByNativeQuery</a:t>
-            </a:r>
-            <a:r>
-              <a:rPr lang="en-US" sz="2000" dirty="0">
-                <a:latin typeface="Helvetica" pitchFamily="2" charset="0"/>
-                <a:ea typeface="Gungsuh" panose="02030600000101010101" pitchFamily="18" charset="-127"/>
-              </a:rPr>
-              <a:t> _).expects("`username`='test-user'").returns(</a:t>
-            </a:r>
-            <a:r>
-              <a:rPr lang="en-US" sz="2000" dirty="0" err="1">
-                <a:latin typeface="Helvetica" pitchFamily="2" charset="0"/>
-                <a:ea typeface="Gungsuh" panose="02030600000101010101" pitchFamily="18" charset="-127"/>
-              </a:rPr>
-              <a:t>Seq.empty</a:t>
-            </a:r>
-            <a:r>
-              <a:rPr lang="en-US" sz="2000" dirty="0">
-                <a:latin typeface="Helvetica" pitchFamily="2" charset="0"/>
-                <a:ea typeface="Gungsuh" panose="02030600000101010101" pitchFamily="18" charset="-127"/>
-              </a:rPr>
-              <a:t>).once</a:t>
-            </a:r>
-          </a:p>
-          <a:p>
-            <a:r>
-              <a:rPr lang="en-US" sz="2000" dirty="0">
-                <a:latin typeface="Helvetica" pitchFamily="2" charset="0"/>
-                <a:ea typeface="Gungsuh" panose="02030600000101010101" pitchFamily="18" charset="-127"/>
-              </a:rPr>
-              <a:t>    (</a:t>
-            </a:r>
-            <a:r>
-              <a:rPr lang="en-US" sz="2000" dirty="0" err="1">
-                <a:latin typeface="Helvetica" pitchFamily="2" charset="0"/>
-                <a:ea typeface="Gungsuh" panose="02030600000101010101" pitchFamily="18" charset="-127"/>
-              </a:rPr>
-              <a:t>passwords.mkDigest</a:t>
-            </a:r>
-            <a:r>
-              <a:rPr lang="en-US" sz="2000" dirty="0">
-                <a:latin typeface="Helvetica" pitchFamily="2" charset="0"/>
-                <a:ea typeface="Gungsuh" panose="02030600000101010101" pitchFamily="18" charset="-127"/>
-              </a:rPr>
-              <a:t> _).when("test-password").returns("test-digest")</a:t>
-            </a:r>
-          </a:p>
-          <a:p>
-            <a:r>
-              <a:rPr lang="en-US" sz="2000" dirty="0">
-                <a:latin typeface="Helvetica" pitchFamily="2" charset="0"/>
-                <a:ea typeface="Gungsuh" panose="02030600000101010101" pitchFamily="18" charset="-127"/>
-              </a:rPr>
-              <a:t>    (</a:t>
-            </a:r>
-            <a:r>
-              <a:rPr lang="en-US" sz="2000" dirty="0" err="1">
-                <a:latin typeface="Helvetica" pitchFamily="2" charset="0"/>
-                <a:ea typeface="Gungsuh" panose="02030600000101010101" pitchFamily="18" charset="-127"/>
-              </a:rPr>
-              <a:t>usersDao.insert</a:t>
-            </a:r>
-            <a:r>
-              <a:rPr lang="en-US" sz="2000" dirty="0">
-                <a:latin typeface="Helvetica" pitchFamily="2" charset="0"/>
-                <a:ea typeface="Gungsuh" panose="02030600000101010101" pitchFamily="18" charset="-127"/>
-              </a:rPr>
-              <a:t> _).expects(id, </a:t>
-            </a:r>
-            <a:r>
-              <a:rPr lang="en-US" sz="2000" dirty="0" err="1">
-                <a:latin typeface="Helvetica" pitchFamily="2" charset="0"/>
-                <a:ea typeface="Gungsuh" panose="02030600000101010101" pitchFamily="18" charset="-127"/>
-              </a:rPr>
-              <a:t>newUserData</a:t>
-            </a:r>
-            <a:r>
-              <a:rPr lang="en-US" sz="2000" dirty="0">
-                <a:latin typeface="Helvetica" pitchFamily="2" charset="0"/>
-                <a:ea typeface="Gungsuh" panose="02030600000101010101" pitchFamily="18" charset="-127"/>
-              </a:rPr>
-              <a:t>).returns(true).once</a:t>
-            </a:r>
-          </a:p>
-          <a:p>
-            <a:r>
-              <a:rPr lang="en-US" sz="2000" dirty="0">
-                <a:latin typeface="Helvetica" pitchFamily="2" charset="0"/>
-                <a:ea typeface="Gungsuh" panose="02030600000101010101" pitchFamily="18" charset="-127"/>
-              </a:rPr>
-              <a:t>    (</a:t>
-            </a:r>
-            <a:r>
-              <a:rPr lang="en-US" sz="2000" dirty="0" err="1">
-                <a:latin typeface="Helvetica" pitchFamily="2" charset="0"/>
-                <a:ea typeface="Gungsuh" panose="02030600000101010101" pitchFamily="18" charset="-127"/>
-              </a:rPr>
-              <a:t>logger.info</a:t>
-            </a:r>
-            <a:r>
-              <a:rPr lang="en-US" sz="2000" dirty="0">
-                <a:latin typeface="Helvetica" pitchFamily="2" charset="0"/>
-                <a:ea typeface="Gungsuh" panose="02030600000101010101" pitchFamily="18" charset="-127"/>
-              </a:rPr>
-              <a:t> _).expects(</a:t>
-            </a:r>
-            <a:r>
-              <a:rPr lang="en-US" sz="2000" dirty="0" err="1">
-                <a:latin typeface="Helvetica" pitchFamily="2" charset="0"/>
-                <a:ea typeface="Gungsuh" panose="02030600000101010101" pitchFamily="18" charset="-127"/>
-              </a:rPr>
-              <a:t>s"Created</a:t>
-            </a:r>
-            <a:r>
-              <a:rPr lang="en-US" sz="2000" dirty="0">
-                <a:latin typeface="Helvetica" pitchFamily="2" charset="0"/>
-                <a:ea typeface="Gungsuh" panose="02030600000101010101" pitchFamily="18" charset="-127"/>
-              </a:rPr>
-              <a:t> user $id with username test-user").once</a:t>
-            </a:r>
-          </a:p>
-          <a:p>
+              <a:t>org.scalacheck.Properties</a:t>
+            </a:r>
             <a:endParaRPr lang="en-US" sz="2000" dirty="0">
               <a:latin typeface="Helvetica" pitchFamily="2" charset="0"/>
               <a:ea typeface="Gungsuh" panose="02030600000101010101" pitchFamily="18" charset="-127"/>
@@ -9202,63 +8235,121 @@
                 <a:latin typeface="Helvetica" pitchFamily="2" charset="0"/>
                 <a:ea typeface="Gungsuh" panose="02030600000101010101" pitchFamily="18" charset="-127"/>
               </a:rPr>
-              <a:t>    </a:t>
+              <a:t>import </a:t>
             </a:r>
             <a:r>
               <a:rPr lang="en-US" sz="2000" dirty="0" err="1">
                 <a:latin typeface="Helvetica" pitchFamily="2" charset="0"/>
                 <a:ea typeface="Gungsuh" panose="02030600000101010101" pitchFamily="18" charset="-127"/>
               </a:rPr>
-              <a:t>users.create</a:t>
-            </a:r>
-            <a:r>
-              <a:rPr lang="en-US" sz="2000" dirty="0">
-                <a:latin typeface="Helvetica" pitchFamily="2" charset="0"/>
-                <a:ea typeface="Gungsuh" panose="02030600000101010101" pitchFamily="18" charset="-127"/>
-              </a:rPr>
-              <a:t>(</a:t>
+              <a:t>org.scalacheck.Prop.forAll</a:t>
+            </a:r>
+            <a:endParaRPr lang="en-US" sz="2000" dirty="0">
+              <a:latin typeface="Helvetica" pitchFamily="2" charset="0"/>
+              <a:ea typeface="Gungsuh" panose="02030600000101010101" pitchFamily="18" charset="-127"/>
+            </a:endParaRPr>
+          </a:p>
+          <a:p>
+            <a:endParaRPr lang="en-US" sz="2000" dirty="0">
+              <a:latin typeface="Helvetica" pitchFamily="2" charset="0"/>
+              <a:ea typeface="Gungsuh" panose="02030600000101010101" pitchFamily="18" charset="-127"/>
+            </a:endParaRPr>
+          </a:p>
+          <a:p>
+            <a:r>
+              <a:rPr lang="en-US" sz="2000" dirty="0">
+                <a:latin typeface="Helvetica" pitchFamily="2" charset="0"/>
+                <a:ea typeface="Gungsuh" panose="02030600000101010101" pitchFamily="18" charset="-127"/>
+              </a:rPr>
+              <a:t>object </a:t>
             </a:r>
             <a:r>
               <a:rPr lang="en-US" sz="2000" dirty="0" err="1">
                 <a:latin typeface="Helvetica" pitchFamily="2" charset="0"/>
                 <a:ea typeface="Gungsuh" panose="02030600000101010101" pitchFamily="18" charset="-127"/>
               </a:rPr>
-              <a:t>id,"test</a:t>
-            </a:r>
-            <a:r>
-              <a:rPr lang="en-US" sz="2000" dirty="0">
-                <a:latin typeface="Helvetica" pitchFamily="2" charset="0"/>
-                <a:ea typeface="Gungsuh" panose="02030600000101010101" pitchFamily="18" charset="-127"/>
-              </a:rPr>
-              <a:t>-</a:t>
+              <a:t>StringSpecification</a:t>
+            </a:r>
+            <a:r>
+              <a:rPr lang="en-US" sz="2000" dirty="0">
+                <a:latin typeface="Helvetica" pitchFamily="2" charset="0"/>
+                <a:ea typeface="Gungsuh" panose="02030600000101010101" pitchFamily="18" charset="-127"/>
+              </a:rPr>
+              <a:t> extends Properties("String") {</a:t>
+            </a:r>
+          </a:p>
+          <a:p>
+            <a:r>
+              <a:rPr lang="en-US" sz="2000" dirty="0">
+                <a:latin typeface="Helvetica" pitchFamily="2" charset="0"/>
+                <a:ea typeface="Gungsuh" panose="02030600000101010101" pitchFamily="18" charset="-127"/>
+              </a:rPr>
+              <a:t>  property("</a:t>
             </a:r>
             <a:r>
               <a:rPr lang="en-US" sz="2000" dirty="0" err="1">
                 <a:latin typeface="Helvetica" pitchFamily="2" charset="0"/>
                 <a:ea typeface="Gungsuh" panose="02030600000101010101" pitchFamily="18" charset="-127"/>
               </a:rPr>
-              <a:t>user","test</a:t>
-            </a:r>
-            <a:r>
-              <a:rPr lang="en-US" sz="2000" dirty="0">
-                <a:latin typeface="Helvetica" pitchFamily="2" charset="0"/>
-                <a:ea typeface="Gungsuh" panose="02030600000101010101" pitchFamily="18" charset="-127"/>
-              </a:rPr>
-              <a:t>-password") </a:t>
+              <a:t>startsWith</a:t>
+            </a:r>
+            <a:r>
+              <a:rPr lang="en-US" sz="2000" dirty="0">
+                <a:latin typeface="Helvetica" pitchFamily="2" charset="0"/>
+                <a:ea typeface="Gungsuh" panose="02030600000101010101" pitchFamily="18" charset="-127"/>
+              </a:rPr>
+              <a:t>") = </a:t>
             </a:r>
             <a:r>
               <a:rPr lang="en-US" sz="2000" dirty="0" err="1">
                 <a:latin typeface="Helvetica" pitchFamily="2" charset="0"/>
                 <a:ea typeface="Gungsuh" panose="02030600000101010101" pitchFamily="18" charset="-127"/>
               </a:rPr>
-              <a:t>shouldBe</a:t>
-            </a:r>
-            <a:r>
-              <a:rPr lang="en-US" sz="2000" dirty="0">
-                <a:latin typeface="Helvetica" pitchFamily="2" charset="0"/>
-                <a:ea typeface="Gungsuh" panose="02030600000101010101" pitchFamily="18" charset="-127"/>
-              </a:rPr>
-              <a:t> true</a:t>
+              <a:t>forAll</a:t>
+            </a:r>
+            <a:r>
+              <a:rPr lang="en-US" sz="2000" dirty="0">
+                <a:latin typeface="Helvetica" pitchFamily="2" charset="0"/>
+                <a:ea typeface="Gungsuh" panose="02030600000101010101" pitchFamily="18" charset="-127"/>
+              </a:rPr>
+              <a:t> { (a: String, b: String) =&gt;</a:t>
+            </a:r>
+          </a:p>
+          <a:p>
+            <a:r>
+              <a:rPr lang="en-US" sz="2000" dirty="0">
+                <a:latin typeface="Helvetica" pitchFamily="2" charset="0"/>
+                <a:ea typeface="Gungsuh" panose="02030600000101010101" pitchFamily="18" charset="-127"/>
+              </a:rPr>
+              <a:t>    (</a:t>
+            </a:r>
+            <a:r>
+              <a:rPr lang="en-US" sz="2000" dirty="0" err="1">
+                <a:latin typeface="Helvetica" pitchFamily="2" charset="0"/>
+                <a:ea typeface="Gungsuh" panose="02030600000101010101" pitchFamily="18" charset="-127"/>
+              </a:rPr>
+              <a:t>a+b</a:t>
+            </a:r>
+            <a:r>
+              <a:rPr lang="en-US" sz="2000" dirty="0">
+                <a:latin typeface="Helvetica" pitchFamily="2" charset="0"/>
+                <a:ea typeface="Gungsuh" panose="02030600000101010101" pitchFamily="18" charset="-127"/>
+              </a:rPr>
+              <a:t>).</a:t>
+            </a:r>
+            <a:r>
+              <a:rPr lang="en-US" sz="2000" dirty="0" err="1">
+                <a:latin typeface="Helvetica" pitchFamily="2" charset="0"/>
+                <a:ea typeface="Gungsuh" panose="02030600000101010101" pitchFamily="18" charset="-127"/>
+              </a:rPr>
+              <a:t>startsWith</a:t>
+            </a:r>
+            <a:r>
+              <a:rPr lang="en-US" sz="2000" dirty="0">
+                <a:latin typeface="Helvetica" pitchFamily="2" charset="0"/>
+                <a:ea typeface="Gungsuh" panose="02030600000101010101" pitchFamily="18" charset="-127"/>
+              </a:rPr>
+              <a:t>(a)</a:t>
             </a:r>
           </a:p>
           <a:p>
@@ -9268,6 +8359,204 @@
                 <a:ea typeface="Gungsuh" panose="02030600000101010101" pitchFamily="18" charset="-127"/>
               </a:rPr>
               <a:t>  }</a:t>
+            </a:r>
+          </a:p>
+          <a:p>
+            <a:endParaRPr lang="en-US" sz="2000" dirty="0">
+              <a:latin typeface="Helvetica" pitchFamily="2" charset="0"/>
+              <a:ea typeface="Gungsuh" panose="02030600000101010101" pitchFamily="18" charset="-127"/>
+            </a:endParaRPr>
+          </a:p>
+          <a:p>
+            <a:r>
+              <a:rPr lang="en-US" sz="2000" dirty="0">
+                <a:latin typeface="Helvetica" pitchFamily="2" charset="0"/>
+                <a:ea typeface="Gungsuh" panose="02030600000101010101" pitchFamily="18" charset="-127"/>
+              </a:rPr>
+              <a:t>  property("concatenate") = </a:t>
+            </a:r>
+            <a:r>
+              <a:rPr lang="en-US" sz="2000" dirty="0" err="1">
+                <a:latin typeface="Helvetica" pitchFamily="2" charset="0"/>
+                <a:ea typeface="Gungsuh" panose="02030600000101010101" pitchFamily="18" charset="-127"/>
+              </a:rPr>
+              <a:t>forAll</a:t>
+            </a:r>
+            <a:r>
+              <a:rPr lang="en-US" sz="2000" dirty="0">
+                <a:latin typeface="Helvetica" pitchFamily="2" charset="0"/>
+                <a:ea typeface="Gungsuh" panose="02030600000101010101" pitchFamily="18" charset="-127"/>
+              </a:rPr>
+              <a:t> { (a: String, b: String) =&gt;</a:t>
+            </a:r>
+          </a:p>
+          <a:p>
+            <a:r>
+              <a:rPr lang="en-US" sz="2000" dirty="0">
+                <a:latin typeface="Helvetica" pitchFamily="2" charset="0"/>
+                <a:ea typeface="Gungsuh" panose="02030600000101010101" pitchFamily="18" charset="-127"/>
+              </a:rPr>
+              <a:t>    (</a:t>
+            </a:r>
+            <a:r>
+              <a:rPr lang="en-US" sz="2000" dirty="0" err="1">
+                <a:latin typeface="Helvetica" pitchFamily="2" charset="0"/>
+                <a:ea typeface="Gungsuh" panose="02030600000101010101" pitchFamily="18" charset="-127"/>
+              </a:rPr>
+              <a:t>a+b</a:t>
+            </a:r>
+            <a:r>
+              <a:rPr lang="en-US" sz="2000" dirty="0">
+                <a:latin typeface="Helvetica" pitchFamily="2" charset="0"/>
+                <a:ea typeface="Gungsuh" panose="02030600000101010101" pitchFamily="18" charset="-127"/>
+              </a:rPr>
+              <a:t>).length &gt; </a:t>
+            </a:r>
+            <a:r>
+              <a:rPr lang="en-US" sz="2000" dirty="0" err="1">
+                <a:latin typeface="Helvetica" pitchFamily="2" charset="0"/>
+                <a:ea typeface="Gungsuh" panose="02030600000101010101" pitchFamily="18" charset="-127"/>
+              </a:rPr>
+              <a:t>a.length</a:t>
+            </a:r>
+            <a:r>
+              <a:rPr lang="en-US" sz="2000" dirty="0">
+                <a:latin typeface="Helvetica" pitchFamily="2" charset="0"/>
+                <a:ea typeface="Gungsuh" panose="02030600000101010101" pitchFamily="18" charset="-127"/>
+              </a:rPr>
+              <a:t> &amp;&amp; (</a:t>
+            </a:r>
+            <a:r>
+              <a:rPr lang="en-US" sz="2000" dirty="0" err="1">
+                <a:latin typeface="Helvetica" pitchFamily="2" charset="0"/>
+                <a:ea typeface="Gungsuh" panose="02030600000101010101" pitchFamily="18" charset="-127"/>
+              </a:rPr>
+              <a:t>a+b</a:t>
+            </a:r>
+            <a:r>
+              <a:rPr lang="en-US" sz="2000" dirty="0">
+                <a:latin typeface="Helvetica" pitchFamily="2" charset="0"/>
+                <a:ea typeface="Gungsuh" panose="02030600000101010101" pitchFamily="18" charset="-127"/>
+              </a:rPr>
+              <a:t>).length &gt; </a:t>
+            </a:r>
+            <a:r>
+              <a:rPr lang="en-US" sz="2000" dirty="0" err="1">
+                <a:latin typeface="Helvetica" pitchFamily="2" charset="0"/>
+                <a:ea typeface="Gungsuh" panose="02030600000101010101" pitchFamily="18" charset="-127"/>
+              </a:rPr>
+              <a:t>b.length</a:t>
+            </a:r>
+            <a:endParaRPr lang="en-US" sz="2000" dirty="0">
+              <a:latin typeface="Helvetica" pitchFamily="2" charset="0"/>
+              <a:ea typeface="Gungsuh" panose="02030600000101010101" pitchFamily="18" charset="-127"/>
+            </a:endParaRPr>
+          </a:p>
+          <a:p>
+            <a:r>
+              <a:rPr lang="en-US" sz="2000" dirty="0">
+                <a:latin typeface="Helvetica" pitchFamily="2" charset="0"/>
+                <a:ea typeface="Gungsuh" panose="02030600000101010101" pitchFamily="18" charset="-127"/>
+              </a:rPr>
+              <a:t>  }</a:t>
+            </a:r>
+          </a:p>
+          <a:p>
+            <a:endParaRPr lang="en-US" sz="2000" dirty="0">
+              <a:latin typeface="Helvetica" pitchFamily="2" charset="0"/>
+              <a:ea typeface="Gungsuh" panose="02030600000101010101" pitchFamily="18" charset="-127"/>
+            </a:endParaRPr>
+          </a:p>
+          <a:p>
+            <a:r>
+              <a:rPr lang="en-US" sz="2000" dirty="0">
+                <a:latin typeface="Helvetica" pitchFamily="2" charset="0"/>
+                <a:ea typeface="Gungsuh" panose="02030600000101010101" pitchFamily="18" charset="-127"/>
+              </a:rPr>
+              <a:t>  property("substring") = </a:t>
+            </a:r>
+            <a:r>
+              <a:rPr lang="en-US" sz="2000" dirty="0" err="1">
+                <a:latin typeface="Helvetica" pitchFamily="2" charset="0"/>
+                <a:ea typeface="Gungsuh" panose="02030600000101010101" pitchFamily="18" charset="-127"/>
+              </a:rPr>
+              <a:t>forAll</a:t>
+            </a:r>
+            <a:r>
+              <a:rPr lang="en-US" sz="2000" dirty="0">
+                <a:latin typeface="Helvetica" pitchFamily="2" charset="0"/>
+                <a:ea typeface="Gungsuh" panose="02030600000101010101" pitchFamily="18" charset="-127"/>
+              </a:rPr>
+              <a:t> { (a: String, b: String, c: String) =&gt;</a:t>
+            </a:r>
+          </a:p>
+          <a:p>
+            <a:r>
+              <a:rPr lang="en-US" sz="2000" dirty="0">
+                <a:latin typeface="Helvetica" pitchFamily="2" charset="0"/>
+                <a:ea typeface="Gungsuh" panose="02030600000101010101" pitchFamily="18" charset="-127"/>
+              </a:rPr>
+              <a:t>    (</a:t>
+            </a:r>
+            <a:r>
+              <a:rPr lang="en-US" sz="2000" dirty="0" err="1">
+                <a:latin typeface="Helvetica" pitchFamily="2" charset="0"/>
+                <a:ea typeface="Gungsuh" panose="02030600000101010101" pitchFamily="18" charset="-127"/>
+              </a:rPr>
+              <a:t>a+b+c</a:t>
+            </a:r>
+            <a:r>
+              <a:rPr lang="en-US" sz="2000" dirty="0">
+                <a:latin typeface="Helvetica" pitchFamily="2" charset="0"/>
+                <a:ea typeface="Gungsuh" panose="02030600000101010101" pitchFamily="18" charset="-127"/>
+              </a:rPr>
+              <a:t>).substring(</a:t>
+            </a:r>
+            <a:r>
+              <a:rPr lang="en-US" sz="2000" dirty="0" err="1">
+                <a:latin typeface="Helvetica" pitchFamily="2" charset="0"/>
+                <a:ea typeface="Gungsuh" panose="02030600000101010101" pitchFamily="18" charset="-127"/>
+              </a:rPr>
+              <a:t>a.length</a:t>
+            </a:r>
+            <a:r>
+              <a:rPr lang="en-US" sz="2000" dirty="0">
+                <a:latin typeface="Helvetica" pitchFamily="2" charset="0"/>
+                <a:ea typeface="Gungsuh" panose="02030600000101010101" pitchFamily="18" charset="-127"/>
+              </a:rPr>
+              <a:t>, </a:t>
+            </a:r>
+            <a:r>
+              <a:rPr lang="en-US" sz="2000" dirty="0" err="1">
+                <a:latin typeface="Helvetica" pitchFamily="2" charset="0"/>
+                <a:ea typeface="Gungsuh" panose="02030600000101010101" pitchFamily="18" charset="-127"/>
+              </a:rPr>
+              <a:t>a.length+b.length</a:t>
+            </a:r>
+            <a:r>
+              <a:rPr lang="en-US" sz="2000" dirty="0">
+                <a:latin typeface="Helvetica" pitchFamily="2" charset="0"/>
+                <a:ea typeface="Gungsuh" panose="02030600000101010101" pitchFamily="18" charset="-127"/>
+              </a:rPr>
+              <a:t>) == b</a:t>
+            </a:r>
+          </a:p>
+          <a:p>
+            <a:r>
+              <a:rPr lang="en-US" sz="2000" dirty="0">
+                <a:latin typeface="Helvetica" pitchFamily="2" charset="0"/>
+                <a:ea typeface="Gungsuh" panose="02030600000101010101" pitchFamily="18" charset="-127"/>
+              </a:rPr>
+              <a:t>  }</a:t>
+            </a:r>
+          </a:p>
+          <a:p>
+            <a:r>
+              <a:rPr lang="en-US" sz="2000" dirty="0">
+                <a:latin typeface="Helvetica" pitchFamily="2" charset="0"/>
+                <a:ea typeface="Gungsuh" panose="02030600000101010101" pitchFamily="18" charset="-127"/>
+              </a:rPr>
+              <a:t>}</a:t>
             </a:r>
             <a:endParaRPr lang="en-US" sz="2000" dirty="0">
               <a:latin typeface="Helvetica" pitchFamily="2" charset="0"/>
@@ -9279,10 +8568,10 @@
       </p:sp>
       <p:sp>
         <p:nvSpPr>
-          <p:cNvPr id="8" name="TextBox 7">
+          <p:cNvPr id="7" name="TextBox 6">
             <a:extLst>
               <a:ext uri="{FF2B5EF4-FFF2-40B4-BE49-F238E27FC236}">
-                <a16:creationId xmlns:a16="http://schemas.microsoft.com/office/drawing/2014/main" id="{F184318E-BCBC-D245-B43A-6FAE727A2F90}"/>
+                <a16:creationId xmlns:a16="http://schemas.microsoft.com/office/drawing/2014/main" id="{DC167C0C-3363-5446-8350-6E15CD273C24}"/>
               </a:ext>
             </a:extLst>
           </p:cNvPr>
@@ -9291,7 +8580,7 @@
         </p:nvSpPr>
         <p:spPr>
           <a:xfrm>
-            <a:off x="322818" y="1438835"/>
+            <a:off x="677334" y="1340974"/>
             <a:ext cx="467595" cy="5016758"/>
           </a:xfrm>
           <a:prstGeom prst="rect">
@@ -9460,10 +8749,52 @@
           </a:p>
         </p:txBody>
       </p:sp>
+      <p:sp>
+        <p:nvSpPr>
+          <p:cNvPr id="8" name="Rectangle 7">
+            <a:extLst>
+              <a:ext uri="{FF2B5EF4-FFF2-40B4-BE49-F238E27FC236}">
+                <a16:creationId xmlns:a16="http://schemas.microsoft.com/office/drawing/2014/main" id="{E94AB6E7-EF5B-A242-88BE-47E980CDC710}"/>
+              </a:ext>
+            </a:extLst>
+          </p:cNvPr>
+          <p:cNvSpPr/>
+          <p:nvPr/>
+        </p:nvSpPr>
+        <p:spPr>
+          <a:xfrm>
+            <a:off x="114875" y="6384141"/>
+            <a:ext cx="2504404" cy="307777"/>
+          </a:xfrm>
+          <a:prstGeom prst="rect">
+            <a:avLst/>
+          </a:prstGeom>
+        </p:spPr>
+        <p:txBody>
+          <a:bodyPr wrap="none">
+            <a:spAutoFit/>
+          </a:bodyPr>
+          <a:lstStyle/>
+          <a:p>
+            <a:r>
+              <a:rPr lang="en-US" sz="1400" dirty="0"/>
+              <a:t>http://</a:t>
+            </a:r>
+            <a:r>
+              <a:rPr lang="en-US" sz="1400" dirty="0" err="1"/>
+              <a:t>www.scalacheck.org</a:t>
+            </a:r>
+            <a:r>
+              <a:rPr lang="en-US" sz="1400" dirty="0"/>
+              <a:t>/</a:t>
+            </a:r>
+          </a:p>
+        </p:txBody>
+      </p:sp>
     </p:spTree>
     <p:extLst>
       <p:ext uri="{BB962C8B-B14F-4D97-AF65-F5344CB8AC3E}">
-        <p14:creationId xmlns:p14="http://schemas.microsoft.com/office/powerpoint/2010/main" val="3872760914"/>
+        <p14:creationId xmlns:p14="http://schemas.microsoft.com/office/powerpoint/2010/main" val="2896758919"/>
       </p:ext>
     </p:extLst>
   </p:cSld>
@@ -9474,6 +8805,814 @@
 </file>
 
 <file path=ppt/slides/slide13.xml><?xml version="1.0" encoding="utf-8"?>
+<p:sld xmlns:a="http://schemas.openxmlformats.org/drawingml/2006/main" xmlns:r="http://schemas.openxmlformats.org/officeDocument/2006/relationships" xmlns:p="http://schemas.openxmlformats.org/presentationml/2006/main">
+  <p:cSld>
+    <p:spTree>
+      <p:nvGrpSpPr>
+        <p:cNvPr id="1" name=""/>
+        <p:cNvGrpSpPr/>
+        <p:nvPr/>
+      </p:nvGrpSpPr>
+      <p:grpSpPr>
+        <a:xfrm>
+          <a:off x="0" y="0"/>
+          <a:ext cx="0" cy="0"/>
+          <a:chOff x="0" y="0"/>
+          <a:chExt cx="0" cy="0"/>
+        </a:xfrm>
+      </p:grpSpPr>
+      <p:sp>
+        <p:nvSpPr>
+          <p:cNvPr id="2" name="Title 1">
+            <a:extLst>
+              <a:ext uri="{FF2B5EF4-FFF2-40B4-BE49-F238E27FC236}">
+                <a16:creationId xmlns:a16="http://schemas.microsoft.com/office/drawing/2014/main" id="{249BB390-5AC9-C143-AB84-CAE4A51FD5E5}"/>
+              </a:ext>
+            </a:extLst>
+          </p:cNvPr>
+          <p:cNvSpPr>
+            <a:spLocks noGrp="1"/>
+          </p:cNvSpPr>
+          <p:nvPr>
+            <p:ph type="title"/>
+          </p:nvPr>
+        </p:nvSpPr>
+        <p:spPr/>
+        <p:txBody>
+          <a:bodyPr/>
+          <a:lstStyle/>
+          <a:p>
+            <a:r>
+              <a:rPr lang="en-US" dirty="0"/>
+              <a:t>Discipline review</a:t>
+            </a:r>
+          </a:p>
+        </p:txBody>
+      </p:sp>
+      <p:sp>
+        <p:nvSpPr>
+          <p:cNvPr id="5" name="Content Placeholder 4">
+            <a:extLst>
+              <a:ext uri="{FF2B5EF4-FFF2-40B4-BE49-F238E27FC236}">
+                <a16:creationId xmlns:a16="http://schemas.microsoft.com/office/drawing/2014/main" id="{D0054D16-DC8B-8643-A913-9EE22E1155F6}"/>
+              </a:ext>
+            </a:extLst>
+          </p:cNvPr>
+          <p:cNvSpPr>
+            <a:spLocks noGrp="1"/>
+          </p:cNvSpPr>
+          <p:nvPr>
+            <p:ph idx="1"/>
+          </p:nvPr>
+        </p:nvSpPr>
+        <p:spPr/>
+        <p:txBody>
+          <a:bodyPr/>
+          <a:lstStyle/>
+          <a:p>
+            <a:r>
+              <a:rPr lang="en-US" dirty="0"/>
+              <a:t>Allows writing </a:t>
+            </a:r>
+            <a:r>
+              <a:rPr lang="en-US" dirty="0" err="1"/>
+              <a:t>RuleSets</a:t>
+            </a:r>
+            <a:r>
+              <a:rPr lang="en-US" dirty="0"/>
+              <a:t>:</a:t>
+            </a:r>
+          </a:p>
+          <a:p>
+            <a:pPr lvl="1"/>
+            <a:r>
+              <a:rPr lang="en-US" dirty="0"/>
+              <a:t>Consists of named “laws” (i.e. </a:t>
+            </a:r>
+            <a:r>
+              <a:rPr lang="en-US" dirty="0" err="1"/>
+              <a:t>ScalaCheck</a:t>
+            </a:r>
+            <a:r>
+              <a:rPr lang="en-US" dirty="0"/>
+              <a:t> Prop)</a:t>
+            </a:r>
+          </a:p>
+          <a:p>
+            <a:pPr lvl="1"/>
+            <a:r>
+              <a:rPr lang="en-US" dirty="0"/>
+              <a:t>Allows for re-using laws from other </a:t>
+            </a:r>
+            <a:r>
+              <a:rPr lang="en-US" dirty="0" err="1"/>
+              <a:t>RuleSets</a:t>
+            </a:r>
+            <a:r>
+              <a:rPr lang="en-US" dirty="0"/>
+              <a:t> (parents &amp; bases)</a:t>
+            </a:r>
+          </a:p>
+          <a:p>
+            <a:pPr lvl="2"/>
+            <a:r>
+              <a:rPr lang="en-US" dirty="0"/>
+              <a:t>Not utilized here</a:t>
+            </a:r>
+          </a:p>
+          <a:p>
+            <a:r>
+              <a:rPr lang="en-US" dirty="0" err="1"/>
+              <a:t>checkAll</a:t>
+            </a:r>
+            <a:r>
+              <a:rPr lang="en-US" dirty="0"/>
+              <a:t> tests all properties in </a:t>
+            </a:r>
+            <a:r>
+              <a:rPr lang="en-US" dirty="0" err="1"/>
+              <a:t>RuleSets</a:t>
+            </a:r>
+            <a:endParaRPr lang="en-US" dirty="0"/>
+          </a:p>
+        </p:txBody>
+      </p:sp>
+      <p:sp>
+        <p:nvSpPr>
+          <p:cNvPr id="3" name="Rectangle 2">
+            <a:extLst>
+              <a:ext uri="{FF2B5EF4-FFF2-40B4-BE49-F238E27FC236}">
+                <a16:creationId xmlns:a16="http://schemas.microsoft.com/office/drawing/2014/main" id="{591717F9-EE04-BF49-9CEC-E9BE34FCFD44}"/>
+              </a:ext>
+            </a:extLst>
+          </p:cNvPr>
+          <p:cNvSpPr/>
+          <p:nvPr/>
+        </p:nvSpPr>
+        <p:spPr>
+          <a:xfrm>
+            <a:off x="114875" y="6384141"/>
+            <a:ext cx="4682692" cy="307777"/>
+          </a:xfrm>
+          <a:prstGeom prst="rect">
+            <a:avLst/>
+          </a:prstGeom>
+        </p:spPr>
+        <p:txBody>
+          <a:bodyPr wrap="none">
+            <a:spAutoFit/>
+          </a:bodyPr>
+          <a:lstStyle/>
+          <a:p>
+            <a:r>
+              <a:rPr lang="en-US" sz="1400" dirty="0"/>
+              <a:t>https://</a:t>
+            </a:r>
+            <a:r>
+              <a:rPr lang="en-US" sz="1400" dirty="0" err="1"/>
+              <a:t>typelevel.org</a:t>
+            </a:r>
+            <a:r>
+              <a:rPr lang="en-US" sz="1400" dirty="0"/>
+              <a:t>/blog/2013/11/17/</a:t>
+            </a:r>
+            <a:r>
+              <a:rPr lang="en-US" sz="1400" dirty="0" err="1"/>
+              <a:t>discipline.html</a:t>
+            </a:r>
+            <a:endParaRPr lang="en-US" sz="1400" dirty="0"/>
+          </a:p>
+        </p:txBody>
+      </p:sp>
+    </p:spTree>
+    <p:extLst>
+      <p:ext uri="{BB962C8B-B14F-4D97-AF65-F5344CB8AC3E}">
+        <p14:creationId xmlns:p14="http://schemas.microsoft.com/office/powerpoint/2010/main" val="3308599455"/>
+      </p:ext>
+    </p:extLst>
+  </p:cSld>
+  <p:clrMapOvr>
+    <a:masterClrMapping/>
+  </p:clrMapOvr>
+</p:sld>
+</file>
+
+<file path=ppt/slides/slide14.xml><?xml version="1.0" encoding="utf-8"?>
+<p:sld xmlns:a="http://schemas.openxmlformats.org/drawingml/2006/main" xmlns:r="http://schemas.openxmlformats.org/officeDocument/2006/relationships" xmlns:p="http://schemas.openxmlformats.org/presentationml/2006/main">
+  <p:cSld>
+    <p:spTree>
+      <p:nvGrpSpPr>
+        <p:cNvPr id="1" name=""/>
+        <p:cNvGrpSpPr/>
+        <p:nvPr/>
+      </p:nvGrpSpPr>
+      <p:grpSpPr>
+        <a:xfrm>
+          <a:off x="0" y="0"/>
+          <a:ext cx="0" cy="0"/>
+          <a:chOff x="0" y="0"/>
+          <a:chExt cx="0" cy="0"/>
+        </a:xfrm>
+      </p:grpSpPr>
+      <p:sp>
+        <p:nvSpPr>
+          <p:cNvPr id="2" name="Title 1">
+            <a:extLst>
+              <a:ext uri="{FF2B5EF4-FFF2-40B4-BE49-F238E27FC236}">
+                <a16:creationId xmlns:a16="http://schemas.microsoft.com/office/drawing/2014/main" id="{249BB390-5AC9-C143-AB84-CAE4A51FD5E5}"/>
+              </a:ext>
+            </a:extLst>
+          </p:cNvPr>
+          <p:cNvSpPr>
+            <a:spLocks noGrp="1"/>
+          </p:cNvSpPr>
+          <p:nvPr>
+            <p:ph type="title"/>
+          </p:nvPr>
+        </p:nvSpPr>
+        <p:spPr/>
+        <p:txBody>
+          <a:bodyPr/>
+          <a:lstStyle/>
+          <a:p>
+            <a:r>
+              <a:rPr lang="en-US" dirty="0"/>
+              <a:t>Discipline review</a:t>
+            </a:r>
+          </a:p>
+        </p:txBody>
+      </p:sp>
+      <p:sp>
+        <p:nvSpPr>
+          <p:cNvPr id="7" name="TextBox 6">
+            <a:extLst>
+              <a:ext uri="{FF2B5EF4-FFF2-40B4-BE49-F238E27FC236}">
+                <a16:creationId xmlns:a16="http://schemas.microsoft.com/office/drawing/2014/main" id="{DC7EEDE6-9EFE-8D44-85F7-46619BF7B609}"/>
+              </a:ext>
+            </a:extLst>
+          </p:cNvPr>
+          <p:cNvSpPr txBox="1"/>
+          <p:nvPr/>
+        </p:nvSpPr>
+        <p:spPr>
+          <a:xfrm>
+            <a:off x="1879288" y="1782923"/>
+            <a:ext cx="6927119" cy="4093428"/>
+          </a:xfrm>
+          <a:prstGeom prst="rect">
+            <a:avLst/>
+          </a:prstGeom>
+          <a:solidFill>
+            <a:schemeClr val="bg1"/>
+          </a:solidFill>
+          <a:ln w="25400">
+            <a:solidFill>
+              <a:schemeClr val="tx1"/>
+            </a:solidFill>
+          </a:ln>
+          <a:effectLst>
+            <a:softEdge rad="31750"/>
+          </a:effectLst>
+        </p:spPr>
+        <p:txBody>
+          <a:bodyPr wrap="square" rtlCol="0">
+            <a:spAutoFit/>
+          </a:bodyPr>
+          <a:lstStyle/>
+          <a:p>
+            <a:r>
+              <a:rPr lang="en-US" sz="2000" dirty="0">
+                <a:latin typeface="Helvetica" pitchFamily="2" charset="0"/>
+                <a:ea typeface="Gungsuh" panose="02030600000101010101" pitchFamily="18" charset="-127"/>
+              </a:rPr>
+              <a:t>trait Laws {</a:t>
+            </a:r>
+          </a:p>
+          <a:p>
+            <a:r>
+              <a:rPr lang="en-US" sz="2000" dirty="0">
+                <a:latin typeface="Helvetica" pitchFamily="2" charset="0"/>
+                <a:ea typeface="Gungsuh" panose="02030600000101010101" pitchFamily="18" charset="-127"/>
+              </a:rPr>
+              <a:t>  trait </a:t>
+            </a:r>
+            <a:r>
+              <a:rPr lang="en-US" sz="2000" dirty="0" err="1">
+                <a:latin typeface="Helvetica" pitchFamily="2" charset="0"/>
+                <a:ea typeface="Gungsuh" panose="02030600000101010101" pitchFamily="18" charset="-127"/>
+              </a:rPr>
+              <a:t>RuleSet</a:t>
+            </a:r>
+            <a:r>
+              <a:rPr lang="en-US" sz="2000" dirty="0">
+                <a:latin typeface="Helvetica" pitchFamily="2" charset="0"/>
+                <a:ea typeface="Gungsuh" panose="02030600000101010101" pitchFamily="18" charset="-127"/>
+              </a:rPr>
+              <a:t> {</a:t>
+            </a:r>
+          </a:p>
+          <a:p>
+            <a:r>
+              <a:rPr lang="en-US" sz="2000" dirty="0">
+                <a:latin typeface="Helvetica" pitchFamily="2" charset="0"/>
+                <a:ea typeface="Gungsuh" panose="02030600000101010101" pitchFamily="18" charset="-127"/>
+              </a:rPr>
+              <a:t>    def name: String</a:t>
+            </a:r>
+          </a:p>
+          <a:p>
+            <a:r>
+              <a:rPr lang="en-US" sz="2000" dirty="0">
+                <a:latin typeface="Helvetica" pitchFamily="2" charset="0"/>
+                <a:ea typeface="Gungsuh" panose="02030600000101010101" pitchFamily="18" charset="-127"/>
+              </a:rPr>
+              <a:t>    def bases: </a:t>
+            </a:r>
+            <a:r>
+              <a:rPr lang="en-US" sz="2000" dirty="0" err="1">
+                <a:latin typeface="Helvetica" pitchFamily="2" charset="0"/>
+                <a:ea typeface="Gungsuh" panose="02030600000101010101" pitchFamily="18" charset="-127"/>
+              </a:rPr>
+              <a:t>Seq</a:t>
+            </a:r>
+            <a:r>
+              <a:rPr lang="en-US" sz="2000" dirty="0">
+                <a:latin typeface="Helvetica" pitchFamily="2" charset="0"/>
+                <a:ea typeface="Gungsuh" panose="02030600000101010101" pitchFamily="18" charset="-127"/>
+              </a:rPr>
+              <a:t>[(String, </a:t>
+            </a:r>
+            <a:r>
+              <a:rPr lang="en-US" sz="2000" dirty="0" err="1">
+                <a:latin typeface="Helvetica" pitchFamily="2" charset="0"/>
+                <a:ea typeface="Gungsuh" panose="02030600000101010101" pitchFamily="18" charset="-127"/>
+              </a:rPr>
+              <a:t>Laws#RuleSet</a:t>
+            </a:r>
+            <a:r>
+              <a:rPr lang="en-US" sz="2000" dirty="0">
+                <a:latin typeface="Helvetica" pitchFamily="2" charset="0"/>
+                <a:ea typeface="Gungsuh" panose="02030600000101010101" pitchFamily="18" charset="-127"/>
+              </a:rPr>
+              <a:t>)] = </a:t>
+            </a:r>
+            <a:r>
+              <a:rPr lang="en-US" sz="2000" dirty="0" err="1">
+                <a:latin typeface="Helvetica" pitchFamily="2" charset="0"/>
+                <a:ea typeface="Gungsuh" panose="02030600000101010101" pitchFamily="18" charset="-127"/>
+              </a:rPr>
+              <a:t>Seq</a:t>
+            </a:r>
+            <a:r>
+              <a:rPr lang="en-US" sz="2000" dirty="0">
+                <a:latin typeface="Helvetica" pitchFamily="2" charset="0"/>
+                <a:ea typeface="Gungsuh" panose="02030600000101010101" pitchFamily="18" charset="-127"/>
+              </a:rPr>
+              <a:t>()</a:t>
+            </a:r>
+          </a:p>
+          <a:p>
+            <a:r>
+              <a:rPr lang="en-US" sz="2000" dirty="0">
+                <a:latin typeface="Helvetica" pitchFamily="2" charset="0"/>
+                <a:ea typeface="Gungsuh" panose="02030600000101010101" pitchFamily="18" charset="-127"/>
+              </a:rPr>
+              <a:t>    def parents: </a:t>
+            </a:r>
+            <a:r>
+              <a:rPr lang="en-US" sz="2000" dirty="0" err="1">
+                <a:latin typeface="Helvetica" pitchFamily="2" charset="0"/>
+                <a:ea typeface="Gungsuh" panose="02030600000101010101" pitchFamily="18" charset="-127"/>
+              </a:rPr>
+              <a:t>Seq</a:t>
+            </a:r>
+            <a:r>
+              <a:rPr lang="en-US" sz="2000" dirty="0">
+                <a:latin typeface="Helvetica" pitchFamily="2" charset="0"/>
+                <a:ea typeface="Gungsuh" panose="02030600000101010101" pitchFamily="18" charset="-127"/>
+              </a:rPr>
+              <a:t>[</a:t>
+            </a:r>
+            <a:r>
+              <a:rPr lang="en-US" sz="2000" dirty="0" err="1">
+                <a:latin typeface="Helvetica" pitchFamily="2" charset="0"/>
+                <a:ea typeface="Gungsuh" panose="02030600000101010101" pitchFamily="18" charset="-127"/>
+              </a:rPr>
+              <a:t>RuleSet</a:t>
+            </a:r>
+            <a:r>
+              <a:rPr lang="en-US" sz="2000" dirty="0">
+                <a:latin typeface="Helvetica" pitchFamily="2" charset="0"/>
+                <a:ea typeface="Gungsuh" panose="02030600000101010101" pitchFamily="18" charset="-127"/>
+              </a:rPr>
+              <a:t>] = </a:t>
+            </a:r>
+            <a:r>
+              <a:rPr lang="en-US" sz="2000" dirty="0" err="1">
+                <a:latin typeface="Helvetica" pitchFamily="2" charset="0"/>
+                <a:ea typeface="Gungsuh" panose="02030600000101010101" pitchFamily="18" charset="-127"/>
+              </a:rPr>
+              <a:t>Seq</a:t>
+            </a:r>
+            <a:r>
+              <a:rPr lang="en-US" sz="2000" dirty="0">
+                <a:latin typeface="Helvetica" pitchFamily="2" charset="0"/>
+                <a:ea typeface="Gungsuh" panose="02030600000101010101" pitchFamily="18" charset="-127"/>
+              </a:rPr>
+              <a:t>()</a:t>
+            </a:r>
+          </a:p>
+          <a:p>
+            <a:r>
+              <a:rPr lang="en-US" sz="2000" dirty="0">
+                <a:latin typeface="Helvetica" pitchFamily="2" charset="0"/>
+                <a:ea typeface="Gungsuh" panose="02030600000101010101" pitchFamily="18" charset="-127"/>
+              </a:rPr>
+              <a:t>    def props: </a:t>
+            </a:r>
+            <a:r>
+              <a:rPr lang="en-US" sz="2000" dirty="0" err="1">
+                <a:latin typeface="Helvetica" pitchFamily="2" charset="0"/>
+                <a:ea typeface="Gungsuh" panose="02030600000101010101" pitchFamily="18" charset="-127"/>
+              </a:rPr>
+              <a:t>Seq</a:t>
+            </a:r>
+            <a:r>
+              <a:rPr lang="en-US" sz="2000" dirty="0">
+                <a:latin typeface="Helvetica" pitchFamily="2" charset="0"/>
+                <a:ea typeface="Gungsuh" panose="02030600000101010101" pitchFamily="18" charset="-127"/>
+              </a:rPr>
+              <a:t>[(String, Prop)] = </a:t>
+            </a:r>
+            <a:r>
+              <a:rPr lang="en-US" sz="2000" dirty="0" err="1">
+                <a:latin typeface="Helvetica" pitchFamily="2" charset="0"/>
+                <a:ea typeface="Gungsuh" panose="02030600000101010101" pitchFamily="18" charset="-127"/>
+              </a:rPr>
+              <a:t>Seq</a:t>
+            </a:r>
+            <a:r>
+              <a:rPr lang="en-US" sz="2000" dirty="0">
+                <a:latin typeface="Helvetica" pitchFamily="2" charset="0"/>
+                <a:ea typeface="Gungsuh" panose="02030600000101010101" pitchFamily="18" charset="-127"/>
+              </a:rPr>
+              <a:t>()</a:t>
+            </a:r>
+          </a:p>
+          <a:p>
+            <a:r>
+              <a:rPr lang="en-US" sz="2000" dirty="0">
+                <a:latin typeface="Helvetica" pitchFamily="2" charset="0"/>
+                <a:ea typeface="Gungsuh" panose="02030600000101010101" pitchFamily="18" charset="-127"/>
+              </a:rPr>
+              <a:t>    // ...</a:t>
+            </a:r>
+          </a:p>
+          <a:p>
+            <a:r>
+              <a:rPr lang="en-US" sz="2000" dirty="0">
+                <a:latin typeface="Helvetica" pitchFamily="2" charset="0"/>
+                <a:ea typeface="Gungsuh" panose="02030600000101010101" pitchFamily="18" charset="-127"/>
+              </a:rPr>
+              <a:t>  }</a:t>
+            </a:r>
+          </a:p>
+          <a:p>
+            <a:r>
+              <a:rPr lang="en-US" sz="2000" dirty="0">
+                <a:latin typeface="Helvetica" pitchFamily="2" charset="0"/>
+                <a:ea typeface="Gungsuh" panose="02030600000101010101" pitchFamily="18" charset="-127"/>
+              </a:rPr>
+              <a:t>}</a:t>
+            </a:r>
+          </a:p>
+          <a:p>
+            <a:r>
+              <a:rPr lang="en-US" sz="2000" dirty="0">
+                <a:latin typeface="Helvetica" pitchFamily="2" charset="0"/>
+                <a:ea typeface="Gungsuh" panose="02030600000101010101" pitchFamily="18" charset="-127"/>
+              </a:rPr>
+              <a:t>class </a:t>
+            </a:r>
+            <a:r>
+              <a:rPr lang="en-US" sz="2000" dirty="0" err="1">
+                <a:latin typeface="Helvetica" pitchFamily="2" charset="0"/>
+                <a:ea typeface="Gungsuh" panose="02030600000101010101" pitchFamily="18" charset="-127"/>
+              </a:rPr>
+              <a:t>SomeTypeclassLaws</a:t>
+            </a:r>
+            <a:r>
+              <a:rPr lang="en-US" sz="2000" dirty="0">
+                <a:latin typeface="Helvetica" pitchFamily="2" charset="0"/>
+                <a:ea typeface="Gungsuh" panose="02030600000101010101" pitchFamily="18" charset="-127"/>
+              </a:rPr>
+              <a:t> extends Laws {</a:t>
+            </a:r>
+          </a:p>
+          <a:p>
+            <a:r>
+              <a:rPr lang="en-US" sz="2000" dirty="0">
+                <a:latin typeface="Helvetica" pitchFamily="2" charset="0"/>
+                <a:ea typeface="Gungsuh" panose="02030600000101010101" pitchFamily="18" charset="-127"/>
+              </a:rPr>
+              <a:t>   </a:t>
+            </a:r>
+            <a:r>
+              <a:rPr lang="en-US" sz="2000" dirty="0" err="1">
+                <a:latin typeface="Helvetica" pitchFamily="2" charset="0"/>
+                <a:ea typeface="Gungsuh" panose="02030600000101010101" pitchFamily="18" charset="-127"/>
+              </a:rPr>
+              <a:t>val</a:t>
+            </a:r>
+            <a:r>
+              <a:rPr lang="en-US" sz="2000" dirty="0">
+                <a:latin typeface="Helvetica" pitchFamily="2" charset="0"/>
+                <a:ea typeface="Gungsuh" panose="02030600000101010101" pitchFamily="18" charset="-127"/>
+              </a:rPr>
+              <a:t> laws : </a:t>
+            </a:r>
+            <a:r>
+              <a:rPr lang="en-US" sz="2000" dirty="0" err="1">
+                <a:latin typeface="Helvetica" pitchFamily="2" charset="0"/>
+                <a:ea typeface="Gungsuh" panose="02030600000101010101" pitchFamily="18" charset="-127"/>
+              </a:rPr>
+              <a:t>RuleSet</a:t>
+            </a:r>
+            <a:r>
+              <a:rPr lang="en-US" sz="2000" dirty="0">
+                <a:latin typeface="Helvetica" pitchFamily="2" charset="0"/>
+                <a:ea typeface="Gungsuh" panose="02030600000101010101" pitchFamily="18" charset="-127"/>
+              </a:rPr>
+              <a:t> = ???</a:t>
+            </a:r>
+          </a:p>
+          <a:p>
+            <a:r>
+              <a:rPr lang="en-US" sz="2000" dirty="0">
+                <a:latin typeface="Helvetica" pitchFamily="2" charset="0"/>
+                <a:ea typeface="Gungsuh" panose="02030600000101010101" pitchFamily="18" charset="-127"/>
+              </a:rPr>
+              <a:t>}</a:t>
+            </a:r>
+          </a:p>
+          <a:p>
+            <a:r>
+              <a:rPr lang="en-US" dirty="0" err="1"/>
+              <a:t>checkAll</a:t>
+            </a:r>
+            <a:r>
+              <a:rPr lang="en-US" dirty="0"/>
+              <a:t>(”</a:t>
+            </a:r>
+            <a:r>
+              <a:rPr lang="en-US" dirty="0" err="1"/>
+              <a:t>SomeTypeClass</a:t>
+            </a:r>
+            <a:r>
+              <a:rPr lang="en-US" dirty="0"/>
+              <a:t>",</a:t>
+            </a:r>
+            <a:r>
+              <a:rPr lang="en-US" sz="2000" dirty="0"/>
+              <a:t> </a:t>
+            </a:r>
+            <a:r>
+              <a:rPr lang="en-US" sz="2000" dirty="0" err="1"/>
+              <a:t>Some</a:t>
+            </a:r>
+            <a:r>
+              <a:rPr lang="en-US" dirty="0" err="1"/>
+              <a:t>TypeClassLaws.laws</a:t>
+            </a:r>
+            <a:r>
+              <a:rPr lang="en-US" dirty="0"/>
+              <a:t>)</a:t>
+            </a:r>
+            <a:endParaRPr lang="en-US" sz="2000" dirty="0">
+              <a:latin typeface="Helvetica" pitchFamily="2" charset="0"/>
+              <a:ea typeface="Gungsuh" panose="02030600000101010101" pitchFamily="18" charset="-127"/>
+              <a:cs typeface="Consolas" panose="020B0609020204030204" pitchFamily="49" charset="0"/>
+            </a:endParaRPr>
+          </a:p>
+        </p:txBody>
+      </p:sp>
+      <p:sp>
+        <p:nvSpPr>
+          <p:cNvPr id="8" name="TextBox 7">
+            <a:extLst>
+              <a:ext uri="{FF2B5EF4-FFF2-40B4-BE49-F238E27FC236}">
+                <a16:creationId xmlns:a16="http://schemas.microsoft.com/office/drawing/2014/main" id="{F184318E-BCBC-D245-B43A-6FAE727A2F90}"/>
+              </a:ext>
+            </a:extLst>
+          </p:cNvPr>
+          <p:cNvSpPr txBox="1"/>
+          <p:nvPr/>
+        </p:nvSpPr>
+        <p:spPr>
+          <a:xfrm>
+            <a:off x="1418957" y="1782923"/>
+            <a:ext cx="467595" cy="4093428"/>
+          </a:xfrm>
+          <a:prstGeom prst="rect">
+            <a:avLst/>
+          </a:prstGeom>
+          <a:solidFill>
+            <a:schemeClr val="bg1"/>
+          </a:solidFill>
+          <a:ln w="25400">
+            <a:solidFill>
+              <a:schemeClr val="tx1"/>
+            </a:solidFill>
+          </a:ln>
+          <a:effectLst>
+            <a:softEdge rad="31750"/>
+          </a:effectLst>
+        </p:spPr>
+        <p:txBody>
+          <a:bodyPr wrap="square" rtlCol="0">
+            <a:spAutoFit/>
+          </a:bodyPr>
+          <a:lstStyle/>
+          <a:p>
+            <a:r>
+              <a:rPr lang="en-US" sz="2000" dirty="0">
+                <a:latin typeface="Helvetica" pitchFamily="2" charset="0"/>
+                <a:cs typeface="Consolas" panose="020B0609020204030204" pitchFamily="49" charset="0"/>
+              </a:rPr>
+              <a:t>01</a:t>
+            </a:r>
+          </a:p>
+          <a:p>
+            <a:r>
+              <a:rPr lang="en-US" sz="2000" dirty="0">
+                <a:latin typeface="Helvetica" pitchFamily="2" charset="0"/>
+                <a:cs typeface="Consolas" panose="020B0609020204030204" pitchFamily="49" charset="0"/>
+              </a:rPr>
+              <a:t>02</a:t>
+            </a:r>
+          </a:p>
+          <a:p>
+            <a:r>
+              <a:rPr lang="en-US" sz="2000" dirty="0">
+                <a:latin typeface="Helvetica" pitchFamily="2" charset="0"/>
+                <a:cs typeface="Consolas" panose="020B0609020204030204" pitchFamily="49" charset="0"/>
+              </a:rPr>
+              <a:t>03</a:t>
+            </a:r>
+          </a:p>
+          <a:p>
+            <a:r>
+              <a:rPr lang="en-US" sz="2000" dirty="0">
+                <a:latin typeface="Helvetica" pitchFamily="2" charset="0"/>
+                <a:cs typeface="Consolas" panose="020B0609020204030204" pitchFamily="49" charset="0"/>
+              </a:rPr>
+              <a:t>04</a:t>
+            </a:r>
+          </a:p>
+          <a:p>
+            <a:r>
+              <a:rPr lang="en-US" sz="2000" dirty="0">
+                <a:latin typeface="Helvetica" pitchFamily="2" charset="0"/>
+                <a:cs typeface="Consolas" panose="020B0609020204030204" pitchFamily="49" charset="0"/>
+              </a:rPr>
+              <a:t>05</a:t>
+            </a:r>
+          </a:p>
+          <a:p>
+            <a:r>
+              <a:rPr lang="en-US" sz="2000" dirty="0">
+                <a:latin typeface="Helvetica" pitchFamily="2" charset="0"/>
+                <a:cs typeface="Consolas" panose="020B0609020204030204" pitchFamily="49" charset="0"/>
+              </a:rPr>
+              <a:t>06</a:t>
+            </a:r>
+          </a:p>
+          <a:p>
+            <a:r>
+              <a:rPr lang="en-US" sz="2000" dirty="0">
+                <a:latin typeface="Helvetica" pitchFamily="2" charset="0"/>
+                <a:cs typeface="Consolas" panose="020B0609020204030204" pitchFamily="49" charset="0"/>
+              </a:rPr>
+              <a:t>07</a:t>
+            </a:r>
+          </a:p>
+          <a:p>
+            <a:r>
+              <a:rPr lang="en-US" sz="2000" dirty="0">
+                <a:latin typeface="Helvetica" pitchFamily="2" charset="0"/>
+                <a:cs typeface="Consolas" panose="020B0609020204030204" pitchFamily="49" charset="0"/>
+              </a:rPr>
+              <a:t>08</a:t>
+            </a:r>
+          </a:p>
+          <a:p>
+            <a:r>
+              <a:rPr lang="en-US" sz="2000" dirty="0">
+                <a:latin typeface="Helvetica" pitchFamily="2" charset="0"/>
+                <a:cs typeface="Consolas" panose="020B0609020204030204" pitchFamily="49" charset="0"/>
+              </a:rPr>
+              <a:t>09</a:t>
+            </a:r>
+          </a:p>
+          <a:p>
+            <a:r>
+              <a:rPr lang="en-US" sz="2000" dirty="0">
+                <a:latin typeface="Helvetica" pitchFamily="2" charset="0"/>
+                <a:cs typeface="Consolas" panose="020B0609020204030204" pitchFamily="49" charset="0"/>
+              </a:rPr>
+              <a:t>10</a:t>
+            </a:r>
+          </a:p>
+          <a:p>
+            <a:r>
+              <a:rPr lang="en-US" sz="2000" dirty="0">
+                <a:latin typeface="Helvetica" pitchFamily="2" charset="0"/>
+                <a:cs typeface="Consolas" panose="020B0609020204030204" pitchFamily="49" charset="0"/>
+              </a:rPr>
+              <a:t>11</a:t>
+            </a:r>
+          </a:p>
+          <a:p>
+            <a:r>
+              <a:rPr lang="en-US" sz="2000" dirty="0">
+                <a:latin typeface="Helvetica" pitchFamily="2" charset="0"/>
+                <a:cs typeface="Consolas" panose="020B0609020204030204" pitchFamily="49" charset="0"/>
+              </a:rPr>
+              <a:t>12</a:t>
+            </a:r>
+          </a:p>
+          <a:p>
+            <a:r>
+              <a:rPr lang="en-US" sz="2000" dirty="0">
+                <a:latin typeface="Helvetica" pitchFamily="2" charset="0"/>
+                <a:cs typeface="Consolas" panose="020B0609020204030204" pitchFamily="49" charset="0"/>
+              </a:rPr>
+              <a:t>13</a:t>
+            </a:r>
+          </a:p>
+        </p:txBody>
+      </p:sp>
+      <p:sp>
+        <p:nvSpPr>
+          <p:cNvPr id="10" name="Rectangle 9">
+            <a:extLst>
+              <a:ext uri="{FF2B5EF4-FFF2-40B4-BE49-F238E27FC236}">
+                <a16:creationId xmlns:a16="http://schemas.microsoft.com/office/drawing/2014/main" id="{2B44C2EB-8E1D-9041-8385-5CD6CD3E0AEC}"/>
+              </a:ext>
+            </a:extLst>
+          </p:cNvPr>
+          <p:cNvSpPr/>
+          <p:nvPr/>
+        </p:nvSpPr>
+        <p:spPr>
+          <a:xfrm>
+            <a:off x="114875" y="6384141"/>
+            <a:ext cx="4682692" cy="307777"/>
+          </a:xfrm>
+          <a:prstGeom prst="rect">
+            <a:avLst/>
+          </a:prstGeom>
+        </p:spPr>
+        <p:txBody>
+          <a:bodyPr wrap="none">
+            <a:spAutoFit/>
+          </a:bodyPr>
+          <a:lstStyle/>
+          <a:p>
+            <a:r>
+              <a:rPr lang="en-US" sz="1400" dirty="0"/>
+              <a:t>https://</a:t>
+            </a:r>
+            <a:r>
+              <a:rPr lang="en-US" sz="1400" dirty="0" err="1"/>
+              <a:t>typelevel.org</a:t>
+            </a:r>
+            <a:r>
+              <a:rPr lang="en-US" sz="1400" dirty="0"/>
+              <a:t>/blog/2013/11/17/</a:t>
+            </a:r>
+            <a:r>
+              <a:rPr lang="en-US" sz="1400" dirty="0" err="1"/>
+              <a:t>discipline.html</a:t>
+            </a:r>
+            <a:endParaRPr lang="en-US" sz="1400" dirty="0"/>
+          </a:p>
+        </p:txBody>
+      </p:sp>
+    </p:spTree>
+    <p:extLst>
+      <p:ext uri="{BB962C8B-B14F-4D97-AF65-F5344CB8AC3E}">
+        <p14:creationId xmlns:p14="http://schemas.microsoft.com/office/powerpoint/2010/main" val="1302149225"/>
+      </p:ext>
+    </p:extLst>
+  </p:cSld>
+  <p:clrMapOvr>
+    <a:masterClrMapping/>
+  </p:clrMapOvr>
+</p:sld>
+</file>
+
+<file path=ppt/slides/slide15.xml><?xml version="1.0" encoding="utf-8"?>
 <p:sld xmlns:a="http://schemas.openxmlformats.org/drawingml/2006/main" xmlns:r="http://schemas.openxmlformats.org/officeDocument/2006/relationships" xmlns:p="http://schemas.openxmlformats.org/presentationml/2006/main">
   <p:cSld>
     <p:spTree>
@@ -9982,8 +10121,8 @@
         </p:nvSpPr>
         <p:spPr>
           <a:xfrm>
-            <a:off x="6381120" y="2518151"/>
-            <a:ext cx="5429104" cy="2585323"/>
+            <a:off x="6381120" y="2379652"/>
+            <a:ext cx="5429104" cy="2862322"/>
           </a:xfrm>
           <a:prstGeom prst="rect">
             <a:avLst/>
@@ -10041,6 +10180,8 @@
               <a:rPr lang="en-US" dirty="0"/>
               <a:t>) </a:t>
             </a:r>
+          </a:p>
+          <a:p>
             <a:r>
               <a:rPr lang="en-US" b="1" dirty="0"/>
               <a:t>&lt;-&gt;</a:t>
@@ -10200,7 +10341,7 @@
         <p:spPr>
           <a:xfrm>
             <a:off x="1277471" y="6158712"/>
-            <a:ext cx="5719836" cy="369332"/>
+            <a:ext cx="6473695" cy="369332"/>
           </a:xfrm>
           <a:prstGeom prst="rect">
             <a:avLst/>
@@ -10215,7 +10356,7 @@
           <a:p>
             <a:r>
               <a:rPr lang="en-US" dirty="0"/>
-              <a:t>Note: a &lt;-&gt; b means a must be “equal” to b (</a:t>
+              <a:t>Note: a &lt;-&gt; b means ‘a’ must be “equal” to ’b’ (i.e. </a:t>
             </a:r>
             <a:r>
               <a:rPr lang="en-US" dirty="0" err="1"/>
@@ -10299,7 +10440,7 @@
             <a:pPr algn="ctr"/>
             <a:r>
               <a:rPr lang="en-US" dirty="0"/>
-              <a:t>F[A] == F[A] </a:t>
+              <a:t>F[A] === F[A] </a:t>
             </a:r>
             <a:r>
               <a:rPr lang="en-US" dirty="0" err="1"/>
@@ -10338,8 +10479,8 @@
         </p:nvCxnSpPr>
         <p:spPr>
           <a:xfrm rot="16200000" flipV="1">
-            <a:off x="7871689" y="1294167"/>
-            <a:ext cx="685906" cy="1762061"/>
+            <a:off x="7940939" y="1224918"/>
+            <a:ext cx="547407" cy="1762061"/>
           </a:xfrm>
           <a:prstGeom prst="bentConnector3">
             <a:avLst>
@@ -10427,273 +10568,6 @@
 </p:sld>
 </file>
 
-<file path=ppt/slides/slide14.xml><?xml version="1.0" encoding="utf-8"?>
-<p:sld xmlns:a="http://schemas.openxmlformats.org/drawingml/2006/main" xmlns:r="http://schemas.openxmlformats.org/officeDocument/2006/relationships" xmlns:p="http://schemas.openxmlformats.org/presentationml/2006/main">
-  <p:cSld>
-    <p:spTree>
-      <p:nvGrpSpPr>
-        <p:cNvPr id="1" name=""/>
-        <p:cNvGrpSpPr/>
-        <p:nvPr/>
-      </p:nvGrpSpPr>
-      <p:grpSpPr>
-        <a:xfrm>
-          <a:off x="0" y="0"/>
-          <a:ext cx="0" cy="0"/>
-          <a:chOff x="0" y="0"/>
-          <a:chExt cx="0" cy="0"/>
-        </a:xfrm>
-      </p:grpSpPr>
-      <p:sp>
-        <p:nvSpPr>
-          <p:cNvPr id="2" name="Title 1">
-            <a:extLst>
-              <a:ext uri="{FF2B5EF4-FFF2-40B4-BE49-F238E27FC236}">
-                <a16:creationId xmlns:a16="http://schemas.microsoft.com/office/drawing/2014/main" id="{249BB390-5AC9-C143-AB84-CAE4A51FD5E5}"/>
-              </a:ext>
-            </a:extLst>
-          </p:cNvPr>
-          <p:cNvSpPr>
-            <a:spLocks noGrp="1"/>
-          </p:cNvSpPr>
-          <p:nvPr>
-            <p:ph type="title"/>
-          </p:nvPr>
-        </p:nvSpPr>
-        <p:spPr/>
-        <p:txBody>
-          <a:bodyPr/>
-          <a:lstStyle/>
-          <a:p>
-            <a:r>
-              <a:rPr lang="en-US" dirty="0"/>
-              <a:t>Writing generic laws</a:t>
-            </a:r>
-          </a:p>
-        </p:txBody>
-      </p:sp>
-      <p:sp>
-        <p:nvSpPr>
-          <p:cNvPr id="3" name="Content Placeholder 2">
-            <a:extLst>
-              <a:ext uri="{FF2B5EF4-FFF2-40B4-BE49-F238E27FC236}">
-                <a16:creationId xmlns:a16="http://schemas.microsoft.com/office/drawing/2014/main" id="{A428EFFE-ECBF-104F-A4A5-B43076FBB18A}"/>
-              </a:ext>
-            </a:extLst>
-          </p:cNvPr>
-          <p:cNvSpPr>
-            <a:spLocks noGrp="1"/>
-          </p:cNvSpPr>
-          <p:nvPr>
-            <p:ph idx="1"/>
-          </p:nvPr>
-        </p:nvSpPr>
-        <p:spPr/>
-        <p:txBody>
-          <a:bodyPr/>
-          <a:lstStyle/>
-          <a:p>
-            <a:r>
-              <a:rPr lang="en-US" dirty="0"/>
-              <a:t>To allow laws to be run against any implementation and any monad</a:t>
-            </a:r>
-          </a:p>
-          <a:p>
-            <a:pPr lvl="1"/>
-            <a:r>
-              <a:rPr lang="en-US" dirty="0"/>
-              <a:t>Must write laws only in terms of algebra</a:t>
-            </a:r>
-          </a:p>
-          <a:p>
-            <a:pPr lvl="1"/>
-            <a:r>
-              <a:rPr lang="en-US" dirty="0"/>
-              <a:t>Must verify results and expected effects</a:t>
-            </a:r>
-          </a:p>
-          <a:p>
-            <a:pPr lvl="1"/>
-            <a:r>
-              <a:rPr lang="en-US" dirty="0"/>
-              <a:t>Must be able to </a:t>
-            </a:r>
-            <a:r>
-              <a:rPr lang="en-US" dirty="0" err="1"/>
-              <a:t>eval</a:t>
-            </a:r>
-            <a:r>
-              <a:rPr lang="en-US" dirty="0"/>
-              <a:t> (i.e. run) Monad in current thread</a:t>
-            </a:r>
-          </a:p>
-          <a:p>
-            <a:pPr lvl="2"/>
-            <a:r>
-              <a:rPr lang="en-US" dirty="0"/>
-              <a:t>Due to design of </a:t>
-            </a:r>
-            <a:r>
-              <a:rPr lang="en-US" dirty="0" err="1"/>
-              <a:t>ScalaCheck</a:t>
-            </a:r>
-            <a:r>
-              <a:rPr lang="en-US" dirty="0"/>
-              <a:t> &amp; Discipline</a:t>
-            </a:r>
-          </a:p>
-          <a:p>
-            <a:pPr marL="457200" lvl="1" indent="0">
-              <a:buNone/>
-            </a:pPr>
-            <a:endParaRPr lang="en-US" dirty="0"/>
-          </a:p>
-          <a:p>
-            <a:pPr marL="0" indent="0">
-              <a:buNone/>
-            </a:pPr>
-            <a:endParaRPr lang="en-US" dirty="0"/>
-          </a:p>
-        </p:txBody>
-      </p:sp>
-    </p:spTree>
-    <p:extLst>
-      <p:ext uri="{BB962C8B-B14F-4D97-AF65-F5344CB8AC3E}">
-        <p14:creationId xmlns:p14="http://schemas.microsoft.com/office/powerpoint/2010/main" val="1758330103"/>
-      </p:ext>
-    </p:extLst>
-  </p:cSld>
-  <p:clrMapOvr>
-    <a:masterClrMapping/>
-  </p:clrMapOvr>
-</p:sld>
-</file>
-
-<file path=ppt/slides/slide15.xml><?xml version="1.0" encoding="utf-8"?>
-<p:sld xmlns:a="http://schemas.openxmlformats.org/drawingml/2006/main" xmlns:r="http://schemas.openxmlformats.org/officeDocument/2006/relationships" xmlns:p="http://schemas.openxmlformats.org/presentationml/2006/main">
-  <p:cSld>
-    <p:spTree>
-      <p:nvGrpSpPr>
-        <p:cNvPr id="1" name=""/>
-        <p:cNvGrpSpPr/>
-        <p:nvPr/>
-      </p:nvGrpSpPr>
-      <p:grpSpPr>
-        <a:xfrm>
-          <a:off x="0" y="0"/>
-          <a:ext cx="0" cy="0"/>
-          <a:chOff x="0" y="0"/>
-          <a:chExt cx="0" cy="0"/>
-        </a:xfrm>
-      </p:grpSpPr>
-      <p:sp>
-        <p:nvSpPr>
-          <p:cNvPr id="2" name="Title 1">
-            <a:extLst>
-              <a:ext uri="{FF2B5EF4-FFF2-40B4-BE49-F238E27FC236}">
-                <a16:creationId xmlns:a16="http://schemas.microsoft.com/office/drawing/2014/main" id="{249BB390-5AC9-C143-AB84-CAE4A51FD5E5}"/>
-              </a:ext>
-            </a:extLst>
-          </p:cNvPr>
-          <p:cNvSpPr>
-            <a:spLocks noGrp="1"/>
-          </p:cNvSpPr>
-          <p:nvPr>
-            <p:ph type="title"/>
-          </p:nvPr>
-        </p:nvSpPr>
-        <p:spPr/>
-        <p:txBody>
-          <a:bodyPr/>
-          <a:lstStyle/>
-          <a:p>
-            <a:r>
-              <a:rPr lang="en-US" dirty="0"/>
-              <a:t>Modeling effects</a:t>
-            </a:r>
-          </a:p>
-        </p:txBody>
-      </p:sp>
-      <p:sp>
-        <p:nvSpPr>
-          <p:cNvPr id="3" name="Content Placeholder 2">
-            <a:extLst>
-              <a:ext uri="{FF2B5EF4-FFF2-40B4-BE49-F238E27FC236}">
-                <a16:creationId xmlns:a16="http://schemas.microsoft.com/office/drawing/2014/main" id="{A428EFFE-ECBF-104F-A4A5-B43076FBB18A}"/>
-              </a:ext>
-            </a:extLst>
-          </p:cNvPr>
-          <p:cNvSpPr>
-            <a:spLocks noGrp="1"/>
-          </p:cNvSpPr>
-          <p:nvPr>
-            <p:ph idx="1"/>
-          </p:nvPr>
-        </p:nvSpPr>
-        <p:spPr/>
-        <p:txBody>
-          <a:bodyPr/>
-          <a:lstStyle/>
-          <a:p>
-            <a:r>
-              <a:rPr lang="en-US" dirty="0"/>
-              <a:t>Previous law tests output, but what about effects?</a:t>
-            </a:r>
-          </a:p>
-          <a:p>
-            <a:r>
-              <a:rPr lang="en-US" dirty="0"/>
-              <a:t>What are effects exactly?</a:t>
-            </a:r>
-          </a:p>
-          <a:p>
-            <a:pPr lvl="1"/>
-            <a:r>
-              <a:rPr lang="en-US" dirty="0"/>
-              <a:t>Structured modifications to some underlying “effect system”</a:t>
-            </a:r>
-          </a:p>
-          <a:p>
-            <a:pPr lvl="1"/>
-            <a:r>
-              <a:rPr lang="en-US" dirty="0"/>
-              <a:t>We can model as an accumulation of state (e.g. in-memory or database)</a:t>
-            </a:r>
-          </a:p>
-          <a:p>
-            <a:pPr lvl="2"/>
-            <a:r>
-              <a:rPr lang="en-US" dirty="0"/>
-              <a:t>Or we could model as an accumulation of effects themselves (like free monad)</a:t>
-            </a:r>
-          </a:p>
-          <a:p>
-            <a:r>
-              <a:rPr lang="en-US" dirty="0"/>
-              <a:t>To test effects, I’ve added a test extension algebra that allows explicitly specifying the expected effects inside laws</a:t>
-            </a:r>
-          </a:p>
-          <a:p>
-            <a:pPr marL="0" indent="0">
-              <a:buNone/>
-            </a:pPr>
-            <a:endParaRPr lang="en-US" dirty="0"/>
-          </a:p>
-        </p:txBody>
-      </p:sp>
-    </p:spTree>
-    <p:extLst>
-      <p:ext uri="{BB962C8B-B14F-4D97-AF65-F5344CB8AC3E}">
-        <p14:creationId xmlns:p14="http://schemas.microsoft.com/office/powerpoint/2010/main" val="2163916505"/>
-      </p:ext>
-    </p:extLst>
-  </p:cSld>
-  <p:clrMapOvr>
-    <a:masterClrMapping/>
-  </p:clrMapOvr>
-</p:sld>
-</file>
-
 <file path=ppt/slides/slide16.xml><?xml version="1.0" encoding="utf-8"?>
 <p:sld xmlns:a="http://schemas.openxmlformats.org/drawingml/2006/main" xmlns:r="http://schemas.openxmlformats.org/officeDocument/2006/relationships" xmlns:p="http://schemas.openxmlformats.org/presentationml/2006/main">
   <p:cSld>
@@ -10734,341 +10608,20 @@
           <a:p>
             <a:r>
               <a:rPr lang="en-US" dirty="0"/>
-              <a:t>Test </a:t>
-            </a:r>
-            <a:r>
-              <a:rPr lang="en-US" dirty="0" err="1"/>
-              <a:t>UsersEfx</a:t>
-            </a:r>
-            <a:r>
-              <a:rPr lang="en-US" dirty="0"/>
-              <a:t> extension</a:t>
-            </a:r>
-          </a:p>
-        </p:txBody>
-      </p:sp>
-      <p:sp>
-        <p:nvSpPr>
-          <p:cNvPr id="7" name="TextBox 6">
+              <a:t>Writing generic laws</a:t>
+            </a:r>
+          </a:p>
+        </p:txBody>
+      </p:sp>
+      <p:sp>
+        <p:nvSpPr>
+          <p:cNvPr id="3" name="Content Placeholder 2">
             <a:extLst>
               <a:ext uri="{FF2B5EF4-FFF2-40B4-BE49-F238E27FC236}">
-                <a16:creationId xmlns:a16="http://schemas.microsoft.com/office/drawing/2014/main" id="{DC7EEDE6-9EFE-8D44-85F7-46619BF7B609}"/>
+                <a16:creationId xmlns:a16="http://schemas.microsoft.com/office/drawing/2014/main" id="{A428EFFE-ECBF-104F-A4A5-B43076FBB18A}"/>
               </a:ext>
             </a:extLst>
           </p:cNvPr>
-          <p:cNvSpPr txBox="1"/>
-          <p:nvPr/>
-        </p:nvSpPr>
-        <p:spPr>
-          <a:xfrm>
-            <a:off x="1879288" y="2009821"/>
-            <a:ext cx="6927119" cy="1631216"/>
-          </a:xfrm>
-          <a:prstGeom prst="rect">
-            <a:avLst/>
-          </a:prstGeom>
-          <a:solidFill>
-            <a:schemeClr val="bg1"/>
-          </a:solidFill>
-          <a:ln w="25400">
-            <a:solidFill>
-              <a:schemeClr val="tx1"/>
-            </a:solidFill>
-          </a:ln>
-          <a:effectLst>
-            <a:softEdge rad="31750"/>
-          </a:effectLst>
-        </p:spPr>
-        <p:txBody>
-          <a:bodyPr wrap="square" rtlCol="0">
-            <a:spAutoFit/>
-          </a:bodyPr>
-          <a:lstStyle/>
-          <a:p>
-            <a:r>
-              <a:rPr lang="en-US" sz="2000" dirty="0">
-                <a:latin typeface="Helvetica" pitchFamily="2" charset="0"/>
-                <a:ea typeface="Gungsuh" panose="02030600000101010101" pitchFamily="18" charset="-127"/>
-              </a:rPr>
-              <a:t>trait </a:t>
-            </a:r>
-            <a:r>
-              <a:rPr lang="en-US" sz="2000" dirty="0" err="1">
-                <a:latin typeface="Helvetica" pitchFamily="2" charset="0"/>
-                <a:ea typeface="Gungsuh" panose="02030600000101010101" pitchFamily="18" charset="-127"/>
-              </a:rPr>
-              <a:t>UsersEfx</a:t>
-            </a:r>
-            <a:r>
-              <a:rPr lang="en-US" sz="2000" dirty="0">
-                <a:latin typeface="Helvetica" pitchFamily="2" charset="0"/>
-                <a:ea typeface="Gungsuh" panose="02030600000101010101" pitchFamily="18" charset="-127"/>
-              </a:rPr>
-              <a:t>[F[_]] { </a:t>
-            </a:r>
-            <a:r>
-              <a:rPr lang="en-US" sz="2000" dirty="0" err="1">
-                <a:latin typeface="Helvetica" pitchFamily="2" charset="0"/>
-                <a:ea typeface="Gungsuh" panose="02030600000101010101" pitchFamily="18" charset="-127"/>
-              </a:rPr>
-              <a:t>self:Users</a:t>
-            </a:r>
-            <a:r>
-              <a:rPr lang="en-US" sz="2000" dirty="0">
-                <a:latin typeface="Helvetica" pitchFamily="2" charset="0"/>
-                <a:ea typeface="Gungsuh" panose="02030600000101010101" pitchFamily="18" charset="-127"/>
-              </a:rPr>
-              <a:t>[F] =&gt;</a:t>
-            </a:r>
-          </a:p>
-          <a:p>
-            <a:r>
-              <a:rPr lang="en-US" sz="2000" dirty="0">
-                <a:latin typeface="Helvetica" pitchFamily="2" charset="0"/>
-                <a:ea typeface="Gungsuh" panose="02030600000101010101" pitchFamily="18" charset="-127"/>
-              </a:rPr>
-              <a:t>  def </a:t>
-            </a:r>
-            <a:r>
-              <a:rPr lang="en-US" sz="2000" dirty="0" err="1">
-                <a:latin typeface="Helvetica" pitchFamily="2" charset="0"/>
-                <a:ea typeface="Gungsuh" panose="02030600000101010101" pitchFamily="18" charset="-127"/>
-              </a:rPr>
-              <a:t>efx_state</a:t>
-            </a:r>
-            <a:r>
-              <a:rPr lang="en-US" sz="2000" dirty="0">
-                <a:latin typeface="Helvetica" pitchFamily="2" charset="0"/>
-                <a:ea typeface="Gungsuh" panose="02030600000101010101" pitchFamily="18" charset="-127"/>
-              </a:rPr>
-              <a:t> : F[List[</a:t>
-            </a:r>
-            <a:r>
-              <a:rPr lang="en-US" sz="2000" dirty="0" err="1">
-                <a:latin typeface="Helvetica" pitchFamily="2" charset="0"/>
-                <a:ea typeface="Gungsuh" panose="02030600000101010101" pitchFamily="18" charset="-127"/>
-              </a:rPr>
-              <a:t>Users.User</a:t>
-            </a:r>
-            <a:r>
-              <a:rPr lang="en-US" sz="2000" dirty="0">
-                <a:latin typeface="Helvetica" pitchFamily="2" charset="0"/>
-                <a:ea typeface="Gungsuh" panose="02030600000101010101" pitchFamily="18" charset="-127"/>
-              </a:rPr>
-              <a:t>]]</a:t>
-            </a:r>
-          </a:p>
-          <a:p>
-            <a:r>
-              <a:rPr lang="en-US" sz="2000" dirty="0">
-                <a:latin typeface="Helvetica" pitchFamily="2" charset="0"/>
-                <a:ea typeface="Gungsuh" panose="02030600000101010101" pitchFamily="18" charset="-127"/>
-              </a:rPr>
-              <a:t>  def </a:t>
-            </a:r>
-            <a:r>
-              <a:rPr lang="en-US" sz="2000" dirty="0" err="1">
-                <a:latin typeface="Helvetica" pitchFamily="2" charset="0"/>
-                <a:ea typeface="Gungsuh" panose="02030600000101010101" pitchFamily="18" charset="-127"/>
-              </a:rPr>
-              <a:t>efx_createUser</a:t>
-            </a:r>
-            <a:r>
-              <a:rPr lang="en-US" sz="2000" dirty="0">
-                <a:latin typeface="Helvetica" pitchFamily="2" charset="0"/>
-                <a:ea typeface="Gungsuh" panose="02030600000101010101" pitchFamily="18" charset="-127"/>
-              </a:rPr>
-              <a:t>(</a:t>
-            </a:r>
-            <a:r>
-              <a:rPr lang="en-US" sz="2000" dirty="0" err="1">
-                <a:latin typeface="Helvetica" pitchFamily="2" charset="0"/>
-                <a:ea typeface="Gungsuh" panose="02030600000101010101" pitchFamily="18" charset="-127"/>
-              </a:rPr>
-              <a:t>testUser</a:t>
-            </a:r>
-            <a:r>
-              <a:rPr lang="en-US" sz="2000" dirty="0">
-                <a:latin typeface="Helvetica" pitchFamily="2" charset="0"/>
-                <a:ea typeface="Gungsuh" panose="02030600000101010101" pitchFamily="18" charset="-127"/>
-              </a:rPr>
-              <a:t>: </a:t>
-            </a:r>
-            <a:r>
-              <a:rPr lang="en-US" sz="2000" dirty="0" err="1">
-                <a:latin typeface="Helvetica" pitchFamily="2" charset="0"/>
-                <a:ea typeface="Gungsuh" panose="02030600000101010101" pitchFamily="18" charset="-127"/>
-              </a:rPr>
-              <a:t>TestUser</a:t>
-            </a:r>
-            <a:r>
-              <a:rPr lang="en-US" sz="2000" dirty="0">
-                <a:latin typeface="Helvetica" pitchFamily="2" charset="0"/>
-                <a:ea typeface="Gungsuh" panose="02030600000101010101" pitchFamily="18" charset="-127"/>
-              </a:rPr>
-              <a:t>) : F[Unit]</a:t>
-            </a:r>
-          </a:p>
-          <a:p>
-            <a:r>
-              <a:rPr lang="en-US" sz="2000" dirty="0">
-                <a:latin typeface="Helvetica" pitchFamily="2" charset="0"/>
-                <a:ea typeface="Gungsuh" panose="02030600000101010101" pitchFamily="18" charset="-127"/>
-              </a:rPr>
-              <a:t>  def </a:t>
-            </a:r>
-            <a:r>
-              <a:rPr lang="en-US" sz="2000" dirty="0" err="1">
-                <a:latin typeface="Helvetica" pitchFamily="2" charset="0"/>
-                <a:ea typeface="Gungsuh" panose="02030600000101010101" pitchFamily="18" charset="-127"/>
-              </a:rPr>
-              <a:t>efx_removeUser</a:t>
-            </a:r>
-            <a:r>
-              <a:rPr lang="en-US" sz="2000" dirty="0">
-                <a:latin typeface="Helvetica" pitchFamily="2" charset="0"/>
-                <a:ea typeface="Gungsuh" panose="02030600000101010101" pitchFamily="18" charset="-127"/>
-              </a:rPr>
-              <a:t>(</a:t>
-            </a:r>
-            <a:r>
-              <a:rPr lang="en-US" sz="2000" dirty="0" err="1">
-                <a:latin typeface="Helvetica" pitchFamily="2" charset="0"/>
-                <a:ea typeface="Gungsuh" panose="02030600000101010101" pitchFamily="18" charset="-127"/>
-              </a:rPr>
-              <a:t>testUser</a:t>
-            </a:r>
-            <a:r>
-              <a:rPr lang="en-US" sz="2000" dirty="0">
-                <a:latin typeface="Helvetica" pitchFamily="2" charset="0"/>
-                <a:ea typeface="Gungsuh" panose="02030600000101010101" pitchFamily="18" charset="-127"/>
-              </a:rPr>
-              <a:t>: </a:t>
-            </a:r>
-            <a:r>
-              <a:rPr lang="en-US" sz="2000" dirty="0" err="1">
-                <a:latin typeface="Helvetica" pitchFamily="2" charset="0"/>
-                <a:ea typeface="Gungsuh" panose="02030600000101010101" pitchFamily="18" charset="-127"/>
-              </a:rPr>
-              <a:t>TestUser</a:t>
-            </a:r>
-            <a:r>
-              <a:rPr lang="en-US" sz="2000" dirty="0">
-                <a:latin typeface="Helvetica" pitchFamily="2" charset="0"/>
-                <a:ea typeface="Gungsuh" panose="02030600000101010101" pitchFamily="18" charset="-127"/>
-              </a:rPr>
-              <a:t>) : F[Unit]</a:t>
-            </a:r>
-          </a:p>
-          <a:p>
-            <a:r>
-              <a:rPr lang="en-US" sz="2000" dirty="0">
-                <a:latin typeface="Helvetica" pitchFamily="2" charset="0"/>
-                <a:ea typeface="Gungsuh" panose="02030600000101010101" pitchFamily="18" charset="-127"/>
-              </a:rPr>
-              <a:t>}</a:t>
-            </a:r>
-            <a:endParaRPr lang="en-US" sz="2000" dirty="0">
-              <a:latin typeface="Helvetica" pitchFamily="2" charset="0"/>
-              <a:ea typeface="Gungsuh" panose="02030600000101010101" pitchFamily="18" charset="-127"/>
-              <a:cs typeface="Consolas" panose="020B0609020204030204" pitchFamily="49" charset="0"/>
-            </a:endParaRPr>
-          </a:p>
-        </p:txBody>
-      </p:sp>
-      <p:sp>
-        <p:nvSpPr>
-          <p:cNvPr id="8" name="TextBox 7">
-            <a:extLst>
-              <a:ext uri="{FF2B5EF4-FFF2-40B4-BE49-F238E27FC236}">
-                <a16:creationId xmlns:a16="http://schemas.microsoft.com/office/drawing/2014/main" id="{F184318E-BCBC-D245-B43A-6FAE727A2F90}"/>
-              </a:ext>
-            </a:extLst>
-          </p:cNvPr>
-          <p:cNvSpPr txBox="1"/>
-          <p:nvPr/>
-        </p:nvSpPr>
-        <p:spPr>
-          <a:xfrm>
-            <a:off x="1411693" y="2009821"/>
-            <a:ext cx="467595" cy="1631216"/>
-          </a:xfrm>
-          <a:prstGeom prst="rect">
-            <a:avLst/>
-          </a:prstGeom>
-          <a:solidFill>
-            <a:schemeClr val="bg1"/>
-          </a:solidFill>
-          <a:ln w="25400">
-            <a:solidFill>
-              <a:schemeClr val="tx1"/>
-            </a:solidFill>
-          </a:ln>
-          <a:effectLst>
-            <a:softEdge rad="31750"/>
-          </a:effectLst>
-        </p:spPr>
-        <p:txBody>
-          <a:bodyPr wrap="square" rtlCol="0">
-            <a:spAutoFit/>
-          </a:bodyPr>
-          <a:lstStyle/>
-          <a:p>
-            <a:r>
-              <a:rPr lang="en-US" sz="2000" dirty="0">
-                <a:latin typeface="Helvetica" pitchFamily="2" charset="0"/>
-                <a:cs typeface="Consolas" panose="020B0609020204030204" pitchFamily="49" charset="0"/>
-              </a:rPr>
-              <a:t>01</a:t>
-            </a:r>
-          </a:p>
-          <a:p>
-            <a:r>
-              <a:rPr lang="en-US" sz="2000" dirty="0">
-                <a:latin typeface="Helvetica" pitchFamily="2" charset="0"/>
-                <a:cs typeface="Consolas" panose="020B0609020204030204" pitchFamily="49" charset="0"/>
-              </a:rPr>
-              <a:t>02</a:t>
-            </a:r>
-          </a:p>
-          <a:p>
-            <a:r>
-              <a:rPr lang="en-US" sz="2000" dirty="0">
-                <a:latin typeface="Helvetica" pitchFamily="2" charset="0"/>
-                <a:cs typeface="Consolas" panose="020B0609020204030204" pitchFamily="49" charset="0"/>
-              </a:rPr>
-              <a:t>03</a:t>
-            </a:r>
-          </a:p>
-          <a:p>
-            <a:r>
-              <a:rPr lang="en-US" sz="2000" dirty="0">
-                <a:latin typeface="Helvetica" pitchFamily="2" charset="0"/>
-                <a:cs typeface="Consolas" panose="020B0609020204030204" pitchFamily="49" charset="0"/>
-              </a:rPr>
-              <a:t>04</a:t>
-            </a:r>
-          </a:p>
-          <a:p>
-            <a:r>
-              <a:rPr lang="en-US" sz="2000" dirty="0">
-                <a:latin typeface="Helvetica" pitchFamily="2" charset="0"/>
-                <a:cs typeface="Consolas" panose="020B0609020204030204" pitchFamily="49" charset="0"/>
-              </a:rPr>
-              <a:t>05</a:t>
-            </a:r>
-          </a:p>
-        </p:txBody>
-      </p:sp>
-      <p:sp>
-        <p:nvSpPr>
-          <p:cNvPr id="5" name="Content Placeholder 2">
-            <a:extLst>
-              <a:ext uri="{FF2B5EF4-FFF2-40B4-BE49-F238E27FC236}">
-                <a16:creationId xmlns:a16="http://schemas.microsoft.com/office/drawing/2014/main" id="{1BEB3F99-298A-454F-BFFE-635369D05829}"/>
-              </a:ext>
-            </a:extLst>
-          </p:cNvPr>
           <p:cNvSpPr>
             <a:spLocks noGrp="1"/>
           </p:cNvSpPr>
@@ -11076,50 +10629,93 @@
             <p:ph idx="1"/>
           </p:nvPr>
         </p:nvSpPr>
-        <p:spPr>
-          <a:xfrm>
-            <a:off x="706157" y="3813170"/>
-            <a:ext cx="8596668" cy="2176310"/>
-          </a:xfrm>
-        </p:spPr>
-        <p:txBody>
-          <a:bodyPr>
-            <a:normAutofit/>
-          </a:bodyPr>
-          <a:lstStyle/>
-          <a:p>
-            <a:r>
-              <a:rPr lang="en-US" dirty="0"/>
-              <a:t>Note: how these are implemented depends on the Users implementation backend</a:t>
+        <p:spPr/>
+        <p:txBody>
+          <a:bodyPr/>
+          <a:lstStyle/>
+          <a:p>
+            <a:r>
+              <a:rPr lang="en-US" dirty="0"/>
+              <a:t>To allow laws to be run against any implementation and any monad</a:t>
             </a:r>
           </a:p>
           <a:p>
             <a:pPr lvl="1"/>
             <a:r>
               <a:rPr lang="en-US" dirty="0"/>
-              <a:t>Could modify a database</a:t>
+              <a:t>Must write laws only in terms of algebra</a:t>
             </a:r>
           </a:p>
           <a:p>
             <a:pPr lvl="1"/>
             <a:r>
               <a:rPr lang="en-US" dirty="0"/>
-              <a:t>Could update in memory map</a:t>
+              <a:t>Must verify results and expected effects</a:t>
             </a:r>
           </a:p>
           <a:p>
             <a:pPr lvl="1"/>
             <a:r>
               <a:rPr lang="en-US" dirty="0"/>
-              <a:t>Could accumulate effect ADT</a:t>
-            </a:r>
+              <a:t>Must be able to </a:t>
+            </a:r>
+            <a:r>
+              <a:rPr lang="en-US" dirty="0" err="1"/>
+              <a:t>eval</a:t>
+            </a:r>
+            <a:r>
+              <a:rPr lang="en-US" dirty="0"/>
+              <a:t> (i.e. run) Monad in current thread</a:t>
+            </a:r>
+          </a:p>
+          <a:p>
+            <a:pPr lvl="2"/>
+            <a:r>
+              <a:rPr lang="en-US" dirty="0"/>
+              <a:t>Due to design of </a:t>
+            </a:r>
+            <a:r>
+              <a:rPr lang="en-US" dirty="0" err="1"/>
+              <a:t>ScalaCheck</a:t>
+            </a:r>
+            <a:r>
+              <a:rPr lang="en-US" dirty="0"/>
+              <a:t> &amp; Discipline</a:t>
+            </a:r>
+          </a:p>
+          <a:p>
+            <a:pPr lvl="2"/>
+            <a:r>
+              <a:rPr lang="en-US" dirty="0"/>
+              <a:t>For </a:t>
+            </a:r>
+            <a:r>
+              <a:rPr lang="en-US" dirty="0" err="1"/>
+              <a:t>async</a:t>
+            </a:r>
+            <a:r>
+              <a:rPr lang="en-US" dirty="0"/>
+              <a:t> Monad this means blocking (only in tests)</a:t>
+            </a:r>
+          </a:p>
+          <a:p>
+            <a:pPr marL="457200" lvl="1" indent="0">
+              <a:buNone/>
+            </a:pPr>
+            <a:endParaRPr lang="en-US" dirty="0"/>
+          </a:p>
+          <a:p>
+            <a:pPr marL="0" indent="0">
+              <a:buNone/>
+            </a:pPr>
+            <a:endParaRPr lang="en-US" dirty="0"/>
           </a:p>
         </p:txBody>
       </p:sp>
     </p:spTree>
     <p:extLst>
       <p:ext uri="{BB962C8B-B14F-4D97-AF65-F5344CB8AC3E}">
-        <p14:creationId xmlns:p14="http://schemas.microsoft.com/office/powerpoint/2010/main" val="3317669811"/>
+        <p14:creationId xmlns:p14="http://schemas.microsoft.com/office/powerpoint/2010/main" val="1758330103"/>
       </p:ext>
     </p:extLst>
   </p:cSld>
@@ -11169,537 +10765,82 @@
           <a:p>
             <a:r>
               <a:rPr lang="en-US" dirty="0"/>
-              <a:t>Explicitly test accumulation of effects</a:t>
-            </a:r>
-          </a:p>
-        </p:txBody>
-      </p:sp>
-      <p:sp>
-        <p:nvSpPr>
-          <p:cNvPr id="7" name="TextBox 6">
+              <a:t>Modeling effects</a:t>
+            </a:r>
+          </a:p>
+        </p:txBody>
+      </p:sp>
+      <p:sp>
+        <p:nvSpPr>
+          <p:cNvPr id="3" name="Content Placeholder 2">
             <a:extLst>
               <a:ext uri="{FF2B5EF4-FFF2-40B4-BE49-F238E27FC236}">
-                <a16:creationId xmlns:a16="http://schemas.microsoft.com/office/drawing/2014/main" id="{DC7EEDE6-9EFE-8D44-85F7-46619BF7B609}"/>
+                <a16:creationId xmlns:a16="http://schemas.microsoft.com/office/drawing/2014/main" id="{A428EFFE-ECBF-104F-A4A5-B43076FBB18A}"/>
               </a:ext>
             </a:extLst>
           </p:cNvPr>
-          <p:cNvSpPr txBox="1"/>
-          <p:nvPr/>
-        </p:nvSpPr>
-        <p:spPr>
-          <a:xfrm>
-            <a:off x="1879288" y="2009821"/>
-            <a:ext cx="6927119" cy="3785652"/>
-          </a:xfrm>
-          <a:prstGeom prst="rect">
-            <a:avLst/>
-          </a:prstGeom>
-          <a:solidFill>
-            <a:schemeClr val="bg1"/>
-          </a:solidFill>
-          <a:ln w="25400">
-            <a:solidFill>
-              <a:schemeClr val="tx1"/>
-            </a:solidFill>
-          </a:ln>
-          <a:effectLst>
-            <a:softEdge rad="31750"/>
-          </a:effectLst>
-        </p:spPr>
-        <p:txBody>
-          <a:bodyPr wrap="square" rtlCol="0">
-            <a:spAutoFit/>
-          </a:bodyPr>
-          <a:lstStyle/>
-          <a:p>
-            <a:r>
-              <a:rPr lang="en-US" sz="2000" dirty="0">
-                <a:latin typeface="Helvetica" pitchFamily="2" charset="0"/>
-                <a:ea typeface="Gungsuh" panose="02030600000101010101" pitchFamily="18" charset="-127"/>
-              </a:rPr>
-              <a:t>def </a:t>
-            </a:r>
-            <a:r>
-              <a:rPr lang="en-US" sz="2000" dirty="0" err="1">
-                <a:latin typeface="Helvetica" pitchFamily="2" charset="0"/>
-                <a:ea typeface="Gungsuh" panose="02030600000101010101" pitchFamily="18" charset="-127"/>
-              </a:rPr>
-              <a:t>law_createEfx</a:t>
-            </a:r>
-            <a:r>
-              <a:rPr lang="en-US" sz="2000" dirty="0">
-                <a:latin typeface="Helvetica" pitchFamily="2" charset="0"/>
-                <a:ea typeface="Gungsuh" panose="02030600000101010101" pitchFamily="18" charset="-127"/>
-              </a:rPr>
-              <a:t>(</a:t>
-            </a:r>
-            <a:r>
-              <a:rPr lang="en-US" sz="2000" dirty="0" err="1">
-                <a:latin typeface="Helvetica" pitchFamily="2" charset="0"/>
-                <a:ea typeface="Gungsuh" panose="02030600000101010101" pitchFamily="18" charset="-127"/>
-              </a:rPr>
-              <a:t>testUser</a:t>
-            </a:r>
-            <a:r>
-              <a:rPr lang="en-US" sz="2000" dirty="0">
-                <a:latin typeface="Helvetica" pitchFamily="2" charset="0"/>
-                <a:ea typeface="Gungsuh" panose="02030600000101010101" pitchFamily="18" charset="-127"/>
-              </a:rPr>
-              <a:t>: </a:t>
-            </a:r>
-            <a:r>
-              <a:rPr lang="en-US" sz="2000" dirty="0" err="1">
-                <a:latin typeface="Helvetica" pitchFamily="2" charset="0"/>
-                <a:ea typeface="Gungsuh" panose="02030600000101010101" pitchFamily="18" charset="-127"/>
-              </a:rPr>
-              <a:t>TestUser</a:t>
-            </a:r>
-            <a:r>
-              <a:rPr lang="en-US" sz="2000" dirty="0">
-                <a:latin typeface="Helvetica" pitchFamily="2" charset="0"/>
-                <a:ea typeface="Gungsuh" panose="02030600000101010101" pitchFamily="18" charset="-127"/>
-              </a:rPr>
-              <a:t>) = {</a:t>
-            </a:r>
-          </a:p>
-          <a:p>
-            <a:r>
-              <a:rPr lang="en-US" sz="2000" dirty="0">
-                <a:latin typeface="Helvetica" pitchFamily="2" charset="0"/>
-                <a:ea typeface="Gungsuh" panose="02030600000101010101" pitchFamily="18" charset="-127"/>
-              </a:rPr>
-              <a:t>    {</a:t>
-            </a:r>
-          </a:p>
-          <a:p>
-            <a:r>
-              <a:rPr lang="en-US" sz="2000" dirty="0">
-                <a:latin typeface="Helvetica" pitchFamily="2" charset="0"/>
-                <a:ea typeface="Gungsuh" panose="02030600000101010101" pitchFamily="18" charset="-127"/>
-              </a:rPr>
-              <a:t>      </a:t>
-            </a:r>
-            <a:r>
-              <a:rPr lang="en-US" sz="2000" dirty="0" err="1">
-                <a:latin typeface="Helvetica" pitchFamily="2" charset="0"/>
-                <a:ea typeface="Gungsuh" panose="02030600000101010101" pitchFamily="18" charset="-127"/>
-              </a:rPr>
-              <a:t>val</a:t>
-            </a:r>
-            <a:r>
-              <a:rPr lang="en-US" sz="2000" dirty="0">
-                <a:latin typeface="Helvetica" pitchFamily="2" charset="0"/>
-                <a:ea typeface="Gungsuh" panose="02030600000101010101" pitchFamily="18" charset="-127"/>
-              </a:rPr>
-              <a:t> users : Users[F] with </a:t>
-            </a:r>
-            <a:r>
-              <a:rPr lang="en-US" sz="2000" dirty="0" err="1">
-                <a:latin typeface="Helvetica" pitchFamily="2" charset="0"/>
-                <a:ea typeface="Gungsuh" panose="02030600000101010101" pitchFamily="18" charset="-127"/>
-              </a:rPr>
-              <a:t>UsersEfx</a:t>
-            </a:r>
-            <a:r>
-              <a:rPr lang="en-US" sz="2000" dirty="0">
-                <a:latin typeface="Helvetica" pitchFamily="2" charset="0"/>
-                <a:ea typeface="Gungsuh" panose="02030600000101010101" pitchFamily="18" charset="-127"/>
-              </a:rPr>
-              <a:t>[F] = </a:t>
-            </a:r>
-            <a:r>
-              <a:rPr lang="en-US" sz="2000" dirty="0" err="1">
-                <a:latin typeface="Helvetica" pitchFamily="2" charset="0"/>
-                <a:ea typeface="Gungsuh" panose="02030600000101010101" pitchFamily="18" charset="-127"/>
-              </a:rPr>
-              <a:t>mkFixture</a:t>
-            </a:r>
-            <a:r>
-              <a:rPr lang="en-US" sz="2000" dirty="0">
-                <a:latin typeface="Helvetica" pitchFamily="2" charset="0"/>
-                <a:ea typeface="Gungsuh" panose="02030600000101010101" pitchFamily="18" charset="-127"/>
-              </a:rPr>
-              <a:t>()</a:t>
-            </a:r>
-          </a:p>
-          <a:p>
-            <a:r>
-              <a:rPr lang="en-US" sz="2000" dirty="0">
-                <a:latin typeface="Helvetica" pitchFamily="2" charset="0"/>
-                <a:ea typeface="Gungsuh" panose="02030600000101010101" pitchFamily="18" charset="-127"/>
-              </a:rPr>
-              <a:t>      </a:t>
-            </a:r>
-            <a:r>
-              <a:rPr lang="en-US" sz="2000" dirty="0" err="1">
-                <a:latin typeface="Helvetica" pitchFamily="2" charset="0"/>
-                <a:ea typeface="Gungsuh" panose="02030600000101010101" pitchFamily="18" charset="-127"/>
-              </a:rPr>
-              <a:t>users.create</a:t>
-            </a:r>
-            <a:r>
-              <a:rPr lang="en-US" sz="2000" dirty="0">
-                <a:latin typeface="Helvetica" pitchFamily="2" charset="0"/>
-                <a:ea typeface="Gungsuh" panose="02030600000101010101" pitchFamily="18" charset="-127"/>
-              </a:rPr>
-              <a:t>(</a:t>
-            </a:r>
-            <a:r>
-              <a:rPr lang="en-US" sz="2000" dirty="0" err="1">
-                <a:latin typeface="Helvetica" pitchFamily="2" charset="0"/>
-                <a:ea typeface="Gungsuh" panose="02030600000101010101" pitchFamily="18" charset="-127"/>
-              </a:rPr>
-              <a:t>testUser.id</a:t>
-            </a:r>
-            <a:r>
-              <a:rPr lang="en-US" sz="2000" dirty="0">
-                <a:latin typeface="Helvetica" pitchFamily="2" charset="0"/>
-                <a:ea typeface="Gungsuh" panose="02030600000101010101" pitchFamily="18" charset="-127"/>
-              </a:rPr>
-              <a:t>, </a:t>
-            </a:r>
-            <a:r>
-              <a:rPr lang="en-US" sz="2000" dirty="0" err="1">
-                <a:latin typeface="Helvetica" pitchFamily="2" charset="0"/>
-                <a:ea typeface="Gungsuh" panose="02030600000101010101" pitchFamily="18" charset="-127"/>
-              </a:rPr>
-              <a:t>testUser.username</a:t>
-            </a:r>
-            <a:r>
-              <a:rPr lang="en-US" sz="2000" dirty="0">
-                <a:latin typeface="Helvetica" pitchFamily="2" charset="0"/>
-                <a:ea typeface="Gungsuh" panose="02030600000101010101" pitchFamily="18" charset="-127"/>
-              </a:rPr>
-              <a:t>, </a:t>
-            </a:r>
-            <a:r>
-              <a:rPr lang="en-US" sz="2000" dirty="0" err="1">
-                <a:latin typeface="Helvetica" pitchFamily="2" charset="0"/>
-                <a:ea typeface="Gungsuh" panose="02030600000101010101" pitchFamily="18" charset="-127"/>
-              </a:rPr>
-              <a:t>testUser.plainTextPassword</a:t>
-            </a:r>
-            <a:r>
-              <a:rPr lang="en-US" sz="2000" dirty="0">
-                <a:latin typeface="Helvetica" pitchFamily="2" charset="0"/>
-                <a:ea typeface="Gungsuh" panose="02030600000101010101" pitchFamily="18" charset="-127"/>
-              </a:rPr>
-              <a:t>) &gt;&gt;</a:t>
-            </a:r>
-          </a:p>
-          <a:p>
-            <a:r>
-              <a:rPr lang="en-US" sz="2000" dirty="0">
-                <a:latin typeface="Helvetica" pitchFamily="2" charset="0"/>
-                <a:ea typeface="Gungsuh" panose="02030600000101010101" pitchFamily="18" charset="-127"/>
-              </a:rPr>
-              <a:t>      </a:t>
-            </a:r>
-            <a:r>
-              <a:rPr lang="en-US" sz="2000" dirty="0" err="1">
-                <a:latin typeface="Helvetica" pitchFamily="2" charset="0"/>
-                <a:ea typeface="Gungsuh" panose="02030600000101010101" pitchFamily="18" charset="-127"/>
-              </a:rPr>
-              <a:t>users.efx_state</a:t>
-            </a:r>
-            <a:endParaRPr lang="en-US" sz="2000" dirty="0">
-              <a:latin typeface="Helvetica" pitchFamily="2" charset="0"/>
-              <a:ea typeface="Gungsuh" panose="02030600000101010101" pitchFamily="18" charset="-127"/>
-            </a:endParaRPr>
-          </a:p>
-          <a:p>
-            <a:r>
-              <a:rPr lang="en-US" sz="2000" dirty="0">
-                <a:latin typeface="Helvetica" pitchFamily="2" charset="0"/>
-                <a:ea typeface="Gungsuh" panose="02030600000101010101" pitchFamily="18" charset="-127"/>
-              </a:rPr>
-              <a:t>    } &lt;-&gt; {</a:t>
-            </a:r>
-          </a:p>
-          <a:p>
-            <a:r>
-              <a:rPr lang="en-US" sz="2000" dirty="0">
-                <a:latin typeface="Helvetica" pitchFamily="2" charset="0"/>
-                <a:ea typeface="Gungsuh" panose="02030600000101010101" pitchFamily="18" charset="-127"/>
-              </a:rPr>
-              <a:t>      </a:t>
-            </a:r>
-            <a:r>
-              <a:rPr lang="en-US" sz="2000" dirty="0" err="1">
-                <a:latin typeface="Helvetica" pitchFamily="2" charset="0"/>
-                <a:ea typeface="Gungsuh" panose="02030600000101010101" pitchFamily="18" charset="-127"/>
-              </a:rPr>
-              <a:t>val</a:t>
-            </a:r>
-            <a:r>
-              <a:rPr lang="en-US" sz="2000" dirty="0">
-                <a:latin typeface="Helvetica" pitchFamily="2" charset="0"/>
-                <a:ea typeface="Gungsuh" panose="02030600000101010101" pitchFamily="18" charset="-127"/>
-              </a:rPr>
-              <a:t> users : Users[F] with </a:t>
-            </a:r>
-            <a:r>
-              <a:rPr lang="en-US" sz="2000" dirty="0" err="1">
-                <a:latin typeface="Helvetica" pitchFamily="2" charset="0"/>
-                <a:ea typeface="Gungsuh" panose="02030600000101010101" pitchFamily="18" charset="-127"/>
-              </a:rPr>
-              <a:t>UsersEfx</a:t>
-            </a:r>
-            <a:r>
-              <a:rPr lang="en-US" sz="2000" dirty="0">
-                <a:latin typeface="Helvetica" pitchFamily="2" charset="0"/>
-                <a:ea typeface="Gungsuh" panose="02030600000101010101" pitchFamily="18" charset="-127"/>
-              </a:rPr>
-              <a:t>[F] = </a:t>
-            </a:r>
-            <a:r>
-              <a:rPr lang="en-US" sz="2000" dirty="0" err="1">
-                <a:latin typeface="Helvetica" pitchFamily="2" charset="0"/>
-                <a:ea typeface="Gungsuh" panose="02030600000101010101" pitchFamily="18" charset="-127"/>
-              </a:rPr>
-              <a:t>mkFixture</a:t>
-            </a:r>
-            <a:r>
-              <a:rPr lang="en-US" sz="2000" dirty="0">
-                <a:latin typeface="Helvetica" pitchFamily="2" charset="0"/>
-                <a:ea typeface="Gungsuh" panose="02030600000101010101" pitchFamily="18" charset="-127"/>
-              </a:rPr>
-              <a:t>()</a:t>
-            </a:r>
-          </a:p>
-          <a:p>
-            <a:r>
-              <a:rPr lang="en-US" sz="2000" dirty="0">
-                <a:latin typeface="Helvetica" pitchFamily="2" charset="0"/>
-                <a:ea typeface="Gungsuh" panose="02030600000101010101" pitchFamily="18" charset="-127"/>
-              </a:rPr>
-              <a:t>      </a:t>
-            </a:r>
-            <a:r>
-              <a:rPr lang="en-US" sz="2000" dirty="0" err="1">
-                <a:latin typeface="Helvetica" pitchFamily="2" charset="0"/>
-                <a:ea typeface="Gungsuh" panose="02030600000101010101" pitchFamily="18" charset="-127"/>
-              </a:rPr>
-              <a:t>users.efx_createUser</a:t>
-            </a:r>
-            <a:r>
-              <a:rPr lang="en-US" sz="2000" dirty="0">
-                <a:latin typeface="Helvetica" pitchFamily="2" charset="0"/>
-                <a:ea typeface="Gungsuh" panose="02030600000101010101" pitchFamily="18" charset="-127"/>
-              </a:rPr>
-              <a:t>(</a:t>
-            </a:r>
-            <a:r>
-              <a:rPr lang="en-US" sz="2000" dirty="0" err="1">
-                <a:latin typeface="Helvetica" pitchFamily="2" charset="0"/>
-                <a:ea typeface="Gungsuh" panose="02030600000101010101" pitchFamily="18" charset="-127"/>
-              </a:rPr>
-              <a:t>testUser</a:t>
-            </a:r>
-            <a:r>
-              <a:rPr lang="en-US" sz="2000" dirty="0">
-                <a:latin typeface="Helvetica" pitchFamily="2" charset="0"/>
-                <a:ea typeface="Gungsuh" panose="02030600000101010101" pitchFamily="18" charset="-127"/>
-              </a:rPr>
-              <a:t>) &gt;&gt;</a:t>
-            </a:r>
-          </a:p>
-          <a:p>
-            <a:r>
-              <a:rPr lang="en-US" sz="2000" dirty="0">
-                <a:latin typeface="Helvetica" pitchFamily="2" charset="0"/>
-                <a:ea typeface="Gungsuh" panose="02030600000101010101" pitchFamily="18" charset="-127"/>
-              </a:rPr>
-              <a:t>      </a:t>
-            </a:r>
-            <a:r>
-              <a:rPr lang="en-US" sz="2000" dirty="0" err="1">
-                <a:latin typeface="Helvetica" pitchFamily="2" charset="0"/>
-                <a:ea typeface="Gungsuh" panose="02030600000101010101" pitchFamily="18" charset="-127"/>
-              </a:rPr>
-              <a:t>users.efx_state</a:t>
-            </a:r>
-            <a:endParaRPr lang="en-US" sz="2000" dirty="0">
-              <a:latin typeface="Helvetica" pitchFamily="2" charset="0"/>
-              <a:ea typeface="Gungsuh" panose="02030600000101010101" pitchFamily="18" charset="-127"/>
-            </a:endParaRPr>
-          </a:p>
-          <a:p>
-            <a:r>
-              <a:rPr lang="en-US" sz="2000" dirty="0">
-                <a:latin typeface="Helvetica" pitchFamily="2" charset="0"/>
-                <a:ea typeface="Gungsuh" panose="02030600000101010101" pitchFamily="18" charset="-127"/>
-              </a:rPr>
-              <a:t>    }</a:t>
-            </a:r>
-          </a:p>
-          <a:p>
-            <a:r>
-              <a:rPr lang="en-US" sz="2000" dirty="0">
-                <a:latin typeface="Helvetica" pitchFamily="2" charset="0"/>
-                <a:ea typeface="Gungsuh" panose="02030600000101010101" pitchFamily="18" charset="-127"/>
-              </a:rPr>
-              <a:t>  }</a:t>
-            </a:r>
-            <a:endParaRPr lang="en-US" sz="2000" dirty="0">
-              <a:latin typeface="Helvetica" pitchFamily="2" charset="0"/>
-              <a:ea typeface="Gungsuh" panose="02030600000101010101" pitchFamily="18" charset="-127"/>
-              <a:cs typeface="Consolas" panose="020B0609020204030204" pitchFamily="49" charset="0"/>
-            </a:endParaRPr>
-          </a:p>
-        </p:txBody>
-      </p:sp>
-      <p:sp>
-        <p:nvSpPr>
-          <p:cNvPr id="8" name="TextBox 7">
-            <a:extLst>
-              <a:ext uri="{FF2B5EF4-FFF2-40B4-BE49-F238E27FC236}">
-                <a16:creationId xmlns:a16="http://schemas.microsoft.com/office/drawing/2014/main" id="{F184318E-BCBC-D245-B43A-6FAE727A2F90}"/>
-              </a:ext>
-            </a:extLst>
-          </p:cNvPr>
-          <p:cNvSpPr txBox="1"/>
-          <p:nvPr/>
-        </p:nvSpPr>
-        <p:spPr>
-          <a:xfrm>
-            <a:off x="1411693" y="2009821"/>
-            <a:ext cx="467595" cy="3785652"/>
-          </a:xfrm>
-          <a:prstGeom prst="rect">
-            <a:avLst/>
-          </a:prstGeom>
-          <a:solidFill>
-            <a:schemeClr val="bg1"/>
-          </a:solidFill>
-          <a:ln w="25400">
-            <a:solidFill>
-              <a:schemeClr val="tx1"/>
-            </a:solidFill>
-          </a:ln>
-          <a:effectLst>
-            <a:softEdge rad="31750"/>
-          </a:effectLst>
-        </p:spPr>
-        <p:txBody>
-          <a:bodyPr wrap="square" rtlCol="0">
-            <a:spAutoFit/>
-          </a:bodyPr>
-          <a:lstStyle/>
-          <a:p>
-            <a:r>
-              <a:rPr lang="en-US" sz="2000" dirty="0">
-                <a:latin typeface="Helvetica" pitchFamily="2" charset="0"/>
-                <a:cs typeface="Consolas" panose="020B0609020204030204" pitchFamily="49" charset="0"/>
-              </a:rPr>
-              <a:t>01</a:t>
-            </a:r>
-          </a:p>
-          <a:p>
-            <a:r>
-              <a:rPr lang="en-US" sz="2000" dirty="0">
-                <a:latin typeface="Helvetica" pitchFamily="2" charset="0"/>
-                <a:cs typeface="Consolas" panose="020B0609020204030204" pitchFamily="49" charset="0"/>
-              </a:rPr>
-              <a:t>02</a:t>
-            </a:r>
-          </a:p>
-          <a:p>
-            <a:r>
-              <a:rPr lang="en-US" sz="2000" dirty="0">
-                <a:latin typeface="Helvetica" pitchFamily="2" charset="0"/>
-                <a:cs typeface="Consolas" panose="020B0609020204030204" pitchFamily="49" charset="0"/>
-              </a:rPr>
-              <a:t>03</a:t>
-            </a:r>
-          </a:p>
-          <a:p>
-            <a:r>
-              <a:rPr lang="en-US" sz="2000" dirty="0">
-                <a:latin typeface="Helvetica" pitchFamily="2" charset="0"/>
-                <a:cs typeface="Consolas" panose="020B0609020204030204" pitchFamily="49" charset="0"/>
-              </a:rPr>
-              <a:t>04</a:t>
-            </a:r>
-          </a:p>
-          <a:p>
-            <a:r>
-              <a:rPr lang="en-US" sz="2000" dirty="0">
-                <a:latin typeface="Helvetica" pitchFamily="2" charset="0"/>
-                <a:cs typeface="Consolas" panose="020B0609020204030204" pitchFamily="49" charset="0"/>
-              </a:rPr>
-              <a:t>05</a:t>
-            </a:r>
-          </a:p>
-          <a:p>
-            <a:r>
-              <a:rPr lang="en-US" sz="2000" dirty="0">
-                <a:latin typeface="Helvetica" pitchFamily="2" charset="0"/>
-                <a:cs typeface="Consolas" panose="020B0609020204030204" pitchFamily="49" charset="0"/>
-              </a:rPr>
-              <a:t>06</a:t>
-            </a:r>
-          </a:p>
-          <a:p>
-            <a:r>
-              <a:rPr lang="en-US" sz="2000" dirty="0">
-                <a:latin typeface="Helvetica" pitchFamily="2" charset="0"/>
-                <a:cs typeface="Consolas" panose="020B0609020204030204" pitchFamily="49" charset="0"/>
-              </a:rPr>
-              <a:t>07</a:t>
-            </a:r>
-          </a:p>
-          <a:p>
-            <a:r>
-              <a:rPr lang="en-US" sz="2000" dirty="0">
-                <a:latin typeface="Helvetica" pitchFamily="2" charset="0"/>
-                <a:cs typeface="Consolas" panose="020B0609020204030204" pitchFamily="49" charset="0"/>
-              </a:rPr>
-              <a:t>08</a:t>
-            </a:r>
-          </a:p>
-          <a:p>
-            <a:r>
-              <a:rPr lang="en-US" sz="2000" dirty="0">
-                <a:latin typeface="Helvetica" pitchFamily="2" charset="0"/>
-                <a:cs typeface="Consolas" panose="020B0609020204030204" pitchFamily="49" charset="0"/>
-              </a:rPr>
-              <a:t>09</a:t>
-            </a:r>
-          </a:p>
-          <a:p>
-            <a:r>
-              <a:rPr lang="en-US" sz="2000" dirty="0">
-                <a:latin typeface="Helvetica" pitchFamily="2" charset="0"/>
-                <a:cs typeface="Consolas" panose="020B0609020204030204" pitchFamily="49" charset="0"/>
-              </a:rPr>
-              <a:t>10</a:t>
-            </a:r>
-          </a:p>
-          <a:p>
-            <a:r>
-              <a:rPr lang="en-US" sz="2000" dirty="0">
-                <a:latin typeface="Helvetica" pitchFamily="2" charset="0"/>
-                <a:cs typeface="Consolas" panose="020B0609020204030204" pitchFamily="49" charset="0"/>
-              </a:rPr>
-              <a:t>11</a:t>
-            </a:r>
-          </a:p>
-          <a:p>
-            <a:r>
-              <a:rPr lang="en-US" sz="2000" dirty="0">
-                <a:latin typeface="Helvetica" pitchFamily="2" charset="0"/>
-                <a:cs typeface="Consolas" panose="020B0609020204030204" pitchFamily="49" charset="0"/>
-              </a:rPr>
-              <a:t>12</a:t>
-            </a:r>
+          <p:cNvSpPr>
+            <a:spLocks noGrp="1"/>
+          </p:cNvSpPr>
+          <p:nvPr>
+            <p:ph idx="1"/>
+          </p:nvPr>
+        </p:nvSpPr>
+        <p:spPr/>
+        <p:txBody>
+          <a:bodyPr/>
+          <a:lstStyle/>
+          <a:p>
+            <a:r>
+              <a:rPr lang="en-US" dirty="0"/>
+              <a:t>Previous law tests output, but what about effects?</a:t>
+            </a:r>
+          </a:p>
+          <a:p>
+            <a:r>
+              <a:rPr lang="en-US" dirty="0"/>
+              <a:t>What are effects exactly?</a:t>
+            </a:r>
+          </a:p>
+          <a:p>
+            <a:pPr lvl="1"/>
+            <a:r>
+              <a:rPr lang="en-US" dirty="0"/>
+              <a:t>Structured modifications to some underlying “effect system”</a:t>
+            </a:r>
+          </a:p>
+          <a:p>
+            <a:pPr lvl="1"/>
+            <a:r>
+              <a:rPr lang="en-US" dirty="0"/>
+              <a:t>We can model as an accumulation of state (e.g. in-memory or database)</a:t>
+            </a:r>
+          </a:p>
+          <a:p>
+            <a:pPr lvl="1"/>
+            <a:r>
+              <a:rPr lang="en-US" dirty="0"/>
+              <a:t>Or we could model as an accumulation of effect objects themselves (like free monad)</a:t>
+            </a:r>
+          </a:p>
+          <a:p>
+            <a:r>
+              <a:rPr lang="en-US" dirty="0"/>
+              <a:t>To test effects, I’ve added a test extension algebra that allows explicitly specifying the expected effects inside laws</a:t>
+            </a:r>
+          </a:p>
+          <a:p>
+            <a:pPr marL="0" indent="0">
+              <a:buNone/>
+            </a:pPr>
+            <a:endParaRPr lang="en-US" dirty="0"/>
           </a:p>
         </p:txBody>
       </p:sp>
     </p:spTree>
     <p:extLst>
       <p:ext uri="{BB962C8B-B14F-4D97-AF65-F5344CB8AC3E}">
-        <p14:creationId xmlns:p14="http://schemas.microsoft.com/office/powerpoint/2010/main" val="2781516141"/>
+        <p14:creationId xmlns:p14="http://schemas.microsoft.com/office/powerpoint/2010/main" val="2163916505"/>
       </p:ext>
     </p:extLst>
   </p:cSld>
@@ -11748,29 +10889,36 @@
           <a:lstStyle/>
           <a:p>
             <a:r>
+              <a:rPr lang="en-US" dirty="0"/>
+              <a:t>Test </a:t>
+            </a:r>
+            <a:r>
               <a:rPr lang="en-US" dirty="0" err="1"/>
-              <a:t>UsersLaws</a:t>
-            </a:r>
-            <a:endParaRPr lang="en-US" dirty="0"/>
-          </a:p>
-        </p:txBody>
-      </p:sp>
-      <p:sp>
-        <p:nvSpPr>
-          <p:cNvPr id="3" name="Rectangle 2">
+              <a:t>UsersEfx</a:t>
+            </a:r>
+            <a:r>
+              <a:rPr lang="en-US" dirty="0"/>
+              <a:t> extension</a:t>
+            </a:r>
+          </a:p>
+        </p:txBody>
+      </p:sp>
+      <p:sp>
+        <p:nvSpPr>
+          <p:cNvPr id="7" name="TextBox 6">
             <a:extLst>
               <a:ext uri="{FF2B5EF4-FFF2-40B4-BE49-F238E27FC236}">
-                <a16:creationId xmlns:a16="http://schemas.microsoft.com/office/drawing/2014/main" id="{B6337F8C-0F8A-F74C-82F2-90B14AFC2DD0}"/>
+                <a16:creationId xmlns:a16="http://schemas.microsoft.com/office/drawing/2014/main" id="{DC7EEDE6-9EFE-8D44-85F7-46619BF7B609}"/>
               </a:ext>
             </a:extLst>
           </p:cNvPr>
-          <p:cNvSpPr/>
+          <p:cNvSpPr txBox="1"/>
           <p:nvPr/>
         </p:nvSpPr>
         <p:spPr>
           <a:xfrm>
-            <a:off x="914650" y="3275113"/>
-            <a:ext cx="10147548" cy="307777"/>
+            <a:off x="1879288" y="2009821"/>
+            <a:ext cx="6927119" cy="1631216"/>
           </a:xfrm>
           <a:prstGeom prst="rect">
             <a:avLst/>
@@ -11778,100 +10926,218 @@
           <a:solidFill>
             <a:schemeClr val="bg1"/>
           </a:solidFill>
-          <a:ln>
+          <a:ln w="25400">
             <a:solidFill>
               <a:schemeClr val="tx1"/>
             </a:solidFill>
           </a:ln>
+          <a:effectLst>
+            <a:softEdge rad="31750"/>
+          </a:effectLst>
         </p:spPr>
         <p:txBody>
-          <a:bodyPr wrap="square">
+          <a:bodyPr wrap="square" rtlCol="0">
             <a:spAutoFit/>
           </a:bodyPr>
           <a:lstStyle/>
           <a:p>
             <a:r>
-              <a:rPr lang="en-US" sz="1400" dirty="0">
-                <a:hlinkClick r:id="rId3"/>
-              </a:rPr>
-              <a:t>https://</a:t>
-            </a:r>
-            <a:r>
-              <a:rPr lang="en-US" sz="1400" dirty="0" err="1">
-                <a:hlinkClick r:id="rId3"/>
-              </a:rPr>
-              <a:t>github.com</a:t>
-            </a:r>
-            <a:r>
-              <a:rPr lang="en-US" sz="1400" dirty="0">
-                <a:hlinkClick r:id="rId3"/>
-              </a:rPr>
-              <a:t>/</a:t>
-            </a:r>
-            <a:r>
-              <a:rPr lang="en-US" sz="1400" dirty="0" err="1">
-                <a:hlinkClick r:id="rId3"/>
-              </a:rPr>
-              <a:t>lancegatlin</a:t>
-            </a:r>
-            <a:r>
-              <a:rPr lang="en-US" sz="1400" dirty="0">
-                <a:hlinkClick r:id="rId3"/>
-              </a:rPr>
-              <a:t>/tagless-final-autotest-talk-19feb19/blob/master/</a:t>
-            </a:r>
-            <a:r>
-              <a:rPr lang="en-US" sz="1400" dirty="0" err="1">
-                <a:hlinkClick r:id="rId3"/>
-              </a:rPr>
-              <a:t>src</a:t>
-            </a:r>
-            <a:r>
-              <a:rPr lang="en-US" sz="1400" dirty="0">
-                <a:hlinkClick r:id="rId3"/>
-              </a:rPr>
-              <a:t>/test/</a:t>
-            </a:r>
-            <a:r>
-              <a:rPr lang="en-US" sz="1400" dirty="0" err="1">
-                <a:hlinkClick r:id="rId3"/>
-              </a:rPr>
-              <a:t>scala</a:t>
-            </a:r>
-            <a:r>
-              <a:rPr lang="en-US" sz="1400" dirty="0">
-                <a:hlinkClick r:id="rId3"/>
-              </a:rPr>
-              <a:t>/org/</a:t>
-            </a:r>
-            <a:r>
-              <a:rPr lang="en-US" sz="1400" dirty="0" err="1">
-                <a:hlinkClick r:id="rId3"/>
-              </a:rPr>
-              <a:t>ldg</a:t>
-            </a:r>
-            <a:r>
-              <a:rPr lang="en-US" sz="1400" dirty="0">
-                <a:hlinkClick r:id="rId3"/>
-              </a:rPr>
-              <a:t>/</a:t>
-            </a:r>
-            <a:r>
-              <a:rPr lang="en-US" sz="1400" dirty="0" err="1">
-                <a:hlinkClick r:id="rId3"/>
-              </a:rPr>
-              <a:t>UsersLaws.scala</a:t>
-            </a:r>
-            <a:endParaRPr lang="en-US" sz="1400" dirty="0"/>
-          </a:p>
-        </p:txBody>
-      </p:sp>
-      <p:sp>
-        <p:nvSpPr>
-          <p:cNvPr id="4" name="TextBox 3">
+              <a:rPr lang="en-US" sz="2000" dirty="0">
+                <a:latin typeface="Helvetica" pitchFamily="2" charset="0"/>
+                <a:ea typeface="Gungsuh" panose="02030600000101010101" pitchFamily="18" charset="-127"/>
+              </a:rPr>
+              <a:t>trait </a:t>
+            </a:r>
+            <a:r>
+              <a:rPr lang="en-US" sz="2000" dirty="0" err="1">
+                <a:latin typeface="Helvetica" pitchFamily="2" charset="0"/>
+                <a:ea typeface="Gungsuh" panose="02030600000101010101" pitchFamily="18" charset="-127"/>
+              </a:rPr>
+              <a:t>UsersEfx</a:t>
+            </a:r>
+            <a:r>
+              <a:rPr lang="en-US" sz="2000" dirty="0">
+                <a:latin typeface="Helvetica" pitchFamily="2" charset="0"/>
+                <a:ea typeface="Gungsuh" panose="02030600000101010101" pitchFamily="18" charset="-127"/>
+              </a:rPr>
+              <a:t>[F[_]] { </a:t>
+            </a:r>
+            <a:r>
+              <a:rPr lang="en-US" sz="2000" dirty="0" err="1">
+                <a:latin typeface="Helvetica" pitchFamily="2" charset="0"/>
+                <a:ea typeface="Gungsuh" panose="02030600000101010101" pitchFamily="18" charset="-127"/>
+              </a:rPr>
+              <a:t>self:Users</a:t>
+            </a:r>
+            <a:r>
+              <a:rPr lang="en-US" sz="2000" dirty="0">
+                <a:latin typeface="Helvetica" pitchFamily="2" charset="0"/>
+                <a:ea typeface="Gungsuh" panose="02030600000101010101" pitchFamily="18" charset="-127"/>
+              </a:rPr>
+              <a:t>[F] =&gt;</a:t>
+            </a:r>
+          </a:p>
+          <a:p>
+            <a:r>
+              <a:rPr lang="en-US" sz="2000" dirty="0">
+                <a:latin typeface="Helvetica" pitchFamily="2" charset="0"/>
+                <a:ea typeface="Gungsuh" panose="02030600000101010101" pitchFamily="18" charset="-127"/>
+              </a:rPr>
+              <a:t>  def </a:t>
+            </a:r>
+            <a:r>
+              <a:rPr lang="en-US" sz="2000" dirty="0" err="1">
+                <a:latin typeface="Helvetica" pitchFamily="2" charset="0"/>
+                <a:ea typeface="Gungsuh" panose="02030600000101010101" pitchFamily="18" charset="-127"/>
+              </a:rPr>
+              <a:t>efx_state</a:t>
+            </a:r>
+            <a:r>
+              <a:rPr lang="en-US" sz="2000" dirty="0">
+                <a:latin typeface="Helvetica" pitchFamily="2" charset="0"/>
+                <a:ea typeface="Gungsuh" panose="02030600000101010101" pitchFamily="18" charset="-127"/>
+              </a:rPr>
+              <a:t> : F[List[</a:t>
+            </a:r>
+            <a:r>
+              <a:rPr lang="en-US" sz="2000" dirty="0" err="1">
+                <a:latin typeface="Helvetica" pitchFamily="2" charset="0"/>
+                <a:ea typeface="Gungsuh" panose="02030600000101010101" pitchFamily="18" charset="-127"/>
+              </a:rPr>
+              <a:t>Users.User</a:t>
+            </a:r>
+            <a:r>
+              <a:rPr lang="en-US" sz="2000" dirty="0">
+                <a:latin typeface="Helvetica" pitchFamily="2" charset="0"/>
+                <a:ea typeface="Gungsuh" panose="02030600000101010101" pitchFamily="18" charset="-127"/>
+              </a:rPr>
+              <a:t>]]</a:t>
+            </a:r>
+          </a:p>
+          <a:p>
+            <a:r>
+              <a:rPr lang="en-US" sz="2000" dirty="0">
+                <a:latin typeface="Helvetica" pitchFamily="2" charset="0"/>
+                <a:ea typeface="Gungsuh" panose="02030600000101010101" pitchFamily="18" charset="-127"/>
+              </a:rPr>
+              <a:t>  def </a:t>
+            </a:r>
+            <a:r>
+              <a:rPr lang="en-US" sz="2000" dirty="0" err="1">
+                <a:latin typeface="Helvetica" pitchFamily="2" charset="0"/>
+                <a:ea typeface="Gungsuh" panose="02030600000101010101" pitchFamily="18" charset="-127"/>
+              </a:rPr>
+              <a:t>efx_createUser</a:t>
+            </a:r>
+            <a:r>
+              <a:rPr lang="en-US" sz="2000" dirty="0">
+                <a:latin typeface="Helvetica" pitchFamily="2" charset="0"/>
+                <a:ea typeface="Gungsuh" panose="02030600000101010101" pitchFamily="18" charset="-127"/>
+              </a:rPr>
+              <a:t>(</a:t>
+            </a:r>
+            <a:r>
+              <a:rPr lang="en-US" sz="2000" dirty="0" err="1">
+                <a:latin typeface="Helvetica" pitchFamily="2" charset="0"/>
+                <a:ea typeface="Gungsuh" panose="02030600000101010101" pitchFamily="18" charset="-127"/>
+              </a:rPr>
+              <a:t>testUser</a:t>
+            </a:r>
+            <a:r>
+              <a:rPr lang="en-US" sz="2000" dirty="0">
+                <a:latin typeface="Helvetica" pitchFamily="2" charset="0"/>
+                <a:ea typeface="Gungsuh" panose="02030600000101010101" pitchFamily="18" charset="-127"/>
+              </a:rPr>
+              <a:t>: </a:t>
+            </a:r>
+            <a:r>
+              <a:rPr lang="en-US" sz="2000" dirty="0" err="1">
+                <a:latin typeface="Helvetica" pitchFamily="2" charset="0"/>
+                <a:ea typeface="Gungsuh" panose="02030600000101010101" pitchFamily="18" charset="-127"/>
+              </a:rPr>
+              <a:t>TestUser</a:t>
+            </a:r>
+            <a:r>
+              <a:rPr lang="en-US" sz="2000" dirty="0">
+                <a:latin typeface="Helvetica" pitchFamily="2" charset="0"/>
+                <a:ea typeface="Gungsuh" panose="02030600000101010101" pitchFamily="18" charset="-127"/>
+              </a:rPr>
+              <a:t>) : F[Unit]</a:t>
+            </a:r>
+          </a:p>
+          <a:p>
+            <a:r>
+              <a:rPr lang="en-US" sz="2000" dirty="0">
+                <a:latin typeface="Helvetica" pitchFamily="2" charset="0"/>
+                <a:ea typeface="Gungsuh" panose="02030600000101010101" pitchFamily="18" charset="-127"/>
+              </a:rPr>
+              <a:t>  def </a:t>
+            </a:r>
+            <a:r>
+              <a:rPr lang="en-US" sz="2000" dirty="0" err="1">
+                <a:latin typeface="Helvetica" pitchFamily="2" charset="0"/>
+                <a:ea typeface="Gungsuh" panose="02030600000101010101" pitchFamily="18" charset="-127"/>
+              </a:rPr>
+              <a:t>efx_removeUser</a:t>
+            </a:r>
+            <a:r>
+              <a:rPr lang="en-US" sz="2000" dirty="0">
+                <a:latin typeface="Helvetica" pitchFamily="2" charset="0"/>
+                <a:ea typeface="Gungsuh" panose="02030600000101010101" pitchFamily="18" charset="-127"/>
+              </a:rPr>
+              <a:t>(</a:t>
+            </a:r>
+            <a:r>
+              <a:rPr lang="en-US" sz="2000" dirty="0" err="1">
+                <a:latin typeface="Helvetica" pitchFamily="2" charset="0"/>
+                <a:ea typeface="Gungsuh" panose="02030600000101010101" pitchFamily="18" charset="-127"/>
+              </a:rPr>
+              <a:t>testUser</a:t>
+            </a:r>
+            <a:r>
+              <a:rPr lang="en-US" sz="2000" dirty="0">
+                <a:latin typeface="Helvetica" pitchFamily="2" charset="0"/>
+                <a:ea typeface="Gungsuh" panose="02030600000101010101" pitchFamily="18" charset="-127"/>
+              </a:rPr>
+              <a:t>: </a:t>
+            </a:r>
+            <a:r>
+              <a:rPr lang="en-US" sz="2000" dirty="0" err="1">
+                <a:latin typeface="Helvetica" pitchFamily="2" charset="0"/>
+                <a:ea typeface="Gungsuh" panose="02030600000101010101" pitchFamily="18" charset="-127"/>
+              </a:rPr>
+              <a:t>TestUser</a:t>
+            </a:r>
+            <a:r>
+              <a:rPr lang="en-US" sz="2000" dirty="0">
+                <a:latin typeface="Helvetica" pitchFamily="2" charset="0"/>
+                <a:ea typeface="Gungsuh" panose="02030600000101010101" pitchFamily="18" charset="-127"/>
+              </a:rPr>
+              <a:t>) : F[Unit]</a:t>
+            </a:r>
+          </a:p>
+          <a:p>
+            <a:r>
+              <a:rPr lang="en-US" sz="2000" dirty="0">
+                <a:latin typeface="Helvetica" pitchFamily="2" charset="0"/>
+                <a:ea typeface="Gungsuh" panose="02030600000101010101" pitchFamily="18" charset="-127"/>
+              </a:rPr>
+              <a:t>}</a:t>
+            </a:r>
+            <a:endParaRPr lang="en-US" sz="2000" dirty="0">
+              <a:latin typeface="Helvetica" pitchFamily="2" charset="0"/>
+              <a:ea typeface="Gungsuh" panose="02030600000101010101" pitchFamily="18" charset="-127"/>
+              <a:cs typeface="Consolas" panose="020B0609020204030204" pitchFamily="49" charset="0"/>
+            </a:endParaRPr>
+          </a:p>
+        </p:txBody>
+      </p:sp>
+      <p:sp>
+        <p:nvSpPr>
+          <p:cNvPr id="8" name="TextBox 7">
             <a:extLst>
               <a:ext uri="{FF2B5EF4-FFF2-40B4-BE49-F238E27FC236}">
-                <a16:creationId xmlns:a16="http://schemas.microsoft.com/office/drawing/2014/main" id="{33ECA941-EA2D-6B4E-8D30-31462826AD8E}"/>
+                <a16:creationId xmlns:a16="http://schemas.microsoft.com/office/drawing/2014/main" id="{F184318E-BCBC-D245-B43A-6FAE727A2F90}"/>
               </a:ext>
             </a:extLst>
           </p:cNvPr>
@@ -11880,28 +11146,128 @@
         </p:nvSpPr>
         <p:spPr>
           <a:xfrm>
-            <a:off x="677334" y="2905779"/>
-            <a:ext cx="960519" cy="369332"/>
+            <a:off x="1411693" y="2009821"/>
+            <a:ext cx="467595" cy="1631216"/>
           </a:xfrm>
           <a:prstGeom prst="rect">
             <a:avLst/>
           </a:prstGeom>
-          <a:noFill/>
-          <a:ln>
+          <a:solidFill>
+            <a:schemeClr val="bg1"/>
+          </a:solidFill>
+          <a:ln w="25400">
             <a:solidFill>
               <a:schemeClr val="tx1"/>
             </a:solidFill>
           </a:ln>
+          <a:effectLst>
+            <a:softEdge rad="31750"/>
+          </a:effectLst>
         </p:spPr>
         <p:txBody>
-          <a:bodyPr wrap="none" rtlCol="0">
+          <a:bodyPr wrap="square" rtlCol="0">
             <a:spAutoFit/>
           </a:bodyPr>
           <a:lstStyle/>
           <a:p>
             <a:r>
-              <a:rPr lang="en-US" dirty="0"/>
-              <a:t>Source:</a:t>
+              <a:rPr lang="en-US" sz="2000" dirty="0">
+                <a:latin typeface="Helvetica" pitchFamily="2" charset="0"/>
+                <a:cs typeface="Consolas" panose="020B0609020204030204" pitchFamily="49" charset="0"/>
+              </a:rPr>
+              <a:t>01</a:t>
+            </a:r>
+          </a:p>
+          <a:p>
+            <a:r>
+              <a:rPr lang="en-US" sz="2000" dirty="0">
+                <a:latin typeface="Helvetica" pitchFamily="2" charset="0"/>
+                <a:cs typeface="Consolas" panose="020B0609020204030204" pitchFamily="49" charset="0"/>
+              </a:rPr>
+              <a:t>02</a:t>
+            </a:r>
+          </a:p>
+          <a:p>
+            <a:r>
+              <a:rPr lang="en-US" sz="2000" dirty="0">
+                <a:latin typeface="Helvetica" pitchFamily="2" charset="0"/>
+                <a:cs typeface="Consolas" panose="020B0609020204030204" pitchFamily="49" charset="0"/>
+              </a:rPr>
+              <a:t>03</a:t>
+            </a:r>
+          </a:p>
+          <a:p>
+            <a:r>
+              <a:rPr lang="en-US" sz="2000" dirty="0">
+                <a:latin typeface="Helvetica" pitchFamily="2" charset="0"/>
+                <a:cs typeface="Consolas" panose="020B0609020204030204" pitchFamily="49" charset="0"/>
+              </a:rPr>
+              <a:t>04</a:t>
+            </a:r>
+          </a:p>
+          <a:p>
+            <a:r>
+              <a:rPr lang="en-US" sz="2000" dirty="0">
+                <a:latin typeface="Helvetica" pitchFamily="2" charset="0"/>
+                <a:cs typeface="Consolas" panose="020B0609020204030204" pitchFamily="49" charset="0"/>
+              </a:rPr>
+              <a:t>05</a:t>
+            </a:r>
+          </a:p>
+        </p:txBody>
+      </p:sp>
+      <p:sp>
+        <p:nvSpPr>
+          <p:cNvPr id="5" name="Content Placeholder 2">
+            <a:extLst>
+              <a:ext uri="{FF2B5EF4-FFF2-40B4-BE49-F238E27FC236}">
+                <a16:creationId xmlns:a16="http://schemas.microsoft.com/office/drawing/2014/main" id="{1BEB3F99-298A-454F-BFFE-635369D05829}"/>
+              </a:ext>
+            </a:extLst>
+          </p:cNvPr>
+          <p:cNvSpPr>
+            <a:spLocks noGrp="1"/>
+          </p:cNvSpPr>
+          <p:nvPr>
+            <p:ph idx="1"/>
+          </p:nvPr>
+        </p:nvSpPr>
+        <p:spPr>
+          <a:xfrm>
+            <a:off x="706157" y="3813170"/>
+            <a:ext cx="8596668" cy="2176310"/>
+          </a:xfrm>
+        </p:spPr>
+        <p:txBody>
+          <a:bodyPr>
+            <a:normAutofit/>
+          </a:bodyPr>
+          <a:lstStyle/>
+          <a:p>
+            <a:r>
+              <a:rPr lang="en-US" dirty="0"/>
+              <a:t>Note: how these are implemented depends on the Users implementation backend</a:t>
+            </a:r>
+          </a:p>
+          <a:p>
+            <a:pPr lvl="1"/>
+            <a:r>
+              <a:rPr lang="en-US" dirty="0"/>
+              <a:t>Could modify a database</a:t>
+            </a:r>
+          </a:p>
+          <a:p>
+            <a:pPr lvl="1"/>
+            <a:r>
+              <a:rPr lang="en-US" dirty="0"/>
+              <a:t>Could update in memory map</a:t>
+            </a:r>
+          </a:p>
+          <a:p>
+            <a:pPr lvl="1"/>
+            <a:r>
+              <a:rPr lang="en-US" dirty="0"/>
+              <a:t>Could accumulate effect ADT</a:t>
             </a:r>
           </a:p>
         </p:txBody>
@@ -11909,7 +11275,7 @@
     </p:spTree>
     <p:extLst>
       <p:ext uri="{BB962C8B-B14F-4D97-AF65-F5344CB8AC3E}">
-        <p14:creationId xmlns:p14="http://schemas.microsoft.com/office/powerpoint/2010/main" val="1475306786"/>
+        <p14:creationId xmlns:p14="http://schemas.microsoft.com/office/powerpoint/2010/main" val="3317669811"/>
       </p:ext>
     </p:extLst>
   </p:cSld>
@@ -11958,29 +11324,28 @@
           <a:lstStyle/>
           <a:p>
             <a:r>
-              <a:rPr lang="en-US" dirty="0" err="1"/>
-              <a:t>UsersImplIdAutoTest</a:t>
-            </a:r>
-            <a:endParaRPr lang="en-US" dirty="0"/>
-          </a:p>
-        </p:txBody>
-      </p:sp>
-      <p:sp>
-        <p:nvSpPr>
-          <p:cNvPr id="10" name="Rectangle 9">
+              <a:rPr lang="en-US" dirty="0"/>
+              <a:t>Explicitly test accumulation of effects</a:t>
+            </a:r>
+          </a:p>
+        </p:txBody>
+      </p:sp>
+      <p:sp>
+        <p:nvSpPr>
+          <p:cNvPr id="7" name="TextBox 6">
             <a:extLst>
               <a:ext uri="{FF2B5EF4-FFF2-40B4-BE49-F238E27FC236}">
-                <a16:creationId xmlns:a16="http://schemas.microsoft.com/office/drawing/2014/main" id="{A04418DF-7DF9-474A-A176-4AAF143D3159}"/>
+                <a16:creationId xmlns:a16="http://schemas.microsoft.com/office/drawing/2014/main" id="{DC7EEDE6-9EFE-8D44-85F7-46619BF7B609}"/>
               </a:ext>
             </a:extLst>
           </p:cNvPr>
-          <p:cNvSpPr/>
+          <p:cNvSpPr txBox="1"/>
           <p:nvPr/>
         </p:nvSpPr>
         <p:spPr>
           <a:xfrm>
-            <a:off x="932828" y="3275113"/>
-            <a:ext cx="10981266" cy="307777"/>
+            <a:off x="1879288" y="2009821"/>
+            <a:ext cx="6927119" cy="3785652"/>
           </a:xfrm>
           <a:prstGeom prst="rect">
             <a:avLst/>
@@ -11988,100 +11353,364 @@
           <a:solidFill>
             <a:schemeClr val="bg1"/>
           </a:solidFill>
-          <a:ln>
+          <a:ln w="25400">
             <a:solidFill>
               <a:schemeClr val="tx1"/>
             </a:solidFill>
           </a:ln>
+          <a:effectLst>
+            <a:softEdge rad="31750"/>
+          </a:effectLst>
         </p:spPr>
         <p:txBody>
-          <a:bodyPr wrap="square">
+          <a:bodyPr wrap="square" rtlCol="0">
             <a:spAutoFit/>
           </a:bodyPr>
           <a:lstStyle/>
           <a:p>
             <a:r>
-              <a:rPr lang="en-US" sz="1400" dirty="0">
-                <a:hlinkClick r:id="rId3"/>
-              </a:rPr>
-              <a:t>https://</a:t>
-            </a:r>
-            <a:r>
-              <a:rPr lang="en-US" sz="1400" dirty="0" err="1">
-                <a:hlinkClick r:id="rId3"/>
-              </a:rPr>
-              <a:t>github.com</a:t>
-            </a:r>
-            <a:r>
-              <a:rPr lang="en-US" sz="1400" dirty="0">
-                <a:hlinkClick r:id="rId3"/>
-              </a:rPr>
-              <a:t>/</a:t>
-            </a:r>
-            <a:r>
-              <a:rPr lang="en-US" sz="1400" dirty="0" err="1">
-                <a:hlinkClick r:id="rId3"/>
-              </a:rPr>
-              <a:t>lancegatlin</a:t>
-            </a:r>
-            <a:r>
-              <a:rPr lang="en-US" sz="1400" dirty="0">
-                <a:hlinkClick r:id="rId3"/>
-              </a:rPr>
-              <a:t>/tagless-final-autotest-talk-19feb19/blob/master/</a:t>
-            </a:r>
-            <a:r>
-              <a:rPr lang="en-US" sz="1400" dirty="0" err="1">
-                <a:hlinkClick r:id="rId3"/>
-              </a:rPr>
-              <a:t>src</a:t>
-            </a:r>
-            <a:r>
-              <a:rPr lang="en-US" sz="1400" dirty="0">
-                <a:hlinkClick r:id="rId3"/>
-              </a:rPr>
-              <a:t>/test/</a:t>
-            </a:r>
-            <a:r>
-              <a:rPr lang="en-US" sz="1400" dirty="0" err="1">
-                <a:hlinkClick r:id="rId3"/>
-              </a:rPr>
-              <a:t>scala</a:t>
-            </a:r>
-            <a:r>
-              <a:rPr lang="en-US" sz="1400" dirty="0">
-                <a:hlinkClick r:id="rId3"/>
-              </a:rPr>
-              <a:t>/org/</a:t>
-            </a:r>
-            <a:r>
-              <a:rPr lang="en-US" sz="1400" dirty="0" err="1">
-                <a:hlinkClick r:id="rId3"/>
-              </a:rPr>
-              <a:t>ldg</a:t>
-            </a:r>
-            <a:r>
-              <a:rPr lang="en-US" sz="1400" dirty="0">
-                <a:hlinkClick r:id="rId3"/>
-              </a:rPr>
-              <a:t>/</a:t>
-            </a:r>
-            <a:r>
-              <a:rPr lang="en-US" sz="1400" dirty="0" err="1">
-                <a:hlinkClick r:id="rId3"/>
-              </a:rPr>
-              <a:t>UsersImplIdAutoTest.scala</a:t>
-            </a:r>
-            <a:endParaRPr lang="en-US" sz="1400" dirty="0"/>
-          </a:p>
-        </p:txBody>
-      </p:sp>
-      <p:sp>
-        <p:nvSpPr>
-          <p:cNvPr id="11" name="TextBox 10">
+              <a:rPr lang="en-US" sz="2000" dirty="0">
+                <a:latin typeface="Helvetica" pitchFamily="2" charset="0"/>
+                <a:ea typeface="Gungsuh" panose="02030600000101010101" pitchFamily="18" charset="-127"/>
+              </a:rPr>
+              <a:t>def </a:t>
+            </a:r>
+            <a:r>
+              <a:rPr lang="en-US" sz="2000" dirty="0" err="1">
+                <a:latin typeface="Helvetica" pitchFamily="2" charset="0"/>
+                <a:ea typeface="Gungsuh" panose="02030600000101010101" pitchFamily="18" charset="-127"/>
+              </a:rPr>
+              <a:t>law_createEfx</a:t>
+            </a:r>
+            <a:r>
+              <a:rPr lang="en-US" sz="2000" dirty="0">
+                <a:latin typeface="Helvetica" pitchFamily="2" charset="0"/>
+                <a:ea typeface="Gungsuh" panose="02030600000101010101" pitchFamily="18" charset="-127"/>
+              </a:rPr>
+              <a:t>(</a:t>
+            </a:r>
+            <a:r>
+              <a:rPr lang="en-US" sz="2000" dirty="0" err="1">
+                <a:latin typeface="Helvetica" pitchFamily="2" charset="0"/>
+                <a:ea typeface="Gungsuh" panose="02030600000101010101" pitchFamily="18" charset="-127"/>
+              </a:rPr>
+              <a:t>testUser</a:t>
+            </a:r>
+            <a:r>
+              <a:rPr lang="en-US" sz="2000" dirty="0">
+                <a:latin typeface="Helvetica" pitchFamily="2" charset="0"/>
+                <a:ea typeface="Gungsuh" panose="02030600000101010101" pitchFamily="18" charset="-127"/>
+              </a:rPr>
+              <a:t>: </a:t>
+            </a:r>
+            <a:r>
+              <a:rPr lang="en-US" sz="2000" dirty="0" err="1">
+                <a:latin typeface="Helvetica" pitchFamily="2" charset="0"/>
+                <a:ea typeface="Gungsuh" panose="02030600000101010101" pitchFamily="18" charset="-127"/>
+              </a:rPr>
+              <a:t>TestUser</a:t>
+            </a:r>
+            <a:r>
+              <a:rPr lang="en-US" sz="2000" dirty="0">
+                <a:latin typeface="Helvetica" pitchFamily="2" charset="0"/>
+                <a:ea typeface="Gungsuh" panose="02030600000101010101" pitchFamily="18" charset="-127"/>
+              </a:rPr>
+              <a:t>) = {</a:t>
+            </a:r>
+          </a:p>
+          <a:p>
+            <a:r>
+              <a:rPr lang="en-US" sz="2000" dirty="0">
+                <a:latin typeface="Helvetica" pitchFamily="2" charset="0"/>
+                <a:ea typeface="Gungsuh" panose="02030600000101010101" pitchFamily="18" charset="-127"/>
+              </a:rPr>
+              <a:t>    {</a:t>
+            </a:r>
+          </a:p>
+          <a:p>
+            <a:r>
+              <a:rPr lang="en-US" sz="2000" dirty="0">
+                <a:latin typeface="Helvetica" pitchFamily="2" charset="0"/>
+                <a:ea typeface="Gungsuh" panose="02030600000101010101" pitchFamily="18" charset="-127"/>
+              </a:rPr>
+              <a:t>      </a:t>
+            </a:r>
+            <a:r>
+              <a:rPr lang="en-US" sz="2000" dirty="0" err="1">
+                <a:latin typeface="Helvetica" pitchFamily="2" charset="0"/>
+                <a:ea typeface="Gungsuh" panose="02030600000101010101" pitchFamily="18" charset="-127"/>
+              </a:rPr>
+              <a:t>val</a:t>
+            </a:r>
+            <a:r>
+              <a:rPr lang="en-US" sz="2000" dirty="0">
+                <a:latin typeface="Helvetica" pitchFamily="2" charset="0"/>
+                <a:ea typeface="Gungsuh" panose="02030600000101010101" pitchFamily="18" charset="-127"/>
+              </a:rPr>
+              <a:t> users : Users[F] with </a:t>
+            </a:r>
+            <a:r>
+              <a:rPr lang="en-US" sz="2000" dirty="0" err="1">
+                <a:latin typeface="Helvetica" pitchFamily="2" charset="0"/>
+                <a:ea typeface="Gungsuh" panose="02030600000101010101" pitchFamily="18" charset="-127"/>
+              </a:rPr>
+              <a:t>UsersEfx</a:t>
+            </a:r>
+            <a:r>
+              <a:rPr lang="en-US" sz="2000" dirty="0">
+                <a:latin typeface="Helvetica" pitchFamily="2" charset="0"/>
+                <a:ea typeface="Gungsuh" panose="02030600000101010101" pitchFamily="18" charset="-127"/>
+              </a:rPr>
+              <a:t>[F] = </a:t>
+            </a:r>
+            <a:r>
+              <a:rPr lang="en-US" sz="2000" dirty="0" err="1">
+                <a:latin typeface="Helvetica" pitchFamily="2" charset="0"/>
+                <a:ea typeface="Gungsuh" panose="02030600000101010101" pitchFamily="18" charset="-127"/>
+              </a:rPr>
+              <a:t>mkFixture</a:t>
+            </a:r>
+            <a:r>
+              <a:rPr lang="en-US" sz="2000" dirty="0">
+                <a:latin typeface="Helvetica" pitchFamily="2" charset="0"/>
+                <a:ea typeface="Gungsuh" panose="02030600000101010101" pitchFamily="18" charset="-127"/>
+              </a:rPr>
+              <a:t>()</a:t>
+            </a:r>
+          </a:p>
+          <a:p>
+            <a:r>
+              <a:rPr lang="en-US" sz="2000" dirty="0">
+                <a:latin typeface="Helvetica" pitchFamily="2" charset="0"/>
+                <a:ea typeface="Gungsuh" panose="02030600000101010101" pitchFamily="18" charset="-127"/>
+              </a:rPr>
+              <a:t>      </a:t>
+            </a:r>
+            <a:r>
+              <a:rPr lang="en-US" sz="2000" dirty="0" err="1">
+                <a:latin typeface="Helvetica" pitchFamily="2" charset="0"/>
+                <a:ea typeface="Gungsuh" panose="02030600000101010101" pitchFamily="18" charset="-127"/>
+              </a:rPr>
+              <a:t>users.create</a:t>
+            </a:r>
+            <a:r>
+              <a:rPr lang="en-US" sz="2000" dirty="0">
+                <a:latin typeface="Helvetica" pitchFamily="2" charset="0"/>
+                <a:ea typeface="Gungsuh" panose="02030600000101010101" pitchFamily="18" charset="-127"/>
+              </a:rPr>
+              <a:t>(</a:t>
+            </a:r>
+            <a:r>
+              <a:rPr lang="en-US" sz="2000" dirty="0" err="1">
+                <a:latin typeface="Helvetica" pitchFamily="2" charset="0"/>
+                <a:ea typeface="Gungsuh" panose="02030600000101010101" pitchFamily="18" charset="-127"/>
+              </a:rPr>
+              <a:t>testUser.id</a:t>
+            </a:r>
+            <a:r>
+              <a:rPr lang="en-US" sz="2000" dirty="0">
+                <a:latin typeface="Helvetica" pitchFamily="2" charset="0"/>
+                <a:ea typeface="Gungsuh" panose="02030600000101010101" pitchFamily="18" charset="-127"/>
+              </a:rPr>
+              <a:t>, </a:t>
+            </a:r>
+            <a:r>
+              <a:rPr lang="en-US" sz="2000" dirty="0" err="1">
+                <a:latin typeface="Helvetica" pitchFamily="2" charset="0"/>
+                <a:ea typeface="Gungsuh" panose="02030600000101010101" pitchFamily="18" charset="-127"/>
+              </a:rPr>
+              <a:t>testUser.username</a:t>
+            </a:r>
+            <a:r>
+              <a:rPr lang="en-US" sz="2000" dirty="0">
+                <a:latin typeface="Helvetica" pitchFamily="2" charset="0"/>
+                <a:ea typeface="Gungsuh" panose="02030600000101010101" pitchFamily="18" charset="-127"/>
+              </a:rPr>
+              <a:t>, </a:t>
+            </a:r>
+            <a:r>
+              <a:rPr lang="en-US" sz="2000" dirty="0" err="1">
+                <a:latin typeface="Helvetica" pitchFamily="2" charset="0"/>
+                <a:ea typeface="Gungsuh" panose="02030600000101010101" pitchFamily="18" charset="-127"/>
+              </a:rPr>
+              <a:t>testUser.plainTextPassword</a:t>
+            </a:r>
+            <a:r>
+              <a:rPr lang="en-US" sz="2000" dirty="0">
+                <a:latin typeface="Helvetica" pitchFamily="2" charset="0"/>
+                <a:ea typeface="Gungsuh" panose="02030600000101010101" pitchFamily="18" charset="-127"/>
+              </a:rPr>
+              <a:t>) &gt;&gt;</a:t>
+            </a:r>
+          </a:p>
+          <a:p>
+            <a:r>
+              <a:rPr lang="en-US" sz="2000" dirty="0">
+                <a:latin typeface="Helvetica" pitchFamily="2" charset="0"/>
+                <a:ea typeface="Gungsuh" panose="02030600000101010101" pitchFamily="18" charset="-127"/>
+              </a:rPr>
+              <a:t>      </a:t>
+            </a:r>
+            <a:r>
+              <a:rPr lang="en-US" sz="2000" dirty="0" err="1">
+                <a:latin typeface="Helvetica" pitchFamily="2" charset="0"/>
+                <a:ea typeface="Gungsuh" panose="02030600000101010101" pitchFamily="18" charset="-127"/>
+              </a:rPr>
+              <a:t>users.efx_state</a:t>
+            </a:r>
+            <a:endParaRPr lang="en-US" sz="2000" dirty="0">
+              <a:latin typeface="Helvetica" pitchFamily="2" charset="0"/>
+              <a:ea typeface="Gungsuh" panose="02030600000101010101" pitchFamily="18" charset="-127"/>
+            </a:endParaRPr>
+          </a:p>
+          <a:p>
+            <a:r>
+              <a:rPr lang="en-US" sz="2000" dirty="0">
+                <a:latin typeface="Helvetica" pitchFamily="2" charset="0"/>
+                <a:ea typeface="Gungsuh" panose="02030600000101010101" pitchFamily="18" charset="-127"/>
+              </a:rPr>
+              <a:t>    } &lt;-&gt; {</a:t>
+            </a:r>
+          </a:p>
+          <a:p>
+            <a:r>
+              <a:rPr lang="en-US" sz="2000" dirty="0">
+                <a:latin typeface="Helvetica" pitchFamily="2" charset="0"/>
+                <a:ea typeface="Gungsuh" panose="02030600000101010101" pitchFamily="18" charset="-127"/>
+              </a:rPr>
+              <a:t>      </a:t>
+            </a:r>
+            <a:r>
+              <a:rPr lang="en-US" sz="2000" dirty="0" err="1">
+                <a:latin typeface="Helvetica" pitchFamily="2" charset="0"/>
+                <a:ea typeface="Gungsuh" panose="02030600000101010101" pitchFamily="18" charset="-127"/>
+              </a:rPr>
+              <a:t>val</a:t>
+            </a:r>
+            <a:r>
+              <a:rPr lang="en-US" sz="2000" dirty="0">
+                <a:latin typeface="Helvetica" pitchFamily="2" charset="0"/>
+                <a:ea typeface="Gungsuh" panose="02030600000101010101" pitchFamily="18" charset="-127"/>
+              </a:rPr>
+              <a:t> users : Users[F] with </a:t>
+            </a:r>
+            <a:r>
+              <a:rPr lang="en-US" sz="2000" dirty="0" err="1">
+                <a:latin typeface="Helvetica" pitchFamily="2" charset="0"/>
+                <a:ea typeface="Gungsuh" panose="02030600000101010101" pitchFamily="18" charset="-127"/>
+              </a:rPr>
+              <a:t>UsersEfx</a:t>
+            </a:r>
+            <a:r>
+              <a:rPr lang="en-US" sz="2000" dirty="0">
+                <a:latin typeface="Helvetica" pitchFamily="2" charset="0"/>
+                <a:ea typeface="Gungsuh" panose="02030600000101010101" pitchFamily="18" charset="-127"/>
+              </a:rPr>
+              <a:t>[F] = </a:t>
+            </a:r>
+            <a:r>
+              <a:rPr lang="en-US" sz="2000" dirty="0" err="1">
+                <a:latin typeface="Helvetica" pitchFamily="2" charset="0"/>
+                <a:ea typeface="Gungsuh" panose="02030600000101010101" pitchFamily="18" charset="-127"/>
+              </a:rPr>
+              <a:t>mkFixture</a:t>
+            </a:r>
+            <a:r>
+              <a:rPr lang="en-US" sz="2000" dirty="0">
+                <a:latin typeface="Helvetica" pitchFamily="2" charset="0"/>
+                <a:ea typeface="Gungsuh" panose="02030600000101010101" pitchFamily="18" charset="-127"/>
+              </a:rPr>
+              <a:t>()</a:t>
+            </a:r>
+          </a:p>
+          <a:p>
+            <a:r>
+              <a:rPr lang="en-US" sz="2000" dirty="0">
+                <a:latin typeface="Helvetica" pitchFamily="2" charset="0"/>
+                <a:ea typeface="Gungsuh" panose="02030600000101010101" pitchFamily="18" charset="-127"/>
+              </a:rPr>
+              <a:t>      </a:t>
+            </a:r>
+            <a:r>
+              <a:rPr lang="en-US" sz="2000" dirty="0" err="1">
+                <a:latin typeface="Helvetica" pitchFamily="2" charset="0"/>
+                <a:ea typeface="Gungsuh" panose="02030600000101010101" pitchFamily="18" charset="-127"/>
+              </a:rPr>
+              <a:t>users.efx_createUser</a:t>
+            </a:r>
+            <a:r>
+              <a:rPr lang="en-US" sz="2000" dirty="0">
+                <a:latin typeface="Helvetica" pitchFamily="2" charset="0"/>
+                <a:ea typeface="Gungsuh" panose="02030600000101010101" pitchFamily="18" charset="-127"/>
+              </a:rPr>
+              <a:t>(</a:t>
+            </a:r>
+            <a:r>
+              <a:rPr lang="en-US" sz="2000" dirty="0" err="1">
+                <a:latin typeface="Helvetica" pitchFamily="2" charset="0"/>
+                <a:ea typeface="Gungsuh" panose="02030600000101010101" pitchFamily="18" charset="-127"/>
+              </a:rPr>
+              <a:t>testUser</a:t>
+            </a:r>
+            <a:r>
+              <a:rPr lang="en-US" sz="2000" dirty="0">
+                <a:latin typeface="Helvetica" pitchFamily="2" charset="0"/>
+                <a:ea typeface="Gungsuh" panose="02030600000101010101" pitchFamily="18" charset="-127"/>
+              </a:rPr>
+              <a:t>) &gt;&gt;</a:t>
+            </a:r>
+          </a:p>
+          <a:p>
+            <a:r>
+              <a:rPr lang="en-US" sz="2000" dirty="0">
+                <a:latin typeface="Helvetica" pitchFamily="2" charset="0"/>
+                <a:ea typeface="Gungsuh" panose="02030600000101010101" pitchFamily="18" charset="-127"/>
+              </a:rPr>
+              <a:t>      </a:t>
+            </a:r>
+            <a:r>
+              <a:rPr lang="en-US" sz="2000" dirty="0" err="1">
+                <a:latin typeface="Helvetica" pitchFamily="2" charset="0"/>
+                <a:ea typeface="Gungsuh" panose="02030600000101010101" pitchFamily="18" charset="-127"/>
+              </a:rPr>
+              <a:t>users.efx_state</a:t>
+            </a:r>
+            <a:endParaRPr lang="en-US" sz="2000" dirty="0">
+              <a:latin typeface="Helvetica" pitchFamily="2" charset="0"/>
+              <a:ea typeface="Gungsuh" panose="02030600000101010101" pitchFamily="18" charset="-127"/>
+            </a:endParaRPr>
+          </a:p>
+          <a:p>
+            <a:r>
+              <a:rPr lang="en-US" sz="2000" dirty="0">
+                <a:latin typeface="Helvetica" pitchFamily="2" charset="0"/>
+                <a:ea typeface="Gungsuh" panose="02030600000101010101" pitchFamily="18" charset="-127"/>
+              </a:rPr>
+              <a:t>    }</a:t>
+            </a:r>
+          </a:p>
+          <a:p>
+            <a:r>
+              <a:rPr lang="en-US" sz="2000" dirty="0">
+                <a:latin typeface="Helvetica" pitchFamily="2" charset="0"/>
+                <a:ea typeface="Gungsuh" panose="02030600000101010101" pitchFamily="18" charset="-127"/>
+              </a:rPr>
+              <a:t>  }</a:t>
+            </a:r>
+            <a:endParaRPr lang="en-US" sz="2000" dirty="0">
+              <a:latin typeface="Helvetica" pitchFamily="2" charset="0"/>
+              <a:ea typeface="Gungsuh" panose="02030600000101010101" pitchFamily="18" charset="-127"/>
+              <a:cs typeface="Consolas" panose="020B0609020204030204" pitchFamily="49" charset="0"/>
+            </a:endParaRPr>
+          </a:p>
+        </p:txBody>
+      </p:sp>
+      <p:sp>
+        <p:nvSpPr>
+          <p:cNvPr id="8" name="TextBox 7">
             <a:extLst>
               <a:ext uri="{FF2B5EF4-FFF2-40B4-BE49-F238E27FC236}">
-                <a16:creationId xmlns:a16="http://schemas.microsoft.com/office/drawing/2014/main" id="{D2625C5B-94A0-DA49-BB04-22BBE8A7A06F}"/>
+                <a16:creationId xmlns:a16="http://schemas.microsoft.com/office/drawing/2014/main" id="{F184318E-BCBC-D245-B43A-6FAE727A2F90}"/>
               </a:ext>
             </a:extLst>
           </p:cNvPr>
@@ -12090,28 +11719,135 @@
         </p:nvSpPr>
         <p:spPr>
           <a:xfrm>
-            <a:off x="677334" y="2905779"/>
-            <a:ext cx="960519" cy="369332"/>
+            <a:off x="1411693" y="2009821"/>
+            <a:ext cx="467595" cy="3785652"/>
           </a:xfrm>
           <a:prstGeom prst="rect">
             <a:avLst/>
           </a:prstGeom>
-          <a:noFill/>
-          <a:ln>
+          <a:solidFill>
+            <a:schemeClr val="bg1"/>
+          </a:solidFill>
+          <a:ln w="25400">
             <a:solidFill>
               <a:schemeClr val="tx1"/>
             </a:solidFill>
           </a:ln>
+          <a:effectLst>
+            <a:softEdge rad="31750"/>
+          </a:effectLst>
         </p:spPr>
         <p:txBody>
-          <a:bodyPr wrap="none" rtlCol="0">
+          <a:bodyPr wrap="square" rtlCol="0">
             <a:spAutoFit/>
           </a:bodyPr>
           <a:lstStyle/>
           <a:p>
             <a:r>
-              <a:rPr lang="en-US" dirty="0"/>
-              <a:t>Source:</a:t>
+              <a:rPr lang="en-US" sz="2000" dirty="0">
+                <a:latin typeface="Helvetica" pitchFamily="2" charset="0"/>
+                <a:cs typeface="Consolas" panose="020B0609020204030204" pitchFamily="49" charset="0"/>
+              </a:rPr>
+              <a:t>01</a:t>
+            </a:r>
+          </a:p>
+          <a:p>
+            <a:r>
+              <a:rPr lang="en-US" sz="2000" dirty="0">
+                <a:latin typeface="Helvetica" pitchFamily="2" charset="0"/>
+                <a:cs typeface="Consolas" panose="020B0609020204030204" pitchFamily="49" charset="0"/>
+              </a:rPr>
+              <a:t>02</a:t>
+            </a:r>
+          </a:p>
+          <a:p>
+            <a:r>
+              <a:rPr lang="en-US" sz="2000" dirty="0">
+                <a:latin typeface="Helvetica" pitchFamily="2" charset="0"/>
+                <a:cs typeface="Consolas" panose="020B0609020204030204" pitchFamily="49" charset="0"/>
+              </a:rPr>
+              <a:t>03</a:t>
+            </a:r>
+          </a:p>
+          <a:p>
+            <a:r>
+              <a:rPr lang="en-US" sz="2000" dirty="0">
+                <a:latin typeface="Helvetica" pitchFamily="2" charset="0"/>
+                <a:cs typeface="Consolas" panose="020B0609020204030204" pitchFamily="49" charset="0"/>
+              </a:rPr>
+              <a:t>04</a:t>
+            </a:r>
+          </a:p>
+          <a:p>
+            <a:r>
+              <a:rPr lang="en-US" sz="2000" dirty="0">
+                <a:latin typeface="Helvetica" pitchFamily="2" charset="0"/>
+                <a:cs typeface="Consolas" panose="020B0609020204030204" pitchFamily="49" charset="0"/>
+              </a:rPr>
+              <a:t>05</a:t>
+            </a:r>
+          </a:p>
+          <a:p>
+            <a:r>
+              <a:rPr lang="en-US" sz="2000" dirty="0">
+                <a:latin typeface="Helvetica" pitchFamily="2" charset="0"/>
+                <a:cs typeface="Consolas" panose="020B0609020204030204" pitchFamily="49" charset="0"/>
+              </a:rPr>
+              <a:t>06</a:t>
+            </a:r>
+          </a:p>
+          <a:p>
+            <a:r>
+              <a:rPr lang="en-US" sz="2000" dirty="0">
+                <a:latin typeface="Helvetica" pitchFamily="2" charset="0"/>
+                <a:cs typeface="Consolas" panose="020B0609020204030204" pitchFamily="49" charset="0"/>
+              </a:rPr>
+              <a:t>07</a:t>
+            </a:r>
+          </a:p>
+          <a:p>
+            <a:r>
+              <a:rPr lang="en-US" sz="2000" dirty="0">
+                <a:latin typeface="Helvetica" pitchFamily="2" charset="0"/>
+                <a:cs typeface="Consolas" panose="020B0609020204030204" pitchFamily="49" charset="0"/>
+              </a:rPr>
+              <a:t>08</a:t>
+            </a:r>
+          </a:p>
+          <a:p>
+            <a:r>
+              <a:rPr lang="en-US" sz="2000" dirty="0">
+                <a:latin typeface="Helvetica" pitchFamily="2" charset="0"/>
+                <a:cs typeface="Consolas" panose="020B0609020204030204" pitchFamily="49" charset="0"/>
+              </a:rPr>
+              <a:t>09</a:t>
+            </a:r>
+          </a:p>
+          <a:p>
+            <a:r>
+              <a:rPr lang="en-US" sz="2000" dirty="0">
+                <a:latin typeface="Helvetica" pitchFamily="2" charset="0"/>
+                <a:cs typeface="Consolas" panose="020B0609020204030204" pitchFamily="49" charset="0"/>
+              </a:rPr>
+              <a:t>10</a:t>
+            </a:r>
+          </a:p>
+          <a:p>
+            <a:r>
+              <a:rPr lang="en-US" sz="2000" dirty="0">
+                <a:latin typeface="Helvetica" pitchFamily="2" charset="0"/>
+                <a:cs typeface="Consolas" panose="020B0609020204030204" pitchFamily="49" charset="0"/>
+              </a:rPr>
+              <a:t>11</a:t>
+            </a:r>
+          </a:p>
+          <a:p>
+            <a:r>
+              <a:rPr lang="en-US" sz="2000" dirty="0">
+                <a:latin typeface="Helvetica" pitchFamily="2" charset="0"/>
+                <a:cs typeface="Consolas" panose="020B0609020204030204" pitchFamily="49" charset="0"/>
+              </a:rPr>
+              <a:t>12</a:t>
             </a:r>
           </a:p>
         </p:txBody>
@@ -12119,7 +11855,7 @@
     </p:spTree>
     <p:extLst>
       <p:ext uri="{BB962C8B-B14F-4D97-AF65-F5344CB8AC3E}">
-        <p14:creationId xmlns:p14="http://schemas.microsoft.com/office/powerpoint/2010/main" val="891609272"/>
+        <p14:creationId xmlns:p14="http://schemas.microsoft.com/office/powerpoint/2010/main" val="2781516141"/>
       </p:ext>
     </p:extLst>
   </p:cSld>
@@ -12211,34 +11947,20 @@
             <a:pPr lvl="1"/>
             <a:r>
               <a:rPr lang="en-US" dirty="0"/>
-              <a:t>No background in functional programming before Scala</a:t>
+              <a:t>Prefer data-flow, service-oriented, no frills, no magic, least power Scala</a:t>
+            </a:r>
+          </a:p>
+          <a:p>
+            <a:r>
+              <a:rPr lang="en-US" dirty="0"/>
+              <a:t>Independent consultant </a:t>
             </a:r>
           </a:p>
           <a:p>
             <a:pPr lvl="1"/>
             <a:r>
               <a:rPr lang="en-US" dirty="0"/>
-              <a:t>I prefer data-flow, service-oriented, no frills, no magic, least power Scala</a:t>
-            </a:r>
-          </a:p>
-          <a:p>
-            <a:r>
-              <a:rPr lang="en-US" dirty="0"/>
-              <a:t>Independent consultant </a:t>
-            </a:r>
-          </a:p>
-          <a:p>
-            <a:pPr lvl="1"/>
-            <a:r>
-              <a:rPr lang="en-US" dirty="0"/>
               <a:t>Doer, fixer, closer, truth-seeker, adventurer</a:t>
-            </a:r>
-          </a:p>
-          <a:p>
-            <a:pPr lvl="1"/>
-            <a:r>
-              <a:rPr lang="en-US" dirty="0"/>
-              <a:t>I don’t often greenfield projects</a:t>
             </a:r>
           </a:p>
           <a:p>
@@ -12289,6 +12011,569 @@
       </p:grpSpPr>
       <p:sp>
         <p:nvSpPr>
+          <p:cNvPr id="2" name="Title 1">
+            <a:extLst>
+              <a:ext uri="{FF2B5EF4-FFF2-40B4-BE49-F238E27FC236}">
+                <a16:creationId xmlns:a16="http://schemas.microsoft.com/office/drawing/2014/main" id="{249BB390-5AC9-C143-AB84-CAE4A51FD5E5}"/>
+              </a:ext>
+            </a:extLst>
+          </p:cNvPr>
+          <p:cNvSpPr>
+            <a:spLocks noGrp="1"/>
+          </p:cNvSpPr>
+          <p:nvPr>
+            <p:ph type="title"/>
+          </p:nvPr>
+        </p:nvSpPr>
+        <p:spPr/>
+        <p:txBody>
+          <a:bodyPr/>
+          <a:lstStyle/>
+          <a:p>
+            <a:r>
+              <a:rPr lang="en-US" dirty="0" err="1"/>
+              <a:t>UsersLaws</a:t>
+            </a:r>
+            <a:endParaRPr lang="en-US" dirty="0"/>
+          </a:p>
+        </p:txBody>
+      </p:sp>
+      <p:sp>
+        <p:nvSpPr>
+          <p:cNvPr id="3" name="Rectangle 2">
+            <a:extLst>
+              <a:ext uri="{FF2B5EF4-FFF2-40B4-BE49-F238E27FC236}">
+                <a16:creationId xmlns:a16="http://schemas.microsoft.com/office/drawing/2014/main" id="{B6337F8C-0F8A-F74C-82F2-90B14AFC2DD0}"/>
+              </a:ext>
+            </a:extLst>
+          </p:cNvPr>
+          <p:cNvSpPr/>
+          <p:nvPr/>
+        </p:nvSpPr>
+        <p:spPr>
+          <a:xfrm>
+            <a:off x="914650" y="3275113"/>
+            <a:ext cx="10147548" cy="307777"/>
+          </a:xfrm>
+          <a:prstGeom prst="rect">
+            <a:avLst/>
+          </a:prstGeom>
+          <a:solidFill>
+            <a:schemeClr val="bg1"/>
+          </a:solidFill>
+          <a:ln>
+            <a:solidFill>
+              <a:schemeClr val="tx1"/>
+            </a:solidFill>
+          </a:ln>
+        </p:spPr>
+        <p:txBody>
+          <a:bodyPr wrap="square">
+            <a:spAutoFit/>
+          </a:bodyPr>
+          <a:lstStyle/>
+          <a:p>
+            <a:r>
+              <a:rPr lang="en-US" sz="1400" dirty="0">
+                <a:hlinkClick r:id="rId3"/>
+              </a:rPr>
+              <a:t>https://</a:t>
+            </a:r>
+            <a:r>
+              <a:rPr lang="en-US" sz="1400" dirty="0" err="1">
+                <a:hlinkClick r:id="rId3"/>
+              </a:rPr>
+              <a:t>github.com</a:t>
+            </a:r>
+            <a:r>
+              <a:rPr lang="en-US" sz="1400" dirty="0">
+                <a:hlinkClick r:id="rId3"/>
+              </a:rPr>
+              <a:t>/</a:t>
+            </a:r>
+            <a:r>
+              <a:rPr lang="en-US" sz="1400" dirty="0" err="1">
+                <a:hlinkClick r:id="rId3"/>
+              </a:rPr>
+              <a:t>lancegatlin</a:t>
+            </a:r>
+            <a:r>
+              <a:rPr lang="en-US" sz="1400" dirty="0">
+                <a:hlinkClick r:id="rId3"/>
+              </a:rPr>
+              <a:t>/tagless-final-autotest-talk-19feb19/blob/master/</a:t>
+            </a:r>
+            <a:r>
+              <a:rPr lang="en-US" sz="1400" dirty="0" err="1">
+                <a:hlinkClick r:id="rId3"/>
+              </a:rPr>
+              <a:t>src</a:t>
+            </a:r>
+            <a:r>
+              <a:rPr lang="en-US" sz="1400" dirty="0">
+                <a:hlinkClick r:id="rId3"/>
+              </a:rPr>
+              <a:t>/test/</a:t>
+            </a:r>
+            <a:r>
+              <a:rPr lang="en-US" sz="1400" dirty="0" err="1">
+                <a:hlinkClick r:id="rId3"/>
+              </a:rPr>
+              <a:t>scala</a:t>
+            </a:r>
+            <a:r>
+              <a:rPr lang="en-US" sz="1400" dirty="0">
+                <a:hlinkClick r:id="rId3"/>
+              </a:rPr>
+              <a:t>/org/</a:t>
+            </a:r>
+            <a:r>
+              <a:rPr lang="en-US" sz="1400" dirty="0" err="1">
+                <a:hlinkClick r:id="rId3"/>
+              </a:rPr>
+              <a:t>ldg</a:t>
+            </a:r>
+            <a:r>
+              <a:rPr lang="en-US" sz="1400" dirty="0">
+                <a:hlinkClick r:id="rId3"/>
+              </a:rPr>
+              <a:t>/</a:t>
+            </a:r>
+            <a:r>
+              <a:rPr lang="en-US" sz="1400" dirty="0" err="1">
+                <a:hlinkClick r:id="rId3"/>
+              </a:rPr>
+              <a:t>UsersLaws.scala</a:t>
+            </a:r>
+            <a:endParaRPr lang="en-US" sz="1400" dirty="0"/>
+          </a:p>
+        </p:txBody>
+      </p:sp>
+      <p:sp>
+        <p:nvSpPr>
+          <p:cNvPr id="4" name="TextBox 3">
+            <a:extLst>
+              <a:ext uri="{FF2B5EF4-FFF2-40B4-BE49-F238E27FC236}">
+                <a16:creationId xmlns:a16="http://schemas.microsoft.com/office/drawing/2014/main" id="{33ECA941-EA2D-6B4E-8D30-31462826AD8E}"/>
+              </a:ext>
+            </a:extLst>
+          </p:cNvPr>
+          <p:cNvSpPr txBox="1"/>
+          <p:nvPr/>
+        </p:nvSpPr>
+        <p:spPr>
+          <a:xfrm>
+            <a:off x="677334" y="2905779"/>
+            <a:ext cx="960519" cy="369332"/>
+          </a:xfrm>
+          <a:prstGeom prst="rect">
+            <a:avLst/>
+          </a:prstGeom>
+          <a:noFill/>
+          <a:ln>
+            <a:solidFill>
+              <a:schemeClr val="tx1"/>
+            </a:solidFill>
+          </a:ln>
+        </p:spPr>
+        <p:txBody>
+          <a:bodyPr wrap="none" rtlCol="0">
+            <a:spAutoFit/>
+          </a:bodyPr>
+          <a:lstStyle/>
+          <a:p>
+            <a:r>
+              <a:rPr lang="en-US" dirty="0"/>
+              <a:t>Source:</a:t>
+            </a:r>
+          </a:p>
+        </p:txBody>
+      </p:sp>
+    </p:spTree>
+    <p:extLst>
+      <p:ext uri="{BB962C8B-B14F-4D97-AF65-F5344CB8AC3E}">
+        <p14:creationId xmlns:p14="http://schemas.microsoft.com/office/powerpoint/2010/main" val="1475306786"/>
+      </p:ext>
+    </p:extLst>
+  </p:cSld>
+  <p:clrMapOvr>
+    <a:masterClrMapping/>
+  </p:clrMapOvr>
+</p:sld>
+</file>
+
+<file path=ppt/slides/slide21.xml><?xml version="1.0" encoding="utf-8"?>
+<p:sld xmlns:a="http://schemas.openxmlformats.org/drawingml/2006/main" xmlns:r="http://schemas.openxmlformats.org/officeDocument/2006/relationships" xmlns:p="http://schemas.openxmlformats.org/presentationml/2006/main">
+  <p:cSld>
+    <p:spTree>
+      <p:nvGrpSpPr>
+        <p:cNvPr id="1" name=""/>
+        <p:cNvGrpSpPr/>
+        <p:nvPr/>
+      </p:nvGrpSpPr>
+      <p:grpSpPr>
+        <a:xfrm>
+          <a:off x="0" y="0"/>
+          <a:ext cx="0" cy="0"/>
+          <a:chOff x="0" y="0"/>
+          <a:chExt cx="0" cy="0"/>
+        </a:xfrm>
+      </p:grpSpPr>
+      <p:sp>
+        <p:nvSpPr>
+          <p:cNvPr id="2" name="Title 1">
+            <a:extLst>
+              <a:ext uri="{FF2B5EF4-FFF2-40B4-BE49-F238E27FC236}">
+                <a16:creationId xmlns:a16="http://schemas.microsoft.com/office/drawing/2014/main" id="{249BB390-5AC9-C143-AB84-CAE4A51FD5E5}"/>
+              </a:ext>
+            </a:extLst>
+          </p:cNvPr>
+          <p:cNvSpPr>
+            <a:spLocks noGrp="1"/>
+          </p:cNvSpPr>
+          <p:nvPr>
+            <p:ph type="title"/>
+          </p:nvPr>
+        </p:nvSpPr>
+        <p:spPr/>
+        <p:txBody>
+          <a:bodyPr/>
+          <a:lstStyle/>
+          <a:p>
+            <a:r>
+              <a:rPr lang="en-US" dirty="0" err="1"/>
+              <a:t>UsersImplIdAutoTest</a:t>
+            </a:r>
+            <a:endParaRPr lang="en-US" dirty="0"/>
+          </a:p>
+        </p:txBody>
+      </p:sp>
+      <p:sp>
+        <p:nvSpPr>
+          <p:cNvPr id="10" name="Rectangle 9">
+            <a:extLst>
+              <a:ext uri="{FF2B5EF4-FFF2-40B4-BE49-F238E27FC236}">
+                <a16:creationId xmlns:a16="http://schemas.microsoft.com/office/drawing/2014/main" id="{A04418DF-7DF9-474A-A176-4AAF143D3159}"/>
+              </a:ext>
+            </a:extLst>
+          </p:cNvPr>
+          <p:cNvSpPr/>
+          <p:nvPr/>
+        </p:nvSpPr>
+        <p:spPr>
+          <a:xfrm>
+            <a:off x="932828" y="3275113"/>
+            <a:ext cx="10981266" cy="307777"/>
+          </a:xfrm>
+          <a:prstGeom prst="rect">
+            <a:avLst/>
+          </a:prstGeom>
+          <a:solidFill>
+            <a:schemeClr val="bg1"/>
+          </a:solidFill>
+          <a:ln>
+            <a:solidFill>
+              <a:schemeClr val="tx1"/>
+            </a:solidFill>
+          </a:ln>
+        </p:spPr>
+        <p:txBody>
+          <a:bodyPr wrap="square">
+            <a:spAutoFit/>
+          </a:bodyPr>
+          <a:lstStyle/>
+          <a:p>
+            <a:r>
+              <a:rPr lang="en-US" sz="1400" dirty="0">
+                <a:hlinkClick r:id="rId3"/>
+              </a:rPr>
+              <a:t>https://</a:t>
+            </a:r>
+            <a:r>
+              <a:rPr lang="en-US" sz="1400" dirty="0" err="1">
+                <a:hlinkClick r:id="rId3"/>
+              </a:rPr>
+              <a:t>github.com</a:t>
+            </a:r>
+            <a:r>
+              <a:rPr lang="en-US" sz="1400" dirty="0">
+                <a:hlinkClick r:id="rId3"/>
+              </a:rPr>
+              <a:t>/</a:t>
+            </a:r>
+            <a:r>
+              <a:rPr lang="en-US" sz="1400" dirty="0" err="1">
+                <a:hlinkClick r:id="rId3"/>
+              </a:rPr>
+              <a:t>lancegatlin</a:t>
+            </a:r>
+            <a:r>
+              <a:rPr lang="en-US" sz="1400" dirty="0">
+                <a:hlinkClick r:id="rId3"/>
+              </a:rPr>
+              <a:t>/tagless-final-autotest-talk-19feb19/blob/master/</a:t>
+            </a:r>
+            <a:r>
+              <a:rPr lang="en-US" sz="1400" dirty="0" err="1">
+                <a:hlinkClick r:id="rId3"/>
+              </a:rPr>
+              <a:t>src</a:t>
+            </a:r>
+            <a:r>
+              <a:rPr lang="en-US" sz="1400" dirty="0">
+                <a:hlinkClick r:id="rId3"/>
+              </a:rPr>
+              <a:t>/test/</a:t>
+            </a:r>
+            <a:r>
+              <a:rPr lang="en-US" sz="1400" dirty="0" err="1">
+                <a:hlinkClick r:id="rId3"/>
+              </a:rPr>
+              <a:t>scala</a:t>
+            </a:r>
+            <a:r>
+              <a:rPr lang="en-US" sz="1400" dirty="0">
+                <a:hlinkClick r:id="rId3"/>
+              </a:rPr>
+              <a:t>/org/</a:t>
+            </a:r>
+            <a:r>
+              <a:rPr lang="en-US" sz="1400" dirty="0" err="1">
+                <a:hlinkClick r:id="rId3"/>
+              </a:rPr>
+              <a:t>ldg</a:t>
+            </a:r>
+            <a:r>
+              <a:rPr lang="en-US" sz="1400" dirty="0">
+                <a:hlinkClick r:id="rId3"/>
+              </a:rPr>
+              <a:t>/</a:t>
+            </a:r>
+            <a:r>
+              <a:rPr lang="en-US" sz="1400" dirty="0" err="1">
+                <a:hlinkClick r:id="rId3"/>
+              </a:rPr>
+              <a:t>UsersImplIdAutoTest.scala</a:t>
+            </a:r>
+            <a:endParaRPr lang="en-US" sz="1400" dirty="0"/>
+          </a:p>
+        </p:txBody>
+      </p:sp>
+      <p:sp>
+        <p:nvSpPr>
+          <p:cNvPr id="11" name="TextBox 10">
+            <a:extLst>
+              <a:ext uri="{FF2B5EF4-FFF2-40B4-BE49-F238E27FC236}">
+                <a16:creationId xmlns:a16="http://schemas.microsoft.com/office/drawing/2014/main" id="{D2625C5B-94A0-DA49-BB04-22BBE8A7A06F}"/>
+              </a:ext>
+            </a:extLst>
+          </p:cNvPr>
+          <p:cNvSpPr txBox="1"/>
+          <p:nvPr/>
+        </p:nvSpPr>
+        <p:spPr>
+          <a:xfrm>
+            <a:off x="677334" y="2905779"/>
+            <a:ext cx="960519" cy="369332"/>
+          </a:xfrm>
+          <a:prstGeom prst="rect">
+            <a:avLst/>
+          </a:prstGeom>
+          <a:noFill/>
+          <a:ln>
+            <a:solidFill>
+              <a:schemeClr val="tx1"/>
+            </a:solidFill>
+          </a:ln>
+        </p:spPr>
+        <p:txBody>
+          <a:bodyPr wrap="none" rtlCol="0">
+            <a:spAutoFit/>
+          </a:bodyPr>
+          <a:lstStyle/>
+          <a:p>
+            <a:r>
+              <a:rPr lang="en-US" dirty="0"/>
+              <a:t>Source:</a:t>
+            </a:r>
+          </a:p>
+        </p:txBody>
+      </p:sp>
+    </p:spTree>
+    <p:extLst>
+      <p:ext uri="{BB962C8B-B14F-4D97-AF65-F5344CB8AC3E}">
+        <p14:creationId xmlns:p14="http://schemas.microsoft.com/office/powerpoint/2010/main" val="891609272"/>
+      </p:ext>
+    </p:extLst>
+  </p:cSld>
+  <p:clrMapOvr>
+    <a:masterClrMapping/>
+  </p:clrMapOvr>
+</p:sld>
+</file>
+
+<file path=ppt/slides/slide22.xml><?xml version="1.0" encoding="utf-8"?>
+<p:sld xmlns:a="http://schemas.openxmlformats.org/drawingml/2006/main" xmlns:r="http://schemas.openxmlformats.org/officeDocument/2006/relationships" xmlns:p="http://schemas.openxmlformats.org/presentationml/2006/main">
+  <p:cSld>
+    <p:spTree>
+      <p:nvGrpSpPr>
+        <p:cNvPr id="1" name=""/>
+        <p:cNvGrpSpPr/>
+        <p:nvPr/>
+      </p:nvGrpSpPr>
+      <p:grpSpPr>
+        <a:xfrm>
+          <a:off x="0" y="0"/>
+          <a:ext cx="0" cy="0"/>
+          <a:chOff x="0" y="0"/>
+          <a:chExt cx="0" cy="0"/>
+        </a:xfrm>
+      </p:grpSpPr>
+      <p:sp>
+        <p:nvSpPr>
+          <p:cNvPr id="2" name="Title 1">
+            <a:extLst>
+              <a:ext uri="{FF2B5EF4-FFF2-40B4-BE49-F238E27FC236}">
+                <a16:creationId xmlns:a16="http://schemas.microsoft.com/office/drawing/2014/main" id="{86F237F0-11C7-864C-84DF-A0FCF9C88633}"/>
+              </a:ext>
+            </a:extLst>
+          </p:cNvPr>
+          <p:cNvSpPr>
+            <a:spLocks noGrp="1"/>
+          </p:cNvSpPr>
+          <p:nvPr>
+            <p:ph type="title"/>
+          </p:nvPr>
+        </p:nvSpPr>
+        <p:spPr/>
+        <p:txBody>
+          <a:bodyPr/>
+          <a:lstStyle/>
+          <a:p>
+            <a:r>
+              <a:rPr lang="en-US" dirty="0"/>
+              <a:t>Future work</a:t>
+            </a:r>
+          </a:p>
+        </p:txBody>
+      </p:sp>
+      <p:sp>
+        <p:nvSpPr>
+          <p:cNvPr id="3" name="Content Placeholder 2">
+            <a:extLst>
+              <a:ext uri="{FF2B5EF4-FFF2-40B4-BE49-F238E27FC236}">
+                <a16:creationId xmlns:a16="http://schemas.microsoft.com/office/drawing/2014/main" id="{CF3E818D-A067-2C48-8B59-115189CA4140}"/>
+              </a:ext>
+            </a:extLst>
+          </p:cNvPr>
+          <p:cNvSpPr>
+            <a:spLocks noGrp="1"/>
+          </p:cNvSpPr>
+          <p:nvPr>
+            <p:ph idx="1"/>
+          </p:nvPr>
+        </p:nvSpPr>
+        <p:spPr/>
+        <p:txBody>
+          <a:bodyPr>
+            <a:normAutofit/>
+          </a:bodyPr>
+          <a:lstStyle/>
+          <a:p>
+            <a:r>
+              <a:rPr lang="en-US" dirty="0"/>
+              <a:t>Improving </a:t>
+            </a:r>
+            <a:r>
+              <a:rPr lang="en-US" dirty="0" err="1"/>
+              <a:t>ScalaCheck</a:t>
+            </a:r>
+            <a:r>
+              <a:rPr lang="en-US" dirty="0"/>
+              <a:t> &amp; Discipline to handle Monads properly to avoid </a:t>
+            </a:r>
+            <a:r>
+              <a:rPr lang="en-US" dirty="0" err="1"/>
+              <a:t>EvalEqM</a:t>
+            </a:r>
+            <a:endParaRPr lang="en-US" dirty="0"/>
+          </a:p>
+          <a:p>
+            <a:r>
+              <a:rPr lang="en-US" dirty="0"/>
+              <a:t>Extend Discipline to mix laws</a:t>
+            </a:r>
+          </a:p>
+          <a:p>
+            <a:pPr lvl="1"/>
+            <a:r>
+              <a:rPr lang="en-US" dirty="0"/>
+              <a:t>If A &lt;-&gt; B and B &lt;-&gt; C then why not try A &lt;-&gt; C?</a:t>
+            </a:r>
+          </a:p>
+          <a:p>
+            <a:r>
+              <a:rPr lang="en-US" dirty="0"/>
+              <a:t>Once a law is verified, it only needs to be checked again if the code changes (test caching)</a:t>
+            </a:r>
+          </a:p>
+          <a:p>
+            <a:r>
+              <a:rPr lang="en-US" dirty="0"/>
+              <a:t>Build a tighter DSL and testing fixture that:</a:t>
+            </a:r>
+          </a:p>
+          <a:p>
+            <a:pPr lvl="1"/>
+            <a:r>
+              <a:rPr lang="en-US" dirty="0"/>
+              <a:t>Makes it easier to test results &amp; effects in the same law</a:t>
+            </a:r>
+          </a:p>
+          <a:p>
+            <a:pPr lvl="1"/>
+            <a:r>
+              <a:rPr lang="en-US" dirty="0"/>
+              <a:t>Makes it easier to specify the expected effects and the result in the law</a:t>
+            </a:r>
+          </a:p>
+          <a:p>
+            <a:endParaRPr lang="en-US" dirty="0"/>
+          </a:p>
+        </p:txBody>
+      </p:sp>
+    </p:spTree>
+    <p:extLst>
+      <p:ext uri="{BB962C8B-B14F-4D97-AF65-F5344CB8AC3E}">
+        <p14:creationId xmlns:p14="http://schemas.microsoft.com/office/powerpoint/2010/main" val="1721372675"/>
+      </p:ext>
+    </p:extLst>
+  </p:cSld>
+  <p:clrMapOvr>
+    <a:masterClrMapping/>
+  </p:clrMapOvr>
+</p:sld>
+</file>
+
+<file path=ppt/slides/slide23.xml><?xml version="1.0" encoding="utf-8"?>
+<p:sld xmlns:a="http://schemas.openxmlformats.org/drawingml/2006/main" xmlns:r="http://schemas.openxmlformats.org/officeDocument/2006/relationships" xmlns:p="http://schemas.openxmlformats.org/presentationml/2006/main">
+  <p:cSld>
+    <p:spTree>
+      <p:nvGrpSpPr>
+        <p:cNvPr id="1" name=""/>
+        <p:cNvGrpSpPr/>
+        <p:nvPr/>
+      </p:nvGrpSpPr>
+      <p:grpSpPr>
+        <a:xfrm>
+          <a:off x="0" y="0"/>
+          <a:ext cx="0" cy="0"/>
+          <a:chOff x="0" y="0"/>
+          <a:chExt cx="0" cy="0"/>
+        </a:xfrm>
+      </p:grpSpPr>
+      <p:sp>
+        <p:nvSpPr>
           <p:cNvPr id="4" name="Title 3">
             <a:extLst>
               <a:ext uri="{FF2B5EF4-FFF2-40B4-BE49-F238E27FC236}">
@@ -12384,7 +12669,7 @@
 </p:sld>
 </file>
 
-<file path=ppt/slides/slide21.xml><?xml version="1.0" encoding="utf-8"?>
+<file path=ppt/slides/slide24.xml><?xml version="1.0" encoding="utf-8"?>
 <p:sld xmlns:a="http://schemas.openxmlformats.org/drawingml/2006/main" xmlns:r="http://schemas.openxmlformats.org/officeDocument/2006/relationships" xmlns:p="http://schemas.openxmlformats.org/presentationml/2006/main">
   <p:cSld>
     <p:spTree>
@@ -12903,13 +13188,34 @@
         <p:spPr/>
         <p:txBody>
           <a:bodyPr>
-            <a:normAutofit fontScale="92500"/>
+            <a:normAutofit fontScale="92500" lnSpcReduction="20000"/>
           </a:bodyPr>
           <a:lstStyle/>
           <a:p>
             <a:r>
               <a:rPr lang="en-US" dirty="0"/>
-              <a:t>Why auto test?</a:t>
+              <a:t>Review </a:t>
+            </a:r>
+            <a:r>
+              <a:rPr lang="en-US" dirty="0" err="1"/>
+              <a:t>tagless</a:t>
+            </a:r>
+            <a:r>
+              <a:rPr lang="en-US" dirty="0"/>
+              <a:t> algebra/API</a:t>
+            </a:r>
+          </a:p>
+          <a:p>
+            <a:pPr lvl="1"/>
+            <a:r>
+              <a:rPr lang="en-US" dirty="0"/>
+              <a:t>Users from last presentation</a:t>
+            </a:r>
+          </a:p>
+          <a:p>
+            <a:r>
+              <a:rPr lang="en-US" dirty="0"/>
+              <a:t>What/Why generic law-based auto-testing?</a:t>
             </a:r>
           </a:p>
           <a:p>
@@ -12934,30 +13240,15 @@
             </a:r>
           </a:p>
           <a:p>
+            <a:r>
+              <a:rPr lang="en-US" dirty="0"/>
+              <a:t>Overall auto-test architecture</a:t>
+            </a:r>
+          </a:p>
+          <a:p>
             <a:pPr lvl="1"/>
             <a:r>
               <a:rPr lang="en-US" dirty="0"/>
-              <a:t>Users example </a:t>
-            </a:r>
-            <a:r>
-              <a:rPr lang="en-US" dirty="0" err="1"/>
-              <a:t>tagless</a:t>
-            </a:r>
-            <a:r>
-              <a:rPr lang="en-US" dirty="0"/>
-              <a:t> algebra/API from last presentation</a:t>
-            </a:r>
-          </a:p>
-          <a:p>
-            <a:r>
-              <a:rPr lang="en-US" dirty="0"/>
-              <a:t>Overall auto-test architecture</a:t>
-            </a:r>
-          </a:p>
-          <a:p>
-            <a:pPr lvl="1"/>
-            <a:r>
-              <a:rPr lang="en-US" dirty="0"/>
               <a:t>Writing generic laws</a:t>
             </a:r>
           </a:p>
@@ -12970,7 +13261,7 @@
           <a:p>
             <a:r>
               <a:rPr lang="en-US" dirty="0"/>
-              <a:t>Writing an auto test for a specific implementation and monad</a:t>
+              <a:t>Writing an auto-test for a specific implementation and monad</a:t>
             </a:r>
           </a:p>
           <a:p>
@@ -13019,7 +13310,7 @@
           <p:cNvPr id="2" name="Title 1">
             <a:extLst>
               <a:ext uri="{FF2B5EF4-FFF2-40B4-BE49-F238E27FC236}">
-                <a16:creationId xmlns:a16="http://schemas.microsoft.com/office/drawing/2014/main" id="{249BB390-5AC9-C143-AB84-CAE4A51FD5E5}"/>
+                <a16:creationId xmlns:a16="http://schemas.microsoft.com/office/drawing/2014/main" id="{0F9117D2-02FE-624A-9049-76F0F9549CEE}"/>
               </a:ext>
             </a:extLst>
           </p:cNvPr>
@@ -13037,7 +13328,7 @@
           <a:p>
             <a:r>
               <a:rPr lang="en-US" dirty="0"/>
-              <a:t>Why auto-test?</a:t>
+              <a:t>Follow along?</a:t>
             </a:r>
           </a:p>
         </p:txBody>
@@ -13047,7 +13338,7 @@
           <p:cNvPr id="3" name="Content Placeholder 2">
             <a:extLst>
               <a:ext uri="{FF2B5EF4-FFF2-40B4-BE49-F238E27FC236}">
-                <a16:creationId xmlns:a16="http://schemas.microsoft.com/office/drawing/2014/main" id="{A428EFFE-ECBF-104F-A4A5-B43076FBB18A}"/>
+                <a16:creationId xmlns:a16="http://schemas.microsoft.com/office/drawing/2014/main" id="{8EE82894-289A-BE4F-8787-3610A0A2F564}"/>
               </a:ext>
             </a:extLst>
           </p:cNvPr>
@@ -13058,87 +13349,94 @@
             <p:ph idx="1"/>
           </p:nvPr>
         </p:nvSpPr>
-        <p:spPr/>
+        <p:spPr>
+          <a:xfrm>
+            <a:off x="677334" y="1627095"/>
+            <a:ext cx="9502252" cy="4414268"/>
+          </a:xfrm>
+        </p:spPr>
         <p:txBody>
           <a:bodyPr>
-            <a:normAutofit fontScale="92500" lnSpcReduction="10000"/>
+            <a:normAutofit/>
           </a:bodyPr>
           <a:lstStyle/>
           <a:p>
             <a:r>
               <a:rPr lang="en-US" dirty="0"/>
-              <a:t>Writing explicit tests is time consuming and error prone</a:t>
-            </a:r>
-          </a:p>
-          <a:p>
-            <a:r>
-              <a:rPr lang="en-US" dirty="0"/>
-              <a:t>Tests can be written generically and tested using Id but</a:t>
+              <a:t>I posted a link to the </a:t>
+            </a:r>
+            <a:r>
+              <a:rPr lang="en-US" dirty="0" err="1"/>
+              <a:t>github</a:t>
+            </a:r>
+            <a:r>
+              <a:rPr lang="en-US" dirty="0"/>
+              <a:t> repo for this presentation in today’s meetup</a:t>
+            </a:r>
+          </a:p>
+          <a:p>
+            <a:r>
+              <a:rPr lang="en-US" dirty="0"/>
+              <a:t>Runnable demo code</a:t>
             </a:r>
           </a:p>
           <a:p>
             <a:pPr lvl="1"/>
             <a:r>
-              <a:rPr lang="en-US" dirty="0"/>
-              <a:t>What if we want to run tests using a concrete monad or concrete back-end (i.e. integration tests)</a:t>
+              <a:rPr lang="en-US" dirty="0" err="1"/>
+              <a:t>sbt</a:t>
+            </a:r>
+            <a:r>
+              <a:rPr lang="en-US" dirty="0"/>
+              <a:t> test</a:t>
+            </a:r>
+          </a:p>
+          <a:p>
+            <a:r>
+              <a:rPr lang="en-US" dirty="0"/>
+              <a:t>Also linked here for later</a:t>
             </a:r>
           </a:p>
           <a:p>
             <a:pPr lvl="1"/>
             <a:r>
-              <a:rPr lang="en-US" dirty="0"/>
-              <a:t>Ideally, we should be able to run the same tests on any implementation</a:t>
-            </a:r>
-          </a:p>
-          <a:p>
-            <a:r>
-              <a:rPr lang="en-US" dirty="0"/>
-              <a:t>Using a law based approach, we can:</a:t>
-            </a:r>
-          </a:p>
-          <a:p>
-            <a:pPr lvl="1"/>
-            <a:r>
-              <a:rPr lang="en-US" dirty="0"/>
-              <a:t>Write a ”law” as a function in terms of our </a:t>
-            </a:r>
-            <a:r>
-              <a:rPr lang="en-US" dirty="0" err="1"/>
-              <a:t>tagless</a:t>
-            </a:r>
-            <a:r>
-              <a:rPr lang="en-US" dirty="0"/>
-              <a:t> algebra/API (and effects)</a:t>
-            </a:r>
-          </a:p>
-          <a:p>
-            <a:pPr lvl="1"/>
-            <a:r>
-              <a:rPr lang="en-US" dirty="0"/>
-              <a:t>Use </a:t>
-            </a:r>
-            <a:r>
-              <a:rPr lang="en-US" dirty="0" err="1"/>
-              <a:t>ScalaCheck</a:t>
-            </a:r>
-            <a:r>
-              <a:rPr lang="en-US" dirty="0"/>
-              <a:t> to inject parameters into our law</a:t>
-            </a:r>
-          </a:p>
-          <a:p>
-            <a:pPr lvl="1"/>
-            <a:r>
-              <a:rPr lang="en-US" dirty="0"/>
-              <a:t>Verify all of our laws hold for any combination of implementation and monad</a:t>
-            </a:r>
+              <a:rPr lang="en-US" dirty="0">
+                <a:hlinkClick r:id="rId2"/>
+              </a:rPr>
+              <a:t>https://</a:t>
+            </a:r>
+            <a:r>
+              <a:rPr lang="en-US" dirty="0" err="1">
+                <a:hlinkClick r:id="rId2"/>
+              </a:rPr>
+              <a:t>github.com</a:t>
+            </a:r>
+            <a:r>
+              <a:rPr lang="en-US" dirty="0">
+                <a:hlinkClick r:id="rId2"/>
+              </a:rPr>
+              <a:t>/</a:t>
+            </a:r>
+            <a:r>
+              <a:rPr lang="en-US" dirty="0" err="1">
+                <a:hlinkClick r:id="rId2"/>
+              </a:rPr>
+              <a:t>lancegatlin</a:t>
+            </a:r>
+            <a:r>
+              <a:rPr lang="en-US" dirty="0">
+                <a:hlinkClick r:id="rId2"/>
+              </a:rPr>
+              <a:t>/tagless-final-autotest-talk-19feb19</a:t>
+            </a:r>
+            <a:endParaRPr lang="en-US" dirty="0"/>
           </a:p>
         </p:txBody>
       </p:sp>
     </p:spTree>
     <p:extLst>
       <p:ext uri="{BB962C8B-B14F-4D97-AF65-F5344CB8AC3E}">
-        <p14:creationId xmlns:p14="http://schemas.microsoft.com/office/powerpoint/2010/main" val="601268719"/>
+        <p14:creationId xmlns:p14="http://schemas.microsoft.com/office/powerpoint/2010/main" val="2696524645"/>
       </p:ext>
     </p:extLst>
   </p:cSld>
@@ -13187,126 +13485,500 @@
           <a:lstStyle/>
           <a:p>
             <a:r>
-              <a:rPr lang="en-US" dirty="0" err="1"/>
-              <a:t>ScalaCheck</a:t>
-            </a:r>
-            <a:endParaRPr lang="en-US" dirty="0"/>
-          </a:p>
-        </p:txBody>
-      </p:sp>
-      <p:sp>
-        <p:nvSpPr>
-          <p:cNvPr id="3" name="Content Placeholder 2">
+              <a:rPr lang="en-US" dirty="0"/>
+              <a:t>Users algebra/API review</a:t>
+            </a:r>
+          </a:p>
+        </p:txBody>
+      </p:sp>
+      <p:sp>
+        <p:nvSpPr>
+          <p:cNvPr id="7" name="TextBox 6">
             <a:extLst>
               <a:ext uri="{FF2B5EF4-FFF2-40B4-BE49-F238E27FC236}">
-                <a16:creationId xmlns:a16="http://schemas.microsoft.com/office/drawing/2014/main" id="{A428EFFE-ECBF-104F-A4A5-B43076FBB18A}"/>
+                <a16:creationId xmlns:a16="http://schemas.microsoft.com/office/drawing/2014/main" id="{DC7EEDE6-9EFE-8D44-85F7-46619BF7B609}"/>
               </a:ext>
             </a:extLst>
           </p:cNvPr>
-          <p:cNvSpPr>
-            <a:spLocks noGrp="1"/>
-          </p:cNvSpPr>
-          <p:nvPr>
-            <p:ph idx="1"/>
-          </p:nvPr>
-        </p:nvSpPr>
-        <p:spPr/>
-        <p:txBody>
-          <a:bodyPr>
-            <a:normAutofit/>
-          </a:bodyPr>
-          <a:lstStyle/>
-          <a:p>
-            <a:r>
-              <a:rPr lang="en-US" dirty="0"/>
-              <a:t>Write </a:t>
-            </a:r>
-            <a:r>
-              <a:rPr lang="en-US" dirty="0" err="1"/>
-              <a:t>ScalaCheck</a:t>
-            </a:r>
-            <a:r>
-              <a:rPr lang="en-US" dirty="0"/>
-              <a:t> properties (Prop)</a:t>
-            </a:r>
-          </a:p>
-          <a:p>
-            <a:r>
-              <a:rPr lang="en-US" dirty="0"/>
-              <a:t>Properties are functions that can accept zero or more typed parameters</a:t>
-            </a:r>
-          </a:p>
-          <a:p>
-            <a:r>
-              <a:rPr lang="en-US" dirty="0" err="1"/>
-              <a:t>ScalaCheck</a:t>
-            </a:r>
-            <a:r>
-              <a:rPr lang="en-US" dirty="0"/>
-              <a:t> generates a few random valid values to plug into property functions based on the Arbitrary type-class</a:t>
-            </a:r>
-          </a:p>
-          <a:p>
-            <a:r>
-              <a:rPr lang="en-US" dirty="0" err="1"/>
-              <a:t>ScalaCheck</a:t>
-            </a:r>
-            <a:r>
-              <a:rPr lang="en-US" dirty="0"/>
-              <a:t> also ensures boundary conditions are tested (e.g. -1,0,1,Int.MaxValue, empty string, </a:t>
-            </a:r>
-            <a:r>
-              <a:rPr lang="en-US" dirty="0" err="1"/>
-              <a:t>etc</a:t>
-            </a:r>
-            <a:r>
-              <a:rPr lang="en-US" dirty="0"/>
-              <a:t>)</a:t>
-            </a:r>
-          </a:p>
-          <a:p>
-            <a:endParaRPr lang="en-US" dirty="0"/>
-          </a:p>
-        </p:txBody>
-      </p:sp>
-      <p:sp>
-        <p:nvSpPr>
-          <p:cNvPr id="4" name="Rectangle 3">
-            <a:extLst>
-              <a:ext uri="{FF2B5EF4-FFF2-40B4-BE49-F238E27FC236}">
-                <a16:creationId xmlns:a16="http://schemas.microsoft.com/office/drawing/2014/main" id="{39C857A7-1D26-0842-9A17-B17CBB7D0C38}"/>
-              </a:ext>
-            </a:extLst>
-          </p:cNvPr>
-          <p:cNvSpPr/>
+          <p:cNvSpPr txBox="1"/>
           <p:nvPr/>
         </p:nvSpPr>
         <p:spPr>
           <a:xfrm>
-            <a:off x="114875" y="6384141"/>
-            <a:ext cx="2504404" cy="307777"/>
+            <a:off x="1047182" y="1316081"/>
+            <a:ext cx="9167783" cy="1938992"/>
           </a:xfrm>
           <a:prstGeom prst="rect">
             <a:avLst/>
           </a:prstGeom>
+          <a:solidFill>
+            <a:schemeClr val="bg1"/>
+          </a:solidFill>
+          <a:ln w="25400">
+            <a:solidFill>
+              <a:schemeClr val="tx1"/>
+            </a:solidFill>
+          </a:ln>
+          <a:effectLst>
+            <a:softEdge rad="31750"/>
+          </a:effectLst>
         </p:spPr>
         <p:txBody>
-          <a:bodyPr wrap="none">
+          <a:bodyPr wrap="square" rtlCol="0">
             <a:spAutoFit/>
           </a:bodyPr>
           <a:lstStyle/>
           <a:p>
             <a:r>
-              <a:rPr lang="en-US" sz="1400" dirty="0"/>
-              <a:t>http://</a:t>
-            </a:r>
-            <a:r>
-              <a:rPr lang="en-US" sz="1400" dirty="0" err="1"/>
-              <a:t>www.scalacheck.org</a:t>
-            </a:r>
-            <a:r>
-              <a:rPr lang="en-US" sz="1400" dirty="0"/>
-              <a:t>/</a:t>
+              <a:rPr lang="en-US" sz="2000" dirty="0">
+                <a:latin typeface="Helvetica" pitchFamily="2" charset="0"/>
+                <a:ea typeface="Gungsuh" panose="02030600000101010101" pitchFamily="18" charset="-127"/>
+              </a:rPr>
+              <a:t>trait Users[E[_]] {</a:t>
+            </a:r>
+          </a:p>
+          <a:p>
+            <a:r>
+              <a:rPr lang="en-US" sz="2000" dirty="0">
+                <a:latin typeface="Helvetica" pitchFamily="2" charset="0"/>
+                <a:ea typeface="Gungsuh" panose="02030600000101010101" pitchFamily="18" charset="-127"/>
+              </a:rPr>
+              <a:t>  def </a:t>
+            </a:r>
+            <a:r>
+              <a:rPr lang="en-US" sz="2000" dirty="0" err="1">
+                <a:latin typeface="Helvetica" pitchFamily="2" charset="0"/>
+                <a:ea typeface="Gungsuh" panose="02030600000101010101" pitchFamily="18" charset="-127"/>
+              </a:rPr>
+              <a:t>findById</a:t>
+            </a:r>
+            <a:r>
+              <a:rPr lang="en-US" sz="2000" dirty="0">
+                <a:latin typeface="Helvetica" pitchFamily="2" charset="0"/>
+                <a:ea typeface="Gungsuh" panose="02030600000101010101" pitchFamily="18" charset="-127"/>
+              </a:rPr>
+              <a:t>(id: UUID) : E[Option[User]]</a:t>
+            </a:r>
+          </a:p>
+          <a:p>
+            <a:r>
+              <a:rPr lang="en-US" sz="2000" dirty="0">
+                <a:latin typeface="Helvetica" pitchFamily="2" charset="0"/>
+                <a:ea typeface="Gungsuh" panose="02030600000101010101" pitchFamily="18" charset="-127"/>
+              </a:rPr>
+              <a:t>  def create(id: UUID, username: String, </a:t>
+            </a:r>
+            <a:r>
+              <a:rPr lang="en-US" sz="2000" dirty="0" err="1">
+                <a:latin typeface="Helvetica" pitchFamily="2" charset="0"/>
+                <a:ea typeface="Gungsuh" panose="02030600000101010101" pitchFamily="18" charset="-127"/>
+              </a:rPr>
+              <a:t>plainTextPassword</a:t>
+            </a:r>
+            <a:r>
+              <a:rPr lang="en-US" sz="2000" dirty="0">
+                <a:latin typeface="Helvetica" pitchFamily="2" charset="0"/>
+                <a:ea typeface="Gungsuh" panose="02030600000101010101" pitchFamily="18" charset="-127"/>
+              </a:rPr>
+              <a:t>: String) : E[Boolean]</a:t>
+            </a:r>
+          </a:p>
+          <a:p>
+            <a:r>
+              <a:rPr lang="en-US" sz="2000" dirty="0">
+                <a:latin typeface="Helvetica" pitchFamily="2" charset="0"/>
+                <a:ea typeface="Gungsuh" panose="02030600000101010101" pitchFamily="18" charset="-127"/>
+              </a:rPr>
+              <a:t>  def remove(</a:t>
+            </a:r>
+            <a:r>
+              <a:rPr lang="en-US" sz="2000" dirty="0" err="1">
+                <a:latin typeface="Helvetica" pitchFamily="2" charset="0"/>
+                <a:ea typeface="Gungsuh" panose="02030600000101010101" pitchFamily="18" charset="-127"/>
+              </a:rPr>
+              <a:t>userId</a:t>
+            </a:r>
+            <a:r>
+              <a:rPr lang="en-US" sz="2000" dirty="0">
+                <a:latin typeface="Helvetica" pitchFamily="2" charset="0"/>
+                <a:ea typeface="Gungsuh" panose="02030600000101010101" pitchFamily="18" charset="-127"/>
+              </a:rPr>
+              <a:t>: UUID) : E[Boolean]</a:t>
+            </a:r>
+          </a:p>
+          <a:p>
+            <a:r>
+              <a:rPr lang="en-US" sz="2000" dirty="0">
+                <a:latin typeface="Helvetica" pitchFamily="2" charset="0"/>
+                <a:ea typeface="Gungsuh" panose="02030600000101010101" pitchFamily="18" charset="-127"/>
+              </a:rPr>
+              <a:t>  …</a:t>
+            </a:r>
+          </a:p>
+          <a:p>
+            <a:r>
+              <a:rPr lang="en-US" sz="2000" dirty="0">
+                <a:latin typeface="Helvetica" pitchFamily="2" charset="0"/>
+                <a:ea typeface="Gungsuh" panose="02030600000101010101" pitchFamily="18" charset="-127"/>
+              </a:rPr>
+              <a:t>}</a:t>
+            </a:r>
+            <a:endParaRPr lang="en-US" sz="2000" dirty="0">
+              <a:latin typeface="Helvetica" pitchFamily="2" charset="0"/>
+              <a:ea typeface="Gungsuh" panose="02030600000101010101" pitchFamily="18" charset="-127"/>
+              <a:cs typeface="Consolas" panose="020B0609020204030204" pitchFamily="49" charset="0"/>
+            </a:endParaRPr>
+          </a:p>
+        </p:txBody>
+      </p:sp>
+      <p:sp>
+        <p:nvSpPr>
+          <p:cNvPr id="8" name="TextBox 7">
+            <a:extLst>
+              <a:ext uri="{FF2B5EF4-FFF2-40B4-BE49-F238E27FC236}">
+                <a16:creationId xmlns:a16="http://schemas.microsoft.com/office/drawing/2014/main" id="{F184318E-BCBC-D245-B43A-6FAE727A2F90}"/>
+              </a:ext>
+            </a:extLst>
+          </p:cNvPr>
+          <p:cNvSpPr txBox="1"/>
+          <p:nvPr/>
+        </p:nvSpPr>
+        <p:spPr>
+          <a:xfrm>
+            <a:off x="612928" y="1316081"/>
+            <a:ext cx="467595" cy="1938992"/>
+          </a:xfrm>
+          <a:prstGeom prst="rect">
+            <a:avLst/>
+          </a:prstGeom>
+          <a:solidFill>
+            <a:schemeClr val="bg1"/>
+          </a:solidFill>
+          <a:ln w="25400">
+            <a:solidFill>
+              <a:schemeClr val="tx1"/>
+            </a:solidFill>
+          </a:ln>
+          <a:effectLst>
+            <a:softEdge rad="31750"/>
+          </a:effectLst>
+        </p:spPr>
+        <p:txBody>
+          <a:bodyPr wrap="square" rtlCol="0">
+            <a:spAutoFit/>
+          </a:bodyPr>
+          <a:lstStyle/>
+          <a:p>
+            <a:r>
+              <a:rPr lang="en-US" sz="2000" dirty="0">
+                <a:latin typeface="Helvetica" pitchFamily="2" charset="0"/>
+                <a:cs typeface="Consolas" panose="020B0609020204030204" pitchFamily="49" charset="0"/>
+              </a:rPr>
+              <a:t>01</a:t>
+            </a:r>
+          </a:p>
+          <a:p>
+            <a:r>
+              <a:rPr lang="en-US" sz="2000" dirty="0">
+                <a:latin typeface="Helvetica" pitchFamily="2" charset="0"/>
+                <a:cs typeface="Consolas" panose="020B0609020204030204" pitchFamily="49" charset="0"/>
+              </a:rPr>
+              <a:t>02</a:t>
+            </a:r>
+          </a:p>
+          <a:p>
+            <a:r>
+              <a:rPr lang="en-US" sz="2000" dirty="0">
+                <a:latin typeface="Helvetica" pitchFamily="2" charset="0"/>
+                <a:cs typeface="Consolas" panose="020B0609020204030204" pitchFamily="49" charset="0"/>
+              </a:rPr>
+              <a:t>03</a:t>
+            </a:r>
+          </a:p>
+          <a:p>
+            <a:r>
+              <a:rPr lang="en-US" sz="2000" dirty="0">
+                <a:latin typeface="Helvetica" pitchFamily="2" charset="0"/>
+                <a:cs typeface="Consolas" panose="020B0609020204030204" pitchFamily="49" charset="0"/>
+              </a:rPr>
+              <a:t>04</a:t>
+            </a:r>
+          </a:p>
+          <a:p>
+            <a:r>
+              <a:rPr lang="en-US" sz="2000" dirty="0">
+                <a:latin typeface="Helvetica" pitchFamily="2" charset="0"/>
+                <a:cs typeface="Consolas" panose="020B0609020204030204" pitchFamily="49" charset="0"/>
+              </a:rPr>
+              <a:t>05</a:t>
+            </a:r>
+          </a:p>
+          <a:p>
+            <a:r>
+              <a:rPr lang="en-US" sz="2000" dirty="0">
+                <a:latin typeface="Helvetica" pitchFamily="2" charset="0"/>
+                <a:cs typeface="Consolas" panose="020B0609020204030204" pitchFamily="49" charset="0"/>
+              </a:rPr>
+              <a:t>06</a:t>
+            </a:r>
+          </a:p>
+        </p:txBody>
+      </p:sp>
+      <p:sp>
+        <p:nvSpPr>
+          <p:cNvPr id="10" name="TextBox 9">
+            <a:extLst>
+              <a:ext uri="{FF2B5EF4-FFF2-40B4-BE49-F238E27FC236}">
+                <a16:creationId xmlns:a16="http://schemas.microsoft.com/office/drawing/2014/main" id="{876C562A-99E6-D046-8C39-8F91EC3C1192}"/>
+              </a:ext>
+            </a:extLst>
+          </p:cNvPr>
+          <p:cNvSpPr txBox="1"/>
+          <p:nvPr/>
+        </p:nvSpPr>
+        <p:spPr>
+          <a:xfrm>
+            <a:off x="1047182" y="3429000"/>
+            <a:ext cx="9167783" cy="2862322"/>
+          </a:xfrm>
+          <a:prstGeom prst="rect">
+            <a:avLst/>
+          </a:prstGeom>
+          <a:solidFill>
+            <a:schemeClr val="bg1"/>
+          </a:solidFill>
+          <a:ln w="25400">
+            <a:solidFill>
+              <a:schemeClr val="tx1"/>
+            </a:solidFill>
+          </a:ln>
+          <a:effectLst>
+            <a:softEdge rad="31750"/>
+          </a:effectLst>
+        </p:spPr>
+        <p:txBody>
+          <a:bodyPr wrap="square" rtlCol="0">
+            <a:spAutoFit/>
+          </a:bodyPr>
+          <a:lstStyle/>
+          <a:p>
+            <a:r>
+              <a:rPr lang="en-US" sz="2000" dirty="0">
+                <a:latin typeface="Helvetica" pitchFamily="2" charset="0"/>
+                <a:ea typeface="Gungsuh" panose="02030600000101010101" pitchFamily="18" charset="-127"/>
+              </a:rPr>
+              <a:t>object Users {</a:t>
+            </a:r>
+          </a:p>
+          <a:p>
+            <a:r>
+              <a:rPr lang="en-US" sz="2000" dirty="0">
+                <a:latin typeface="Helvetica" pitchFamily="2" charset="0"/>
+                <a:ea typeface="Gungsuh" panose="02030600000101010101" pitchFamily="18" charset="-127"/>
+              </a:rPr>
+              <a:t>  case class User(</a:t>
+            </a:r>
+          </a:p>
+          <a:p>
+            <a:r>
+              <a:rPr lang="en-US" sz="2000" dirty="0">
+                <a:latin typeface="Helvetica" pitchFamily="2" charset="0"/>
+                <a:ea typeface="Gungsuh" panose="02030600000101010101" pitchFamily="18" charset="-127"/>
+              </a:rPr>
+              <a:t>    id: UUID,</a:t>
+            </a:r>
+          </a:p>
+          <a:p>
+            <a:r>
+              <a:rPr lang="en-US" sz="2000" dirty="0">
+                <a:latin typeface="Helvetica" pitchFamily="2" charset="0"/>
+                <a:ea typeface="Gungsuh" panose="02030600000101010101" pitchFamily="18" charset="-127"/>
+              </a:rPr>
+              <a:t>    username: String,</a:t>
+            </a:r>
+          </a:p>
+          <a:p>
+            <a:r>
+              <a:rPr lang="en-US" sz="2000" dirty="0">
+                <a:latin typeface="Helvetica" pitchFamily="2" charset="0"/>
+                <a:ea typeface="Gungsuh" panose="02030600000101010101" pitchFamily="18" charset="-127"/>
+              </a:rPr>
+              <a:t>    </a:t>
+            </a:r>
+            <a:r>
+              <a:rPr lang="en-US" sz="2000" dirty="0" err="1">
+                <a:latin typeface="Helvetica" pitchFamily="2" charset="0"/>
+                <a:ea typeface="Gungsuh" panose="02030600000101010101" pitchFamily="18" charset="-127"/>
+              </a:rPr>
+              <a:t>passwordDigest</a:t>
+            </a:r>
+            <a:r>
+              <a:rPr lang="en-US" sz="2000" dirty="0">
+                <a:latin typeface="Helvetica" pitchFamily="2" charset="0"/>
+                <a:ea typeface="Gungsuh" panose="02030600000101010101" pitchFamily="18" charset="-127"/>
+              </a:rPr>
+              <a:t>: String,</a:t>
+            </a:r>
+          </a:p>
+          <a:p>
+            <a:r>
+              <a:rPr lang="en-US" sz="2000" dirty="0">
+                <a:latin typeface="Helvetica" pitchFamily="2" charset="0"/>
+                <a:ea typeface="Gungsuh" panose="02030600000101010101" pitchFamily="18" charset="-127"/>
+              </a:rPr>
+              <a:t>    created: Instant,</a:t>
+            </a:r>
+          </a:p>
+          <a:p>
+            <a:r>
+              <a:rPr lang="en-US" sz="2000" dirty="0">
+                <a:latin typeface="Helvetica" pitchFamily="2" charset="0"/>
+                <a:ea typeface="Gungsuh" panose="02030600000101010101" pitchFamily="18" charset="-127"/>
+              </a:rPr>
+              <a:t>    removed: Option[Instant]</a:t>
+            </a:r>
+          </a:p>
+          <a:p>
+            <a:r>
+              <a:rPr lang="en-US" sz="2000" dirty="0">
+                <a:latin typeface="Helvetica" pitchFamily="2" charset="0"/>
+                <a:ea typeface="Gungsuh" panose="02030600000101010101" pitchFamily="18" charset="-127"/>
+              </a:rPr>
+              <a:t>  )</a:t>
+            </a:r>
+          </a:p>
+          <a:p>
+            <a:r>
+              <a:rPr lang="en-US" sz="2000" dirty="0">
+                <a:latin typeface="Helvetica" pitchFamily="2" charset="0"/>
+                <a:ea typeface="Gungsuh" panose="02030600000101010101" pitchFamily="18" charset="-127"/>
+              </a:rPr>
+              <a:t>}</a:t>
+            </a:r>
+            <a:endParaRPr lang="en-US" sz="2000" dirty="0">
+              <a:latin typeface="Helvetica" pitchFamily="2" charset="0"/>
+              <a:ea typeface="Gungsuh" panose="02030600000101010101" pitchFamily="18" charset="-127"/>
+              <a:cs typeface="Consolas" panose="020B0609020204030204" pitchFamily="49" charset="0"/>
+            </a:endParaRPr>
+          </a:p>
+        </p:txBody>
+      </p:sp>
+      <p:sp>
+        <p:nvSpPr>
+          <p:cNvPr id="11" name="TextBox 10">
+            <a:extLst>
+              <a:ext uri="{FF2B5EF4-FFF2-40B4-BE49-F238E27FC236}">
+                <a16:creationId xmlns:a16="http://schemas.microsoft.com/office/drawing/2014/main" id="{5A32EB12-CFD8-B24C-84FD-47DD6A287E26}"/>
+              </a:ext>
+            </a:extLst>
+          </p:cNvPr>
+          <p:cNvSpPr txBox="1"/>
+          <p:nvPr/>
+        </p:nvSpPr>
+        <p:spPr>
+          <a:xfrm>
+            <a:off x="612928" y="3429000"/>
+            <a:ext cx="467595" cy="2862322"/>
+          </a:xfrm>
+          <a:prstGeom prst="rect">
+            <a:avLst/>
+          </a:prstGeom>
+          <a:solidFill>
+            <a:schemeClr val="bg1"/>
+          </a:solidFill>
+          <a:ln w="25400">
+            <a:solidFill>
+              <a:schemeClr val="tx1"/>
+            </a:solidFill>
+          </a:ln>
+          <a:effectLst>
+            <a:softEdge rad="31750"/>
+          </a:effectLst>
+        </p:spPr>
+        <p:txBody>
+          <a:bodyPr wrap="square" rtlCol="0">
+            <a:spAutoFit/>
+          </a:bodyPr>
+          <a:lstStyle/>
+          <a:p>
+            <a:r>
+              <a:rPr lang="en-US" sz="2000" dirty="0">
+                <a:latin typeface="Helvetica" pitchFamily="2" charset="0"/>
+                <a:cs typeface="Consolas" panose="020B0609020204030204" pitchFamily="49" charset="0"/>
+              </a:rPr>
+              <a:t>01</a:t>
+            </a:r>
+          </a:p>
+          <a:p>
+            <a:r>
+              <a:rPr lang="en-US" sz="2000" dirty="0">
+                <a:latin typeface="Helvetica" pitchFamily="2" charset="0"/>
+                <a:cs typeface="Consolas" panose="020B0609020204030204" pitchFamily="49" charset="0"/>
+              </a:rPr>
+              <a:t>02</a:t>
+            </a:r>
+          </a:p>
+          <a:p>
+            <a:r>
+              <a:rPr lang="en-US" sz="2000" dirty="0">
+                <a:latin typeface="Helvetica" pitchFamily="2" charset="0"/>
+                <a:cs typeface="Consolas" panose="020B0609020204030204" pitchFamily="49" charset="0"/>
+              </a:rPr>
+              <a:t>03</a:t>
+            </a:r>
+          </a:p>
+          <a:p>
+            <a:r>
+              <a:rPr lang="en-US" sz="2000" dirty="0">
+                <a:latin typeface="Helvetica" pitchFamily="2" charset="0"/>
+                <a:cs typeface="Consolas" panose="020B0609020204030204" pitchFamily="49" charset="0"/>
+              </a:rPr>
+              <a:t>04</a:t>
+            </a:r>
+          </a:p>
+          <a:p>
+            <a:r>
+              <a:rPr lang="en-US" sz="2000" dirty="0">
+                <a:latin typeface="Helvetica" pitchFamily="2" charset="0"/>
+                <a:cs typeface="Consolas" panose="020B0609020204030204" pitchFamily="49" charset="0"/>
+              </a:rPr>
+              <a:t>05</a:t>
+            </a:r>
+          </a:p>
+          <a:p>
+            <a:r>
+              <a:rPr lang="en-US" sz="2000" dirty="0">
+                <a:latin typeface="Helvetica" pitchFamily="2" charset="0"/>
+                <a:cs typeface="Consolas" panose="020B0609020204030204" pitchFamily="49" charset="0"/>
+              </a:rPr>
+              <a:t>06</a:t>
+            </a:r>
+          </a:p>
+          <a:p>
+            <a:r>
+              <a:rPr lang="en-US" sz="2000" dirty="0">
+                <a:latin typeface="Helvetica" pitchFamily="2" charset="0"/>
+                <a:cs typeface="Consolas" panose="020B0609020204030204" pitchFamily="49" charset="0"/>
+              </a:rPr>
+              <a:t>07</a:t>
+            </a:r>
+          </a:p>
+          <a:p>
+            <a:r>
+              <a:rPr lang="en-US" sz="2000" dirty="0">
+                <a:latin typeface="Helvetica" pitchFamily="2" charset="0"/>
+                <a:cs typeface="Consolas" panose="020B0609020204030204" pitchFamily="49" charset="0"/>
+              </a:rPr>
+              <a:t>08</a:t>
+            </a:r>
+          </a:p>
+          <a:p>
+            <a:r>
+              <a:rPr lang="en-US" sz="2000" dirty="0">
+                <a:latin typeface="Helvetica" pitchFamily="2" charset="0"/>
+                <a:cs typeface="Consolas" panose="020B0609020204030204" pitchFamily="49" charset="0"/>
+              </a:rPr>
+              <a:t>09</a:t>
             </a:r>
           </a:p>
         </p:txBody>
@@ -13314,7 +13986,7 @@
     </p:spTree>
     <p:extLst>
       <p:ext uri="{BB962C8B-B14F-4D97-AF65-F5344CB8AC3E}">
-        <p14:creationId xmlns:p14="http://schemas.microsoft.com/office/powerpoint/2010/main" val="1108997945"/>
+        <p14:creationId xmlns:p14="http://schemas.microsoft.com/office/powerpoint/2010/main" val="3677611943"/>
       </p:ext>
     </p:extLst>
   </p:cSld>
@@ -13363,628 +14035,89 @@
           <a:lstStyle/>
           <a:p>
             <a:r>
-              <a:rPr lang="en-US" dirty="0" err="1"/>
-              <a:t>ScalaCheck</a:t>
-            </a:r>
-            <a:endParaRPr lang="en-US" dirty="0"/>
-          </a:p>
-        </p:txBody>
-      </p:sp>
-      <p:sp>
-        <p:nvSpPr>
-          <p:cNvPr id="6" name="TextBox 5">
+              <a:rPr lang="en-US" dirty="0"/>
+              <a:t>What is generic law-based auto-testing?</a:t>
+            </a:r>
+          </a:p>
+        </p:txBody>
+      </p:sp>
+      <p:sp>
+        <p:nvSpPr>
+          <p:cNvPr id="3" name="Content Placeholder 2">
             <a:extLst>
               <a:ext uri="{FF2B5EF4-FFF2-40B4-BE49-F238E27FC236}">
-                <a16:creationId xmlns:a16="http://schemas.microsoft.com/office/drawing/2014/main" id="{B08D4C5A-AA31-F14D-8BF0-6D78FFD6E9BB}"/>
+                <a16:creationId xmlns:a16="http://schemas.microsoft.com/office/drawing/2014/main" id="{A428EFFE-ECBF-104F-A4A5-B43076FBB18A}"/>
               </a:ext>
             </a:extLst>
           </p:cNvPr>
-          <p:cNvSpPr txBox="1"/>
-          <p:nvPr/>
-        </p:nvSpPr>
-        <p:spPr>
-          <a:xfrm>
-            <a:off x="1144929" y="1340975"/>
-            <a:ext cx="8263476" cy="5016758"/>
-          </a:xfrm>
-          <a:prstGeom prst="rect">
-            <a:avLst/>
-          </a:prstGeom>
-          <a:solidFill>
-            <a:schemeClr val="bg1"/>
-          </a:solidFill>
-          <a:ln w="25400">
-            <a:solidFill>
-              <a:schemeClr val="tx1"/>
-            </a:solidFill>
-          </a:ln>
-          <a:effectLst>
-            <a:softEdge rad="31750"/>
-          </a:effectLst>
-        </p:spPr>
-        <p:txBody>
-          <a:bodyPr wrap="square" rtlCol="0">
-            <a:spAutoFit/>
+          <p:cNvSpPr>
+            <a:spLocks noGrp="1"/>
+          </p:cNvSpPr>
+          <p:nvPr>
+            <p:ph idx="1"/>
+          </p:nvPr>
+        </p:nvSpPr>
+        <p:spPr/>
+        <p:txBody>
+          <a:bodyPr>
+            <a:normAutofit/>
           </a:bodyPr>
           <a:lstStyle/>
           <a:p>
             <a:r>
-              <a:rPr lang="en-US" sz="2000" dirty="0">
-                <a:latin typeface="Helvetica" pitchFamily="2" charset="0"/>
-                <a:ea typeface="Gungsuh" panose="02030600000101010101" pitchFamily="18" charset="-127"/>
-              </a:rPr>
-              <a:t>import </a:t>
-            </a:r>
-            <a:r>
-              <a:rPr lang="en-US" sz="2000" dirty="0" err="1">
-                <a:latin typeface="Helvetica" pitchFamily="2" charset="0"/>
-                <a:ea typeface="Gungsuh" panose="02030600000101010101" pitchFamily="18" charset="-127"/>
-              </a:rPr>
-              <a:t>org.scalacheck.Properties</a:t>
-            </a:r>
-            <a:endParaRPr lang="en-US" sz="2000" dirty="0">
-              <a:latin typeface="Helvetica" pitchFamily="2" charset="0"/>
-              <a:ea typeface="Gungsuh" panose="02030600000101010101" pitchFamily="18" charset="-127"/>
-            </a:endParaRPr>
-          </a:p>
-          <a:p>
-            <a:r>
-              <a:rPr lang="en-US" sz="2000" dirty="0">
-                <a:latin typeface="Helvetica" pitchFamily="2" charset="0"/>
-                <a:ea typeface="Gungsuh" panose="02030600000101010101" pitchFamily="18" charset="-127"/>
-              </a:rPr>
-              <a:t>import </a:t>
-            </a:r>
-            <a:r>
-              <a:rPr lang="en-US" sz="2000" dirty="0" err="1">
-                <a:latin typeface="Helvetica" pitchFamily="2" charset="0"/>
-                <a:ea typeface="Gungsuh" panose="02030600000101010101" pitchFamily="18" charset="-127"/>
-              </a:rPr>
-              <a:t>org.scalacheck.Prop.forAll</a:t>
-            </a:r>
-            <a:endParaRPr lang="en-US" sz="2000" dirty="0">
-              <a:latin typeface="Helvetica" pitchFamily="2" charset="0"/>
-              <a:ea typeface="Gungsuh" panose="02030600000101010101" pitchFamily="18" charset="-127"/>
-            </a:endParaRPr>
-          </a:p>
-          <a:p>
-            <a:endParaRPr lang="en-US" sz="2000" dirty="0">
-              <a:latin typeface="Helvetica" pitchFamily="2" charset="0"/>
-              <a:ea typeface="Gungsuh" panose="02030600000101010101" pitchFamily="18" charset="-127"/>
-            </a:endParaRPr>
-          </a:p>
-          <a:p>
-            <a:r>
-              <a:rPr lang="en-US" sz="2000" dirty="0">
-                <a:latin typeface="Helvetica" pitchFamily="2" charset="0"/>
-                <a:ea typeface="Gungsuh" panose="02030600000101010101" pitchFamily="18" charset="-127"/>
-              </a:rPr>
-              <a:t>object </a:t>
-            </a:r>
-            <a:r>
-              <a:rPr lang="en-US" sz="2000" dirty="0" err="1">
-                <a:latin typeface="Helvetica" pitchFamily="2" charset="0"/>
-                <a:ea typeface="Gungsuh" panose="02030600000101010101" pitchFamily="18" charset="-127"/>
-              </a:rPr>
-              <a:t>StringSpecification</a:t>
-            </a:r>
-            <a:r>
-              <a:rPr lang="en-US" sz="2000" dirty="0">
-                <a:latin typeface="Helvetica" pitchFamily="2" charset="0"/>
-                <a:ea typeface="Gungsuh" panose="02030600000101010101" pitchFamily="18" charset="-127"/>
-              </a:rPr>
-              <a:t> extends Properties("String") {</a:t>
-            </a:r>
-          </a:p>
-          <a:p>
-            <a:r>
-              <a:rPr lang="en-US" sz="2000" dirty="0">
-                <a:latin typeface="Helvetica" pitchFamily="2" charset="0"/>
-                <a:ea typeface="Gungsuh" panose="02030600000101010101" pitchFamily="18" charset="-127"/>
-              </a:rPr>
-              <a:t>  property("</a:t>
-            </a:r>
-            <a:r>
-              <a:rPr lang="en-US" sz="2000" dirty="0" err="1">
-                <a:latin typeface="Helvetica" pitchFamily="2" charset="0"/>
-                <a:ea typeface="Gungsuh" panose="02030600000101010101" pitchFamily="18" charset="-127"/>
-              </a:rPr>
-              <a:t>startsWith</a:t>
-            </a:r>
-            <a:r>
-              <a:rPr lang="en-US" sz="2000" dirty="0">
-                <a:latin typeface="Helvetica" pitchFamily="2" charset="0"/>
-                <a:ea typeface="Gungsuh" panose="02030600000101010101" pitchFamily="18" charset="-127"/>
-              </a:rPr>
-              <a:t>") = </a:t>
-            </a:r>
-            <a:r>
-              <a:rPr lang="en-US" sz="2000" dirty="0" err="1">
-                <a:latin typeface="Helvetica" pitchFamily="2" charset="0"/>
-                <a:ea typeface="Gungsuh" panose="02030600000101010101" pitchFamily="18" charset="-127"/>
-              </a:rPr>
-              <a:t>forAll</a:t>
-            </a:r>
-            <a:r>
-              <a:rPr lang="en-US" sz="2000" dirty="0">
-                <a:latin typeface="Helvetica" pitchFamily="2" charset="0"/>
-                <a:ea typeface="Gungsuh" panose="02030600000101010101" pitchFamily="18" charset="-127"/>
-              </a:rPr>
-              <a:t> { (a: String, b: String) =&gt;</a:t>
-            </a:r>
-          </a:p>
-          <a:p>
-            <a:r>
-              <a:rPr lang="en-US" sz="2000" dirty="0">
-                <a:latin typeface="Helvetica" pitchFamily="2" charset="0"/>
-                <a:ea typeface="Gungsuh" panose="02030600000101010101" pitchFamily="18" charset="-127"/>
-              </a:rPr>
-              <a:t>    (</a:t>
-            </a:r>
-            <a:r>
-              <a:rPr lang="en-US" sz="2000" dirty="0" err="1">
-                <a:latin typeface="Helvetica" pitchFamily="2" charset="0"/>
-                <a:ea typeface="Gungsuh" panose="02030600000101010101" pitchFamily="18" charset="-127"/>
-              </a:rPr>
-              <a:t>a+b</a:t>
-            </a:r>
-            <a:r>
-              <a:rPr lang="en-US" sz="2000" dirty="0">
-                <a:latin typeface="Helvetica" pitchFamily="2" charset="0"/>
-                <a:ea typeface="Gungsuh" panose="02030600000101010101" pitchFamily="18" charset="-127"/>
-              </a:rPr>
-              <a:t>).</a:t>
-            </a:r>
-            <a:r>
-              <a:rPr lang="en-US" sz="2000" dirty="0" err="1">
-                <a:latin typeface="Helvetica" pitchFamily="2" charset="0"/>
-                <a:ea typeface="Gungsuh" panose="02030600000101010101" pitchFamily="18" charset="-127"/>
-              </a:rPr>
-              <a:t>startsWith</a:t>
-            </a:r>
-            <a:r>
-              <a:rPr lang="en-US" sz="2000" dirty="0">
-                <a:latin typeface="Helvetica" pitchFamily="2" charset="0"/>
-                <a:ea typeface="Gungsuh" panose="02030600000101010101" pitchFamily="18" charset="-127"/>
-              </a:rPr>
-              <a:t>(a)</a:t>
-            </a:r>
-          </a:p>
-          <a:p>
-            <a:r>
-              <a:rPr lang="en-US" sz="2000" dirty="0">
-                <a:latin typeface="Helvetica" pitchFamily="2" charset="0"/>
-                <a:ea typeface="Gungsuh" panose="02030600000101010101" pitchFamily="18" charset="-127"/>
-              </a:rPr>
-              <a:t>  }</a:t>
-            </a:r>
-          </a:p>
-          <a:p>
-            <a:endParaRPr lang="en-US" sz="2000" dirty="0">
-              <a:latin typeface="Helvetica" pitchFamily="2" charset="0"/>
-              <a:ea typeface="Gungsuh" panose="02030600000101010101" pitchFamily="18" charset="-127"/>
-            </a:endParaRPr>
-          </a:p>
-          <a:p>
-            <a:r>
-              <a:rPr lang="en-US" sz="2000" dirty="0">
-                <a:latin typeface="Helvetica" pitchFamily="2" charset="0"/>
-                <a:ea typeface="Gungsuh" panose="02030600000101010101" pitchFamily="18" charset="-127"/>
-              </a:rPr>
-              <a:t>  property("concatenate") = </a:t>
-            </a:r>
-            <a:r>
-              <a:rPr lang="en-US" sz="2000" dirty="0" err="1">
-                <a:latin typeface="Helvetica" pitchFamily="2" charset="0"/>
-                <a:ea typeface="Gungsuh" panose="02030600000101010101" pitchFamily="18" charset="-127"/>
-              </a:rPr>
-              <a:t>forAll</a:t>
-            </a:r>
-            <a:r>
-              <a:rPr lang="en-US" sz="2000" dirty="0">
-                <a:latin typeface="Helvetica" pitchFamily="2" charset="0"/>
-                <a:ea typeface="Gungsuh" panose="02030600000101010101" pitchFamily="18" charset="-127"/>
-              </a:rPr>
-              <a:t> { (a: String, b: String) =&gt;</a:t>
-            </a:r>
-          </a:p>
-          <a:p>
-            <a:r>
-              <a:rPr lang="en-US" sz="2000" dirty="0">
-                <a:latin typeface="Helvetica" pitchFamily="2" charset="0"/>
-                <a:ea typeface="Gungsuh" panose="02030600000101010101" pitchFamily="18" charset="-127"/>
-              </a:rPr>
-              <a:t>    (</a:t>
-            </a:r>
-            <a:r>
-              <a:rPr lang="en-US" sz="2000" dirty="0" err="1">
-                <a:latin typeface="Helvetica" pitchFamily="2" charset="0"/>
-                <a:ea typeface="Gungsuh" panose="02030600000101010101" pitchFamily="18" charset="-127"/>
-              </a:rPr>
-              <a:t>a+b</a:t>
-            </a:r>
-            <a:r>
-              <a:rPr lang="en-US" sz="2000" dirty="0">
-                <a:latin typeface="Helvetica" pitchFamily="2" charset="0"/>
-                <a:ea typeface="Gungsuh" panose="02030600000101010101" pitchFamily="18" charset="-127"/>
-              </a:rPr>
-              <a:t>).length &gt; </a:t>
-            </a:r>
-            <a:r>
-              <a:rPr lang="en-US" sz="2000" dirty="0" err="1">
-                <a:latin typeface="Helvetica" pitchFamily="2" charset="0"/>
-                <a:ea typeface="Gungsuh" panose="02030600000101010101" pitchFamily="18" charset="-127"/>
-              </a:rPr>
-              <a:t>a.length</a:t>
-            </a:r>
-            <a:r>
-              <a:rPr lang="en-US" sz="2000" dirty="0">
-                <a:latin typeface="Helvetica" pitchFamily="2" charset="0"/>
-                <a:ea typeface="Gungsuh" panose="02030600000101010101" pitchFamily="18" charset="-127"/>
-              </a:rPr>
-              <a:t> &amp;&amp; (</a:t>
-            </a:r>
-            <a:r>
-              <a:rPr lang="en-US" sz="2000" dirty="0" err="1">
-                <a:latin typeface="Helvetica" pitchFamily="2" charset="0"/>
-                <a:ea typeface="Gungsuh" panose="02030600000101010101" pitchFamily="18" charset="-127"/>
-              </a:rPr>
-              <a:t>a+b</a:t>
-            </a:r>
-            <a:r>
-              <a:rPr lang="en-US" sz="2000" dirty="0">
-                <a:latin typeface="Helvetica" pitchFamily="2" charset="0"/>
-                <a:ea typeface="Gungsuh" panose="02030600000101010101" pitchFamily="18" charset="-127"/>
-              </a:rPr>
-              <a:t>).length &gt; </a:t>
-            </a:r>
-            <a:r>
-              <a:rPr lang="en-US" sz="2000" dirty="0" err="1">
-                <a:latin typeface="Helvetica" pitchFamily="2" charset="0"/>
-                <a:ea typeface="Gungsuh" panose="02030600000101010101" pitchFamily="18" charset="-127"/>
-              </a:rPr>
-              <a:t>b.length</a:t>
-            </a:r>
-            <a:endParaRPr lang="en-US" sz="2000" dirty="0">
-              <a:latin typeface="Helvetica" pitchFamily="2" charset="0"/>
-              <a:ea typeface="Gungsuh" panose="02030600000101010101" pitchFamily="18" charset="-127"/>
-            </a:endParaRPr>
-          </a:p>
-          <a:p>
-            <a:r>
-              <a:rPr lang="en-US" sz="2000" dirty="0">
-                <a:latin typeface="Helvetica" pitchFamily="2" charset="0"/>
-                <a:ea typeface="Gungsuh" panose="02030600000101010101" pitchFamily="18" charset="-127"/>
-              </a:rPr>
-              <a:t>  }</a:t>
-            </a:r>
-          </a:p>
-          <a:p>
-            <a:endParaRPr lang="en-US" sz="2000" dirty="0">
-              <a:latin typeface="Helvetica" pitchFamily="2" charset="0"/>
-              <a:ea typeface="Gungsuh" panose="02030600000101010101" pitchFamily="18" charset="-127"/>
-            </a:endParaRPr>
-          </a:p>
-          <a:p>
-            <a:r>
-              <a:rPr lang="en-US" sz="2000" dirty="0">
-                <a:latin typeface="Helvetica" pitchFamily="2" charset="0"/>
-                <a:ea typeface="Gungsuh" panose="02030600000101010101" pitchFamily="18" charset="-127"/>
-              </a:rPr>
-              <a:t>  property("substring") = </a:t>
-            </a:r>
-            <a:r>
-              <a:rPr lang="en-US" sz="2000" dirty="0" err="1">
-                <a:latin typeface="Helvetica" pitchFamily="2" charset="0"/>
-                <a:ea typeface="Gungsuh" panose="02030600000101010101" pitchFamily="18" charset="-127"/>
-              </a:rPr>
-              <a:t>forAll</a:t>
-            </a:r>
-            <a:r>
-              <a:rPr lang="en-US" sz="2000" dirty="0">
-                <a:latin typeface="Helvetica" pitchFamily="2" charset="0"/>
-                <a:ea typeface="Gungsuh" panose="02030600000101010101" pitchFamily="18" charset="-127"/>
-              </a:rPr>
-              <a:t> { (a: String, b: String, c: String) =&gt;</a:t>
-            </a:r>
-          </a:p>
-          <a:p>
-            <a:r>
-              <a:rPr lang="en-US" sz="2000" dirty="0">
-                <a:latin typeface="Helvetica" pitchFamily="2" charset="0"/>
-                <a:ea typeface="Gungsuh" panose="02030600000101010101" pitchFamily="18" charset="-127"/>
-              </a:rPr>
-              <a:t>    (</a:t>
-            </a:r>
-            <a:r>
-              <a:rPr lang="en-US" sz="2000" dirty="0" err="1">
-                <a:latin typeface="Helvetica" pitchFamily="2" charset="0"/>
-                <a:ea typeface="Gungsuh" panose="02030600000101010101" pitchFamily="18" charset="-127"/>
-              </a:rPr>
-              <a:t>a+b+c</a:t>
-            </a:r>
-            <a:r>
-              <a:rPr lang="en-US" sz="2000" dirty="0">
-                <a:latin typeface="Helvetica" pitchFamily="2" charset="0"/>
-                <a:ea typeface="Gungsuh" panose="02030600000101010101" pitchFamily="18" charset="-127"/>
-              </a:rPr>
-              <a:t>).substring(</a:t>
-            </a:r>
-            <a:r>
-              <a:rPr lang="en-US" sz="2000" dirty="0" err="1">
-                <a:latin typeface="Helvetica" pitchFamily="2" charset="0"/>
-                <a:ea typeface="Gungsuh" panose="02030600000101010101" pitchFamily="18" charset="-127"/>
-              </a:rPr>
-              <a:t>a.length</a:t>
-            </a:r>
-            <a:r>
-              <a:rPr lang="en-US" sz="2000" dirty="0">
-                <a:latin typeface="Helvetica" pitchFamily="2" charset="0"/>
-                <a:ea typeface="Gungsuh" panose="02030600000101010101" pitchFamily="18" charset="-127"/>
-              </a:rPr>
-              <a:t>, </a:t>
-            </a:r>
-            <a:r>
-              <a:rPr lang="en-US" sz="2000" dirty="0" err="1">
-                <a:latin typeface="Helvetica" pitchFamily="2" charset="0"/>
-                <a:ea typeface="Gungsuh" panose="02030600000101010101" pitchFamily="18" charset="-127"/>
-              </a:rPr>
-              <a:t>a.length+b.length</a:t>
-            </a:r>
-            <a:r>
-              <a:rPr lang="en-US" sz="2000" dirty="0">
-                <a:latin typeface="Helvetica" pitchFamily="2" charset="0"/>
-                <a:ea typeface="Gungsuh" panose="02030600000101010101" pitchFamily="18" charset="-127"/>
-              </a:rPr>
-              <a:t>) == b</a:t>
-            </a:r>
-          </a:p>
-          <a:p>
-            <a:r>
-              <a:rPr lang="en-US" sz="2000" dirty="0">
-                <a:latin typeface="Helvetica" pitchFamily="2" charset="0"/>
-                <a:ea typeface="Gungsuh" panose="02030600000101010101" pitchFamily="18" charset="-127"/>
-              </a:rPr>
-              <a:t>  }</a:t>
-            </a:r>
-          </a:p>
-          <a:p>
-            <a:r>
-              <a:rPr lang="en-US" sz="2000" dirty="0">
-                <a:latin typeface="Helvetica" pitchFamily="2" charset="0"/>
-                <a:ea typeface="Gungsuh" panose="02030600000101010101" pitchFamily="18" charset="-127"/>
-              </a:rPr>
-              <a:t>}</a:t>
-            </a:r>
-            <a:endParaRPr lang="en-US" sz="2000" dirty="0">
-              <a:latin typeface="Helvetica" pitchFamily="2" charset="0"/>
-              <a:ea typeface="Gungsuh" panose="02030600000101010101" pitchFamily="18" charset="-127"/>
-              <a:cs typeface="Consolas" panose="020B0609020204030204" pitchFamily="49" charset="0"/>
-            </a:endParaRPr>
-          </a:p>
-        </p:txBody>
-      </p:sp>
-      <p:sp>
-        <p:nvSpPr>
-          <p:cNvPr id="7" name="TextBox 6">
-            <a:extLst>
-              <a:ext uri="{FF2B5EF4-FFF2-40B4-BE49-F238E27FC236}">
-                <a16:creationId xmlns:a16="http://schemas.microsoft.com/office/drawing/2014/main" id="{DC167C0C-3363-5446-8350-6E15CD273C24}"/>
-              </a:ext>
-            </a:extLst>
-          </p:cNvPr>
-          <p:cNvSpPr txBox="1"/>
-          <p:nvPr/>
-        </p:nvSpPr>
-        <p:spPr>
-          <a:xfrm>
-            <a:off x="677334" y="1340974"/>
-            <a:ext cx="467595" cy="5016758"/>
-          </a:xfrm>
-          <a:prstGeom prst="rect">
-            <a:avLst/>
-          </a:prstGeom>
-          <a:solidFill>
-            <a:schemeClr val="bg1"/>
-          </a:solidFill>
-          <a:ln w="25400">
-            <a:solidFill>
-              <a:schemeClr val="tx1"/>
-            </a:solidFill>
-          </a:ln>
-          <a:effectLst>
-            <a:softEdge rad="31750"/>
-          </a:effectLst>
-        </p:spPr>
-        <p:txBody>
-          <a:bodyPr wrap="square" rtlCol="0">
-            <a:spAutoFit/>
-          </a:bodyPr>
-          <a:lstStyle/>
-          <a:p>
-            <a:r>
-              <a:rPr lang="en-US" sz="2000" dirty="0">
-                <a:latin typeface="Helvetica" pitchFamily="2" charset="0"/>
-                <a:cs typeface="Consolas" panose="020B0609020204030204" pitchFamily="49" charset="0"/>
-              </a:rPr>
-              <a:t>01</a:t>
-            </a:r>
-          </a:p>
-          <a:p>
-            <a:r>
-              <a:rPr lang="en-US" sz="2000" dirty="0">
-                <a:latin typeface="Helvetica" pitchFamily="2" charset="0"/>
-                <a:cs typeface="Consolas" panose="020B0609020204030204" pitchFamily="49" charset="0"/>
-              </a:rPr>
-              <a:t>02</a:t>
-            </a:r>
-          </a:p>
-          <a:p>
-            <a:r>
-              <a:rPr lang="en-US" sz="2000" dirty="0">
-                <a:latin typeface="Helvetica" pitchFamily="2" charset="0"/>
-                <a:cs typeface="Consolas" panose="020B0609020204030204" pitchFamily="49" charset="0"/>
-              </a:rPr>
-              <a:t>03</a:t>
-            </a:r>
-          </a:p>
-          <a:p>
-            <a:r>
-              <a:rPr lang="en-US" sz="2000" dirty="0">
-                <a:latin typeface="Helvetica" pitchFamily="2" charset="0"/>
-                <a:cs typeface="Consolas" panose="020B0609020204030204" pitchFamily="49" charset="0"/>
-              </a:rPr>
-              <a:t>04</a:t>
-            </a:r>
-          </a:p>
-          <a:p>
-            <a:r>
-              <a:rPr lang="en-US" sz="2000" dirty="0">
-                <a:latin typeface="Helvetica" pitchFamily="2" charset="0"/>
-                <a:cs typeface="Consolas" panose="020B0609020204030204" pitchFamily="49" charset="0"/>
-              </a:rPr>
-              <a:t>05</a:t>
-            </a:r>
-          </a:p>
-          <a:p>
-            <a:r>
-              <a:rPr lang="en-US" sz="2000" dirty="0">
-                <a:latin typeface="Helvetica" pitchFamily="2" charset="0"/>
-                <a:cs typeface="Consolas" panose="020B0609020204030204" pitchFamily="49" charset="0"/>
-              </a:rPr>
-              <a:t>06</a:t>
-            </a:r>
-          </a:p>
-          <a:p>
-            <a:r>
-              <a:rPr lang="en-US" sz="2000" dirty="0">
-                <a:latin typeface="Helvetica" pitchFamily="2" charset="0"/>
-                <a:cs typeface="Consolas" panose="020B0609020204030204" pitchFamily="49" charset="0"/>
-              </a:rPr>
-              <a:t>07</a:t>
-            </a:r>
-          </a:p>
-          <a:p>
-            <a:r>
-              <a:rPr lang="en-US" sz="2000" dirty="0">
-                <a:latin typeface="Helvetica" pitchFamily="2" charset="0"/>
-                <a:cs typeface="Consolas" panose="020B0609020204030204" pitchFamily="49" charset="0"/>
-              </a:rPr>
-              <a:t>08</a:t>
-            </a:r>
-          </a:p>
-          <a:p>
-            <a:r>
-              <a:rPr lang="en-US" sz="2000" dirty="0">
-                <a:latin typeface="Helvetica" pitchFamily="2" charset="0"/>
-                <a:cs typeface="Consolas" panose="020B0609020204030204" pitchFamily="49" charset="0"/>
-              </a:rPr>
-              <a:t>09</a:t>
-            </a:r>
-          </a:p>
-          <a:p>
-            <a:r>
-              <a:rPr lang="en-US" sz="2000" dirty="0">
-                <a:latin typeface="Helvetica" pitchFamily="2" charset="0"/>
-                <a:cs typeface="Consolas" panose="020B0609020204030204" pitchFamily="49" charset="0"/>
-              </a:rPr>
-              <a:t>10</a:t>
-            </a:r>
-          </a:p>
-          <a:p>
-            <a:r>
-              <a:rPr lang="en-US" sz="2000" dirty="0">
-                <a:latin typeface="Helvetica" pitchFamily="2" charset="0"/>
-                <a:cs typeface="Consolas" panose="020B0609020204030204" pitchFamily="49" charset="0"/>
-              </a:rPr>
-              <a:t>11</a:t>
-            </a:r>
-          </a:p>
-          <a:p>
-            <a:r>
-              <a:rPr lang="en-US" sz="2000" dirty="0">
-                <a:latin typeface="Helvetica" pitchFamily="2" charset="0"/>
-                <a:cs typeface="Consolas" panose="020B0609020204030204" pitchFamily="49" charset="0"/>
-              </a:rPr>
-              <a:t>12</a:t>
-            </a:r>
-          </a:p>
-          <a:p>
-            <a:r>
-              <a:rPr lang="en-US" sz="2000" dirty="0">
-                <a:latin typeface="Helvetica" pitchFamily="2" charset="0"/>
-                <a:cs typeface="Consolas" panose="020B0609020204030204" pitchFamily="49" charset="0"/>
-              </a:rPr>
-              <a:t>13</a:t>
-            </a:r>
-          </a:p>
-          <a:p>
-            <a:r>
-              <a:rPr lang="en-US" sz="2000" dirty="0">
-                <a:latin typeface="Helvetica" pitchFamily="2" charset="0"/>
-                <a:cs typeface="Consolas" panose="020B0609020204030204" pitchFamily="49" charset="0"/>
-              </a:rPr>
-              <a:t>14</a:t>
-            </a:r>
-          </a:p>
-          <a:p>
-            <a:r>
-              <a:rPr lang="en-US" sz="2000" dirty="0">
-                <a:latin typeface="Helvetica" pitchFamily="2" charset="0"/>
-                <a:cs typeface="Consolas" panose="020B0609020204030204" pitchFamily="49" charset="0"/>
-              </a:rPr>
-              <a:t>15</a:t>
-            </a:r>
-          </a:p>
-          <a:p>
-            <a:r>
-              <a:rPr lang="en-US" sz="2000" dirty="0">
-                <a:latin typeface="Helvetica" pitchFamily="2" charset="0"/>
-                <a:cs typeface="Consolas" panose="020B0609020204030204" pitchFamily="49" charset="0"/>
-              </a:rPr>
-              <a:t>16</a:t>
-            </a:r>
-          </a:p>
-        </p:txBody>
-      </p:sp>
-      <p:sp>
-        <p:nvSpPr>
-          <p:cNvPr id="8" name="Rectangle 7">
-            <a:extLst>
-              <a:ext uri="{FF2B5EF4-FFF2-40B4-BE49-F238E27FC236}">
-                <a16:creationId xmlns:a16="http://schemas.microsoft.com/office/drawing/2014/main" id="{E94AB6E7-EF5B-A242-88BE-47E980CDC710}"/>
-              </a:ext>
-            </a:extLst>
-          </p:cNvPr>
-          <p:cNvSpPr/>
-          <p:nvPr/>
-        </p:nvSpPr>
-        <p:spPr>
-          <a:xfrm>
-            <a:off x="114875" y="6384141"/>
-            <a:ext cx="2504404" cy="307777"/>
-          </a:xfrm>
-          <a:prstGeom prst="rect">
-            <a:avLst/>
-          </a:prstGeom>
-        </p:spPr>
-        <p:txBody>
-          <a:bodyPr wrap="none">
-            <a:spAutoFit/>
-          </a:bodyPr>
-          <a:lstStyle/>
-          <a:p>
-            <a:r>
-              <a:rPr lang="en-US" sz="1400" dirty="0"/>
-              <a:t>http://</a:t>
-            </a:r>
-            <a:r>
-              <a:rPr lang="en-US" sz="1400" dirty="0" err="1"/>
-              <a:t>www.scalacheck.org</a:t>
-            </a:r>
-            <a:r>
-              <a:rPr lang="en-US" sz="1400" dirty="0"/>
-              <a:t>/</a:t>
+              <a:rPr lang="en-US" dirty="0"/>
+              <a:t>Builds on automatic property checking of </a:t>
+            </a:r>
+            <a:r>
+              <a:rPr lang="en-US" dirty="0" err="1"/>
+              <a:t>ScalaCheck</a:t>
+            </a:r>
+            <a:endParaRPr lang="en-US" dirty="0"/>
+          </a:p>
+          <a:p>
+            <a:r>
+              <a:rPr lang="en-US" dirty="0"/>
+              <a:t>Written only in terms of the </a:t>
+            </a:r>
+            <a:r>
+              <a:rPr lang="en-US" dirty="0" err="1"/>
+              <a:t>tagless</a:t>
+            </a:r>
+            <a:r>
+              <a:rPr lang="en-US" dirty="0"/>
+              <a:t> algebra/API (and the expected effects)</a:t>
+            </a:r>
+          </a:p>
+          <a:p>
+            <a:r>
+              <a:rPr lang="en-US" dirty="0"/>
+              <a:t>Leverage </a:t>
+            </a:r>
+            <a:r>
+              <a:rPr lang="en-US" dirty="0" err="1"/>
+              <a:t>ScalaCheck</a:t>
+            </a:r>
+            <a:r>
+              <a:rPr lang="en-US" dirty="0"/>
+              <a:t> to dynamically inject random boundary-case test cases</a:t>
+            </a:r>
+          </a:p>
+          <a:p>
+            <a:r>
+              <a:rPr lang="en-US" dirty="0"/>
+              <a:t>Verify all laws hold for any combination of algebra implementation and monad</a:t>
+            </a:r>
+          </a:p>
+          <a:p>
+            <a:r>
+              <a:rPr lang="en-US" dirty="0"/>
+              <a:t>Re-use laws across algebras</a:t>
+            </a:r>
+          </a:p>
+          <a:p>
+            <a:r>
+              <a:rPr lang="en-US" dirty="0"/>
+              <a:t>Everything is tested automatically</a:t>
             </a:r>
           </a:p>
         </p:txBody>
@@ -13992,7 +14125,7 @@
     </p:spTree>
     <p:extLst>
       <p:ext uri="{BB962C8B-B14F-4D97-AF65-F5344CB8AC3E}">
-        <p14:creationId xmlns:p14="http://schemas.microsoft.com/office/powerpoint/2010/main" val="2896758919"/>
+        <p14:creationId xmlns:p14="http://schemas.microsoft.com/office/powerpoint/2010/main" val="2083249549"/>
       </p:ext>
     </p:extLst>
   </p:cSld>
@@ -14037,150 +14170,670 @@
         </p:nvSpPr>
         <p:spPr/>
         <p:txBody>
-          <a:bodyPr/>
-          <a:lstStyle/>
-          <a:p>
-            <a:r>
-              <a:rPr lang="en-US" dirty="0"/>
-              <a:t>Discipline</a:t>
-            </a:r>
-          </a:p>
-        </p:txBody>
-      </p:sp>
-      <p:sp>
-        <p:nvSpPr>
-          <p:cNvPr id="5" name="Content Placeholder 4">
+          <a:bodyPr>
+            <a:normAutofit fontScale="90000"/>
+          </a:bodyPr>
+          <a:lstStyle/>
+          <a:p>
+            <a:r>
+              <a:rPr lang="en-US" dirty="0"/>
+              <a:t>Example explicit Users test with mocking</a:t>
+            </a:r>
+          </a:p>
+        </p:txBody>
+      </p:sp>
+      <p:sp>
+        <p:nvSpPr>
+          <p:cNvPr id="7" name="TextBox 6">
             <a:extLst>
               <a:ext uri="{FF2B5EF4-FFF2-40B4-BE49-F238E27FC236}">
-                <a16:creationId xmlns:a16="http://schemas.microsoft.com/office/drawing/2014/main" id="{D0054D16-DC8B-8643-A913-9EE22E1155F6}"/>
+                <a16:creationId xmlns:a16="http://schemas.microsoft.com/office/drawing/2014/main" id="{DC7EEDE6-9EFE-8D44-85F7-46619BF7B609}"/>
               </a:ext>
             </a:extLst>
           </p:cNvPr>
-          <p:cNvSpPr>
-            <a:spLocks noGrp="1"/>
-          </p:cNvSpPr>
-          <p:nvPr>
-            <p:ph idx="1"/>
-          </p:nvPr>
-        </p:nvSpPr>
-        <p:spPr/>
-        <p:txBody>
-          <a:bodyPr/>
-          <a:lstStyle/>
-          <a:p>
-            <a:r>
-              <a:rPr lang="en-US" dirty="0"/>
-              <a:t>Allows writing </a:t>
-            </a:r>
-            <a:r>
-              <a:rPr lang="en-US" dirty="0" err="1"/>
-              <a:t>RuleSets</a:t>
-            </a:r>
-            <a:r>
-              <a:rPr lang="en-US" dirty="0"/>
-              <a:t>:</a:t>
-            </a:r>
-          </a:p>
-          <a:p>
-            <a:pPr lvl="1"/>
-            <a:r>
-              <a:rPr lang="en-US" dirty="0"/>
-              <a:t>Consist of named “laws” (i.e. </a:t>
-            </a:r>
-            <a:r>
-              <a:rPr lang="en-US" dirty="0" err="1"/>
-              <a:t>ScalaCheck</a:t>
-            </a:r>
-            <a:r>
-              <a:rPr lang="en-US" dirty="0"/>
-              <a:t> Prop)</a:t>
-            </a:r>
-          </a:p>
-          <a:p>
-            <a:pPr lvl="1"/>
-            <a:r>
-              <a:rPr lang="en-US" dirty="0"/>
-              <a:t>Allows for re-using laws from other </a:t>
-            </a:r>
-            <a:r>
-              <a:rPr lang="en-US" dirty="0" err="1"/>
-              <a:t>RuleSets</a:t>
-            </a:r>
-            <a:r>
-              <a:rPr lang="en-US" dirty="0"/>
-              <a:t> (parents &amp; bases)</a:t>
-            </a:r>
-          </a:p>
-          <a:p>
-            <a:pPr lvl="2"/>
-            <a:r>
-              <a:rPr lang="en-US" dirty="0"/>
-              <a:t>Not utilized here</a:t>
-            </a:r>
-          </a:p>
-          <a:p>
-            <a:r>
-              <a:rPr lang="en-US" dirty="0" err="1"/>
-              <a:t>RuleSets</a:t>
-            </a:r>
-            <a:r>
-              <a:rPr lang="en-US" dirty="0"/>
-              <a:t> are then tested</a:t>
-            </a:r>
-          </a:p>
-        </p:txBody>
-      </p:sp>
-      <p:sp>
-        <p:nvSpPr>
-          <p:cNvPr id="3" name="Rectangle 2">
-            <a:extLst>
-              <a:ext uri="{FF2B5EF4-FFF2-40B4-BE49-F238E27FC236}">
-                <a16:creationId xmlns:a16="http://schemas.microsoft.com/office/drawing/2014/main" id="{591717F9-EE04-BF49-9CEC-E9BE34FCFD44}"/>
-              </a:ext>
-            </a:extLst>
-          </p:cNvPr>
-          <p:cNvSpPr/>
+          <p:cNvSpPr txBox="1"/>
           <p:nvPr/>
         </p:nvSpPr>
         <p:spPr>
           <a:xfrm>
-            <a:off x="114875" y="6384141"/>
-            <a:ext cx="4682692" cy="307777"/>
+            <a:off x="757072" y="1438835"/>
+            <a:ext cx="10806967" cy="5016758"/>
           </a:xfrm>
           <a:prstGeom prst="rect">
             <a:avLst/>
           </a:prstGeom>
+          <a:solidFill>
+            <a:schemeClr val="bg1"/>
+          </a:solidFill>
+          <a:ln w="25400">
+            <a:solidFill>
+              <a:schemeClr val="tx1"/>
+            </a:solidFill>
+          </a:ln>
+          <a:effectLst>
+            <a:softEdge rad="31750"/>
+          </a:effectLst>
         </p:spPr>
         <p:txBody>
-          <a:bodyPr wrap="none">
+          <a:bodyPr wrap="square" rtlCol="0">
             <a:spAutoFit/>
           </a:bodyPr>
           <a:lstStyle/>
           <a:p>
             <a:r>
-              <a:rPr lang="en-US" sz="1400" dirty="0"/>
-              <a:t>https://</a:t>
-            </a:r>
-            <a:r>
-              <a:rPr lang="en-US" sz="1400" dirty="0" err="1"/>
-              <a:t>typelevel.org</a:t>
-            </a:r>
-            <a:r>
-              <a:rPr lang="en-US" sz="1400" dirty="0"/>
-              <a:t>/blog/2013/11/17/</a:t>
-            </a:r>
-            <a:r>
-              <a:rPr lang="en-US" sz="1400" dirty="0" err="1"/>
-              <a:t>discipline.html</a:t>
-            </a:r>
-            <a:endParaRPr lang="en-US" sz="1400" dirty="0"/>
+              <a:rPr lang="en-US" sz="2000" dirty="0">
+                <a:latin typeface="Helvetica" pitchFamily="2" charset="0"/>
+                <a:ea typeface="Gungsuh" panose="02030600000101010101" pitchFamily="18" charset="-127"/>
+              </a:rPr>
+              <a:t>"</a:t>
+            </a:r>
+            <a:r>
+              <a:rPr lang="en-US" sz="2000" dirty="0" err="1">
+                <a:latin typeface="Helvetica" pitchFamily="2" charset="0"/>
+                <a:ea typeface="Gungsuh" panose="02030600000101010101" pitchFamily="18" charset="-127"/>
+              </a:rPr>
+              <a:t>UsersImpl.create</a:t>
+            </a:r>
+            <a:r>
+              <a:rPr lang="en-US" sz="2000" dirty="0">
+                <a:latin typeface="Helvetica" pitchFamily="2" charset="0"/>
+                <a:ea typeface="Gungsuh" panose="02030600000101010101" pitchFamily="18" charset="-127"/>
+              </a:rPr>
+              <a:t>" should "create a new user when id &amp; username does not already exist" in {</a:t>
+            </a:r>
+          </a:p>
+          <a:p>
+            <a:r>
+              <a:rPr lang="en-US" sz="2000" dirty="0">
+                <a:latin typeface="Helvetica" pitchFamily="2" charset="0"/>
+                <a:ea typeface="Gungsuh" panose="02030600000101010101" pitchFamily="18" charset="-127"/>
+              </a:rPr>
+              <a:t>    </a:t>
+            </a:r>
+            <a:r>
+              <a:rPr lang="en-US" sz="2000" dirty="0" err="1">
+                <a:latin typeface="Helvetica" pitchFamily="2" charset="0"/>
+                <a:ea typeface="Gungsuh" panose="02030600000101010101" pitchFamily="18" charset="-127"/>
+              </a:rPr>
+              <a:t>val</a:t>
+            </a:r>
+            <a:r>
+              <a:rPr lang="en-US" sz="2000" dirty="0">
+                <a:latin typeface="Helvetica" pitchFamily="2" charset="0"/>
+                <a:ea typeface="Gungsuh" panose="02030600000101010101" pitchFamily="18" charset="-127"/>
+              </a:rPr>
+              <a:t> fixture = new Fixture</a:t>
+            </a:r>
+          </a:p>
+          <a:p>
+            <a:r>
+              <a:rPr lang="en-US" sz="2000" dirty="0">
+                <a:latin typeface="Helvetica" pitchFamily="2" charset="0"/>
+                <a:ea typeface="Gungsuh" panose="02030600000101010101" pitchFamily="18" charset="-127"/>
+              </a:rPr>
+              <a:t>    import fixture._</a:t>
+            </a:r>
+          </a:p>
+          <a:p>
+            <a:r>
+              <a:rPr lang="en-US" sz="2000" dirty="0">
+                <a:latin typeface="Helvetica" pitchFamily="2" charset="0"/>
+                <a:ea typeface="Gungsuh" panose="02030600000101010101" pitchFamily="18" charset="-127"/>
+              </a:rPr>
+              <a:t>    </a:t>
+            </a:r>
+            <a:r>
+              <a:rPr lang="en-US" sz="2000" dirty="0" err="1">
+                <a:latin typeface="Helvetica" pitchFamily="2" charset="0"/>
+                <a:ea typeface="Gungsuh" panose="02030600000101010101" pitchFamily="18" charset="-127"/>
+              </a:rPr>
+              <a:t>val</a:t>
+            </a:r>
+            <a:r>
+              <a:rPr lang="en-US" sz="2000" dirty="0">
+                <a:latin typeface="Helvetica" pitchFamily="2" charset="0"/>
+                <a:ea typeface="Gungsuh" panose="02030600000101010101" pitchFamily="18" charset="-127"/>
+              </a:rPr>
+              <a:t> id = </a:t>
+            </a:r>
+            <a:r>
+              <a:rPr lang="en-US" sz="2000" dirty="0" err="1">
+                <a:latin typeface="Helvetica" pitchFamily="2" charset="0"/>
+                <a:ea typeface="Gungsuh" panose="02030600000101010101" pitchFamily="18" charset="-127"/>
+              </a:rPr>
+              <a:t>UUID.randomUUID</a:t>
+            </a:r>
+            <a:r>
+              <a:rPr lang="en-US" sz="2000" dirty="0">
+                <a:latin typeface="Helvetica" pitchFamily="2" charset="0"/>
+                <a:ea typeface="Gungsuh" panose="02030600000101010101" pitchFamily="18" charset="-127"/>
+              </a:rPr>
+              <a:t>()</a:t>
+            </a:r>
+          </a:p>
+          <a:p>
+            <a:r>
+              <a:rPr lang="en-US" sz="2000" dirty="0">
+                <a:latin typeface="Helvetica" pitchFamily="2" charset="0"/>
+                <a:ea typeface="Gungsuh" panose="02030600000101010101" pitchFamily="18" charset="-127"/>
+              </a:rPr>
+              <a:t>    </a:t>
+            </a:r>
+            <a:r>
+              <a:rPr lang="en-US" sz="2000" dirty="0" err="1">
+                <a:latin typeface="Helvetica" pitchFamily="2" charset="0"/>
+                <a:ea typeface="Gungsuh" panose="02030600000101010101" pitchFamily="18" charset="-127"/>
+              </a:rPr>
+              <a:t>val</a:t>
+            </a:r>
+            <a:r>
+              <a:rPr lang="en-US" sz="2000" dirty="0">
+                <a:latin typeface="Helvetica" pitchFamily="2" charset="0"/>
+                <a:ea typeface="Gungsuh" panose="02030600000101010101" pitchFamily="18" charset="-127"/>
+              </a:rPr>
+              <a:t> </a:t>
+            </a:r>
+            <a:r>
+              <a:rPr lang="en-US" sz="2000" dirty="0" err="1">
+                <a:latin typeface="Helvetica" pitchFamily="2" charset="0"/>
+                <a:ea typeface="Gungsuh" panose="02030600000101010101" pitchFamily="18" charset="-127"/>
+              </a:rPr>
+              <a:t>newUserData</a:t>
+            </a:r>
+            <a:r>
+              <a:rPr lang="en-US" sz="2000" dirty="0">
+                <a:latin typeface="Helvetica" pitchFamily="2" charset="0"/>
+                <a:ea typeface="Gungsuh" panose="02030600000101010101" pitchFamily="18" charset="-127"/>
+              </a:rPr>
+              <a:t> = </a:t>
+            </a:r>
+            <a:r>
+              <a:rPr lang="en-US" sz="2000" dirty="0" err="1">
+                <a:latin typeface="Helvetica" pitchFamily="2" charset="0"/>
+                <a:ea typeface="Gungsuh" panose="02030600000101010101" pitchFamily="18" charset="-127"/>
+              </a:rPr>
+              <a:t>UserData</a:t>
+            </a:r>
+            <a:r>
+              <a:rPr lang="en-US" sz="2000" dirty="0">
+                <a:latin typeface="Helvetica" pitchFamily="2" charset="0"/>
+                <a:ea typeface="Gungsuh" panose="02030600000101010101" pitchFamily="18" charset="-127"/>
+              </a:rPr>
+              <a:t>(</a:t>
+            </a:r>
+          </a:p>
+          <a:p>
+            <a:r>
+              <a:rPr lang="en-US" sz="2000" dirty="0">
+                <a:latin typeface="Helvetica" pitchFamily="2" charset="0"/>
+                <a:ea typeface="Gungsuh" panose="02030600000101010101" pitchFamily="18" charset="-127"/>
+              </a:rPr>
+              <a:t>      username = "test-user",</a:t>
+            </a:r>
+          </a:p>
+          <a:p>
+            <a:r>
+              <a:rPr lang="en-US" sz="2000" dirty="0">
+                <a:latin typeface="Helvetica" pitchFamily="2" charset="0"/>
+                <a:ea typeface="Gungsuh" panose="02030600000101010101" pitchFamily="18" charset="-127"/>
+              </a:rPr>
+              <a:t>      </a:t>
+            </a:r>
+            <a:r>
+              <a:rPr lang="en-US" sz="2000" dirty="0" err="1">
+                <a:latin typeface="Helvetica" pitchFamily="2" charset="0"/>
+                <a:ea typeface="Gungsuh" panose="02030600000101010101" pitchFamily="18" charset="-127"/>
+              </a:rPr>
+              <a:t>passwordDigest</a:t>
+            </a:r>
+            <a:r>
+              <a:rPr lang="en-US" sz="2000" dirty="0">
+                <a:latin typeface="Helvetica" pitchFamily="2" charset="0"/>
+                <a:ea typeface="Gungsuh" panose="02030600000101010101" pitchFamily="18" charset="-127"/>
+              </a:rPr>
+              <a:t> = "test-digest"</a:t>
+            </a:r>
+          </a:p>
+          <a:p>
+            <a:r>
+              <a:rPr lang="en-US" sz="2000" dirty="0">
+                <a:latin typeface="Helvetica" pitchFamily="2" charset="0"/>
+                <a:ea typeface="Gungsuh" panose="02030600000101010101" pitchFamily="18" charset="-127"/>
+              </a:rPr>
+              <a:t>    )</a:t>
+            </a:r>
+          </a:p>
+          <a:p>
+            <a:r>
+              <a:rPr lang="en-US" sz="2000" dirty="0">
+                <a:latin typeface="Helvetica" pitchFamily="2" charset="0"/>
+                <a:ea typeface="Gungsuh" panose="02030600000101010101" pitchFamily="18" charset="-127"/>
+              </a:rPr>
+              <a:t>    (</a:t>
+            </a:r>
+            <a:r>
+              <a:rPr lang="en-US" sz="2000" dirty="0" err="1">
+                <a:latin typeface="Helvetica" pitchFamily="2" charset="0"/>
+                <a:ea typeface="Gungsuh" panose="02030600000101010101" pitchFamily="18" charset="-127"/>
+              </a:rPr>
+              <a:t>usersDao.findById</a:t>
+            </a:r>
+            <a:r>
+              <a:rPr lang="en-US" sz="2000" dirty="0">
+                <a:latin typeface="Helvetica" pitchFamily="2" charset="0"/>
+                <a:ea typeface="Gungsuh" panose="02030600000101010101" pitchFamily="18" charset="-127"/>
+              </a:rPr>
+              <a:t> _).expects(id).returns(None).once</a:t>
+            </a:r>
+          </a:p>
+          <a:p>
+            <a:r>
+              <a:rPr lang="en-US" sz="2000" dirty="0">
+                <a:latin typeface="Helvetica" pitchFamily="2" charset="0"/>
+                <a:ea typeface="Gungsuh" panose="02030600000101010101" pitchFamily="18" charset="-127"/>
+              </a:rPr>
+              <a:t>    (</a:t>
+            </a:r>
+            <a:r>
+              <a:rPr lang="en-US" sz="2000" dirty="0" err="1">
+                <a:latin typeface="Helvetica" pitchFamily="2" charset="0"/>
+                <a:ea typeface="Gungsuh" panose="02030600000101010101" pitchFamily="18" charset="-127"/>
+              </a:rPr>
+              <a:t>usersDao.findByNativeQuery</a:t>
+            </a:r>
+            <a:r>
+              <a:rPr lang="en-US" sz="2000" dirty="0">
+                <a:latin typeface="Helvetica" pitchFamily="2" charset="0"/>
+                <a:ea typeface="Gungsuh" panose="02030600000101010101" pitchFamily="18" charset="-127"/>
+              </a:rPr>
+              <a:t> _).expects("`username`='test-user'").returns(</a:t>
+            </a:r>
+            <a:r>
+              <a:rPr lang="en-US" sz="2000" dirty="0" err="1">
+                <a:latin typeface="Helvetica" pitchFamily="2" charset="0"/>
+                <a:ea typeface="Gungsuh" panose="02030600000101010101" pitchFamily="18" charset="-127"/>
+              </a:rPr>
+              <a:t>Seq.empty</a:t>
+            </a:r>
+            <a:r>
+              <a:rPr lang="en-US" sz="2000" dirty="0">
+                <a:latin typeface="Helvetica" pitchFamily="2" charset="0"/>
+                <a:ea typeface="Gungsuh" panose="02030600000101010101" pitchFamily="18" charset="-127"/>
+              </a:rPr>
+              <a:t>).once</a:t>
+            </a:r>
+          </a:p>
+          <a:p>
+            <a:r>
+              <a:rPr lang="en-US" sz="2000" dirty="0">
+                <a:latin typeface="Helvetica" pitchFamily="2" charset="0"/>
+                <a:ea typeface="Gungsuh" panose="02030600000101010101" pitchFamily="18" charset="-127"/>
+              </a:rPr>
+              <a:t>    (</a:t>
+            </a:r>
+            <a:r>
+              <a:rPr lang="en-US" sz="2000" dirty="0" err="1">
+                <a:latin typeface="Helvetica" pitchFamily="2" charset="0"/>
+                <a:ea typeface="Gungsuh" panose="02030600000101010101" pitchFamily="18" charset="-127"/>
+              </a:rPr>
+              <a:t>passwords.mkDigest</a:t>
+            </a:r>
+            <a:r>
+              <a:rPr lang="en-US" sz="2000" dirty="0">
+                <a:latin typeface="Helvetica" pitchFamily="2" charset="0"/>
+                <a:ea typeface="Gungsuh" panose="02030600000101010101" pitchFamily="18" charset="-127"/>
+              </a:rPr>
+              <a:t> _).when("test-password").returns("test-digest")</a:t>
+            </a:r>
+          </a:p>
+          <a:p>
+            <a:r>
+              <a:rPr lang="en-US" sz="2000" dirty="0">
+                <a:latin typeface="Helvetica" pitchFamily="2" charset="0"/>
+                <a:ea typeface="Gungsuh" panose="02030600000101010101" pitchFamily="18" charset="-127"/>
+              </a:rPr>
+              <a:t>    (</a:t>
+            </a:r>
+            <a:r>
+              <a:rPr lang="en-US" sz="2000" dirty="0" err="1">
+                <a:latin typeface="Helvetica" pitchFamily="2" charset="0"/>
+                <a:ea typeface="Gungsuh" panose="02030600000101010101" pitchFamily="18" charset="-127"/>
+              </a:rPr>
+              <a:t>usersDao.insert</a:t>
+            </a:r>
+            <a:r>
+              <a:rPr lang="en-US" sz="2000" dirty="0">
+                <a:latin typeface="Helvetica" pitchFamily="2" charset="0"/>
+                <a:ea typeface="Gungsuh" panose="02030600000101010101" pitchFamily="18" charset="-127"/>
+              </a:rPr>
+              <a:t> _).expects(id, </a:t>
+            </a:r>
+            <a:r>
+              <a:rPr lang="en-US" sz="2000" dirty="0" err="1">
+                <a:latin typeface="Helvetica" pitchFamily="2" charset="0"/>
+                <a:ea typeface="Gungsuh" panose="02030600000101010101" pitchFamily="18" charset="-127"/>
+              </a:rPr>
+              <a:t>newUserData</a:t>
+            </a:r>
+            <a:r>
+              <a:rPr lang="en-US" sz="2000" dirty="0">
+                <a:latin typeface="Helvetica" pitchFamily="2" charset="0"/>
+                <a:ea typeface="Gungsuh" panose="02030600000101010101" pitchFamily="18" charset="-127"/>
+              </a:rPr>
+              <a:t>).returns(true).once</a:t>
+            </a:r>
+          </a:p>
+          <a:p>
+            <a:r>
+              <a:rPr lang="en-US" sz="2000" dirty="0">
+                <a:latin typeface="Helvetica" pitchFamily="2" charset="0"/>
+                <a:ea typeface="Gungsuh" panose="02030600000101010101" pitchFamily="18" charset="-127"/>
+              </a:rPr>
+              <a:t>    (</a:t>
+            </a:r>
+            <a:r>
+              <a:rPr lang="en-US" sz="2000" dirty="0" err="1">
+                <a:latin typeface="Helvetica" pitchFamily="2" charset="0"/>
+                <a:ea typeface="Gungsuh" panose="02030600000101010101" pitchFamily="18" charset="-127"/>
+              </a:rPr>
+              <a:t>logger.info</a:t>
+            </a:r>
+            <a:r>
+              <a:rPr lang="en-US" sz="2000" dirty="0">
+                <a:latin typeface="Helvetica" pitchFamily="2" charset="0"/>
+                <a:ea typeface="Gungsuh" panose="02030600000101010101" pitchFamily="18" charset="-127"/>
+              </a:rPr>
+              <a:t> _).expects(</a:t>
+            </a:r>
+            <a:r>
+              <a:rPr lang="en-US" sz="2000" dirty="0" err="1">
+                <a:latin typeface="Helvetica" pitchFamily="2" charset="0"/>
+                <a:ea typeface="Gungsuh" panose="02030600000101010101" pitchFamily="18" charset="-127"/>
+              </a:rPr>
+              <a:t>s"Created</a:t>
+            </a:r>
+            <a:r>
+              <a:rPr lang="en-US" sz="2000" dirty="0">
+                <a:latin typeface="Helvetica" pitchFamily="2" charset="0"/>
+                <a:ea typeface="Gungsuh" panose="02030600000101010101" pitchFamily="18" charset="-127"/>
+              </a:rPr>
+              <a:t> user $id with username test-user").once</a:t>
+            </a:r>
+          </a:p>
+          <a:p>
+            <a:endParaRPr lang="en-US" sz="2000" dirty="0">
+              <a:latin typeface="Helvetica" pitchFamily="2" charset="0"/>
+              <a:ea typeface="Gungsuh" panose="02030600000101010101" pitchFamily="18" charset="-127"/>
+            </a:endParaRPr>
+          </a:p>
+          <a:p>
+            <a:r>
+              <a:rPr lang="en-US" sz="2000" dirty="0">
+                <a:latin typeface="Helvetica" pitchFamily="2" charset="0"/>
+                <a:ea typeface="Gungsuh" panose="02030600000101010101" pitchFamily="18" charset="-127"/>
+              </a:rPr>
+              <a:t>    </a:t>
+            </a:r>
+            <a:r>
+              <a:rPr lang="en-US" sz="2000" dirty="0" err="1">
+                <a:latin typeface="Helvetica" pitchFamily="2" charset="0"/>
+                <a:ea typeface="Gungsuh" panose="02030600000101010101" pitchFamily="18" charset="-127"/>
+              </a:rPr>
+              <a:t>users.create</a:t>
+            </a:r>
+            <a:r>
+              <a:rPr lang="en-US" sz="2000" dirty="0">
+                <a:latin typeface="Helvetica" pitchFamily="2" charset="0"/>
+                <a:ea typeface="Gungsuh" panose="02030600000101010101" pitchFamily="18" charset="-127"/>
+              </a:rPr>
+              <a:t>(</a:t>
+            </a:r>
+            <a:r>
+              <a:rPr lang="en-US" sz="2000" dirty="0" err="1">
+                <a:latin typeface="Helvetica" pitchFamily="2" charset="0"/>
+                <a:ea typeface="Gungsuh" panose="02030600000101010101" pitchFamily="18" charset="-127"/>
+              </a:rPr>
+              <a:t>id,"test</a:t>
+            </a:r>
+            <a:r>
+              <a:rPr lang="en-US" sz="2000" dirty="0">
+                <a:latin typeface="Helvetica" pitchFamily="2" charset="0"/>
+                <a:ea typeface="Gungsuh" panose="02030600000101010101" pitchFamily="18" charset="-127"/>
+              </a:rPr>
+              <a:t>-</a:t>
+            </a:r>
+            <a:r>
+              <a:rPr lang="en-US" sz="2000" dirty="0" err="1">
+                <a:latin typeface="Helvetica" pitchFamily="2" charset="0"/>
+                <a:ea typeface="Gungsuh" panose="02030600000101010101" pitchFamily="18" charset="-127"/>
+              </a:rPr>
+              <a:t>user","test</a:t>
+            </a:r>
+            <a:r>
+              <a:rPr lang="en-US" sz="2000" dirty="0">
+                <a:latin typeface="Helvetica" pitchFamily="2" charset="0"/>
+                <a:ea typeface="Gungsuh" panose="02030600000101010101" pitchFamily="18" charset="-127"/>
+              </a:rPr>
+              <a:t>-password") </a:t>
+            </a:r>
+            <a:r>
+              <a:rPr lang="en-US" sz="2000" dirty="0" err="1">
+                <a:latin typeface="Helvetica" pitchFamily="2" charset="0"/>
+                <a:ea typeface="Gungsuh" panose="02030600000101010101" pitchFamily="18" charset="-127"/>
+              </a:rPr>
+              <a:t>shouldBe</a:t>
+            </a:r>
+            <a:r>
+              <a:rPr lang="en-US" sz="2000" dirty="0">
+                <a:latin typeface="Helvetica" pitchFamily="2" charset="0"/>
+                <a:ea typeface="Gungsuh" panose="02030600000101010101" pitchFamily="18" charset="-127"/>
+              </a:rPr>
+              <a:t> true</a:t>
+            </a:r>
+          </a:p>
+          <a:p>
+            <a:r>
+              <a:rPr lang="en-US" sz="2000" dirty="0">
+                <a:latin typeface="Helvetica" pitchFamily="2" charset="0"/>
+                <a:ea typeface="Gungsuh" panose="02030600000101010101" pitchFamily="18" charset="-127"/>
+              </a:rPr>
+              <a:t>  }</a:t>
+            </a:r>
+            <a:endParaRPr lang="en-US" sz="2000" dirty="0">
+              <a:latin typeface="Helvetica" pitchFamily="2" charset="0"/>
+              <a:ea typeface="Gungsuh" panose="02030600000101010101" pitchFamily="18" charset="-127"/>
+              <a:cs typeface="Consolas" panose="020B0609020204030204" pitchFamily="49" charset="0"/>
+            </a:endParaRPr>
+          </a:p>
+        </p:txBody>
+      </p:sp>
+      <p:sp>
+        <p:nvSpPr>
+          <p:cNvPr id="8" name="TextBox 7">
+            <a:extLst>
+              <a:ext uri="{FF2B5EF4-FFF2-40B4-BE49-F238E27FC236}">
+                <a16:creationId xmlns:a16="http://schemas.microsoft.com/office/drawing/2014/main" id="{F184318E-BCBC-D245-B43A-6FAE727A2F90}"/>
+              </a:ext>
+            </a:extLst>
+          </p:cNvPr>
+          <p:cNvSpPr txBox="1"/>
+          <p:nvPr/>
+        </p:nvSpPr>
+        <p:spPr>
+          <a:xfrm>
+            <a:off x="322818" y="1438835"/>
+            <a:ext cx="467595" cy="5016758"/>
+          </a:xfrm>
+          <a:prstGeom prst="rect">
+            <a:avLst/>
+          </a:prstGeom>
+          <a:solidFill>
+            <a:schemeClr val="bg1"/>
+          </a:solidFill>
+          <a:ln w="25400">
+            <a:solidFill>
+              <a:schemeClr val="tx1"/>
+            </a:solidFill>
+          </a:ln>
+          <a:effectLst>
+            <a:softEdge rad="31750"/>
+          </a:effectLst>
+        </p:spPr>
+        <p:txBody>
+          <a:bodyPr wrap="square" rtlCol="0">
+            <a:spAutoFit/>
+          </a:bodyPr>
+          <a:lstStyle/>
+          <a:p>
+            <a:r>
+              <a:rPr lang="en-US" sz="2000" dirty="0">
+                <a:latin typeface="Helvetica" pitchFamily="2" charset="0"/>
+                <a:cs typeface="Consolas" panose="020B0609020204030204" pitchFamily="49" charset="0"/>
+              </a:rPr>
+              <a:t>01</a:t>
+            </a:r>
+          </a:p>
+          <a:p>
+            <a:r>
+              <a:rPr lang="en-US" sz="2000" dirty="0">
+                <a:latin typeface="Helvetica" pitchFamily="2" charset="0"/>
+                <a:cs typeface="Consolas" panose="020B0609020204030204" pitchFamily="49" charset="0"/>
+              </a:rPr>
+              <a:t>02</a:t>
+            </a:r>
+          </a:p>
+          <a:p>
+            <a:r>
+              <a:rPr lang="en-US" sz="2000" dirty="0">
+                <a:latin typeface="Helvetica" pitchFamily="2" charset="0"/>
+                <a:cs typeface="Consolas" panose="020B0609020204030204" pitchFamily="49" charset="0"/>
+              </a:rPr>
+              <a:t>03</a:t>
+            </a:r>
+          </a:p>
+          <a:p>
+            <a:r>
+              <a:rPr lang="en-US" sz="2000" dirty="0">
+                <a:latin typeface="Helvetica" pitchFamily="2" charset="0"/>
+                <a:cs typeface="Consolas" panose="020B0609020204030204" pitchFamily="49" charset="0"/>
+              </a:rPr>
+              <a:t>04</a:t>
+            </a:r>
+          </a:p>
+          <a:p>
+            <a:r>
+              <a:rPr lang="en-US" sz="2000" dirty="0">
+                <a:latin typeface="Helvetica" pitchFamily="2" charset="0"/>
+                <a:cs typeface="Consolas" panose="020B0609020204030204" pitchFamily="49" charset="0"/>
+              </a:rPr>
+              <a:t>05</a:t>
+            </a:r>
+          </a:p>
+          <a:p>
+            <a:r>
+              <a:rPr lang="en-US" sz="2000" dirty="0">
+                <a:latin typeface="Helvetica" pitchFamily="2" charset="0"/>
+                <a:cs typeface="Consolas" panose="020B0609020204030204" pitchFamily="49" charset="0"/>
+              </a:rPr>
+              <a:t>06</a:t>
+            </a:r>
+          </a:p>
+          <a:p>
+            <a:r>
+              <a:rPr lang="en-US" sz="2000" dirty="0">
+                <a:latin typeface="Helvetica" pitchFamily="2" charset="0"/>
+                <a:cs typeface="Consolas" panose="020B0609020204030204" pitchFamily="49" charset="0"/>
+              </a:rPr>
+              <a:t>07</a:t>
+            </a:r>
+          </a:p>
+          <a:p>
+            <a:r>
+              <a:rPr lang="en-US" sz="2000" dirty="0">
+                <a:latin typeface="Helvetica" pitchFamily="2" charset="0"/>
+                <a:cs typeface="Consolas" panose="020B0609020204030204" pitchFamily="49" charset="0"/>
+              </a:rPr>
+              <a:t>08</a:t>
+            </a:r>
+          </a:p>
+          <a:p>
+            <a:r>
+              <a:rPr lang="en-US" sz="2000" dirty="0">
+                <a:latin typeface="Helvetica" pitchFamily="2" charset="0"/>
+                <a:cs typeface="Consolas" panose="020B0609020204030204" pitchFamily="49" charset="0"/>
+              </a:rPr>
+              <a:t>09</a:t>
+            </a:r>
+          </a:p>
+          <a:p>
+            <a:r>
+              <a:rPr lang="en-US" sz="2000" dirty="0">
+                <a:latin typeface="Helvetica" pitchFamily="2" charset="0"/>
+                <a:cs typeface="Consolas" panose="020B0609020204030204" pitchFamily="49" charset="0"/>
+              </a:rPr>
+              <a:t>10</a:t>
+            </a:r>
+          </a:p>
+          <a:p>
+            <a:r>
+              <a:rPr lang="en-US" sz="2000" dirty="0">
+                <a:latin typeface="Helvetica" pitchFamily="2" charset="0"/>
+                <a:cs typeface="Consolas" panose="020B0609020204030204" pitchFamily="49" charset="0"/>
+              </a:rPr>
+              <a:t>11</a:t>
+            </a:r>
+          </a:p>
+          <a:p>
+            <a:r>
+              <a:rPr lang="en-US" sz="2000" dirty="0">
+                <a:latin typeface="Helvetica" pitchFamily="2" charset="0"/>
+                <a:cs typeface="Consolas" panose="020B0609020204030204" pitchFamily="49" charset="0"/>
+              </a:rPr>
+              <a:t>12</a:t>
+            </a:r>
+          </a:p>
+          <a:p>
+            <a:r>
+              <a:rPr lang="en-US" sz="2000" dirty="0">
+                <a:latin typeface="Helvetica" pitchFamily="2" charset="0"/>
+                <a:cs typeface="Consolas" panose="020B0609020204030204" pitchFamily="49" charset="0"/>
+              </a:rPr>
+              <a:t>13</a:t>
+            </a:r>
+          </a:p>
+          <a:p>
+            <a:r>
+              <a:rPr lang="en-US" sz="2000" dirty="0">
+                <a:latin typeface="Helvetica" pitchFamily="2" charset="0"/>
+                <a:cs typeface="Consolas" panose="020B0609020204030204" pitchFamily="49" charset="0"/>
+              </a:rPr>
+              <a:t>14</a:t>
+            </a:r>
+          </a:p>
+          <a:p>
+            <a:r>
+              <a:rPr lang="en-US" sz="2000" dirty="0">
+                <a:latin typeface="Helvetica" pitchFamily="2" charset="0"/>
+                <a:cs typeface="Consolas" panose="020B0609020204030204" pitchFamily="49" charset="0"/>
+              </a:rPr>
+              <a:t>15</a:t>
+            </a:r>
+          </a:p>
+          <a:p>
+            <a:r>
+              <a:rPr lang="en-US" sz="2000" dirty="0">
+                <a:latin typeface="Helvetica" pitchFamily="2" charset="0"/>
+                <a:cs typeface="Consolas" panose="020B0609020204030204" pitchFamily="49" charset="0"/>
+              </a:rPr>
+              <a:t>16</a:t>
+            </a:r>
           </a:p>
         </p:txBody>
       </p:sp>
     </p:spTree>
     <p:extLst>
       <p:ext uri="{BB962C8B-B14F-4D97-AF65-F5344CB8AC3E}">
-        <p14:creationId xmlns:p14="http://schemas.microsoft.com/office/powerpoint/2010/main" val="3308599455"/>
+        <p14:creationId xmlns:p14="http://schemas.microsoft.com/office/powerpoint/2010/main" val="3872760914"/>
       </p:ext>
     </p:extLst>
   </p:cSld>
